--- a/AI Applications/Literature study 발표/Literature study PPT-SoheeKim.pptx
+++ b/AI Applications/Literature study 발표/Literature study PPT-SoheeKim.pptx
@@ -5,19 +5,20 @@
     <p:sldMasterId id="2147483648" r:id="rId1"/>
   </p:sldMasterIdLst>
   <p:notesMasterIdLst>
-    <p:notesMasterId r:id="rId12"/>
+    <p:notesMasterId r:id="rId13"/>
   </p:notesMasterIdLst>
   <p:sldIdLst>
     <p:sldId id="256" r:id="rId2"/>
-    <p:sldId id="261" r:id="rId3"/>
-    <p:sldId id="278" r:id="rId4"/>
-    <p:sldId id="279" r:id="rId5"/>
-    <p:sldId id="283" r:id="rId6"/>
-    <p:sldId id="259" r:id="rId7"/>
-    <p:sldId id="284" r:id="rId8"/>
-    <p:sldId id="285" r:id="rId9"/>
-    <p:sldId id="286" r:id="rId10"/>
-    <p:sldId id="287" r:id="rId11"/>
+    <p:sldId id="288" r:id="rId3"/>
+    <p:sldId id="261" r:id="rId4"/>
+    <p:sldId id="278" r:id="rId5"/>
+    <p:sldId id="279" r:id="rId6"/>
+    <p:sldId id="283" r:id="rId7"/>
+    <p:sldId id="259" r:id="rId8"/>
+    <p:sldId id="284" r:id="rId9"/>
+    <p:sldId id="285" r:id="rId10"/>
+    <p:sldId id="286" r:id="rId11"/>
+    <p:sldId id="287" r:id="rId12"/>
   </p:sldIdLst>
   <p:sldSz cx="12192000" cy="6858000"/>
   <p:notesSz cx="6797675" cy="9926638"/>
@@ -131,7 +132,7 @@
 <p1510:revInfo xmlns:a="http://schemas.openxmlformats.org/drawingml/2006/main" xmlns:r="http://schemas.openxmlformats.org/officeDocument/2006/relationships" xmlns:p1510="http://schemas.microsoft.com/office/powerpoint/2015/10/main">
   <p1510:revLst>
     <p1510:client id="{8D12304F-A612-4AEE-B021-40989AF66D28}" v="100" dt="2022-06-06T15:41:17.988"/>
-    <p1510:client id="{E9067F50-2CC8-4791-9D95-08591139FED5}" v="10" dt="2022-06-06T08:30:00.762"/>
+    <p1510:client id="{E9067F50-2CC8-4791-9D95-08591139FED5}" v="93" dt="2022-06-07T05:45:22.078"/>
   </p1510:revLst>
 </p1510:revInfo>
 </file>
@@ -140,8 +141,8 @@
 <pc:chgInfo xmlns:a="http://schemas.openxmlformats.org/drawingml/2006/main" xmlns:r="http://schemas.openxmlformats.org/officeDocument/2006/relationships" xmlns:ac="http://schemas.microsoft.com/office/drawing/2013/main/command" xmlns:pc="http://schemas.microsoft.com/office/powerpoint/2013/main/command">
   <pc:docChgLst>
     <pc:chgData name="김소희" userId="292a1162-0793-4577-a94d-2dae0dfa5995" providerId="ADAL" clId="{E9067F50-2CC8-4791-9D95-08591139FED5}"/>
-    <pc:docChg chg="undo redo custSel addSld delSld modSld sldOrd">
-      <pc:chgData name="김소희" userId="292a1162-0793-4577-a94d-2dae0dfa5995" providerId="ADAL" clId="{E9067F50-2CC8-4791-9D95-08591139FED5}" dt="2022-06-06T08:45:46.533" v="479" actId="14"/>
+    <pc:docChg chg="undo redo custSel addSld delSld modSld sldOrd modMainMaster">
+      <pc:chgData name="김소희" userId="292a1162-0793-4577-a94d-2dae0dfa5995" providerId="ADAL" clId="{E9067F50-2CC8-4791-9D95-08591139FED5}" dt="2022-06-07T05:45:22.078" v="998" actId="478"/>
       <pc:docMkLst>
         <pc:docMk/>
       </pc:docMkLst>
@@ -200,7 +201,7 @@
         </pc:sldMkLst>
       </pc:sldChg>
       <pc:sldChg chg="addSp delSp modSp add mod">
-        <pc:chgData name="김소희" userId="292a1162-0793-4577-a94d-2dae0dfa5995" providerId="ADAL" clId="{E9067F50-2CC8-4791-9D95-08591139FED5}" dt="2022-06-06T08:45:46.533" v="479" actId="14"/>
+        <pc:chgData name="김소희" userId="292a1162-0793-4577-a94d-2dae0dfa5995" providerId="ADAL" clId="{E9067F50-2CC8-4791-9D95-08591139FED5}" dt="2022-06-07T05:25:49.566" v="726" actId="1076"/>
         <pc:sldMkLst>
           <pc:docMk/>
           <pc:sldMk cId="3100450580" sldId="259"/>
@@ -214,23 +215,39 @@
           </ac:spMkLst>
         </pc:spChg>
         <pc:spChg chg="mod">
-          <ac:chgData name="김소희" userId="292a1162-0793-4577-a94d-2dae0dfa5995" providerId="ADAL" clId="{E9067F50-2CC8-4791-9D95-08591139FED5}" dt="2022-06-06T08:45:46.533" v="479" actId="14"/>
+          <ac:chgData name="김소희" userId="292a1162-0793-4577-a94d-2dae0dfa5995" providerId="ADAL" clId="{E9067F50-2CC8-4791-9D95-08591139FED5}" dt="2022-06-07T05:25:49.566" v="726" actId="1076"/>
           <ac:spMkLst>
             <pc:docMk/>
             <pc:sldMk cId="3100450580" sldId="259"/>
             <ac:spMk id="5" creationId="{979509AF-A27F-733C-57C1-9246C7112254}"/>
           </ac:spMkLst>
         </pc:spChg>
+        <pc:spChg chg="add del mod">
+          <ac:chgData name="김소희" userId="292a1162-0793-4577-a94d-2dae0dfa5995" providerId="ADAL" clId="{E9067F50-2CC8-4791-9D95-08591139FED5}" dt="2022-06-07T05:22:04.843" v="673" actId="478"/>
+          <ac:spMkLst>
+            <pc:docMk/>
+            <pc:sldMk cId="3100450580" sldId="259"/>
+            <ac:spMk id="7" creationId="{A3596A0B-A856-D764-8629-8B0BBC862899}"/>
+          </ac:spMkLst>
+        </pc:spChg>
         <pc:spChg chg="mod">
-          <ac:chgData name="김소희" userId="292a1162-0793-4577-a94d-2dae0dfa5995" providerId="ADAL" clId="{E9067F50-2CC8-4791-9D95-08591139FED5}" dt="2022-06-06T08:27:33.473" v="131" actId="14100"/>
+          <ac:chgData name="김소희" userId="292a1162-0793-4577-a94d-2dae0dfa5995" providerId="ADAL" clId="{E9067F50-2CC8-4791-9D95-08591139FED5}" dt="2022-06-07T05:24:51.031" v="713" actId="14100"/>
+          <ac:spMkLst>
+            <pc:docMk/>
+            <pc:sldMk cId="3100450580" sldId="259"/>
+            <ac:spMk id="8" creationId="{CEDE08A2-757E-81B5-65DB-41F417719CE9}"/>
+          </ac:spMkLst>
+        </pc:spChg>
+        <pc:spChg chg="del mod">
+          <ac:chgData name="김소희" userId="292a1162-0793-4577-a94d-2dae0dfa5995" providerId="ADAL" clId="{E9067F50-2CC8-4791-9D95-08591139FED5}" dt="2022-06-07T05:22:01.516" v="671" actId="478"/>
           <ac:spMkLst>
             <pc:docMk/>
             <pc:sldMk cId="3100450580" sldId="259"/>
             <ac:spMk id="9" creationId="{05596BCF-D308-A29D-49E5-1678F5F8F27E}"/>
           </ac:spMkLst>
         </pc:spChg>
-        <pc:spChg chg="mod">
-          <ac:chgData name="김소희" userId="292a1162-0793-4577-a94d-2dae0dfa5995" providerId="ADAL" clId="{E9067F50-2CC8-4791-9D95-08591139FED5}" dt="2022-06-06T08:32:34.930" v="229" actId="1076"/>
+        <pc:spChg chg="del mod">
+          <ac:chgData name="김소희" userId="292a1162-0793-4577-a94d-2dae0dfa5995" providerId="ADAL" clId="{E9067F50-2CC8-4791-9D95-08591139FED5}" dt="2022-06-07T05:22:01.516" v="671" actId="478"/>
           <ac:spMkLst>
             <pc:docMk/>
             <pc:sldMk cId="3100450580" sldId="259"/>
@@ -245,6 +262,30 @@
             <ac:spMk id="12" creationId="{FD27C1CD-9F31-25AB-CF79-C071770ECD7C}"/>
           </ac:spMkLst>
         </pc:spChg>
+        <pc:spChg chg="add mod">
+          <ac:chgData name="김소희" userId="292a1162-0793-4577-a94d-2dae0dfa5995" providerId="ADAL" clId="{E9067F50-2CC8-4791-9D95-08591139FED5}" dt="2022-06-07T05:25:43.687" v="722" actId="14100"/>
+          <ac:spMkLst>
+            <pc:docMk/>
+            <pc:sldMk cId="3100450580" sldId="259"/>
+            <ac:spMk id="13" creationId="{2BD6C7AE-65C9-4874-7FF6-23F77F21CF63}"/>
+          </ac:spMkLst>
+        </pc:spChg>
+        <pc:spChg chg="add del mod">
+          <ac:chgData name="김소희" userId="292a1162-0793-4577-a94d-2dae0dfa5995" providerId="ADAL" clId="{E9067F50-2CC8-4791-9D95-08591139FED5}" dt="2022-06-07T05:22:29.775" v="684" actId="478"/>
+          <ac:spMkLst>
+            <pc:docMk/>
+            <pc:sldMk cId="3100450580" sldId="259"/>
+            <ac:spMk id="14" creationId="{4AC0EF4B-3972-F00A-F982-39DAAB910DF2}"/>
+          </ac:spMkLst>
+        </pc:spChg>
+        <pc:spChg chg="add mod">
+          <ac:chgData name="김소희" userId="292a1162-0793-4577-a94d-2dae0dfa5995" providerId="ADAL" clId="{E9067F50-2CC8-4791-9D95-08591139FED5}" dt="2022-06-07T05:22:01.949" v="672"/>
+          <ac:spMkLst>
+            <pc:docMk/>
+            <pc:sldMk cId="3100450580" sldId="259"/>
+            <ac:spMk id="15" creationId="{632F3BB1-F3D9-808D-9F57-FC51868C3BD0}"/>
+          </ac:spMkLst>
+        </pc:spChg>
         <pc:spChg chg="del">
           <ac:chgData name="김소희" userId="292a1162-0793-4577-a94d-2dae0dfa5995" providerId="ADAL" clId="{E9067F50-2CC8-4791-9D95-08591139FED5}" dt="2022-06-06T08:30:00.762" v="150" actId="478"/>
           <ac:spMkLst>
@@ -253,6 +294,14 @@
             <ac:spMk id="15" creationId="{BC70EB06-062B-F384-6999-EBF53C0D916E}"/>
           </ac:spMkLst>
         </pc:spChg>
+        <pc:spChg chg="add mod">
+          <ac:chgData name="김소희" userId="292a1162-0793-4577-a94d-2dae0dfa5995" providerId="ADAL" clId="{E9067F50-2CC8-4791-9D95-08591139FED5}" dt="2022-06-07T05:22:01.949" v="672"/>
+          <ac:spMkLst>
+            <pc:docMk/>
+            <pc:sldMk cId="3100450580" sldId="259"/>
+            <ac:spMk id="16" creationId="{3B24E844-DA7A-1750-15D3-DD1B4073693D}"/>
+          </ac:spMkLst>
+        </pc:spChg>
         <pc:spChg chg="del">
           <ac:chgData name="김소희" userId="292a1162-0793-4577-a94d-2dae0dfa5995" providerId="ADAL" clId="{E9067F50-2CC8-4791-9D95-08591139FED5}" dt="2022-06-06T08:30:00.762" v="150" actId="478"/>
           <ac:spMkLst>
@@ -261,6 +310,46 @@
             <ac:spMk id="16" creationId="{FD7D4674-EE65-4617-5BF5-7C4D5D0E2973}"/>
           </ac:spMkLst>
         </pc:spChg>
+        <pc:spChg chg="add mod">
+          <ac:chgData name="김소희" userId="292a1162-0793-4577-a94d-2dae0dfa5995" providerId="ADAL" clId="{E9067F50-2CC8-4791-9D95-08591139FED5}" dt="2022-06-07T05:22:01.949" v="672"/>
+          <ac:spMkLst>
+            <pc:docMk/>
+            <pc:sldMk cId="3100450580" sldId="259"/>
+            <ac:spMk id="17" creationId="{E1ACAB9E-B6DF-247E-F10B-55670FB05882}"/>
+          </ac:spMkLst>
+        </pc:spChg>
+        <pc:spChg chg="add mod">
+          <ac:chgData name="김소희" userId="292a1162-0793-4577-a94d-2dae0dfa5995" providerId="ADAL" clId="{E9067F50-2CC8-4791-9D95-08591139FED5}" dt="2022-06-07T05:22:01.949" v="672"/>
+          <ac:spMkLst>
+            <pc:docMk/>
+            <pc:sldMk cId="3100450580" sldId="259"/>
+            <ac:spMk id="18" creationId="{45233D5A-0AD0-FC5F-B59D-178683C847E9}"/>
+          </ac:spMkLst>
+        </pc:spChg>
+        <pc:spChg chg="add mod">
+          <ac:chgData name="김소희" userId="292a1162-0793-4577-a94d-2dae0dfa5995" providerId="ADAL" clId="{E9067F50-2CC8-4791-9D95-08591139FED5}" dt="2022-06-07T05:22:01.949" v="672"/>
+          <ac:spMkLst>
+            <pc:docMk/>
+            <pc:sldMk cId="3100450580" sldId="259"/>
+            <ac:spMk id="19" creationId="{923F6C0A-3498-285C-A683-B9F4C47E39A6}"/>
+          </ac:spMkLst>
+        </pc:spChg>
+        <pc:spChg chg="add mod">
+          <ac:chgData name="김소희" userId="292a1162-0793-4577-a94d-2dae0dfa5995" providerId="ADAL" clId="{E9067F50-2CC8-4791-9D95-08591139FED5}" dt="2022-06-07T05:22:34.119" v="685"/>
+          <ac:spMkLst>
+            <pc:docMk/>
+            <pc:sldMk cId="3100450580" sldId="259"/>
+            <ac:spMk id="21" creationId="{05614EF9-D4D4-625F-6540-0A8514C95A5A}"/>
+          </ac:spMkLst>
+        </pc:spChg>
+        <pc:picChg chg="mod">
+          <ac:chgData name="김소희" userId="292a1162-0793-4577-a94d-2dae0dfa5995" providerId="ADAL" clId="{E9067F50-2CC8-4791-9D95-08591139FED5}" dt="2022-06-07T05:24:38.393" v="711" actId="1076"/>
+          <ac:picMkLst>
+            <pc:docMk/>
+            <pc:sldMk cId="3100450580" sldId="259"/>
+            <ac:picMk id="1026" creationId="{E7617C3F-425E-2B8B-661C-95597678B2B8}"/>
+          </ac:picMkLst>
+        </pc:picChg>
         <pc:picChg chg="del">
           <ac:chgData name="김소희" userId="292a1162-0793-4577-a94d-2dae0dfa5995" providerId="ADAL" clId="{E9067F50-2CC8-4791-9D95-08591139FED5}" dt="2022-06-06T08:30:00.762" v="150" actId="478"/>
           <ac:picMkLst>
@@ -269,36 +358,427 @@
             <ac:picMk id="1028" creationId="{DDA27E61-827D-73E9-3260-9DCCEB5FEDAF}"/>
           </ac:picMkLst>
         </pc:picChg>
+        <pc:cxnChg chg="del mod">
+          <ac:chgData name="김소희" userId="292a1162-0793-4577-a94d-2dae0dfa5995" providerId="ADAL" clId="{E9067F50-2CC8-4791-9D95-08591139FED5}" dt="2022-06-07T05:22:01.516" v="671" actId="478"/>
+          <ac:cxnSpMkLst>
+            <pc:docMk/>
+            <pc:sldMk cId="3100450580" sldId="259"/>
+            <ac:cxnSpMk id="3" creationId="{DF13A569-CA4A-F583-26A7-EBE49AA065B2}"/>
+          </ac:cxnSpMkLst>
+        </pc:cxnChg>
+        <pc:cxnChg chg="add del mod">
+          <ac:chgData name="김소희" userId="292a1162-0793-4577-a94d-2dae0dfa5995" providerId="ADAL" clId="{E9067F50-2CC8-4791-9D95-08591139FED5}" dt="2022-06-07T05:22:29.775" v="684" actId="478"/>
+          <ac:cxnSpMkLst>
+            <pc:docMk/>
+            <pc:sldMk cId="3100450580" sldId="259"/>
+            <ac:cxnSpMk id="12" creationId="{C806936E-A529-0EC5-E133-B5399D3AA6ED}"/>
+          </ac:cxnSpMkLst>
+        </pc:cxnChg>
+        <pc:cxnChg chg="add mod">
+          <ac:chgData name="김소희" userId="292a1162-0793-4577-a94d-2dae0dfa5995" providerId="ADAL" clId="{E9067F50-2CC8-4791-9D95-08591139FED5}" dt="2022-06-07T05:22:34.119" v="685"/>
+          <ac:cxnSpMkLst>
+            <pc:docMk/>
+            <pc:sldMk cId="3100450580" sldId="259"/>
+            <ac:cxnSpMk id="20" creationId="{1EF7A485-13E8-F66E-4894-130A3FD43358}"/>
+          </ac:cxnSpMkLst>
+        </pc:cxnChg>
       </pc:sldChg>
-      <pc:sldChg chg="addSp modSp">
-        <pc:chgData name="김소희" userId="292a1162-0793-4577-a94d-2dae0dfa5995" providerId="ADAL" clId="{E9067F50-2CC8-4791-9D95-08591139FED5}" dt="2022-06-06T08:27:48.732" v="137"/>
+      <pc:sldChg chg="addSp delSp modSp mod">
+        <pc:chgData name="김소희" userId="292a1162-0793-4577-a94d-2dae0dfa5995" providerId="ADAL" clId="{E9067F50-2CC8-4791-9D95-08591139FED5}" dt="2022-06-07T05:27:56.612" v="825" actId="20577"/>
         <pc:sldMkLst>
           <pc:docMk/>
           <pc:sldMk cId="252891327" sldId="261"/>
         </pc:sldMkLst>
+        <pc:spChg chg="add del mod">
+          <ac:chgData name="김소희" userId="292a1162-0793-4577-a94d-2dae0dfa5995" providerId="ADAL" clId="{E9067F50-2CC8-4791-9D95-08591139FED5}" dt="2022-06-07T05:20:21.481" v="662" actId="478"/>
+          <ac:spMkLst>
+            <pc:docMk/>
+            <pc:sldMk cId="252891327" sldId="261"/>
+            <ac:spMk id="3" creationId="{15449498-83AE-7559-A05A-DE4E2E5CD067}"/>
+          </ac:spMkLst>
+        </pc:spChg>
+        <pc:spChg chg="del">
+          <ac:chgData name="김소희" userId="292a1162-0793-4577-a94d-2dae0dfa5995" providerId="ADAL" clId="{E9067F50-2CC8-4791-9D95-08591139FED5}" dt="2022-06-07T05:03:04.147" v="503" actId="478"/>
+          <ac:spMkLst>
+            <pc:docMk/>
+            <pc:sldMk cId="252891327" sldId="261"/>
+            <ac:spMk id="5" creationId="{34E7CC66-42E2-4959-88DF-0B454D5A55A5}"/>
+          </ac:spMkLst>
+        </pc:spChg>
+        <pc:spChg chg="add del">
+          <ac:chgData name="김소희" userId="292a1162-0793-4577-a94d-2dae0dfa5995" providerId="ADAL" clId="{E9067F50-2CC8-4791-9D95-08591139FED5}" dt="2022-06-07T05:26:50.850" v="747" actId="478"/>
+          <ac:spMkLst>
+            <pc:docMk/>
+            <pc:sldMk cId="252891327" sldId="261"/>
+            <ac:spMk id="6" creationId="{5A6776E4-9D30-47C4-BEF4-B57DC901EAA5}"/>
+          </ac:spMkLst>
+        </pc:spChg>
+        <pc:spChg chg="mod">
+          <ac:chgData name="김소희" userId="292a1162-0793-4577-a94d-2dae0dfa5995" providerId="ADAL" clId="{E9067F50-2CC8-4791-9D95-08591139FED5}" dt="2022-06-07T05:21:29.107" v="669" actId="207"/>
+          <ac:spMkLst>
+            <pc:docMk/>
+            <pc:sldMk cId="252891327" sldId="261"/>
+            <ac:spMk id="12" creationId="{068C3819-1D50-41F7-AFE9-198A0102F7D3}"/>
+          </ac:spMkLst>
+        </pc:spChg>
         <pc:spChg chg="add mod">
-          <ac:chgData name="김소희" userId="292a1162-0793-4577-a94d-2dae0dfa5995" providerId="ADAL" clId="{E9067F50-2CC8-4791-9D95-08591139FED5}" dt="2022-06-06T08:27:48.732" v="137"/>
+          <ac:chgData name="김소희" userId="292a1162-0793-4577-a94d-2dae0dfa5995" providerId="ADAL" clId="{E9067F50-2CC8-4791-9D95-08591139FED5}" dt="2022-06-07T05:26:57.506" v="749" actId="1076"/>
           <ac:spMkLst>
             <pc:docMk/>
             <pc:sldMk cId="252891327" sldId="261"/>
             <ac:spMk id="13" creationId="{FC72D5E7-4949-1CBB-14CD-8AB8843F6123}"/>
           </ac:spMkLst>
         </pc:spChg>
+        <pc:spChg chg="add del">
+          <ac:chgData name="김소희" userId="292a1162-0793-4577-a94d-2dae0dfa5995" providerId="ADAL" clId="{E9067F50-2CC8-4791-9D95-08591139FED5}" dt="2022-06-07T05:14:11.090" v="564" actId="478"/>
+          <ac:spMkLst>
+            <pc:docMk/>
+            <pc:sldMk cId="252891327" sldId="261"/>
+            <ac:spMk id="15" creationId="{49A41625-7925-B833-86CB-B6E53398B960}"/>
+          </ac:spMkLst>
+        </pc:spChg>
+        <pc:spChg chg="del mod">
+          <ac:chgData name="김소희" userId="292a1162-0793-4577-a94d-2dae0dfa5995" providerId="ADAL" clId="{E9067F50-2CC8-4791-9D95-08591139FED5}" dt="2022-06-07T05:03:20.957" v="509" actId="478"/>
+          <ac:spMkLst>
+            <pc:docMk/>
+            <pc:sldMk cId="252891327" sldId="261"/>
+            <ac:spMk id="16" creationId="{6386CAC0-023C-727A-EDA4-60CF9CFAB77A}"/>
+          </ac:spMkLst>
+        </pc:spChg>
+        <pc:spChg chg="add del mod">
+          <ac:chgData name="김소희" userId="292a1162-0793-4577-a94d-2dae0dfa5995" providerId="ADAL" clId="{E9067F50-2CC8-4791-9D95-08591139FED5}" dt="2022-06-07T05:20:19.518" v="661" actId="478"/>
+          <ac:spMkLst>
+            <pc:docMk/>
+            <pc:sldMk cId="252891327" sldId="261"/>
+            <ac:spMk id="19" creationId="{6F81FCDA-DE79-86BF-DF9D-867BCFB05040}"/>
+          </ac:spMkLst>
+        </pc:spChg>
+        <pc:spChg chg="add mod">
+          <ac:chgData name="김소희" userId="292a1162-0793-4577-a94d-2dae0dfa5995" providerId="ADAL" clId="{E9067F50-2CC8-4791-9D95-08591139FED5}" dt="2022-06-07T05:20:07.787" v="658" actId="207"/>
+          <ac:spMkLst>
+            <pc:docMk/>
+            <pc:sldMk cId="252891327" sldId="261"/>
+            <ac:spMk id="20" creationId="{85178302-4FD1-9E23-9240-FBE8BBA31DF3}"/>
+          </ac:spMkLst>
+        </pc:spChg>
+        <pc:spChg chg="add del">
+          <ac:chgData name="김소희" userId="292a1162-0793-4577-a94d-2dae0dfa5995" providerId="ADAL" clId="{E9067F50-2CC8-4791-9D95-08591139FED5}" dt="2022-06-07T05:14:11.090" v="564" actId="478"/>
+          <ac:spMkLst>
+            <pc:docMk/>
+            <pc:sldMk cId="252891327" sldId="261"/>
+            <ac:spMk id="21" creationId="{DD67A1E6-2C6D-ED29-7847-0C6DFD45FDB6}"/>
+          </ac:spMkLst>
+        </pc:spChg>
+        <pc:spChg chg="add mod">
+          <ac:chgData name="김소희" userId="292a1162-0793-4577-a94d-2dae0dfa5995" providerId="ADAL" clId="{E9067F50-2CC8-4791-9D95-08591139FED5}" dt="2022-06-07T05:19:56.881" v="656" actId="207"/>
+          <ac:spMkLst>
+            <pc:docMk/>
+            <pc:sldMk cId="252891327" sldId="261"/>
+            <ac:spMk id="22" creationId="{C124AAB9-7F18-6CA3-A06A-255857BBBF9F}"/>
+          </ac:spMkLst>
+        </pc:spChg>
+        <pc:spChg chg="add mod">
+          <ac:chgData name="김소희" userId="292a1162-0793-4577-a94d-2dae0dfa5995" providerId="ADAL" clId="{E9067F50-2CC8-4791-9D95-08591139FED5}" dt="2022-06-07T05:20:03.054" v="657" actId="207"/>
+          <ac:spMkLst>
+            <pc:docMk/>
+            <pc:sldMk cId="252891327" sldId="261"/>
+            <ac:spMk id="23" creationId="{A7BFE41F-83DF-129B-7C90-8FE9AFACCE26}"/>
+          </ac:spMkLst>
+        </pc:spChg>
+        <pc:spChg chg="add mod">
+          <ac:chgData name="김소희" userId="292a1162-0793-4577-a94d-2dae0dfa5995" providerId="ADAL" clId="{E9067F50-2CC8-4791-9D95-08591139FED5}" dt="2022-06-07T05:19:36.357" v="650"/>
+          <ac:spMkLst>
+            <pc:docMk/>
+            <pc:sldMk cId="252891327" sldId="261"/>
+            <ac:spMk id="24" creationId="{EB172932-4056-3CD6-3206-6B344BB8C25A}"/>
+          </ac:spMkLst>
+        </pc:spChg>
+        <pc:spChg chg="add mod">
+          <ac:chgData name="김소희" userId="292a1162-0793-4577-a94d-2dae0dfa5995" providerId="ADAL" clId="{E9067F50-2CC8-4791-9D95-08591139FED5}" dt="2022-06-07T05:19:36.357" v="650"/>
+          <ac:spMkLst>
+            <pc:docMk/>
+            <pc:sldMk cId="252891327" sldId="261"/>
+            <ac:spMk id="25" creationId="{EB8882E3-C1DB-7742-6373-83DBB4B5208B}"/>
+          </ac:spMkLst>
+        </pc:spChg>
+        <pc:spChg chg="add mod">
+          <ac:chgData name="김소희" userId="292a1162-0793-4577-a94d-2dae0dfa5995" providerId="ADAL" clId="{E9067F50-2CC8-4791-9D95-08591139FED5}" dt="2022-06-07T05:27:56.612" v="825" actId="20577"/>
+          <ac:spMkLst>
+            <pc:docMk/>
+            <pc:sldMk cId="252891327" sldId="261"/>
+            <ac:spMk id="26" creationId="{4EC4ABD9-61BA-2F0E-7CBE-7B1ECCD0F385}"/>
+          </ac:spMkLst>
+        </pc:spChg>
+        <pc:spChg chg="add mod">
+          <ac:chgData name="김소희" userId="292a1162-0793-4577-a94d-2dae0dfa5995" providerId="ADAL" clId="{E9067F50-2CC8-4791-9D95-08591139FED5}" dt="2022-06-07T05:27:27.276" v="779" actId="14100"/>
+          <ac:spMkLst>
+            <pc:docMk/>
+            <pc:sldMk cId="252891327" sldId="261"/>
+            <ac:spMk id="28" creationId="{4E8F2B56-5144-3E30-9102-CB9980D66008}"/>
+          </ac:spMkLst>
+        </pc:spChg>
+        <pc:picChg chg="add del">
+          <ac:chgData name="김소희" userId="292a1162-0793-4577-a94d-2dae0dfa5995" providerId="ADAL" clId="{E9067F50-2CC8-4791-9D95-08591139FED5}" dt="2022-06-07T05:14:11.090" v="564" actId="478"/>
+          <ac:picMkLst>
+            <pc:docMk/>
+            <pc:sldMk cId="252891327" sldId="261"/>
+            <ac:picMk id="1028" creationId="{7CA797A4-FF44-763B-C0DC-B946C4DCD687}"/>
+          </ac:picMkLst>
+        </pc:picChg>
+        <pc:picChg chg="add del">
+          <ac:chgData name="김소희" userId="292a1162-0793-4577-a94d-2dae0dfa5995" providerId="ADAL" clId="{E9067F50-2CC8-4791-9D95-08591139FED5}" dt="2022-06-07T05:14:11.090" v="564" actId="478"/>
+          <ac:picMkLst>
+            <pc:docMk/>
+            <pc:sldMk cId="252891327" sldId="261"/>
+            <ac:picMk id="1030" creationId="{FE88C08A-210F-164C-463A-5840D248752C}"/>
+          </ac:picMkLst>
+        </pc:picChg>
+        <pc:cxnChg chg="del">
+          <ac:chgData name="김소희" userId="292a1162-0793-4577-a94d-2dae0dfa5995" providerId="ADAL" clId="{E9067F50-2CC8-4791-9D95-08591139FED5}" dt="2022-06-07T05:02:59.376" v="501" actId="478"/>
+          <ac:cxnSpMkLst>
+            <pc:docMk/>
+            <pc:sldMk cId="252891327" sldId="261"/>
+            <ac:cxnSpMk id="14" creationId="{03F592B8-8884-480D-8298-F2B88AA4644C}"/>
+          </ac:cxnSpMkLst>
+        </pc:cxnChg>
+        <pc:cxnChg chg="add del mod">
+          <ac:chgData name="김소희" userId="292a1162-0793-4577-a94d-2dae0dfa5995" providerId="ADAL" clId="{E9067F50-2CC8-4791-9D95-08591139FED5}" dt="2022-06-07T05:20:51.310" v="664" actId="478"/>
+          <ac:cxnSpMkLst>
+            <pc:docMk/>
+            <pc:sldMk cId="252891327" sldId="261"/>
+            <ac:cxnSpMk id="18" creationId="{26BAF0FB-9B12-A875-A7FB-F268007F0E8B}"/>
+          </ac:cxnSpMkLst>
+        </pc:cxnChg>
+        <pc:cxnChg chg="add mod">
+          <ac:chgData name="김소희" userId="292a1162-0793-4577-a94d-2dae0dfa5995" providerId="ADAL" clId="{E9067F50-2CC8-4791-9D95-08591139FED5}" dt="2022-06-07T05:22:36.534" v="686"/>
+          <ac:cxnSpMkLst>
+            <pc:docMk/>
+            <pc:sldMk cId="252891327" sldId="261"/>
+            <ac:cxnSpMk id="27" creationId="{0F0DD39B-A9CD-680C-CD4D-AE68679C61D8}"/>
+          </ac:cxnSpMkLst>
+        </pc:cxnChg>
       </pc:sldChg>
-      <pc:sldChg chg="modSp mod">
-        <pc:chgData name="김소희" userId="292a1162-0793-4577-a94d-2dae0dfa5995" providerId="ADAL" clId="{E9067F50-2CC8-4791-9D95-08591139FED5}" dt="2022-06-06T08:28:55.151" v="139" actId="207"/>
+      <pc:sldChg chg="addSp delSp modSp mod">
+        <pc:chgData name="김소희" userId="292a1162-0793-4577-a94d-2dae0dfa5995" providerId="ADAL" clId="{E9067F50-2CC8-4791-9D95-08591139FED5}" dt="2022-06-07T05:28:16.009" v="831"/>
+        <pc:sldMkLst>
+          <pc:docMk/>
+          <pc:sldMk cId="1463399039" sldId="278"/>
+        </pc:sldMkLst>
+        <pc:spChg chg="del">
+          <ac:chgData name="김소희" userId="292a1162-0793-4577-a94d-2dae0dfa5995" providerId="ADAL" clId="{E9067F50-2CC8-4791-9D95-08591139FED5}" dt="2022-06-07T05:22:40.459" v="687" actId="478"/>
+          <ac:spMkLst>
+            <pc:docMk/>
+            <pc:sldMk cId="1463399039" sldId="278"/>
+            <ac:spMk id="8" creationId="{3A6AAD6D-6666-B319-6621-D790132794CE}"/>
+          </ac:spMkLst>
+        </pc:spChg>
+        <pc:spChg chg="add mod">
+          <ac:chgData name="김소희" userId="292a1162-0793-4577-a94d-2dae0dfa5995" providerId="ADAL" clId="{E9067F50-2CC8-4791-9D95-08591139FED5}" dt="2022-06-07T05:22:50.229" v="689"/>
+          <ac:spMkLst>
+            <pc:docMk/>
+            <pc:sldMk cId="1463399039" sldId="278"/>
+            <ac:spMk id="9" creationId="{4E2DDCC8-0E75-DF56-248F-292FA1B007AF}"/>
+          </ac:spMkLst>
+        </pc:spChg>
+        <pc:spChg chg="add mod">
+          <ac:chgData name="김소희" userId="292a1162-0793-4577-a94d-2dae0dfa5995" providerId="ADAL" clId="{E9067F50-2CC8-4791-9D95-08591139FED5}" dt="2022-06-07T05:22:50.229" v="689"/>
+          <ac:spMkLst>
+            <pc:docMk/>
+            <pc:sldMk cId="1463399039" sldId="278"/>
+            <ac:spMk id="11" creationId="{406911AF-774A-D533-634A-27D5806A2DB2}"/>
+          </ac:spMkLst>
+        </pc:spChg>
+        <pc:spChg chg="mod">
+          <ac:chgData name="김소희" userId="292a1162-0793-4577-a94d-2dae0dfa5995" providerId="ADAL" clId="{E9067F50-2CC8-4791-9D95-08591139FED5}" dt="2022-06-07T05:21:39.770" v="670" actId="207"/>
+          <ac:spMkLst>
+            <pc:docMk/>
+            <pc:sldMk cId="1463399039" sldId="278"/>
+            <ac:spMk id="12" creationId="{068C3819-1D50-41F7-AFE9-198A0102F7D3}"/>
+          </ac:spMkLst>
+        </pc:spChg>
+        <pc:spChg chg="add mod">
+          <ac:chgData name="김소희" userId="292a1162-0793-4577-a94d-2dae0dfa5995" providerId="ADAL" clId="{E9067F50-2CC8-4791-9D95-08591139FED5}" dt="2022-06-07T05:22:50.229" v="689"/>
+          <ac:spMkLst>
+            <pc:docMk/>
+            <pc:sldMk cId="1463399039" sldId="278"/>
+            <ac:spMk id="13" creationId="{63479D39-5642-3A6E-2F0B-CA5040150BF7}"/>
+          </ac:spMkLst>
+        </pc:spChg>
+        <pc:spChg chg="add mod">
+          <ac:chgData name="김소희" userId="292a1162-0793-4577-a94d-2dae0dfa5995" providerId="ADAL" clId="{E9067F50-2CC8-4791-9D95-08591139FED5}" dt="2022-06-07T05:22:50.229" v="689"/>
+          <ac:spMkLst>
+            <pc:docMk/>
+            <pc:sldMk cId="1463399039" sldId="278"/>
+            <ac:spMk id="15" creationId="{4E938E8E-60CE-5A1C-D3F7-34ED9BBC0D13}"/>
+          </ac:spMkLst>
+        </pc:spChg>
+        <pc:spChg chg="add mod">
+          <ac:chgData name="김소희" userId="292a1162-0793-4577-a94d-2dae0dfa5995" providerId="ADAL" clId="{E9067F50-2CC8-4791-9D95-08591139FED5}" dt="2022-06-07T05:22:50.229" v="689"/>
+          <ac:spMkLst>
+            <pc:docMk/>
+            <pc:sldMk cId="1463399039" sldId="278"/>
+            <ac:spMk id="16" creationId="{BDA29DC2-EF5E-C65A-79ED-655F839AFE7F}"/>
+          </ac:spMkLst>
+        </pc:spChg>
+        <pc:spChg chg="add del mod">
+          <ac:chgData name="김소희" userId="292a1162-0793-4577-a94d-2dae0dfa5995" providerId="ADAL" clId="{E9067F50-2CC8-4791-9D95-08591139FED5}" dt="2022-06-07T05:28:06.655" v="826" actId="478"/>
+          <ac:spMkLst>
+            <pc:docMk/>
+            <pc:sldMk cId="1463399039" sldId="278"/>
+            <ac:spMk id="17" creationId="{7ED8B66D-E761-4F81-D442-0F5606862A9E}"/>
+          </ac:spMkLst>
+        </pc:spChg>
+        <pc:spChg chg="add del mod">
+          <ac:chgData name="김소희" userId="292a1162-0793-4577-a94d-2dae0dfa5995" providerId="ADAL" clId="{E9067F50-2CC8-4791-9D95-08591139FED5}" dt="2022-06-07T05:28:15.777" v="830" actId="478"/>
+          <ac:spMkLst>
+            <pc:docMk/>
+            <pc:sldMk cId="1463399039" sldId="278"/>
+            <ac:spMk id="19" creationId="{21236AF4-584F-D4A2-AA2F-9CEF8B870F17}"/>
+          </ac:spMkLst>
+        </pc:spChg>
+        <pc:spChg chg="add mod">
+          <ac:chgData name="김소희" userId="292a1162-0793-4577-a94d-2dae0dfa5995" providerId="ADAL" clId="{E9067F50-2CC8-4791-9D95-08591139FED5}" dt="2022-06-07T05:28:06.913" v="827"/>
+          <ac:spMkLst>
+            <pc:docMk/>
+            <pc:sldMk cId="1463399039" sldId="278"/>
+            <ac:spMk id="20" creationId="{A6E06E65-B05A-3B4A-C919-2387495A5059}"/>
+          </ac:spMkLst>
+        </pc:spChg>
+        <pc:spChg chg="add mod">
+          <ac:chgData name="김소희" userId="292a1162-0793-4577-a94d-2dae0dfa5995" providerId="ADAL" clId="{E9067F50-2CC8-4791-9D95-08591139FED5}" dt="2022-06-07T05:28:16.009" v="831"/>
+          <ac:spMkLst>
+            <pc:docMk/>
+            <pc:sldMk cId="1463399039" sldId="278"/>
+            <ac:spMk id="21" creationId="{9710D3C5-6DC7-F2DA-6AEB-145327B10426}"/>
+          </ac:spMkLst>
+        </pc:spChg>
+        <pc:cxnChg chg="del">
+          <ac:chgData name="김소희" userId="292a1162-0793-4577-a94d-2dae0dfa5995" providerId="ADAL" clId="{E9067F50-2CC8-4791-9D95-08591139FED5}" dt="2022-06-07T05:22:40.459" v="687" actId="478"/>
+          <ac:cxnSpMkLst>
+            <pc:docMk/>
+            <pc:sldMk cId="1463399039" sldId="278"/>
+            <ac:cxnSpMk id="14" creationId="{03F592B8-8884-480D-8298-F2B88AA4644C}"/>
+          </ac:cxnSpMkLst>
+        </pc:cxnChg>
+        <pc:cxnChg chg="add mod">
+          <ac:chgData name="김소희" userId="292a1162-0793-4577-a94d-2dae0dfa5995" providerId="ADAL" clId="{E9067F50-2CC8-4791-9D95-08591139FED5}" dt="2022-06-07T05:22:50.229" v="689"/>
+          <ac:cxnSpMkLst>
+            <pc:docMk/>
+            <pc:sldMk cId="1463399039" sldId="278"/>
+            <ac:cxnSpMk id="18" creationId="{BA4AF971-F701-1EC1-EADA-BBD05B6FAC56}"/>
+          </ac:cxnSpMkLst>
+        </pc:cxnChg>
+      </pc:sldChg>
+      <pc:sldChg chg="addSp delSp modSp mod">
+        <pc:chgData name="김소희" userId="292a1162-0793-4577-a94d-2dae0dfa5995" providerId="ADAL" clId="{E9067F50-2CC8-4791-9D95-08591139FED5}" dt="2022-06-07T05:28:18.614" v="833"/>
         <pc:sldMkLst>
           <pc:docMk/>
           <pc:sldMk cId="197451739" sldId="279"/>
         </pc:sldMkLst>
         <pc:spChg chg="mod">
-          <ac:chgData name="김소희" userId="292a1162-0793-4577-a94d-2dae0dfa5995" providerId="ADAL" clId="{E9067F50-2CC8-4791-9D95-08591139FED5}" dt="2022-06-06T08:28:55.151" v="139" actId="207"/>
+          <ac:chgData name="김소희" userId="292a1162-0793-4577-a94d-2dae0dfa5995" providerId="ADAL" clId="{E9067F50-2CC8-4791-9D95-08591139FED5}" dt="2022-06-07T05:21:18.948" v="668" actId="207"/>
           <ac:spMkLst>
             <pc:docMk/>
             <pc:sldMk cId="197451739" sldId="279"/>
             <ac:spMk id="7" creationId="{5F7AC6CC-8860-1F94-DEC0-65B37276ED29}"/>
           </ac:spMkLst>
         </pc:spChg>
+        <pc:spChg chg="add mod">
+          <ac:chgData name="김소희" userId="292a1162-0793-4577-a94d-2dae0dfa5995" providerId="ADAL" clId="{E9067F50-2CC8-4791-9D95-08591139FED5}" dt="2022-06-07T05:22:51.578" v="690"/>
+          <ac:spMkLst>
+            <pc:docMk/>
+            <pc:sldMk cId="197451739" sldId="279"/>
+            <ac:spMk id="9" creationId="{9EB69937-A99C-D9DB-B843-A3B386FE802B}"/>
+          </ac:spMkLst>
+        </pc:spChg>
+        <pc:spChg chg="del">
+          <ac:chgData name="김소희" userId="292a1162-0793-4577-a94d-2dae0dfa5995" providerId="ADAL" clId="{E9067F50-2CC8-4791-9D95-08591139FED5}" dt="2022-06-07T05:22:42.776" v="688" actId="478"/>
+          <ac:spMkLst>
+            <pc:docMk/>
+            <pc:sldMk cId="197451739" sldId="279"/>
+            <ac:spMk id="10" creationId="{A36E7FF7-A047-6F13-C0A2-760F0BB12025}"/>
+          </ac:spMkLst>
+        </pc:spChg>
+        <pc:spChg chg="add mod">
+          <ac:chgData name="김소희" userId="292a1162-0793-4577-a94d-2dae0dfa5995" providerId="ADAL" clId="{E9067F50-2CC8-4791-9D95-08591139FED5}" dt="2022-06-07T05:22:51.578" v="690"/>
+          <ac:spMkLst>
+            <pc:docMk/>
+            <pc:sldMk cId="197451739" sldId="279"/>
+            <ac:spMk id="13" creationId="{9870717B-1805-2E05-8766-E4C48792A38F}"/>
+          </ac:spMkLst>
+        </pc:spChg>
+        <pc:spChg chg="add mod">
+          <ac:chgData name="김소희" userId="292a1162-0793-4577-a94d-2dae0dfa5995" providerId="ADAL" clId="{E9067F50-2CC8-4791-9D95-08591139FED5}" dt="2022-06-07T05:22:51.578" v="690"/>
+          <ac:spMkLst>
+            <pc:docMk/>
+            <pc:sldMk cId="197451739" sldId="279"/>
+            <ac:spMk id="15" creationId="{09BA262E-CA9C-2315-ED84-F6181294F965}"/>
+          </ac:spMkLst>
+        </pc:spChg>
+        <pc:spChg chg="add mod">
+          <ac:chgData name="김소희" userId="292a1162-0793-4577-a94d-2dae0dfa5995" providerId="ADAL" clId="{E9067F50-2CC8-4791-9D95-08591139FED5}" dt="2022-06-07T05:22:51.578" v="690"/>
+          <ac:spMkLst>
+            <pc:docMk/>
+            <pc:sldMk cId="197451739" sldId="279"/>
+            <ac:spMk id="16" creationId="{6FF22B07-0FFF-2E84-F328-E7DF7B83287B}"/>
+          </ac:spMkLst>
+        </pc:spChg>
+        <pc:spChg chg="add mod">
+          <ac:chgData name="김소희" userId="292a1162-0793-4577-a94d-2dae0dfa5995" providerId="ADAL" clId="{E9067F50-2CC8-4791-9D95-08591139FED5}" dt="2022-06-07T05:22:51.578" v="690"/>
+          <ac:spMkLst>
+            <pc:docMk/>
+            <pc:sldMk cId="197451739" sldId="279"/>
+            <ac:spMk id="17" creationId="{B6F63120-1DA0-F169-E015-165B7401B063}"/>
+          </ac:spMkLst>
+        </pc:spChg>
+        <pc:spChg chg="add del mod">
+          <ac:chgData name="김소희" userId="292a1162-0793-4577-a94d-2dae0dfa5995" providerId="ADAL" clId="{E9067F50-2CC8-4791-9D95-08591139FED5}" dt="2022-06-07T05:28:09.026" v="828" actId="478"/>
+          <ac:spMkLst>
+            <pc:docMk/>
+            <pc:sldMk cId="197451739" sldId="279"/>
+            <ac:spMk id="18" creationId="{9D27E70E-CE1B-1A08-E136-E43959B6CB88}"/>
+          </ac:spMkLst>
+        </pc:spChg>
+        <pc:spChg chg="add del mod">
+          <ac:chgData name="김소희" userId="292a1162-0793-4577-a94d-2dae0dfa5995" providerId="ADAL" clId="{E9067F50-2CC8-4791-9D95-08591139FED5}" dt="2022-06-07T05:28:18.386" v="832" actId="478"/>
+          <ac:spMkLst>
+            <pc:docMk/>
+            <pc:sldMk cId="197451739" sldId="279"/>
+            <ac:spMk id="20" creationId="{A37C8708-2F47-BBA2-6931-773D972A48AB}"/>
+          </ac:spMkLst>
+        </pc:spChg>
+        <pc:spChg chg="add mod">
+          <ac:chgData name="김소희" userId="292a1162-0793-4577-a94d-2dae0dfa5995" providerId="ADAL" clId="{E9067F50-2CC8-4791-9D95-08591139FED5}" dt="2022-06-07T05:28:09.288" v="829"/>
+          <ac:spMkLst>
+            <pc:docMk/>
+            <pc:sldMk cId="197451739" sldId="279"/>
+            <ac:spMk id="21" creationId="{3D413687-F9F2-3C37-CD46-3920423AD9DE}"/>
+          </ac:spMkLst>
+        </pc:spChg>
+        <pc:spChg chg="add mod">
+          <ac:chgData name="김소희" userId="292a1162-0793-4577-a94d-2dae0dfa5995" providerId="ADAL" clId="{E9067F50-2CC8-4791-9D95-08591139FED5}" dt="2022-06-07T05:28:18.614" v="833"/>
+          <ac:spMkLst>
+            <pc:docMk/>
+            <pc:sldMk cId="197451739" sldId="279"/>
+            <ac:spMk id="22" creationId="{5C5EB2E4-5A7A-1762-309B-49CB943852C9}"/>
+          </ac:spMkLst>
+        </pc:spChg>
+        <pc:cxnChg chg="del">
+          <ac:chgData name="김소희" userId="292a1162-0793-4577-a94d-2dae0dfa5995" providerId="ADAL" clId="{E9067F50-2CC8-4791-9D95-08591139FED5}" dt="2022-06-07T05:22:42.776" v="688" actId="478"/>
+          <ac:cxnSpMkLst>
+            <pc:docMk/>
+            <pc:sldMk cId="197451739" sldId="279"/>
+            <ac:cxnSpMk id="14" creationId="{03F592B8-8884-480D-8298-F2B88AA4644C}"/>
+          </ac:cxnSpMkLst>
+        </pc:cxnChg>
+        <pc:cxnChg chg="add mod">
+          <ac:chgData name="김소희" userId="292a1162-0793-4577-a94d-2dae0dfa5995" providerId="ADAL" clId="{E9067F50-2CC8-4791-9D95-08591139FED5}" dt="2022-06-07T05:22:51.578" v="690"/>
+          <ac:cxnSpMkLst>
+            <pc:docMk/>
+            <pc:sldMk cId="197451739" sldId="279"/>
+            <ac:cxnSpMk id="19" creationId="{28F79DC6-5632-D6BF-CEB2-89188E51B9D2}"/>
+          </ac:cxnSpMkLst>
+        </pc:cxnChg>
       </pc:sldChg>
       <pc:sldChg chg="del">
         <pc:chgData name="김소희" userId="292a1162-0793-4577-a94d-2dae0dfa5995" providerId="ADAL" clId="{E9067F50-2CC8-4791-9D95-08591139FED5}" dt="2022-06-06T08:22:43.664" v="58" actId="47"/>
@@ -331,7 +811,7 @@
         </pc:spChg>
       </pc:sldChg>
       <pc:sldChg chg="addSp delSp modSp add mod ord">
-        <pc:chgData name="김소희" userId="292a1162-0793-4577-a94d-2dae0dfa5995" providerId="ADAL" clId="{E9067F50-2CC8-4791-9D95-08591139FED5}" dt="2022-06-06T08:29:40.698" v="149" actId="6549"/>
+        <pc:chgData name="김소희" userId="292a1162-0793-4577-a94d-2dae0dfa5995" providerId="ADAL" clId="{E9067F50-2CC8-4791-9D95-08591139FED5}" dt="2022-06-07T05:23:08.217" v="693" actId="20577"/>
         <pc:sldMkLst>
           <pc:docMk/>
           <pc:sldMk cId="130366447" sldId="283"/>
@@ -353,7 +833,7 @@
           </ac:spMkLst>
         </pc:spChg>
         <pc:spChg chg="mod">
-          <ac:chgData name="김소희" userId="292a1162-0793-4577-a94d-2dae0dfa5995" providerId="ADAL" clId="{E9067F50-2CC8-4791-9D95-08591139FED5}" dt="2022-06-06T08:29:40.698" v="149" actId="6549"/>
+          <ac:chgData name="김소희" userId="292a1162-0793-4577-a94d-2dae0dfa5995" providerId="ADAL" clId="{E9067F50-2CC8-4791-9D95-08591139FED5}" dt="2022-06-07T05:23:08.217" v="693" actId="20577"/>
           <ac:spMkLst>
             <pc:docMk/>
             <pc:sldMk cId="130366447" sldId="283"/>
@@ -361,6 +841,529 @@
           </ac:spMkLst>
         </pc:spChg>
       </pc:sldChg>
+      <pc:sldChg chg="addSp delSp modSp mod">
+        <pc:chgData name="김소희" userId="292a1162-0793-4577-a94d-2dae0dfa5995" providerId="ADAL" clId="{E9067F50-2CC8-4791-9D95-08591139FED5}" dt="2022-06-07T05:24:03.977" v="703" actId="478"/>
+        <pc:sldMkLst>
+          <pc:docMk/>
+          <pc:sldMk cId="1007606599" sldId="284"/>
+        </pc:sldMkLst>
+        <pc:spChg chg="add del mod">
+          <ac:chgData name="김소희" userId="292a1162-0793-4577-a94d-2dae0dfa5995" providerId="ADAL" clId="{E9067F50-2CC8-4791-9D95-08591139FED5}" dt="2022-06-07T05:02:10.491" v="494" actId="478"/>
+          <ac:spMkLst>
+            <pc:docMk/>
+            <pc:sldMk cId="1007606599" sldId="284"/>
+            <ac:spMk id="4" creationId="{5B908BED-C097-064B-BA7D-CED0EB474536}"/>
+          </ac:spMkLst>
+        </pc:spChg>
+        <pc:spChg chg="add mod">
+          <ac:chgData name="김소희" userId="292a1162-0793-4577-a94d-2dae0dfa5995" providerId="ADAL" clId="{E9067F50-2CC8-4791-9D95-08591139FED5}" dt="2022-06-07T05:19:15.888" v="648" actId="207"/>
+          <ac:spMkLst>
+            <pc:docMk/>
+            <pc:sldMk cId="1007606599" sldId="284"/>
+            <ac:spMk id="5" creationId="{AC0CC513-A29D-4842-9FF9-B89CFBE6E051}"/>
+          </ac:spMkLst>
+        </pc:spChg>
+        <pc:spChg chg="mod">
+          <ac:chgData name="김소희" userId="292a1162-0793-4577-a94d-2dae0dfa5995" providerId="ADAL" clId="{E9067F50-2CC8-4791-9D95-08591139FED5}" dt="2022-06-07T05:17:25.502" v="594" actId="1076"/>
+          <ac:spMkLst>
+            <pc:docMk/>
+            <pc:sldMk cId="1007606599" sldId="284"/>
+            <ac:spMk id="8" creationId="{CEDE08A2-757E-81B5-65DB-41F417719CE9}"/>
+          </ac:spMkLst>
+        </pc:spChg>
+        <pc:spChg chg="del">
+          <ac:chgData name="김소희" userId="292a1162-0793-4577-a94d-2dae0dfa5995" providerId="ADAL" clId="{E9067F50-2CC8-4791-9D95-08591139FED5}" dt="2022-06-07T05:02:07.967" v="493" actId="478"/>
+          <ac:spMkLst>
+            <pc:docMk/>
+            <pc:sldMk cId="1007606599" sldId="284"/>
+            <ac:spMk id="9" creationId="{05596BCF-D308-A29D-49E5-1678F5F8F27E}"/>
+          </ac:spMkLst>
+        </pc:spChg>
+        <pc:spChg chg="mod">
+          <ac:chgData name="김소희" userId="292a1162-0793-4577-a94d-2dae0dfa5995" providerId="ADAL" clId="{E9067F50-2CC8-4791-9D95-08591139FED5}" dt="2022-06-07T05:17:27.710" v="595" actId="1076"/>
+          <ac:spMkLst>
+            <pc:docMk/>
+            <pc:sldMk cId="1007606599" sldId="284"/>
+            <ac:spMk id="10" creationId="{9481DA02-EAD8-52D8-62D6-FC70FD83FA64}"/>
+          </ac:spMkLst>
+        </pc:spChg>
+        <pc:spChg chg="del">
+          <ac:chgData name="김소희" userId="292a1162-0793-4577-a94d-2dae0dfa5995" providerId="ADAL" clId="{E9067F50-2CC8-4791-9D95-08591139FED5}" dt="2022-06-07T05:02:07.967" v="493" actId="478"/>
+          <ac:spMkLst>
+            <pc:docMk/>
+            <pc:sldMk cId="1007606599" sldId="284"/>
+            <ac:spMk id="11" creationId="{9B6A7BE8-DA0E-E598-1132-9B432BA49502}"/>
+          </ac:spMkLst>
+        </pc:spChg>
+        <pc:spChg chg="mod">
+          <ac:chgData name="김소희" userId="292a1162-0793-4577-a94d-2dae0dfa5995" providerId="ADAL" clId="{E9067F50-2CC8-4791-9D95-08591139FED5}" dt="2022-06-07T05:23:48.146" v="698" actId="12788"/>
+          <ac:spMkLst>
+            <pc:docMk/>
+            <pc:sldMk cId="1007606599" sldId="284"/>
+            <ac:spMk id="13" creationId="{0FD405ED-5D3F-B00E-324B-64D242A4B44C}"/>
+          </ac:spMkLst>
+        </pc:spChg>
+        <pc:spChg chg="add mod">
+          <ac:chgData name="김소희" userId="292a1162-0793-4577-a94d-2dae0dfa5995" providerId="ADAL" clId="{E9067F50-2CC8-4791-9D95-08591139FED5}" dt="2022-06-07T05:17:43.767" v="598" actId="20577"/>
+          <ac:spMkLst>
+            <pc:docMk/>
+            <pc:sldMk cId="1007606599" sldId="284"/>
+            <ac:spMk id="15" creationId="{30A0C64A-7716-040C-82FB-7DEF2CEDFFA4}"/>
+          </ac:spMkLst>
+        </pc:spChg>
+        <pc:spChg chg="add mod">
+          <ac:chgData name="김소희" userId="292a1162-0793-4577-a94d-2dae0dfa5995" providerId="ADAL" clId="{E9067F50-2CC8-4791-9D95-08591139FED5}" dt="2022-06-07T05:22:16.435" v="683" actId="1036"/>
+          <ac:spMkLst>
+            <pc:docMk/>
+            <pc:sldMk cId="1007606599" sldId="284"/>
+            <ac:spMk id="16" creationId="{E59FB98E-17EB-EDDD-8E56-9B0890F28171}"/>
+          </ac:spMkLst>
+        </pc:spChg>
+        <pc:spChg chg="add mod">
+          <ac:chgData name="김소희" userId="292a1162-0793-4577-a94d-2dae0dfa5995" providerId="ADAL" clId="{E9067F50-2CC8-4791-9D95-08591139FED5}" dt="2022-06-07T05:08:42.507" v="555" actId="207"/>
+          <ac:spMkLst>
+            <pc:docMk/>
+            <pc:sldMk cId="1007606599" sldId="284"/>
+            <ac:spMk id="17" creationId="{C6B2F9B1-F615-EE80-9CA5-57A4BCFACEBB}"/>
+          </ac:spMkLst>
+        </pc:spChg>
+        <pc:spChg chg="add mod">
+          <ac:chgData name="김소희" userId="292a1162-0793-4577-a94d-2dae0dfa5995" providerId="ADAL" clId="{E9067F50-2CC8-4791-9D95-08591139FED5}" dt="2022-06-07T05:19:19.257" v="649" actId="207"/>
+          <ac:spMkLst>
+            <pc:docMk/>
+            <pc:sldMk cId="1007606599" sldId="284"/>
+            <ac:spMk id="18" creationId="{D70AC2B5-E49A-DFFF-06EF-9A3970DC596F}"/>
+          </ac:spMkLst>
+        </pc:spChg>
+        <pc:spChg chg="add mod">
+          <ac:chgData name="김소희" userId="292a1162-0793-4577-a94d-2dae0dfa5995" providerId="ADAL" clId="{E9067F50-2CC8-4791-9D95-08591139FED5}" dt="2022-06-07T05:19:06.004" v="647" actId="207"/>
+          <ac:spMkLst>
+            <pc:docMk/>
+            <pc:sldMk cId="1007606599" sldId="284"/>
+            <ac:spMk id="19" creationId="{82B1F8BD-579D-5F28-8B2B-1EA39F34B641}"/>
+          </ac:spMkLst>
+        </pc:spChg>
+        <pc:spChg chg="add mod">
+          <ac:chgData name="김소희" userId="292a1162-0793-4577-a94d-2dae0dfa5995" providerId="ADAL" clId="{E9067F50-2CC8-4791-9D95-08591139FED5}" dt="2022-06-07T05:19:06.004" v="647" actId="207"/>
+          <ac:spMkLst>
+            <pc:docMk/>
+            <pc:sldMk cId="1007606599" sldId="284"/>
+            <ac:spMk id="20" creationId="{96DDE697-49DB-0EB4-1142-98D7E4C9DB79}"/>
+          </ac:spMkLst>
+        </pc:spChg>
+        <pc:picChg chg="del mod">
+          <ac:chgData name="김소희" userId="292a1162-0793-4577-a94d-2dae0dfa5995" providerId="ADAL" clId="{E9067F50-2CC8-4791-9D95-08591139FED5}" dt="2022-06-07T05:24:03.977" v="703" actId="478"/>
+          <ac:picMkLst>
+            <pc:docMk/>
+            <pc:sldMk cId="1007606599" sldId="284"/>
+            <ac:picMk id="2050" creationId="{6E712FA3-BDE5-38FD-13FC-082F1C34453F}"/>
+          </ac:picMkLst>
+        </pc:picChg>
+        <pc:picChg chg="mod">
+          <ac:chgData name="김소희" userId="292a1162-0793-4577-a94d-2dae0dfa5995" providerId="ADAL" clId="{E9067F50-2CC8-4791-9D95-08591139FED5}" dt="2022-06-07T05:17:33.345" v="597" actId="1076"/>
+          <ac:picMkLst>
+            <pc:docMk/>
+            <pc:sldMk cId="1007606599" sldId="284"/>
+            <ac:picMk id="2052" creationId="{42A03C47-08F4-1C11-23DF-D0B210C99E5D}"/>
+          </ac:picMkLst>
+        </pc:picChg>
+        <pc:picChg chg="mod">
+          <ac:chgData name="김소희" userId="292a1162-0793-4577-a94d-2dae0dfa5995" providerId="ADAL" clId="{E9067F50-2CC8-4791-9D95-08591139FED5}" dt="2022-06-07T05:24:00.902" v="702" actId="1076"/>
+          <ac:picMkLst>
+            <pc:docMk/>
+            <pc:sldMk cId="1007606599" sldId="284"/>
+            <ac:picMk id="2058" creationId="{D62B9CBB-CE23-F94E-FB65-15DCACD1EE41}"/>
+          </ac:picMkLst>
+        </pc:picChg>
+        <pc:cxnChg chg="del">
+          <ac:chgData name="김소희" userId="292a1162-0793-4577-a94d-2dae0dfa5995" providerId="ADAL" clId="{E9067F50-2CC8-4791-9D95-08591139FED5}" dt="2022-06-07T05:02:07.967" v="493" actId="478"/>
+          <ac:cxnSpMkLst>
+            <pc:docMk/>
+            <pc:sldMk cId="1007606599" sldId="284"/>
+            <ac:cxnSpMk id="3" creationId="{DF13A569-CA4A-F583-26A7-EBE49AA065B2}"/>
+          </ac:cxnSpMkLst>
+        </pc:cxnChg>
+        <pc:cxnChg chg="add mod">
+          <ac:chgData name="김소희" userId="292a1162-0793-4577-a94d-2dae0dfa5995" providerId="ADAL" clId="{E9067F50-2CC8-4791-9D95-08591139FED5}" dt="2022-06-07T05:22:16.435" v="683" actId="1036"/>
+          <ac:cxnSpMkLst>
+            <pc:docMk/>
+            <pc:sldMk cId="1007606599" sldId="284"/>
+            <ac:cxnSpMk id="14" creationId="{A5A8D906-2DC2-2B7A-6F05-6F07EECA7B70}"/>
+          </ac:cxnSpMkLst>
+        </pc:cxnChg>
+      </pc:sldChg>
+      <pc:sldChg chg="addSp delSp modSp mod">
+        <pc:chgData name="김소희" userId="292a1162-0793-4577-a94d-2dae0dfa5995" providerId="ADAL" clId="{E9067F50-2CC8-4791-9D95-08591139FED5}" dt="2022-06-07T05:16:13.358" v="584" actId="122"/>
+        <pc:sldMkLst>
+          <pc:docMk/>
+          <pc:sldMk cId="3388572705" sldId="285"/>
+        </pc:sldMkLst>
+        <pc:spChg chg="add del mod">
+          <ac:chgData name="김소희" userId="292a1162-0793-4577-a94d-2dae0dfa5995" providerId="ADAL" clId="{E9067F50-2CC8-4791-9D95-08591139FED5}" dt="2022-06-07T05:02:22.904" v="497" actId="478"/>
+          <ac:spMkLst>
+            <pc:docMk/>
+            <pc:sldMk cId="3388572705" sldId="285"/>
+            <ac:spMk id="6" creationId="{13AE9DE0-2E3B-B5EC-2FA3-4F7BBDD7AB8F}"/>
+          </ac:spMkLst>
+        </pc:spChg>
+        <pc:spChg chg="del">
+          <ac:chgData name="김소희" userId="292a1162-0793-4577-a94d-2dae0dfa5995" providerId="ADAL" clId="{E9067F50-2CC8-4791-9D95-08591139FED5}" dt="2022-06-07T05:02:19.652" v="496" actId="478"/>
+          <ac:spMkLst>
+            <pc:docMk/>
+            <pc:sldMk cId="3388572705" sldId="285"/>
+            <ac:spMk id="9" creationId="{05596BCF-D308-A29D-49E5-1678F5F8F27E}"/>
+          </ac:spMkLst>
+        </pc:spChg>
+        <pc:spChg chg="mod">
+          <ac:chgData name="김소희" userId="292a1162-0793-4577-a94d-2dae0dfa5995" providerId="ADAL" clId="{E9067F50-2CC8-4791-9D95-08591139FED5}" dt="2022-06-07T05:16:13.358" v="584" actId="122"/>
+          <ac:spMkLst>
+            <pc:docMk/>
+            <pc:sldMk cId="3388572705" sldId="285"/>
+            <ac:spMk id="11" creationId="{9B6A7BE8-DA0E-E598-1132-9B432BA49502}"/>
+          </ac:spMkLst>
+        </pc:spChg>
+        <pc:spChg chg="mod">
+          <ac:chgData name="김소희" userId="292a1162-0793-4577-a94d-2dae0dfa5995" providerId="ADAL" clId="{E9067F50-2CC8-4791-9D95-08591139FED5}" dt="2022-06-07T05:15:56.032" v="581" actId="1076"/>
+          <ac:spMkLst>
+            <pc:docMk/>
+            <pc:sldMk cId="3388572705" sldId="285"/>
+            <ac:spMk id="13" creationId="{0FD405ED-5D3F-B00E-324B-64D242A4B44C}"/>
+          </ac:spMkLst>
+        </pc:spChg>
+        <pc:spChg chg="add mod">
+          <ac:chgData name="김소희" userId="292a1162-0793-4577-a94d-2dae0dfa5995" providerId="ADAL" clId="{E9067F50-2CC8-4791-9D95-08591139FED5}" dt="2022-06-07T05:02:23.832" v="498"/>
+          <ac:spMkLst>
+            <pc:docMk/>
+            <pc:sldMk cId="3388572705" sldId="285"/>
+            <ac:spMk id="17" creationId="{A89F73C7-5F2D-7F88-5CF2-EC6AC50B919B}"/>
+          </ac:spMkLst>
+        </pc:spChg>
+        <pc:spChg chg="add del mod">
+          <ac:chgData name="김소희" userId="292a1162-0793-4577-a94d-2dae0dfa5995" providerId="ADAL" clId="{E9067F50-2CC8-4791-9D95-08591139FED5}" dt="2022-06-07T05:02:26.837" v="499" actId="478"/>
+          <ac:spMkLst>
+            <pc:docMk/>
+            <pc:sldMk cId="3388572705" sldId="285"/>
+            <ac:spMk id="18" creationId="{D9ADD40B-E328-B415-EC84-DEAA28ADC995}"/>
+          </ac:spMkLst>
+        </pc:spChg>
+        <pc:cxnChg chg="del">
+          <ac:chgData name="김소희" userId="292a1162-0793-4577-a94d-2dae0dfa5995" providerId="ADAL" clId="{E9067F50-2CC8-4791-9D95-08591139FED5}" dt="2022-06-07T05:02:19.652" v="496" actId="478"/>
+          <ac:cxnSpMkLst>
+            <pc:docMk/>
+            <pc:sldMk cId="3388572705" sldId="285"/>
+            <ac:cxnSpMk id="3" creationId="{DF13A569-CA4A-F583-26A7-EBE49AA065B2}"/>
+          </ac:cxnSpMkLst>
+        </pc:cxnChg>
+        <pc:cxnChg chg="add mod">
+          <ac:chgData name="김소희" userId="292a1162-0793-4577-a94d-2dae0dfa5995" providerId="ADAL" clId="{E9067F50-2CC8-4791-9D95-08591139FED5}" dt="2022-06-07T05:02:23.832" v="498"/>
+          <ac:cxnSpMkLst>
+            <pc:docMk/>
+            <pc:sldMk cId="3388572705" sldId="285"/>
+            <ac:cxnSpMk id="16" creationId="{42C056C8-0FD2-2A4E-4EFD-8AB95EB8D86C}"/>
+          </ac:cxnSpMkLst>
+        </pc:cxnChg>
+      </pc:sldChg>
+      <pc:sldChg chg="addSp delSp modSp mod">
+        <pc:chgData name="김소희" userId="292a1162-0793-4577-a94d-2dae0dfa5995" providerId="ADAL" clId="{E9067F50-2CC8-4791-9D95-08591139FED5}" dt="2022-06-07T05:15:35.689" v="575" actId="478"/>
+        <pc:sldMkLst>
+          <pc:docMk/>
+          <pc:sldMk cId="2119792755" sldId="286"/>
+        </pc:sldMkLst>
+        <pc:spChg chg="add del mod">
+          <ac:chgData name="김소희" userId="292a1162-0793-4577-a94d-2dae0dfa5995" providerId="ADAL" clId="{E9067F50-2CC8-4791-9D95-08591139FED5}" dt="2022-06-07T05:15:35.689" v="575" actId="478"/>
+          <ac:spMkLst>
+            <pc:docMk/>
+            <pc:sldMk cId="2119792755" sldId="286"/>
+            <ac:spMk id="4" creationId="{D99F8E86-8B0C-B92A-3FCE-6AD9807C865A}"/>
+          </ac:spMkLst>
+        </pc:spChg>
+        <pc:spChg chg="del">
+          <ac:chgData name="김소희" userId="292a1162-0793-4577-a94d-2dae0dfa5995" providerId="ADAL" clId="{E9067F50-2CC8-4791-9D95-08591139FED5}" dt="2022-06-07T05:15:33.608" v="574" actId="478"/>
+          <ac:spMkLst>
+            <pc:docMk/>
+            <pc:sldMk cId="2119792755" sldId="286"/>
+            <ac:spMk id="9" creationId="{05596BCF-D308-A29D-49E5-1678F5F8F27E}"/>
+          </ac:spMkLst>
+        </pc:spChg>
+        <pc:spChg chg="del">
+          <ac:chgData name="김소희" userId="292a1162-0793-4577-a94d-2dae0dfa5995" providerId="ADAL" clId="{E9067F50-2CC8-4791-9D95-08591139FED5}" dt="2022-06-07T05:15:33.608" v="574" actId="478"/>
+          <ac:spMkLst>
+            <pc:docMk/>
+            <pc:sldMk cId="2119792755" sldId="286"/>
+            <ac:spMk id="11" creationId="{9B6A7BE8-DA0E-E598-1132-9B432BA49502}"/>
+          </ac:spMkLst>
+        </pc:spChg>
+        <pc:cxnChg chg="del">
+          <ac:chgData name="김소희" userId="292a1162-0793-4577-a94d-2dae0dfa5995" providerId="ADAL" clId="{E9067F50-2CC8-4791-9D95-08591139FED5}" dt="2022-06-07T05:15:33.608" v="574" actId="478"/>
+          <ac:cxnSpMkLst>
+            <pc:docMk/>
+            <pc:sldMk cId="2119792755" sldId="286"/>
+            <ac:cxnSpMk id="3" creationId="{DF13A569-CA4A-F583-26A7-EBE49AA065B2}"/>
+          </ac:cxnSpMkLst>
+        </pc:cxnChg>
+      </pc:sldChg>
+      <pc:sldChg chg="addSp delSp modSp add mod ord modNotesTx">
+        <pc:chgData name="김소희" userId="292a1162-0793-4577-a94d-2dae0dfa5995" providerId="ADAL" clId="{E9067F50-2CC8-4791-9D95-08591139FED5}" dt="2022-06-07T05:45:22.078" v="998" actId="478"/>
+        <pc:sldMkLst>
+          <pc:docMk/>
+          <pc:sldMk cId="3279130291" sldId="288"/>
+        </pc:sldMkLst>
+        <pc:spChg chg="add del">
+          <ac:chgData name="김소희" userId="292a1162-0793-4577-a94d-2dae0dfa5995" providerId="ADAL" clId="{E9067F50-2CC8-4791-9D95-08591139FED5}" dt="2022-06-07T05:37:06.398" v="888" actId="478"/>
+          <ac:spMkLst>
+            <pc:docMk/>
+            <pc:sldMk cId="3279130291" sldId="288"/>
+            <ac:spMk id="2" creationId="{9156D691-F8C9-9515-F784-D28DB6B7A4F3}"/>
+          </ac:spMkLst>
+        </pc:spChg>
+        <pc:spChg chg="del">
+          <ac:chgData name="김소희" userId="292a1162-0793-4577-a94d-2dae0dfa5995" providerId="ADAL" clId="{E9067F50-2CC8-4791-9D95-08591139FED5}" dt="2022-06-07T05:28:38.378" v="836" actId="478"/>
+          <ac:spMkLst>
+            <pc:docMk/>
+            <pc:sldMk cId="3279130291" sldId="288"/>
+            <ac:spMk id="8" creationId="{84543FA1-CA59-6B86-A189-BBA9AF290722}"/>
+          </ac:spMkLst>
+        </pc:spChg>
+        <pc:spChg chg="del">
+          <ac:chgData name="김소희" userId="292a1162-0793-4577-a94d-2dae0dfa5995" providerId="ADAL" clId="{E9067F50-2CC8-4791-9D95-08591139FED5}" dt="2022-06-07T05:28:35.009" v="835" actId="478"/>
+          <ac:spMkLst>
+            <pc:docMk/>
+            <pc:sldMk cId="3279130291" sldId="288"/>
+            <ac:spMk id="12" creationId="{068C3819-1D50-41F7-AFE9-198A0102F7D3}"/>
+          </ac:spMkLst>
+        </pc:spChg>
+        <pc:spChg chg="del">
+          <ac:chgData name="김소희" userId="292a1162-0793-4577-a94d-2dae0dfa5995" providerId="ADAL" clId="{E9067F50-2CC8-4791-9D95-08591139FED5}" dt="2022-06-07T05:28:51.453" v="842" actId="478"/>
+          <ac:spMkLst>
+            <pc:docMk/>
+            <pc:sldMk cId="3279130291" sldId="288"/>
+            <ac:spMk id="13" creationId="{FC72D5E7-4949-1CBB-14CD-8AB8843F6123}"/>
+          </ac:spMkLst>
+        </pc:spChg>
+        <pc:spChg chg="del">
+          <ac:chgData name="김소희" userId="292a1162-0793-4577-a94d-2dae0dfa5995" providerId="ADAL" clId="{E9067F50-2CC8-4791-9D95-08591139FED5}" dt="2022-06-07T05:28:38.378" v="836" actId="478"/>
+          <ac:spMkLst>
+            <pc:docMk/>
+            <pc:sldMk cId="3279130291" sldId="288"/>
+            <ac:spMk id="15" creationId="{49A41625-7925-B833-86CB-B6E53398B960}"/>
+          </ac:spMkLst>
+        </pc:spChg>
+        <pc:spChg chg="del">
+          <ac:chgData name="김소희" userId="292a1162-0793-4577-a94d-2dae0dfa5995" providerId="ADAL" clId="{E9067F50-2CC8-4791-9D95-08591139FED5}" dt="2022-06-07T05:28:38.378" v="836" actId="478"/>
+          <ac:spMkLst>
+            <pc:docMk/>
+            <pc:sldMk cId="3279130291" sldId="288"/>
+            <ac:spMk id="17" creationId="{423283DD-C6B5-69BE-287A-F809400460F6}"/>
+          </ac:spMkLst>
+        </pc:spChg>
+        <pc:spChg chg="add mod">
+          <ac:chgData name="김소희" userId="292a1162-0793-4577-a94d-2dae0dfa5995" providerId="ADAL" clId="{E9067F50-2CC8-4791-9D95-08591139FED5}" dt="2022-06-07T05:41:17.653" v="934" actId="1076"/>
+          <ac:spMkLst>
+            <pc:docMk/>
+            <pc:sldMk cId="3279130291" sldId="288"/>
+            <ac:spMk id="19" creationId="{FA23C394-21DA-37D2-6EE5-5E51D0BC7994}"/>
+          </ac:spMkLst>
+        </pc:spChg>
+        <pc:spChg chg="add del mod">
+          <ac:chgData name="김소희" userId="292a1162-0793-4577-a94d-2dae0dfa5995" providerId="ADAL" clId="{E9067F50-2CC8-4791-9D95-08591139FED5}" dt="2022-06-07T05:45:11.545" v="993" actId="478"/>
+          <ac:spMkLst>
+            <pc:docMk/>
+            <pc:sldMk cId="3279130291" sldId="288"/>
+            <ac:spMk id="20" creationId="{85178302-4FD1-9E23-9240-FBE8BBA31DF3}"/>
+          </ac:spMkLst>
+        </pc:spChg>
+        <pc:spChg chg="del">
+          <ac:chgData name="김소희" userId="292a1162-0793-4577-a94d-2dae0dfa5995" providerId="ADAL" clId="{E9067F50-2CC8-4791-9D95-08591139FED5}" dt="2022-06-07T05:28:38.378" v="836" actId="478"/>
+          <ac:spMkLst>
+            <pc:docMk/>
+            <pc:sldMk cId="3279130291" sldId="288"/>
+            <ac:spMk id="21" creationId="{DD67A1E6-2C6D-ED29-7847-0C6DFD45FDB6}"/>
+          </ac:spMkLst>
+        </pc:spChg>
+        <pc:spChg chg="mod">
+          <ac:chgData name="김소희" userId="292a1162-0793-4577-a94d-2dae0dfa5995" providerId="ADAL" clId="{E9067F50-2CC8-4791-9D95-08591139FED5}" dt="2022-06-07T05:30:04.070" v="879" actId="207"/>
+          <ac:spMkLst>
+            <pc:docMk/>
+            <pc:sldMk cId="3279130291" sldId="288"/>
+            <ac:spMk id="22" creationId="{C124AAB9-7F18-6CA3-A06A-255857BBBF9F}"/>
+          </ac:spMkLst>
+        </pc:spChg>
+        <pc:spChg chg="add del mod">
+          <ac:chgData name="김소희" userId="292a1162-0793-4577-a94d-2dae0dfa5995" providerId="ADAL" clId="{E9067F50-2CC8-4791-9D95-08591139FED5}" dt="2022-06-07T05:45:11.312" v="992" actId="21"/>
+          <ac:spMkLst>
+            <pc:docMk/>
+            <pc:sldMk cId="3279130291" sldId="288"/>
+            <ac:spMk id="25" creationId="{EB8882E3-C1DB-7742-6373-83DBB4B5208B}"/>
+          </ac:spMkLst>
+        </pc:spChg>
+        <pc:spChg chg="mod">
+          <ac:chgData name="김소희" userId="292a1162-0793-4577-a94d-2dae0dfa5995" providerId="ADAL" clId="{E9067F50-2CC8-4791-9D95-08591139FED5}" dt="2022-06-07T05:45:14.863" v="997" actId="20577"/>
+          <ac:spMkLst>
+            <pc:docMk/>
+            <pc:sldMk cId="3279130291" sldId="288"/>
+            <ac:spMk id="26" creationId="{4EC4ABD9-61BA-2F0E-7CBE-7B1ECCD0F385}"/>
+          </ac:spMkLst>
+        </pc:spChg>
+        <pc:spChg chg="del mod">
+          <ac:chgData name="김소희" userId="292a1162-0793-4577-a94d-2dae0dfa5995" providerId="ADAL" clId="{E9067F50-2CC8-4791-9D95-08591139FED5}" dt="2022-06-07T05:28:41.394" v="838" actId="478"/>
+          <ac:spMkLst>
+            <pc:docMk/>
+            <pc:sldMk cId="3279130291" sldId="288"/>
+            <ac:spMk id="28" creationId="{4E8F2B56-5144-3E30-9102-CB9980D66008}"/>
+          </ac:spMkLst>
+        </pc:spChg>
+        <pc:picChg chg="add del mod">
+          <ac:chgData name="김소희" userId="292a1162-0793-4577-a94d-2dae0dfa5995" providerId="ADAL" clId="{E9067F50-2CC8-4791-9D95-08591139FED5}" dt="2022-06-07T05:45:22.078" v="998" actId="478"/>
+          <ac:picMkLst>
+            <pc:docMk/>
+            <pc:sldMk cId="3279130291" sldId="288"/>
+            <ac:picMk id="3" creationId="{C8A4CB96-5017-7DD3-5E7E-4D34AFD1D954}"/>
+          </ac:picMkLst>
+        </pc:picChg>
+        <pc:picChg chg="add mod">
+          <ac:chgData name="김소희" userId="292a1162-0793-4577-a94d-2dae0dfa5995" providerId="ADAL" clId="{E9067F50-2CC8-4791-9D95-08591139FED5}" dt="2022-06-07T05:45:08.989" v="980" actId="34135"/>
+          <ac:picMkLst>
+            <pc:docMk/>
+            <pc:sldMk cId="3279130291" sldId="288"/>
+            <ac:picMk id="4" creationId="{D7367C16-F730-7B8C-272F-906A144019E1}"/>
+          </ac:picMkLst>
+        </pc:picChg>
+        <pc:picChg chg="del">
+          <ac:chgData name="김소희" userId="292a1162-0793-4577-a94d-2dae0dfa5995" providerId="ADAL" clId="{E9067F50-2CC8-4791-9D95-08591139FED5}" dt="2022-06-07T05:28:38.378" v="836" actId="478"/>
+          <ac:picMkLst>
+            <pc:docMk/>
+            <pc:sldMk cId="3279130291" sldId="288"/>
+            <ac:picMk id="1026" creationId="{E17BEDCD-5C61-F52F-B7FA-21829D4A45A9}"/>
+          </ac:picMkLst>
+        </pc:picChg>
+        <pc:picChg chg="del">
+          <ac:chgData name="김소희" userId="292a1162-0793-4577-a94d-2dae0dfa5995" providerId="ADAL" clId="{E9067F50-2CC8-4791-9D95-08591139FED5}" dt="2022-06-07T05:28:38.378" v="836" actId="478"/>
+          <ac:picMkLst>
+            <pc:docMk/>
+            <pc:sldMk cId="3279130291" sldId="288"/>
+            <ac:picMk id="1028" creationId="{7CA797A4-FF44-763B-C0DC-B946C4DCD687}"/>
+          </ac:picMkLst>
+        </pc:picChg>
+        <pc:picChg chg="del">
+          <ac:chgData name="김소희" userId="292a1162-0793-4577-a94d-2dae0dfa5995" providerId="ADAL" clId="{E9067F50-2CC8-4791-9D95-08591139FED5}" dt="2022-06-07T05:28:38.378" v="836" actId="478"/>
+          <ac:picMkLst>
+            <pc:docMk/>
+            <pc:sldMk cId="3279130291" sldId="288"/>
+            <ac:picMk id="1030" creationId="{FE88C08A-210F-164C-463A-5840D248752C}"/>
+          </ac:picMkLst>
+        </pc:picChg>
+        <pc:cxnChg chg="del">
+          <ac:chgData name="김소희" userId="292a1162-0793-4577-a94d-2dae0dfa5995" providerId="ADAL" clId="{E9067F50-2CC8-4791-9D95-08591139FED5}" dt="2022-06-07T05:28:38.378" v="836" actId="478"/>
+          <ac:cxnSpMkLst>
+            <pc:docMk/>
+            <pc:sldMk cId="3279130291" sldId="288"/>
+            <ac:cxnSpMk id="27" creationId="{0F0DD39B-A9CD-680C-CD4D-AE68679C61D8}"/>
+          </ac:cxnSpMkLst>
+        </pc:cxnChg>
+        <pc:cxnChg chg="add mod">
+          <ac:chgData name="김소희" userId="292a1162-0793-4577-a94d-2dae0dfa5995" providerId="ADAL" clId="{E9067F50-2CC8-4791-9D95-08591139FED5}" dt="2022-06-07T05:41:00.631" v="928"/>
+          <ac:cxnSpMkLst>
+            <pc:docMk/>
+            <pc:sldMk cId="3279130291" sldId="288"/>
+            <ac:cxnSpMk id="29" creationId="{4BFFAC1D-55C4-F8D1-6916-F96B4525833B}"/>
+          </ac:cxnSpMkLst>
+        </pc:cxnChg>
+      </pc:sldChg>
+      <pc:sldMasterChg chg="setBg modSldLayout">
+        <pc:chgData name="김소희" userId="292a1162-0793-4577-a94d-2dae0dfa5995" providerId="ADAL" clId="{E9067F50-2CC8-4791-9D95-08591139FED5}" dt="2022-06-07T05:26:20.570" v="746"/>
+        <pc:sldMasterMkLst>
+          <pc:docMk/>
+          <pc:sldMasterMk cId="725991489" sldId="2147483648"/>
+        </pc:sldMasterMkLst>
+        <pc:sldLayoutChg chg="setBg">
+          <pc:chgData name="김소희" userId="292a1162-0793-4577-a94d-2dae0dfa5995" providerId="ADAL" clId="{E9067F50-2CC8-4791-9D95-08591139FED5}" dt="2022-06-07T05:26:20.570" v="746"/>
+          <pc:sldLayoutMkLst>
+            <pc:docMk/>
+            <pc:sldMasterMk cId="725991489" sldId="2147483648"/>
+            <pc:sldLayoutMk cId="1423881389" sldId="2147483649"/>
+          </pc:sldLayoutMkLst>
+        </pc:sldLayoutChg>
+        <pc:sldLayoutChg chg="setBg">
+          <pc:chgData name="김소희" userId="292a1162-0793-4577-a94d-2dae0dfa5995" providerId="ADAL" clId="{E9067F50-2CC8-4791-9D95-08591139FED5}" dt="2022-06-07T05:26:20.570" v="746"/>
+          <pc:sldLayoutMkLst>
+            <pc:docMk/>
+            <pc:sldMasterMk cId="725991489" sldId="2147483648"/>
+            <pc:sldLayoutMk cId="2478953620" sldId="2147483650"/>
+          </pc:sldLayoutMkLst>
+        </pc:sldLayoutChg>
+        <pc:sldLayoutChg chg="setBg">
+          <pc:chgData name="김소희" userId="292a1162-0793-4577-a94d-2dae0dfa5995" providerId="ADAL" clId="{E9067F50-2CC8-4791-9D95-08591139FED5}" dt="2022-06-07T05:26:20.570" v="746"/>
+          <pc:sldLayoutMkLst>
+            <pc:docMk/>
+            <pc:sldMasterMk cId="725991489" sldId="2147483648"/>
+            <pc:sldLayoutMk cId="884917886" sldId="2147483651"/>
+          </pc:sldLayoutMkLst>
+        </pc:sldLayoutChg>
+        <pc:sldLayoutChg chg="setBg">
+          <pc:chgData name="김소희" userId="292a1162-0793-4577-a94d-2dae0dfa5995" providerId="ADAL" clId="{E9067F50-2CC8-4791-9D95-08591139FED5}" dt="2022-06-07T05:26:20.570" v="746"/>
+          <pc:sldLayoutMkLst>
+            <pc:docMk/>
+            <pc:sldMasterMk cId="725991489" sldId="2147483648"/>
+            <pc:sldLayoutMk cId="1713324546" sldId="2147483652"/>
+          </pc:sldLayoutMkLst>
+        </pc:sldLayoutChg>
+        <pc:sldLayoutChg chg="setBg">
+          <pc:chgData name="김소희" userId="292a1162-0793-4577-a94d-2dae0dfa5995" providerId="ADAL" clId="{E9067F50-2CC8-4791-9D95-08591139FED5}" dt="2022-06-07T05:26:20.570" v="746"/>
+          <pc:sldLayoutMkLst>
+            <pc:docMk/>
+            <pc:sldMasterMk cId="725991489" sldId="2147483648"/>
+            <pc:sldLayoutMk cId="923383353" sldId="2147483653"/>
+          </pc:sldLayoutMkLst>
+        </pc:sldLayoutChg>
+        <pc:sldLayoutChg chg="setBg">
+          <pc:chgData name="김소희" userId="292a1162-0793-4577-a94d-2dae0dfa5995" providerId="ADAL" clId="{E9067F50-2CC8-4791-9D95-08591139FED5}" dt="2022-06-07T05:26:20.570" v="746"/>
+          <pc:sldLayoutMkLst>
+            <pc:docMk/>
+            <pc:sldMasterMk cId="725991489" sldId="2147483648"/>
+            <pc:sldLayoutMk cId="2609175102" sldId="2147483654"/>
+          </pc:sldLayoutMkLst>
+        </pc:sldLayoutChg>
+        <pc:sldLayoutChg chg="setBg">
+          <pc:chgData name="김소희" userId="292a1162-0793-4577-a94d-2dae0dfa5995" providerId="ADAL" clId="{E9067F50-2CC8-4791-9D95-08591139FED5}" dt="2022-06-07T05:26:20.570" v="746"/>
+          <pc:sldLayoutMkLst>
+            <pc:docMk/>
+            <pc:sldMasterMk cId="725991489" sldId="2147483648"/>
+            <pc:sldLayoutMk cId="2577701229" sldId="2147483655"/>
+          </pc:sldLayoutMkLst>
+        </pc:sldLayoutChg>
+        <pc:sldLayoutChg chg="setBg">
+          <pc:chgData name="김소희" userId="292a1162-0793-4577-a94d-2dae0dfa5995" providerId="ADAL" clId="{E9067F50-2CC8-4791-9D95-08591139FED5}" dt="2022-06-07T05:26:20.570" v="746"/>
+          <pc:sldLayoutMkLst>
+            <pc:docMk/>
+            <pc:sldMasterMk cId="725991489" sldId="2147483648"/>
+            <pc:sldLayoutMk cId="2450094165" sldId="2147483656"/>
+          </pc:sldLayoutMkLst>
+        </pc:sldLayoutChg>
+        <pc:sldLayoutChg chg="setBg">
+          <pc:chgData name="김소희" userId="292a1162-0793-4577-a94d-2dae0dfa5995" providerId="ADAL" clId="{E9067F50-2CC8-4791-9D95-08591139FED5}" dt="2022-06-07T05:26:20.570" v="746"/>
+          <pc:sldLayoutMkLst>
+            <pc:docMk/>
+            <pc:sldMasterMk cId="725991489" sldId="2147483648"/>
+            <pc:sldLayoutMk cId="2617157818" sldId="2147483657"/>
+          </pc:sldLayoutMkLst>
+        </pc:sldLayoutChg>
+        <pc:sldLayoutChg chg="setBg">
+          <pc:chgData name="김소희" userId="292a1162-0793-4577-a94d-2dae0dfa5995" providerId="ADAL" clId="{E9067F50-2CC8-4791-9D95-08591139FED5}" dt="2022-06-07T05:26:20.570" v="746"/>
+          <pc:sldLayoutMkLst>
+            <pc:docMk/>
+            <pc:sldMasterMk cId="725991489" sldId="2147483648"/>
+            <pc:sldLayoutMk cId="867137567" sldId="2147483658"/>
+          </pc:sldLayoutMkLst>
+        </pc:sldLayoutChg>
+        <pc:sldLayoutChg chg="setBg">
+          <pc:chgData name="김소희" userId="292a1162-0793-4577-a94d-2dae0dfa5995" providerId="ADAL" clId="{E9067F50-2CC8-4791-9D95-08591139FED5}" dt="2022-06-07T05:26:20.570" v="746"/>
+          <pc:sldLayoutMkLst>
+            <pc:docMk/>
+            <pc:sldMasterMk cId="725991489" sldId="2147483648"/>
+            <pc:sldLayoutMk cId="3274122967" sldId="2147483659"/>
+          </pc:sldLayoutMkLst>
+        </pc:sldLayoutChg>
+      </pc:sldMasterChg>
     </pc:docChg>
   </pc:docChgLst>
   <pc:docChgLst>
@@ -1712,6 +2715,90 @@
 </p:notes>
 </file>
 
+<file path=ppt/notesSlides/notesSlide10.xml><?xml version="1.0" encoding="utf-8"?>
+<p:notes xmlns:a="http://schemas.openxmlformats.org/drawingml/2006/main" xmlns:r="http://schemas.openxmlformats.org/officeDocument/2006/relationships" xmlns:p="http://schemas.openxmlformats.org/presentationml/2006/main">
+  <p:cSld>
+    <p:spTree>
+      <p:nvGrpSpPr>
+        <p:cNvPr id="1" name=""/>
+        <p:cNvGrpSpPr/>
+        <p:nvPr/>
+      </p:nvGrpSpPr>
+      <p:grpSpPr>
+        <a:xfrm>
+          <a:off x="0" y="0"/>
+          <a:ext cx="0" cy="0"/>
+          <a:chOff x="0" y="0"/>
+          <a:chExt cx="0" cy="0"/>
+        </a:xfrm>
+      </p:grpSpPr>
+      <p:sp>
+        <p:nvSpPr>
+          <p:cNvPr id="2" name="슬라이드 이미지 개체 틀 1"/>
+          <p:cNvSpPr>
+            <a:spLocks noGrp="1" noRot="1" noChangeAspect="1"/>
+          </p:cNvSpPr>
+          <p:nvPr>
+            <p:ph type="sldImg"/>
+          </p:nvPr>
+        </p:nvSpPr>
+        <p:spPr/>
+      </p:sp>
+      <p:sp>
+        <p:nvSpPr>
+          <p:cNvPr id="3" name="슬라이드 노트 개체 틀 2"/>
+          <p:cNvSpPr>
+            <a:spLocks noGrp="1"/>
+          </p:cNvSpPr>
+          <p:nvPr>
+            <p:ph type="body" idx="1"/>
+          </p:nvPr>
+        </p:nvSpPr>
+        <p:spPr/>
+        <p:txBody>
+          <a:bodyPr/>
+          <a:lstStyle/>
+          <a:p>
+            <a:endParaRPr lang="ko-KR" altLang="en-US" strike="noStrike" dirty="0"/>
+          </a:p>
+        </p:txBody>
+      </p:sp>
+      <p:sp>
+        <p:nvSpPr>
+          <p:cNvPr id="4" name="슬라이드 번호 개체 틀 3"/>
+          <p:cNvSpPr>
+            <a:spLocks noGrp="1"/>
+          </p:cNvSpPr>
+          <p:nvPr>
+            <p:ph type="sldNum" sz="quarter" idx="5"/>
+          </p:nvPr>
+        </p:nvSpPr>
+        <p:spPr/>
+        <p:txBody>
+          <a:bodyPr/>
+          <a:lstStyle/>
+          <a:p>
+            <a:fld id="{52486DED-3510-4133-8C1C-AE1D3AAE843F}" type="slidenum">
+              <a:rPr lang="ko-KR" altLang="en-US" smtClean="0"/>
+              <a:t>11</a:t>
+            </a:fld>
+            <a:endParaRPr lang="ko-KR" altLang="en-US"/>
+          </a:p>
+        </p:txBody>
+      </p:sp>
+    </p:spTree>
+    <p:extLst>
+      <p:ext uri="{BB962C8B-B14F-4D97-AF65-F5344CB8AC3E}">
+        <p14:creationId xmlns:p14="http://schemas.microsoft.com/office/powerpoint/2010/main" val="3806084297"/>
+      </p:ext>
+    </p:extLst>
+  </p:cSld>
+  <p:clrMapOvr>
+    <a:masterClrMapping/>
+  </p:clrMapOvr>
+</p:notes>
+</file>
+
 <file path=ppt/notesSlides/notesSlide2.xml><?xml version="1.0" encoding="utf-8"?>
 <p:notes xmlns:a="http://schemas.openxmlformats.org/drawingml/2006/main" xmlns:r="http://schemas.openxmlformats.org/officeDocument/2006/relationships" xmlns:p="http://schemas.openxmlformats.org/presentationml/2006/main">
   <p:cSld>
@@ -1756,288 +2843,6 @@
           <a:bodyPr/>
           <a:lstStyle/>
           <a:p>
-            <a:r>
-              <a:rPr lang="en-US" altLang="ko-KR" sz="1000" dirty="0">
-                <a:solidFill>
-                  <a:schemeClr val="tx1"/>
-                </a:solidFill>
-                <a:effectLst/>
-                <a:latin typeface="맑은 고딕" panose="020B0503020000020004" pitchFamily="50" charset="-127"/>
-                <a:cs typeface="Times New Roman" panose="02020603050405020304" pitchFamily="18" charset="0"/>
-              </a:rPr>
-              <a:t>There are several popular methods used for forecasting building energy consumption, that can be categorized into t</a:t>
-            </a:r>
-            <a:r>
-              <a:rPr lang="en-US" altLang="ko-KR" sz="1000" kern="100" dirty="0">
-                <a:solidFill>
-                  <a:schemeClr val="tx1"/>
-                </a:solidFill>
-                <a:effectLst/>
-                <a:latin typeface="맑은 고딕" panose="020B0503020000020004" pitchFamily="50" charset="-127"/>
-                <a:ea typeface="맑은 고딕" panose="020B0503020000020004" pitchFamily="50" charset="-127"/>
-                <a:cs typeface="Times New Roman" panose="02020603050405020304" pitchFamily="18" charset="0"/>
-              </a:rPr>
-              <a:t>wo main approaches, engineering and data-driven approach.</a:t>
-            </a:r>
-          </a:p>
-          <a:p>
-            <a:endParaRPr lang="en-US" altLang="ko-KR" sz="1000" kern="100" dirty="0">
-              <a:solidFill>
-                <a:schemeClr val="tx1"/>
-              </a:solidFill>
-              <a:effectLst/>
-              <a:latin typeface="맑은 고딕" panose="020B0503020000020004" pitchFamily="50" charset="-127"/>
-              <a:ea typeface="맑은 고딕" panose="020B0503020000020004" pitchFamily="50" charset="-127"/>
-              <a:cs typeface="Times New Roman" panose="02020603050405020304" pitchFamily="18" charset="0"/>
-            </a:endParaRPr>
-          </a:p>
-          <a:p>
-            <a:pPr marL="0" marR="0" lvl="0" indent="0" algn="l" defTabSz="914400" rtl="0" eaLnBrk="1" fontAlgn="auto" latinLnBrk="1" hangingPunct="1">
-              <a:lnSpc>
-                <a:spcPct val="100000"/>
-              </a:lnSpc>
-              <a:spcBef>
-                <a:spcPts val="0"/>
-              </a:spcBef>
-              <a:spcAft>
-                <a:spcPts val="0"/>
-              </a:spcAft>
-              <a:buClrTx/>
-              <a:buSzTx/>
-              <a:buFontTx/>
-              <a:buNone/>
-              <a:tabLst/>
-              <a:defRPr/>
-            </a:pPr>
-            <a:r>
-              <a:rPr lang="en-US" altLang="ko-KR" sz="1200" dirty="0"/>
-              <a:t>First, Engineering models rely on thermodynamic rules for detailed energy modelling and analysis. </a:t>
-            </a:r>
-          </a:p>
-          <a:p>
-            <a:pPr marL="0" marR="0" lvl="0" indent="0" algn="l" defTabSz="914400" rtl="0" eaLnBrk="1" fontAlgn="auto" latinLnBrk="1" hangingPunct="1">
-              <a:lnSpc>
-                <a:spcPct val="100000"/>
-              </a:lnSpc>
-              <a:spcBef>
-                <a:spcPts val="0"/>
-              </a:spcBef>
-              <a:spcAft>
-                <a:spcPts val="0"/>
-              </a:spcAft>
-              <a:buClrTx/>
-              <a:buSzTx/>
-              <a:buFontTx/>
-              <a:buNone/>
-              <a:tabLst/>
-              <a:defRPr/>
-            </a:pPr>
-            <a:r>
-              <a:rPr lang="en-US" altLang="ko-KR" sz="1200" dirty="0"/>
-              <a:t>Examples of building energy simulation software that utilize physical models include </a:t>
-            </a:r>
-            <a:r>
-              <a:rPr lang="en-US" altLang="ko-KR" sz="1200" dirty="0" err="1"/>
-              <a:t>EnergyPlus</a:t>
-            </a:r>
-            <a:r>
-              <a:rPr lang="en-US" altLang="ko-KR" sz="1200" dirty="0"/>
-              <a:t>, </a:t>
-            </a:r>
-            <a:r>
-              <a:rPr lang="en-US" altLang="ko-KR" sz="1200" dirty="0" err="1"/>
-              <a:t>eQuest</a:t>
-            </a:r>
-            <a:r>
-              <a:rPr lang="en-US" altLang="ko-KR" sz="1200" dirty="0"/>
-              <a:t>, and </a:t>
-            </a:r>
-            <a:r>
-              <a:rPr lang="en-US" altLang="ko-KR" sz="1200" dirty="0" err="1"/>
-              <a:t>Ecotect</a:t>
-            </a:r>
-            <a:r>
-              <a:rPr lang="en-US" altLang="ko-KR" sz="1200" dirty="0"/>
-              <a:t>. </a:t>
-            </a:r>
-          </a:p>
-          <a:p>
-            <a:pPr marL="0" marR="0" lvl="0" indent="0" algn="l" defTabSz="914400" rtl="0" eaLnBrk="1" fontAlgn="auto" latinLnBrk="1" hangingPunct="1">
-              <a:lnSpc>
-                <a:spcPct val="100000"/>
-              </a:lnSpc>
-              <a:spcBef>
-                <a:spcPts val="0"/>
-              </a:spcBef>
-              <a:spcAft>
-                <a:spcPts val="0"/>
-              </a:spcAft>
-              <a:buClrTx/>
-              <a:buSzTx/>
-              <a:buFontTx/>
-              <a:buNone/>
-              <a:tabLst/>
-              <a:defRPr/>
-            </a:pPr>
-            <a:r>
-              <a:rPr lang="en-US" altLang="ko-KR" sz="1200" dirty="0"/>
-              <a:t>These types of software calculate building energy consumption based on detailed building and environmental parameters such as building construction details; </a:t>
-            </a:r>
-            <a:r>
-              <a:rPr lang="en-US" altLang="ko-KR" dirty="0"/>
-              <a:t>operation schedules; HVAC design information; and climate, sky, and solar/shading information.</a:t>
-            </a:r>
-          </a:p>
-          <a:p>
-            <a:pPr marL="0" marR="0" lvl="0" indent="0" algn="l" defTabSz="914400" rtl="0" eaLnBrk="1" fontAlgn="auto" latinLnBrk="1" hangingPunct="1">
-              <a:lnSpc>
-                <a:spcPct val="100000"/>
-              </a:lnSpc>
-              <a:spcBef>
-                <a:spcPts val="0"/>
-              </a:spcBef>
-              <a:spcAft>
-                <a:spcPts val="0"/>
-              </a:spcAft>
-              <a:buClrTx/>
-              <a:buSzTx/>
-              <a:buFontTx/>
-              <a:buNone/>
-              <a:tabLst/>
-              <a:defRPr/>
-            </a:pPr>
-            <a:r>
-              <a:rPr lang="en-US" altLang="ko-KR" dirty="0"/>
-              <a:t>The pictures shows each software program.</a:t>
-            </a:r>
-          </a:p>
-          <a:p>
-            <a:pPr marL="0" marR="0" lvl="0" indent="0" algn="l" defTabSz="914400" rtl="0" eaLnBrk="1" fontAlgn="auto" latinLnBrk="1" hangingPunct="1">
-              <a:lnSpc>
-                <a:spcPct val="100000"/>
-              </a:lnSpc>
-              <a:spcBef>
-                <a:spcPts val="0"/>
-              </a:spcBef>
-              <a:spcAft>
-                <a:spcPts val="0"/>
-              </a:spcAft>
-              <a:buClrTx/>
-              <a:buSzTx/>
-              <a:buFontTx/>
-              <a:buNone/>
-              <a:tabLst/>
-              <a:defRPr/>
-            </a:pPr>
-            <a:r>
-              <a:rPr lang="en-US" altLang="ko-KR" dirty="0" err="1"/>
-              <a:t>EneryPlus</a:t>
-            </a:r>
-            <a:r>
-              <a:rPr lang="en-US" altLang="ko-KR" dirty="0"/>
-              <a:t> is a whole building energy simulation program, and </a:t>
-            </a:r>
-            <a:r>
-              <a:rPr lang="en-US" altLang="ko-KR" dirty="0" err="1"/>
-              <a:t>eQuest</a:t>
-            </a:r>
-            <a:r>
-              <a:rPr lang="en-US" altLang="ko-KR" dirty="0"/>
-              <a:t> is a building energy analysis program.</a:t>
-            </a:r>
-          </a:p>
-          <a:p>
-            <a:pPr marL="0" marR="0" lvl="0" indent="0" algn="l" defTabSz="914400" rtl="0" eaLnBrk="1" fontAlgn="auto" latinLnBrk="1" hangingPunct="1">
-              <a:lnSpc>
-                <a:spcPct val="100000"/>
-              </a:lnSpc>
-              <a:spcBef>
-                <a:spcPts val="0"/>
-              </a:spcBef>
-              <a:spcAft>
-                <a:spcPts val="0"/>
-              </a:spcAft>
-              <a:buClrTx/>
-              <a:buSzTx/>
-              <a:buFontTx/>
-              <a:buNone/>
-              <a:tabLst/>
-              <a:defRPr/>
-            </a:pPr>
-            <a:r>
-              <a:rPr lang="en-US" altLang="ko-KR" dirty="0" err="1"/>
-              <a:t>Ecotect</a:t>
-            </a:r>
-            <a:r>
-              <a:rPr lang="en-US" altLang="ko-KR" dirty="0"/>
-              <a:t> is a program that supports architect's design through analysis of various factors of building performance for energy efficiency and sustainable design.</a:t>
-            </a:r>
-          </a:p>
-          <a:p>
-            <a:pPr marL="0" marR="0" lvl="0" indent="0" algn="l" defTabSz="914400" rtl="0" eaLnBrk="1" fontAlgn="auto" latinLnBrk="1" hangingPunct="1">
-              <a:lnSpc>
-                <a:spcPct val="100000"/>
-              </a:lnSpc>
-              <a:spcBef>
-                <a:spcPts val="0"/>
-              </a:spcBef>
-              <a:spcAft>
-                <a:spcPts val="0"/>
-              </a:spcAft>
-              <a:buClrTx/>
-              <a:buSzTx/>
-              <a:buFontTx/>
-              <a:buNone/>
-              <a:tabLst/>
-              <a:defRPr/>
-            </a:pPr>
-            <a:endParaRPr lang="en-US" altLang="ko-KR" dirty="0"/>
-          </a:p>
-          <a:p>
-            <a:pPr marL="0" marR="0" lvl="0" indent="0" algn="l" defTabSz="914400" rtl="0" eaLnBrk="1" fontAlgn="auto" latinLnBrk="1" hangingPunct="1">
-              <a:lnSpc>
-                <a:spcPct val="100000"/>
-              </a:lnSpc>
-              <a:spcBef>
-                <a:spcPts val="0"/>
-              </a:spcBef>
-              <a:spcAft>
-                <a:spcPts val="0"/>
-              </a:spcAft>
-              <a:buClrTx/>
-              <a:buSzTx/>
-              <a:buFontTx/>
-              <a:buNone/>
-              <a:tabLst/>
-              <a:defRPr/>
-            </a:pPr>
-            <a:r>
-              <a:rPr lang="en-US" altLang="ko-KR" dirty="0"/>
-              <a:t>However, some of such detailed data may not be available to the users at the time of simulation. </a:t>
-            </a:r>
-          </a:p>
-          <a:p>
-            <a:pPr marL="0" marR="0" lvl="0" indent="0" algn="l" defTabSz="914400" rtl="0" eaLnBrk="1" fontAlgn="auto" latinLnBrk="1" hangingPunct="1">
-              <a:lnSpc>
-                <a:spcPct val="100000"/>
-              </a:lnSpc>
-              <a:spcBef>
-                <a:spcPts val="0"/>
-              </a:spcBef>
-              <a:spcAft>
-                <a:spcPts val="0"/>
-              </a:spcAft>
-              <a:buClrTx/>
-              <a:buSzTx/>
-              <a:buFontTx/>
-              <a:buNone/>
-              <a:tabLst/>
-              <a:defRPr/>
-            </a:pPr>
-            <a:r>
-              <a:rPr lang="en-US" altLang="ko-KR" dirty="0"/>
-              <a:t>Failure to provide accurate input can result in poor prediction performance.</a:t>
-            </a:r>
             <a:endParaRPr lang="en-US" altLang="ko-KR" sz="1200" dirty="0"/>
           </a:p>
         </p:txBody>
@@ -2068,7 +2873,7 @@
     </p:spTree>
     <p:extLst>
       <p:ext uri="{BB962C8B-B14F-4D97-AF65-F5344CB8AC3E}">
-        <p14:creationId xmlns:p14="http://schemas.microsoft.com/office/powerpoint/2010/main" val="1368981945"/>
+        <p14:creationId xmlns:p14="http://schemas.microsoft.com/office/powerpoint/2010/main" val="2068072792"/>
       </p:ext>
     </p:extLst>
   </p:cSld>
@@ -2122,6 +2927,42 @@
           <a:bodyPr/>
           <a:lstStyle/>
           <a:p>
+            <a:r>
+              <a:rPr lang="en-US" altLang="ko-KR" sz="1000" dirty="0">
+                <a:solidFill>
+                  <a:schemeClr val="tx1"/>
+                </a:solidFill>
+                <a:effectLst/>
+                <a:latin typeface="맑은 고딕" panose="020B0503020000020004" pitchFamily="50" charset="-127"/>
+                <a:cs typeface="Times New Roman" panose="02020603050405020304" pitchFamily="18" charset="0"/>
+              </a:rPr>
+              <a:t>There are several popular methods used for forecasting building energy consumption, that can be categorized into t</a:t>
+            </a:r>
+            <a:r>
+              <a:rPr lang="en-US" altLang="ko-KR" sz="1000" kern="100" dirty="0">
+                <a:solidFill>
+                  <a:schemeClr val="tx1"/>
+                </a:solidFill>
+                <a:effectLst/>
+                <a:latin typeface="맑은 고딕" panose="020B0503020000020004" pitchFamily="50" charset="-127"/>
+                <a:ea typeface="맑은 고딕" panose="020B0503020000020004" pitchFamily="50" charset="-127"/>
+                <a:cs typeface="Times New Roman" panose="02020603050405020304" pitchFamily="18" charset="0"/>
+              </a:rPr>
+              <a:t>wo main approaches, engineering and data-driven approach.</a:t>
+            </a:r>
+          </a:p>
+          <a:p>
+            <a:endParaRPr lang="en-US" altLang="ko-KR" sz="1000" kern="100" dirty="0">
+              <a:solidFill>
+                <a:schemeClr val="tx1"/>
+              </a:solidFill>
+              <a:effectLst/>
+              <a:latin typeface="맑은 고딕" panose="020B0503020000020004" pitchFamily="50" charset="-127"/>
+              <a:ea typeface="맑은 고딕" panose="020B0503020000020004" pitchFamily="50" charset="-127"/>
+              <a:cs typeface="Times New Roman" panose="02020603050405020304" pitchFamily="18" charset="0"/>
+            </a:endParaRPr>
+          </a:p>
+          <a:p>
             <a:pPr marL="0" marR="0" lvl="0" indent="0" algn="l" defTabSz="914400" rtl="0" eaLnBrk="1" fontAlgn="auto" latinLnBrk="1" hangingPunct="1">
               <a:lnSpc>
                 <a:spcPct val="100000"/>
@@ -2141,13 +2982,8 @@
             </a:pPr>
             <a:r>
               <a:rPr lang="en-US" altLang="ko-KR" sz="1200" dirty="0"/>
-              <a:t>Data-driven modelling does not perform such energy analysis or require such detailed data about the simulated building, and instead learns from historical/available data for prediction. They c</a:t>
-            </a:r>
-            <a:r>
-              <a:rPr lang="en-US" altLang="ko-KR" dirty="0"/>
-              <a:t>orrelate the energy consumption or energy index with the influencing variables.</a:t>
-            </a:r>
-            <a:endParaRPr lang="en-US" altLang="ko-KR" sz="1200" dirty="0"/>
+              <a:t>First, Engineering models rely on thermodynamic rules for detailed energy modelling and analysis. </a:t>
+            </a:r>
           </a:p>
           <a:p>
             <a:pPr marL="0" marR="0" lvl="0" indent="0" algn="l" defTabSz="914400" rtl="0" eaLnBrk="1" fontAlgn="auto" latinLnBrk="1" hangingPunct="1">
@@ -2169,7 +3005,31 @@
             </a:pPr>
             <a:r>
               <a:rPr lang="en-US" altLang="ko-KR" sz="1200" dirty="0"/>
-              <a:t>Data-driven prediction has gained a lot of research attention in recent years, despite its possible limitations.</a:t>
+              <a:t>Examples of building energy simulation software that utilize physical models include </a:t>
+            </a:r>
+            <a:r>
+              <a:rPr lang="en-US" altLang="ko-KR" sz="1200" dirty="0" err="1"/>
+              <a:t>EnergyPlus</a:t>
+            </a:r>
+            <a:r>
+              <a:rPr lang="en-US" altLang="ko-KR" sz="1200" dirty="0"/>
+              <a:t>, </a:t>
+            </a:r>
+            <a:r>
+              <a:rPr lang="en-US" altLang="ko-KR" sz="1200" dirty="0" err="1"/>
+              <a:t>eQuest</a:t>
+            </a:r>
+            <a:r>
+              <a:rPr lang="en-US" altLang="ko-KR" sz="1200" dirty="0"/>
+              <a:t>, and </a:t>
+            </a:r>
+            <a:r>
+              <a:rPr lang="en-US" altLang="ko-KR" sz="1200" dirty="0" err="1"/>
+              <a:t>Ecotect</a:t>
+            </a:r>
+            <a:r>
+              <a:rPr lang="en-US" altLang="ko-KR" sz="1200" dirty="0"/>
+              <a:t>. </a:t>
             </a:r>
           </a:p>
           <a:p>
@@ -2191,8 +3051,12 @@
               <a:defRPr/>
             </a:pPr>
             <a:r>
+              <a:rPr lang="en-US" altLang="ko-KR" sz="1200" dirty="0"/>
+              <a:t>These types of software calculate building energy consumption based on detailed building and environmental parameters such as building construction details; </a:t>
+            </a:r>
+            <a:r>
               <a:rPr lang="en-US" altLang="ko-KR" dirty="0"/>
-              <a:t>Developing a data-driven model, typically, consists of four primary steps: data collection, data preprocessing, model training, and model testing.</a:t>
+              <a:t>operation schedules; HVAC design information; and climate, sky, and solar/shading information.</a:t>
             </a:r>
           </a:p>
           <a:p>
@@ -2215,9 +3079,8 @@
             </a:pPr>
             <a:r>
               <a:rPr lang="en-US" altLang="ko-KR" dirty="0"/>
-              <a:t>SVM, ANN, decision trees, and other statistical algorithms are the most commonly-used supervised machine learning algorithms for model training.</a:t>
-            </a:r>
-            <a:endParaRPr lang="en-US" altLang="ko-KR" sz="1200" dirty="0"/>
+              <a:t>The pictures shows each software program.</a:t>
+            </a:r>
           </a:p>
           <a:p>
             <a:pPr marL="0" marR="0" lvl="0" indent="0" algn="l" defTabSz="914400" rtl="0" eaLnBrk="1" fontAlgn="auto" latinLnBrk="1" hangingPunct="1">
@@ -2237,11 +3100,22 @@
               <a:tabLst/>
               <a:defRPr/>
             </a:pPr>
-            <a:endParaRPr lang="en-US" altLang="ko-KR" sz="1200" dirty="0">
-              <a:solidFill>
-                <a:schemeClr val="tx1"/>
-              </a:solidFill>
-            </a:endParaRPr>
+            <a:r>
+              <a:rPr lang="en-US" altLang="ko-KR" dirty="0" err="1"/>
+              <a:t>EneryPlus</a:t>
+            </a:r>
+            <a:r>
+              <a:rPr lang="en-US" altLang="ko-KR" dirty="0"/>
+              <a:t> is a whole building energy simulation program, and </a:t>
+            </a:r>
+            <a:r>
+              <a:rPr lang="en-US" altLang="ko-KR" dirty="0" err="1"/>
+              <a:t>eQuest</a:t>
+            </a:r>
+            <a:r>
+              <a:rPr lang="en-US" altLang="ko-KR" dirty="0"/>
+              <a:t> is a building energy analysis program.</a:t>
+            </a:r>
           </a:p>
           <a:p>
             <a:pPr marL="0" marR="0" lvl="0" indent="0" algn="l" defTabSz="914400" rtl="0" eaLnBrk="1" fontAlgn="auto" latinLnBrk="1" hangingPunct="1">
@@ -2262,22 +3136,13 @@
               <a:defRPr/>
             </a:pPr>
             <a:r>
-              <a:rPr lang="en-US" altLang="ko-KR" sz="1200" dirty="0">
-                <a:solidFill>
-                  <a:schemeClr val="tx1"/>
-                </a:solidFill>
-              </a:rPr>
-              <a:t>This table </a:t>
+              <a:rPr lang="en-US" altLang="ko-KR" dirty="0" err="1"/>
+              <a:t>Ecotect</a:t>
             </a:r>
             <a:r>
               <a:rPr lang="en-US" altLang="ko-KR" dirty="0"/>
-              <a:t>summarizes the features used in the reviewed models. </a:t>
-            </a:r>
-            <a:endParaRPr lang="en-US" altLang="ko-KR" sz="1200" dirty="0">
-              <a:solidFill>
-                <a:schemeClr val="tx1"/>
-              </a:solidFill>
-            </a:endParaRPr>
+              <a:t> is a program that supports architect's design through analysis of various factors of building performance for energy efficiency and sustainable design.</a:t>
+            </a:r>
           </a:p>
           <a:p>
             <a:pPr marL="0" marR="0" lvl="0" indent="0" algn="l" defTabSz="914400" rtl="0" eaLnBrk="1" fontAlgn="auto" latinLnBrk="1" hangingPunct="1">
@@ -2297,11 +3162,54 @@
               <a:tabLst/>
               <a:defRPr/>
             </a:pPr>
-            <a:endParaRPr lang="en-US" altLang="ko-KR" sz="1200" dirty="0">
-              <a:solidFill>
-                <a:schemeClr val="tx1"/>
-              </a:solidFill>
-            </a:endParaRPr>
+            <a:endParaRPr lang="en-US" altLang="ko-KR" dirty="0"/>
+          </a:p>
+          <a:p>
+            <a:pPr marL="0" marR="0" lvl="0" indent="0" algn="l" defTabSz="914400" rtl="0" eaLnBrk="1" fontAlgn="auto" latinLnBrk="1" hangingPunct="1">
+              <a:lnSpc>
+                <a:spcPct val="100000"/>
+              </a:lnSpc>
+              <a:spcBef>
+                <a:spcPts val="0"/>
+              </a:spcBef>
+              <a:spcAft>
+                <a:spcPts val="0"/>
+              </a:spcAft>
+              <a:buClrTx/>
+              <a:buSzTx/>
+              <a:buFontTx/>
+              <a:buNone/>
+              <a:tabLst/>
+              <a:defRPr/>
+            </a:pPr>
+            <a:r>
+              <a:rPr lang="en-US" altLang="ko-KR" dirty="0"/>
+              <a:t>However, some of such detailed data may not be available to the users at the time of simulation. </a:t>
+            </a:r>
+          </a:p>
+          <a:p>
+            <a:pPr marL="0" marR="0" lvl="0" indent="0" algn="l" defTabSz="914400" rtl="0" eaLnBrk="1" fontAlgn="auto" latinLnBrk="1" hangingPunct="1">
+              <a:lnSpc>
+                <a:spcPct val="100000"/>
+              </a:lnSpc>
+              <a:spcBef>
+                <a:spcPts val="0"/>
+              </a:spcBef>
+              <a:spcAft>
+                <a:spcPts val="0"/>
+              </a:spcAft>
+              <a:buClrTx/>
+              <a:buSzTx/>
+              <a:buFontTx/>
+              <a:buNone/>
+              <a:tabLst/>
+              <a:defRPr/>
+            </a:pPr>
+            <a:r>
+              <a:rPr lang="en-US" altLang="ko-KR" dirty="0"/>
+              <a:t>Failure to provide accurate input can result in poor prediction performance.</a:t>
+            </a:r>
+            <a:endParaRPr lang="en-US" altLang="ko-KR" sz="1200" dirty="0"/>
           </a:p>
         </p:txBody>
       </p:sp>
@@ -2331,7 +3239,7 @@
     </p:spTree>
     <p:extLst>
       <p:ext uri="{BB962C8B-B14F-4D97-AF65-F5344CB8AC3E}">
-        <p14:creationId xmlns:p14="http://schemas.microsoft.com/office/powerpoint/2010/main" val="652141984"/>
+        <p14:creationId xmlns:p14="http://schemas.microsoft.com/office/powerpoint/2010/main" val="1368981945"/>
       </p:ext>
     </p:extLst>
   </p:cSld>
@@ -2403,9 +3311,14 @@
               <a:defRPr/>
             </a:pPr>
             <a:r>
+              <a:rPr lang="en-US" altLang="ko-KR" sz="1200" dirty="0"/>
+              <a:t>Data-driven modelling does not perform such energy analysis or require such detailed data about the simulated building, and instead learns from historical/available data for prediction. They c</a:t>
+            </a:r>
+            <a:r>
               <a:rPr lang="en-US" altLang="ko-KR" dirty="0"/>
-              <a:t>Despite the importance of data-driven approaches, It has two main limitations. </a:t>
-            </a:r>
+              <a:t>orrelate the energy consumption or energy index with the influencing variables.</a:t>
+            </a:r>
+            <a:endParaRPr lang="en-US" altLang="ko-KR" sz="1200" dirty="0"/>
           </a:p>
           <a:p>
             <a:pPr marL="0" marR="0" lvl="0" indent="0" algn="l" defTabSz="914400" rtl="0" eaLnBrk="1" fontAlgn="auto" latinLnBrk="1" hangingPunct="1">
@@ -2426,8 +3339,8 @@
               <a:defRPr/>
             </a:pPr>
             <a:r>
-              <a:rPr lang="en-US" altLang="ko-KR" dirty="0"/>
-              <a:t>First, Data-driven prediction models may not perform well outside of their training range.</a:t>
+              <a:rPr lang="en-US" altLang="ko-KR" sz="1200" dirty="0"/>
+              <a:t>Data-driven prediction has gained a lot of research attention in recent years, despite its possible limitations.</a:t>
             </a:r>
           </a:p>
           <a:p>
@@ -2449,12 +3362,8 @@
               <a:defRPr/>
             </a:pPr>
             <a:r>
-              <a:rPr lang="en-US" altLang="ko-KR" sz="1200" dirty="0">
-                <a:solidFill>
-                  <a:schemeClr val="tx1"/>
-                </a:solidFill>
-              </a:rPr>
-              <a:t>And they are black-box models, their internals are not known. </a:t>
+              <a:rPr lang="en-US" altLang="ko-KR" dirty="0"/>
+              <a:t>Developing a data-driven model, typically, consists of four primary steps: data collection, data preprocessing, model training, and model testing.</a:t>
             </a:r>
           </a:p>
           <a:p>
@@ -2476,9 +3385,10 @@
               <a:defRPr/>
             </a:pPr>
             <a:r>
-              <a:rPr lang="en-US" altLang="ko-KR" sz="1200" dirty="0"/>
-              <a:t>On the other hand, Hybrid or grey-box modelling approaches offer a combination of physical and data-driven prediction models, thereby leveraging the advantages and minimizing the disadvantages of both approaches. </a:t>
-            </a:r>
+              <a:rPr lang="en-US" altLang="ko-KR" dirty="0"/>
+              <a:t>SVM, ANN, decision trees, and other statistical algorithms are the most commonly-used supervised machine learning algorithms for model training.</a:t>
+            </a:r>
+            <a:endParaRPr lang="en-US" altLang="ko-KR" sz="1200" dirty="0"/>
           </a:p>
           <a:p>
             <a:pPr marL="0" marR="0" lvl="0" indent="0" algn="l" defTabSz="914400" rtl="0" eaLnBrk="1" fontAlgn="auto" latinLnBrk="1" hangingPunct="1">
@@ -2498,10 +3408,11 @@
               <a:tabLst/>
               <a:defRPr/>
             </a:pPr>
-            <a:r>
-              <a:rPr lang="en-US" altLang="ko-KR" sz="1200" dirty="0"/>
-              <a:t>There are several papers which developed a hybrid model. </a:t>
-            </a:r>
+            <a:endParaRPr lang="en-US" altLang="ko-KR" sz="1200" dirty="0">
+              <a:solidFill>
+                <a:schemeClr val="tx1"/>
+              </a:solidFill>
+            </a:endParaRPr>
           </a:p>
           <a:p>
             <a:pPr marL="0" marR="0" lvl="0" indent="0" algn="l" defTabSz="914400" rtl="0" eaLnBrk="1" fontAlgn="auto" latinLnBrk="1" hangingPunct="1">
@@ -2521,7 +3432,23 @@
               <a:tabLst/>
               <a:defRPr/>
             </a:pPr>
-            <a:endParaRPr lang="en-US" altLang="ko-KR" sz="1200" dirty="0"/>
+            <a:r>
+              <a:rPr lang="en-US" altLang="ko-KR" sz="1200" dirty="0">
+                <a:solidFill>
+                  <a:schemeClr val="tx1"/>
+                </a:solidFill>
+              </a:rPr>
+              <a:t>This table </a:t>
+            </a:r>
+            <a:r>
+              <a:rPr lang="en-US" altLang="ko-KR" dirty="0"/>
+              <a:t>summarizes the features used in the reviewed models. </a:t>
+            </a:r>
+            <a:endParaRPr lang="en-US" altLang="ko-KR" sz="1200" dirty="0">
+              <a:solidFill>
+                <a:schemeClr val="tx1"/>
+              </a:solidFill>
+            </a:endParaRPr>
           </a:p>
           <a:p>
             <a:pPr marL="0" marR="0" lvl="0" indent="0" algn="l" defTabSz="914400" rtl="0" eaLnBrk="1" fontAlgn="auto" latinLnBrk="1" hangingPunct="1">
@@ -2541,81 +3468,11 @@
               <a:tabLst/>
               <a:defRPr/>
             </a:pPr>
-            <a:endParaRPr lang="en-US" altLang="ko-KR" sz="1200" dirty="0"/>
-          </a:p>
-          <a:p>
-            <a:pPr marL="0" marR="0" lvl="0" indent="0" algn="l" defTabSz="914400" rtl="0" eaLnBrk="1" fontAlgn="auto" latinLnBrk="1" hangingPunct="1">
-              <a:lnSpc>
-                <a:spcPct val="100000"/>
-              </a:lnSpc>
-              <a:spcBef>
-                <a:spcPts val="0"/>
-              </a:spcBef>
-              <a:spcAft>
-                <a:spcPts val="0"/>
-              </a:spcAft>
-              <a:buClrTx/>
-              <a:buSzTx/>
-              <a:buFontTx/>
-              <a:buNone/>
-              <a:tabLst/>
-              <a:defRPr/>
-            </a:pPr>
-            <a:r>
-              <a:rPr lang="en-US" altLang="ko-KR" sz="1200" dirty="0">
-                <a:solidFill>
-                  <a:schemeClr val="tx1"/>
-                </a:solidFill>
-              </a:rPr>
-              <a:t>Tae Chae et al. utilized ANN to forecast sub-hourly electricity usage in a commercial building complex [47]. It was seen that the ANN with15-min interval data forecasted accurately with more training data. The Mean Bias Error by taking 1, 2, 3 and 4 weeks for training are −10.4,−5.6, −2.3 and 0.03 respectively.</a:t>
-            </a:r>
-          </a:p>
-          <a:p>
-            <a:pPr marL="0" marR="0" lvl="0" indent="0" algn="l" defTabSz="914400" rtl="0" eaLnBrk="1" fontAlgn="auto" latinLnBrk="1" hangingPunct="1">
-              <a:lnSpc>
-                <a:spcPct val="100000"/>
-              </a:lnSpc>
-              <a:spcBef>
-                <a:spcPts val="0"/>
-              </a:spcBef>
-              <a:spcAft>
-                <a:spcPts val="0"/>
-              </a:spcAft>
-              <a:buClrTx/>
-              <a:buSzTx/>
-              <a:buFontTx/>
-              <a:buNone/>
-              <a:tabLst/>
-              <a:defRPr/>
-            </a:pPr>
-            <a:r>
-              <a:rPr lang="en-US" altLang="ko-KR" sz="1200" dirty="0">
-                <a:solidFill>
-                  <a:schemeClr val="tx1"/>
-                </a:solidFill>
-              </a:rPr>
-              <a:t>Chae et al. [48] developed forecasting models using ANN for sub-hourly electricity usage for a commercial building complex. The input variables that were selected for model development were the day type, time of day, HVAC set-point temperature schedules, outdoor air dry-bulb temperature and humidity. The results show that the daily peak prediction with past four weeks’ training data performs the best. Three training methods that were used were Static, accumulative and sliding window with average APE of 3% and 4.5% for weekdays of August and September</a:t>
-            </a:r>
-          </a:p>
-          <a:p>
-            <a:pPr marL="0" marR="0" lvl="0" indent="0" algn="l" defTabSz="914400" rtl="0" eaLnBrk="1" fontAlgn="auto" latinLnBrk="1" hangingPunct="1">
-              <a:lnSpc>
-                <a:spcPct val="100000"/>
-              </a:lnSpc>
-              <a:spcBef>
-                <a:spcPts val="0"/>
-              </a:spcBef>
-              <a:spcAft>
-                <a:spcPts val="0"/>
-              </a:spcAft>
-              <a:buClrTx/>
-              <a:buSzTx/>
-              <a:buFontTx/>
-              <a:buNone/>
-              <a:tabLst/>
-              <a:defRPr/>
-            </a:pPr>
-            <a:endParaRPr lang="en-US" altLang="ko-KR" sz="1200" dirty="0"/>
+            <a:endParaRPr lang="en-US" altLang="ko-KR" sz="1200" dirty="0">
+              <a:solidFill>
+                <a:schemeClr val="tx1"/>
+              </a:solidFill>
+            </a:endParaRPr>
           </a:p>
         </p:txBody>
       </p:sp>
@@ -2645,7 +3502,7 @@
     </p:spTree>
     <p:extLst>
       <p:ext uri="{BB962C8B-B14F-4D97-AF65-F5344CB8AC3E}">
-        <p14:creationId xmlns:p14="http://schemas.microsoft.com/office/powerpoint/2010/main" val="559572077"/>
+        <p14:creationId xmlns:p14="http://schemas.microsoft.com/office/powerpoint/2010/main" val="652141984"/>
       </p:ext>
     </p:extLst>
   </p:cSld>
@@ -2699,19 +3556,237 @@
           <a:bodyPr/>
           <a:lstStyle/>
           <a:p>
+            <a:pPr marL="0" marR="0" lvl="0" indent="0" algn="l" defTabSz="914400" rtl="0" eaLnBrk="1" fontAlgn="auto" latinLnBrk="1" hangingPunct="1">
+              <a:lnSpc>
+                <a:spcPct val="100000"/>
+              </a:lnSpc>
+              <a:spcBef>
+                <a:spcPts val="0"/>
+              </a:spcBef>
+              <a:spcAft>
+                <a:spcPts val="0"/>
+              </a:spcAft>
+              <a:buClrTx/>
+              <a:buSzTx/>
+              <a:buFontTx/>
+              <a:buNone/>
+              <a:tabLst/>
+              <a:defRPr/>
+            </a:pPr>
             <a:r>
               <a:rPr lang="en-US" altLang="ko-KR" dirty="0"/>
-              <a:t>Forecasting electricity load, especially for commercial and industrial buildings has become one of the more important topics recently, to be able to better manage energy usage.</a:t>
-            </a:r>
-          </a:p>
-          <a:p>
+              <a:t>Despite the importance of data-driven approaches, It has two main limitations. </a:t>
+            </a:r>
+          </a:p>
+          <a:p>
+            <a:pPr marL="0" marR="0" lvl="0" indent="0" algn="l" defTabSz="914400" rtl="0" eaLnBrk="1" fontAlgn="auto" latinLnBrk="1" hangingPunct="1">
+              <a:lnSpc>
+                <a:spcPct val="100000"/>
+              </a:lnSpc>
+              <a:spcBef>
+                <a:spcPts val="0"/>
+              </a:spcBef>
+              <a:spcAft>
+                <a:spcPts val="0"/>
+              </a:spcAft>
+              <a:buClrTx/>
+              <a:buSzTx/>
+              <a:buFontTx/>
+              <a:buNone/>
+              <a:tabLst/>
+              <a:defRPr/>
+            </a:pPr>
             <a:r>
               <a:rPr lang="en-US" altLang="ko-KR" dirty="0"/>
-              <a:t>Although the forecast time horizon can range from minutes to years, the short-term load forecast (STLF), especially for a period shorter than a day, has been more of an interest in the perspective of buildings / because the utility prices may change by seasonality, time-of-use in on/off peak period, and contract demand.</a:t>
-            </a:r>
-          </a:p>
-          <a:p>
-            <a:endParaRPr lang="ko-KR" altLang="en-US" dirty="0"/>
+              <a:t>First, Data-driven prediction models may not perform well outside of their training range.</a:t>
+            </a:r>
+          </a:p>
+          <a:p>
+            <a:pPr marL="0" marR="0" lvl="0" indent="0" algn="l" defTabSz="914400" rtl="0" eaLnBrk="1" fontAlgn="auto" latinLnBrk="1" hangingPunct="1">
+              <a:lnSpc>
+                <a:spcPct val="100000"/>
+              </a:lnSpc>
+              <a:spcBef>
+                <a:spcPts val="0"/>
+              </a:spcBef>
+              <a:spcAft>
+                <a:spcPts val="0"/>
+              </a:spcAft>
+              <a:buClrTx/>
+              <a:buSzTx/>
+              <a:buFontTx/>
+              <a:buNone/>
+              <a:tabLst/>
+              <a:defRPr/>
+            </a:pPr>
+            <a:r>
+              <a:rPr lang="en-US" altLang="ko-KR" sz="1200" dirty="0">
+                <a:solidFill>
+                  <a:schemeClr val="tx1"/>
+                </a:solidFill>
+              </a:rPr>
+              <a:t>And they are black-box models, their internals are not known. </a:t>
+            </a:r>
+          </a:p>
+          <a:p>
+            <a:pPr marL="0" marR="0" lvl="0" indent="0" algn="l" defTabSz="914400" rtl="0" eaLnBrk="1" fontAlgn="auto" latinLnBrk="1" hangingPunct="1">
+              <a:lnSpc>
+                <a:spcPct val="100000"/>
+              </a:lnSpc>
+              <a:spcBef>
+                <a:spcPts val="0"/>
+              </a:spcBef>
+              <a:spcAft>
+                <a:spcPts val="0"/>
+              </a:spcAft>
+              <a:buClrTx/>
+              <a:buSzTx/>
+              <a:buFontTx/>
+              <a:buNone/>
+              <a:tabLst/>
+              <a:defRPr/>
+            </a:pPr>
+            <a:r>
+              <a:rPr lang="en-US" altLang="ko-KR" sz="1200" dirty="0"/>
+              <a:t>On the other hand, Hybrid or grey-box modelling approaches offer a combination of physical and data-driven prediction models, thereby leveraging the advantages and minimizing the disadvantages of both approaches. </a:t>
+            </a:r>
+          </a:p>
+          <a:p>
+            <a:pPr marL="0" marR="0" lvl="0" indent="0" algn="l" defTabSz="914400" rtl="0" eaLnBrk="1" fontAlgn="auto" latinLnBrk="1" hangingPunct="1">
+              <a:lnSpc>
+                <a:spcPct val="100000"/>
+              </a:lnSpc>
+              <a:spcBef>
+                <a:spcPts val="0"/>
+              </a:spcBef>
+              <a:spcAft>
+                <a:spcPts val="0"/>
+              </a:spcAft>
+              <a:buClrTx/>
+              <a:buSzTx/>
+              <a:buFontTx/>
+              <a:buNone/>
+              <a:tabLst/>
+              <a:defRPr/>
+            </a:pPr>
+            <a:r>
+              <a:rPr lang="en-US" altLang="ko-KR" sz="1200" dirty="0"/>
+              <a:t>There are several papers which developed a hybrid model. </a:t>
+            </a:r>
+          </a:p>
+          <a:p>
+            <a:pPr marL="0" marR="0" lvl="0" indent="0" algn="l" defTabSz="914400" rtl="0" eaLnBrk="1" fontAlgn="auto" latinLnBrk="1" hangingPunct="1">
+              <a:lnSpc>
+                <a:spcPct val="100000"/>
+              </a:lnSpc>
+              <a:spcBef>
+                <a:spcPts val="0"/>
+              </a:spcBef>
+              <a:spcAft>
+                <a:spcPts val="0"/>
+              </a:spcAft>
+              <a:buClrTx/>
+              <a:buSzTx/>
+              <a:buFontTx/>
+              <a:buNone/>
+              <a:tabLst/>
+              <a:defRPr/>
+            </a:pPr>
+            <a:endParaRPr lang="en-US" altLang="ko-KR" sz="1200" dirty="0"/>
+          </a:p>
+          <a:p>
+            <a:pPr marL="0" marR="0" lvl="0" indent="0" algn="l" defTabSz="914400" rtl="0" eaLnBrk="1" fontAlgn="auto" latinLnBrk="1" hangingPunct="1">
+              <a:lnSpc>
+                <a:spcPct val="100000"/>
+              </a:lnSpc>
+              <a:spcBef>
+                <a:spcPts val="0"/>
+              </a:spcBef>
+              <a:spcAft>
+                <a:spcPts val="0"/>
+              </a:spcAft>
+              <a:buClrTx/>
+              <a:buSzTx/>
+              <a:buFontTx/>
+              <a:buNone/>
+              <a:tabLst/>
+              <a:defRPr/>
+            </a:pPr>
+            <a:endParaRPr lang="en-US" altLang="ko-KR" sz="1200" dirty="0"/>
+          </a:p>
+          <a:p>
+            <a:pPr marL="0" marR="0" lvl="0" indent="0" algn="l" defTabSz="914400" rtl="0" eaLnBrk="1" fontAlgn="auto" latinLnBrk="1" hangingPunct="1">
+              <a:lnSpc>
+                <a:spcPct val="100000"/>
+              </a:lnSpc>
+              <a:spcBef>
+                <a:spcPts val="0"/>
+              </a:spcBef>
+              <a:spcAft>
+                <a:spcPts val="0"/>
+              </a:spcAft>
+              <a:buClrTx/>
+              <a:buSzTx/>
+              <a:buFontTx/>
+              <a:buNone/>
+              <a:tabLst/>
+              <a:defRPr/>
+            </a:pPr>
+            <a:r>
+              <a:rPr lang="en-US" altLang="ko-KR" sz="1200" dirty="0">
+                <a:solidFill>
+                  <a:schemeClr val="tx1"/>
+                </a:solidFill>
+              </a:rPr>
+              <a:t>Tae Chae et al. utilized ANN to forecast sub-hourly electricity usage in a commercial building complex [47]. It was seen that the ANN with15-min interval data forecasted accurately with more training data. The Mean Bias Error by taking 1, 2, 3 and 4 weeks for training are −10.4,−5.6, −2.3 and 0.03 respectively.</a:t>
+            </a:r>
+          </a:p>
+          <a:p>
+            <a:pPr marL="0" marR="0" lvl="0" indent="0" algn="l" defTabSz="914400" rtl="0" eaLnBrk="1" fontAlgn="auto" latinLnBrk="1" hangingPunct="1">
+              <a:lnSpc>
+                <a:spcPct val="100000"/>
+              </a:lnSpc>
+              <a:spcBef>
+                <a:spcPts val="0"/>
+              </a:spcBef>
+              <a:spcAft>
+                <a:spcPts val="0"/>
+              </a:spcAft>
+              <a:buClrTx/>
+              <a:buSzTx/>
+              <a:buFontTx/>
+              <a:buNone/>
+              <a:tabLst/>
+              <a:defRPr/>
+            </a:pPr>
+            <a:r>
+              <a:rPr lang="en-US" altLang="ko-KR" sz="1200" dirty="0">
+                <a:solidFill>
+                  <a:schemeClr val="tx1"/>
+                </a:solidFill>
+              </a:rPr>
+              <a:t>Chae et al. [48] developed forecasting models using ANN for sub-hourly electricity usage for a commercial building complex. The input variables that were selected for model development were the day type, time of day, HVAC set-point temperature schedules, outdoor air dry-bulb temperature and humidity. The results show that the daily peak prediction with past four weeks’ training data performs the best. Three training methods that were used were Static, accumulative and sliding window with average APE of 3% and 4.5% for weekdays of August and September</a:t>
+            </a:r>
+          </a:p>
+          <a:p>
+            <a:pPr marL="0" marR="0" lvl="0" indent="0" algn="l" defTabSz="914400" rtl="0" eaLnBrk="1" fontAlgn="auto" latinLnBrk="1" hangingPunct="1">
+              <a:lnSpc>
+                <a:spcPct val="100000"/>
+              </a:lnSpc>
+              <a:spcBef>
+                <a:spcPts val="0"/>
+              </a:spcBef>
+              <a:spcAft>
+                <a:spcPts val="0"/>
+              </a:spcAft>
+              <a:buClrTx/>
+              <a:buSzTx/>
+              <a:buFontTx/>
+              <a:buNone/>
+              <a:tabLst/>
+              <a:defRPr/>
+            </a:pPr>
+            <a:endParaRPr lang="en-US" altLang="ko-KR" sz="1200" dirty="0"/>
           </a:p>
         </p:txBody>
       </p:sp>
@@ -2730,9 +3805,9 @@
           <a:bodyPr/>
           <a:lstStyle/>
           <a:p>
-            <a:fld id="{52486DED-3510-4133-8C1C-AE1D3AAE843F}" type="slidenum">
+            <a:fld id="{AD7C0D23-3854-4668-89D8-4E6E2F843EB5}" type="slidenum">
               <a:rPr lang="ko-KR" altLang="en-US" smtClean="0"/>
-              <a:t>6</a:t>
+              <a:t>5</a:t>
             </a:fld>
             <a:endParaRPr lang="ko-KR" altLang="en-US"/>
           </a:p>
@@ -2741,7 +3816,7 @@
     </p:spTree>
     <p:extLst>
       <p:ext uri="{BB962C8B-B14F-4D97-AF65-F5344CB8AC3E}">
-        <p14:creationId xmlns:p14="http://schemas.microsoft.com/office/powerpoint/2010/main" val="37916394"/>
+        <p14:creationId xmlns:p14="http://schemas.microsoft.com/office/powerpoint/2010/main" val="559572077"/>
       </p:ext>
     </p:extLst>
   </p:cSld>
@@ -2797,42 +3872,17 @@
           <a:p>
             <a:r>
               <a:rPr lang="en-US" altLang="ko-KR" dirty="0"/>
-              <a:t>Previous studies on STLF for the sub-hourly electricity consumption of buildings are limited.</a:t>
+              <a:t>Forecasting electricity load, especially for commercial and industrial buildings has become one of the more important topics recently, to be able to better manage energy usage.</a:t>
             </a:r>
           </a:p>
           <a:p>
             <a:r>
               <a:rPr lang="en-US" altLang="ko-KR" dirty="0"/>
-              <a:t>Escriva-Escriva et al. [14] proposed STLF model using ANNs, </a:t>
-            </a:r>
-          </a:p>
-          <a:p>
-            <a:r>
-              <a:rPr lang="en-US" altLang="ko-KR" dirty="0"/>
-              <a:t>but this model requires an entire whole year’s dataset / and the performance may not be stable when the energy consumption pattern has large daily or annual variability.</a:t>
-            </a:r>
-          </a:p>
-          <a:p>
-            <a:r>
-              <a:rPr lang="en-US" altLang="ko-KR" strike="sngStrike" dirty="0"/>
-              <a:t>Therefore, it is useful to explore a model that can perform well under more general setting, in particular, not requiring a large amount of input data for forecasting electricity usage of buildings.</a:t>
-            </a:r>
-          </a:p>
-          <a:p>
-            <a:endParaRPr lang="en-US" altLang="ko-KR" strike="sngStrike" dirty="0"/>
-          </a:p>
-          <a:p>
-            <a:r>
-              <a:rPr lang="en-US" altLang="ko-KR" dirty="0"/>
-              <a:t>For this need, they developed a short-term load forecasting model using data mining and machine learning technique while assuming limited availability of data. </a:t>
-            </a:r>
-          </a:p>
-          <a:p>
-            <a:r>
-              <a:rPr lang="en-US" altLang="ko-KR" dirty="0"/>
-              <a:t>In particular, they investigate ANNs model to predict the energy consumption of a commercial building complex. </a:t>
-            </a:r>
-            <a:endParaRPr lang="ko-KR" altLang="en-US" strike="sngStrike" dirty="0"/>
+              <a:t>Although the forecast time horizon can range from minutes to years, the short-term load forecast (STLF), especially for a period shorter than a day, has been more of an interest in the perspective of buildings / because the utility prices may change by seasonality, time-of-use in on/off peak period, and contract demand.</a:t>
+            </a:r>
+          </a:p>
+          <a:p>
+            <a:endParaRPr lang="ko-KR" altLang="en-US" dirty="0"/>
           </a:p>
         </p:txBody>
       </p:sp>
@@ -2862,7 +3912,7 @@
     </p:spTree>
     <p:extLst>
       <p:ext uri="{BB962C8B-B14F-4D97-AF65-F5344CB8AC3E}">
-        <p14:creationId xmlns:p14="http://schemas.microsoft.com/office/powerpoint/2010/main" val="830013316"/>
+        <p14:creationId xmlns:p14="http://schemas.microsoft.com/office/powerpoint/2010/main" val="37916394"/>
       </p:ext>
     </p:extLst>
   </p:cSld>
@@ -2918,11 +3968,42 @@
           <a:p>
             <a:r>
               <a:rPr lang="en-US" altLang="ko-KR" dirty="0"/>
-              <a:t>The site consists of three office buildings in urban area, each of which has different number of floors.</a:t>
-            </a:r>
-          </a:p>
-          <a:p>
-            <a:endParaRPr lang="ko-KR" altLang="en-US" strike="noStrike" dirty="0"/>
+              <a:t>Previous studies on STLF for the sub-hourly electricity consumption of buildings are limited.</a:t>
+            </a:r>
+          </a:p>
+          <a:p>
+            <a:r>
+              <a:rPr lang="en-US" altLang="ko-KR" dirty="0"/>
+              <a:t>Escriva-Escriva et al. [14] proposed STLF model using ANNs, </a:t>
+            </a:r>
+          </a:p>
+          <a:p>
+            <a:r>
+              <a:rPr lang="en-US" altLang="ko-KR" dirty="0"/>
+              <a:t>but this model requires an entire whole year’s dataset / and the performance may not be stable when the energy consumption pattern has large daily or annual variability.</a:t>
+            </a:r>
+          </a:p>
+          <a:p>
+            <a:r>
+              <a:rPr lang="en-US" altLang="ko-KR" strike="sngStrike" dirty="0"/>
+              <a:t>Therefore, it is useful to explore a model that can perform well under more general setting, in particular, not requiring a large amount of input data for forecasting electricity usage of buildings.</a:t>
+            </a:r>
+          </a:p>
+          <a:p>
+            <a:endParaRPr lang="en-US" altLang="ko-KR" strike="sngStrike" dirty="0"/>
+          </a:p>
+          <a:p>
+            <a:r>
+              <a:rPr lang="en-US" altLang="ko-KR" dirty="0"/>
+              <a:t>For this need, they developed a short-term load forecasting model using data mining and machine learning technique while assuming limited availability of data. </a:t>
+            </a:r>
+          </a:p>
+          <a:p>
+            <a:r>
+              <a:rPr lang="en-US" altLang="ko-KR" dirty="0"/>
+              <a:t>In particular, they investigate ANNs model to predict the energy consumption of a commercial building complex. </a:t>
+            </a:r>
+            <a:endParaRPr lang="ko-KR" altLang="en-US" strike="sngStrike" dirty="0"/>
           </a:p>
         </p:txBody>
       </p:sp>
@@ -2952,7 +4033,7 @@
     </p:spTree>
     <p:extLst>
       <p:ext uri="{BB962C8B-B14F-4D97-AF65-F5344CB8AC3E}">
-        <p14:creationId xmlns:p14="http://schemas.microsoft.com/office/powerpoint/2010/main" val="1156610384"/>
+        <p14:creationId xmlns:p14="http://schemas.microsoft.com/office/powerpoint/2010/main" val="830013316"/>
       </p:ext>
     </p:extLst>
   </p:cSld>
@@ -3006,9 +4087,13 @@
           <a:bodyPr/>
           <a:lstStyle/>
           <a:p>
-            <a:endParaRPr lang="ko-KR" altLang="en-US" strike="noStrike" dirty="0">
-              <a:effectLst/>
-            </a:endParaRPr>
+            <a:r>
+              <a:rPr lang="en-US" altLang="ko-KR" dirty="0"/>
+              <a:t>The site consists of three office buildings in urban area, each of which has different number of floors.</a:t>
+            </a:r>
+          </a:p>
+          <a:p>
+            <a:endParaRPr lang="ko-KR" altLang="en-US" strike="noStrike" dirty="0"/>
           </a:p>
         </p:txBody>
       </p:sp>
@@ -3038,7 +4123,7 @@
     </p:spTree>
     <p:extLst>
       <p:ext uri="{BB962C8B-B14F-4D97-AF65-F5344CB8AC3E}">
-        <p14:creationId xmlns:p14="http://schemas.microsoft.com/office/powerpoint/2010/main" val="850555905"/>
+        <p14:creationId xmlns:p14="http://schemas.microsoft.com/office/powerpoint/2010/main" val="1156610384"/>
       </p:ext>
     </p:extLst>
   </p:cSld>
@@ -3092,7 +4177,9 @@
           <a:bodyPr/>
           <a:lstStyle/>
           <a:p>
-            <a:endParaRPr lang="ko-KR" altLang="en-US" strike="noStrike" dirty="0"/>
+            <a:endParaRPr lang="ko-KR" altLang="en-US" strike="noStrike" dirty="0">
+              <a:effectLst/>
+            </a:endParaRPr>
           </a:p>
         </p:txBody>
       </p:sp>
@@ -3122,7 +4209,7 @@
     </p:spTree>
     <p:extLst>
       <p:ext uri="{BB962C8B-B14F-4D97-AF65-F5344CB8AC3E}">
-        <p14:creationId xmlns:p14="http://schemas.microsoft.com/office/powerpoint/2010/main" val="3806084297"/>
+        <p14:creationId xmlns:p14="http://schemas.microsoft.com/office/powerpoint/2010/main" val="850555905"/>
       </p:ext>
     </p:extLst>
   </p:cSld>
@@ -5767,9 +6854,7 @@
     <p:bg>
       <p:bgPr>
         <a:solidFill>
-          <a:srgbClr val="F3F3F3">
-            <a:alpha val="19000"/>
-          </a:srgbClr>
+          <a:schemeClr val="bg1"/>
         </a:solidFill>
         <a:effectLst/>
       </p:bgPr>
@@ -6729,6 +7814,114 @@
           <a:chExt cx="0" cy="0"/>
         </a:xfrm>
       </p:grpSpPr>
+      <p:sp>
+        <p:nvSpPr>
+          <p:cNvPr id="13" name="TextBox 12">
+            <a:extLst>
+              <a:ext uri="{FF2B5EF4-FFF2-40B4-BE49-F238E27FC236}">
+                <a16:creationId xmlns:a16="http://schemas.microsoft.com/office/drawing/2014/main" id="{0FD405ED-5D3F-B00E-324B-64D242A4B44C}"/>
+              </a:ext>
+            </a:extLst>
+          </p:cNvPr>
+          <p:cNvSpPr txBox="1"/>
+          <p:nvPr/>
+        </p:nvSpPr>
+        <p:spPr>
+          <a:xfrm>
+            <a:off x="539552" y="1360556"/>
+            <a:ext cx="5943136" cy="369332"/>
+          </a:xfrm>
+          <a:prstGeom prst="rect">
+            <a:avLst/>
+          </a:prstGeom>
+          <a:noFill/>
+        </p:spPr>
+        <p:txBody>
+          <a:bodyPr wrap="square">
+            <a:spAutoFit/>
+          </a:bodyPr>
+          <a:lstStyle/>
+          <a:p>
+            <a:pPr marL="342900" indent="-342900">
+              <a:buFont typeface="+mj-lt"/>
+              <a:buAutoNum type="arabicPeriod" startAt="2"/>
+            </a:pPr>
+            <a:r>
+              <a:rPr lang="en-US" altLang="ko-KR" b="1" dirty="0">
+                <a:solidFill>
+                  <a:srgbClr val="768FD4"/>
+                </a:solidFill>
+              </a:rPr>
+              <a:t>Data collection and processing</a:t>
+            </a:r>
+            <a:endParaRPr lang="ko-KR" altLang="en-US" b="1" dirty="0">
+              <a:solidFill>
+                <a:srgbClr val="768FD4"/>
+              </a:solidFill>
+            </a:endParaRPr>
+          </a:p>
+        </p:txBody>
+      </p:sp>
+      <p:pic>
+        <p:nvPicPr>
+          <p:cNvPr id="6" name="그림 5">
+            <a:extLst>
+              <a:ext uri="{FF2B5EF4-FFF2-40B4-BE49-F238E27FC236}">
+                <a16:creationId xmlns:a16="http://schemas.microsoft.com/office/drawing/2014/main" id="{5D9640DA-85B5-FE58-1BB4-E71206FB1393}"/>
+              </a:ext>
+            </a:extLst>
+          </p:cNvPr>
+          <p:cNvPicPr>
+            <a:picLocks noChangeAspect="1"/>
+          </p:cNvPicPr>
+          <p:nvPr/>
+        </p:nvPicPr>
+        <p:blipFill>
+          <a:blip r:embed="rId3"/>
+          <a:stretch>
+            <a:fillRect/>
+          </a:stretch>
+        </p:blipFill>
+        <p:spPr>
+          <a:xfrm>
+            <a:off x="2003644" y="1761990"/>
+            <a:ext cx="8184712" cy="5044229"/>
+          </a:xfrm>
+          <a:prstGeom prst="rect">
+            <a:avLst/>
+          </a:prstGeom>
+        </p:spPr>
+      </p:pic>
+    </p:spTree>
+    <p:extLst>
+      <p:ext uri="{BB962C8B-B14F-4D97-AF65-F5344CB8AC3E}">
+        <p14:creationId xmlns:p14="http://schemas.microsoft.com/office/powerpoint/2010/main" val="2119792755"/>
+      </p:ext>
+    </p:extLst>
+  </p:cSld>
+  <p:clrMapOvr>
+    <a:masterClrMapping/>
+  </p:clrMapOvr>
+</p:sld>
+</file>
+
+<file path=ppt/slides/slide11.xml><?xml version="1.0" encoding="utf-8"?>
+<p:sld xmlns:a="http://schemas.openxmlformats.org/drawingml/2006/main" xmlns:r="http://schemas.openxmlformats.org/officeDocument/2006/relationships" xmlns:p="http://schemas.openxmlformats.org/presentationml/2006/main">
+  <p:cSld>
+    <p:spTree>
+      <p:nvGrpSpPr>
+        <p:cNvPr id="1" name=""/>
+        <p:cNvGrpSpPr/>
+        <p:nvPr/>
+      </p:nvGrpSpPr>
+      <p:grpSpPr>
+        <a:xfrm>
+          <a:off x="0" y="0"/>
+          <a:ext cx="0" cy="0"/>
+          <a:chOff x="0" y="0"/>
+          <a:chExt cx="0" cy="0"/>
+        </a:xfrm>
+      </p:grpSpPr>
       <p:cxnSp>
         <p:nvCxnSpPr>
           <p:cNvPr id="3" name="직선 연결선 2">
@@ -6980,31 +8173,423 @@
           <a:chExt cx="0" cy="0"/>
         </a:xfrm>
       </p:grpSpPr>
-      <p:sp>
-        <p:nvSpPr>
-          <p:cNvPr id="5" name="TextBox 4">
-            <a:extLst>
-              <a:ext uri="{FF2B5EF4-FFF2-40B4-BE49-F238E27FC236}">
-                <a16:creationId xmlns:a16="http://schemas.microsoft.com/office/drawing/2014/main" id="{34E7CC66-42E2-4959-88DF-0B454D5A55A5}"/>
-              </a:ext>
-            </a:extLst>
-          </p:cNvPr>
-          <p:cNvSpPr txBox="1"/>
+      <p:pic>
+        <p:nvPicPr>
+          <p:cNvPr id="4" name="Picture 4" descr="How to improve energy efficiency using the smart facility for your business">
+            <a:extLst>
+              <a:ext uri="{FF2B5EF4-FFF2-40B4-BE49-F238E27FC236}">
+                <a16:creationId xmlns:a16="http://schemas.microsoft.com/office/drawing/2014/main" id="{D7367C16-F730-7B8C-272F-906A144019E1}"/>
+              </a:ext>
+            </a:extLst>
+          </p:cNvPr>
+          <p:cNvPicPr>
+            <a:picLocks noChangeAspect="1" noChangeArrowheads="1"/>
+          </p:cNvPicPr>
           <p:nvPr/>
-        </p:nvSpPr>
-        <p:spPr>
+        </p:nvPicPr>
+        <p:blipFill rotWithShape="1">
+          <a:blip r:embed="rId3">
+            <a:duotone>
+              <a:schemeClr val="accent5">
+                <a:shade val="45000"/>
+                <a:satMod val="135000"/>
+              </a:schemeClr>
+              <a:prstClr val="white"/>
+            </a:duotone>
+            <a:extLst>
+              <a:ext uri="{28A0092B-C50C-407E-A947-70E740481C1C}">
+                <a14:useLocalDpi xmlns:a14="http://schemas.microsoft.com/office/drawing/2010/main" val="0"/>
+              </a:ext>
+            </a:extLst>
+          </a:blip>
+          <a:srcRect l="2718" t="4421" r="2922" b="15505"/>
+          <a:stretch/>
+        </p:blipFill>
+        <p:spPr bwMode="auto">
           <a:xfrm>
-            <a:off x="567647" y="683332"/>
-            <a:ext cx="11056703" cy="461665"/>
+            <a:off x="-12000" y="2114550"/>
+            <a:ext cx="8790244" cy="4743450"/>
           </a:xfrm>
           <a:prstGeom prst="rect">
             <a:avLst/>
           </a:prstGeom>
           <a:noFill/>
-          <a:scene3d>
-            <a:camera prst="obliqueTopLeft"/>
-            <a:lightRig rig="threePt" dir="t"/>
-          </a:scene3d>
+          <a:ln>
+            <a:noFill/>
+          </a:ln>
+          <a:extLst>
+            <a:ext uri="{909E8E84-426E-40DD-AFC4-6F175D3DCCD1}">
+              <a14:hiddenFill xmlns:a14="http://schemas.microsoft.com/office/drawing/2010/main">
+                <a:solidFill>
+                  <a:srgbClr val="FFFFFF"/>
+                </a:solidFill>
+              </a14:hiddenFill>
+            </a:ext>
+          </a:extLst>
+        </p:spPr>
+      </p:pic>
+      <p:sp>
+        <p:nvSpPr>
+          <p:cNvPr id="20" name="제목 1">
+            <a:extLst>
+              <a:ext uri="{FF2B5EF4-FFF2-40B4-BE49-F238E27FC236}">
+                <a16:creationId xmlns:a16="http://schemas.microsoft.com/office/drawing/2014/main" id="{85178302-4FD1-9E23-9240-FBE8BBA31DF3}"/>
+              </a:ext>
+            </a:extLst>
+          </p:cNvPr>
+          <p:cNvSpPr txBox="1">
+            <a:spLocks/>
+          </p:cNvSpPr>
+          <p:nvPr/>
+        </p:nvSpPr>
+        <p:spPr>
+          <a:xfrm>
+            <a:off x="3006223" y="2555614"/>
+            <a:ext cx="8781332" cy="766426"/>
+          </a:xfrm>
+          <a:prstGeom prst="rect">
+            <a:avLst/>
+          </a:prstGeom>
+        </p:spPr>
+        <p:txBody>
+          <a:bodyPr vert="horz" lIns="91440" tIns="45720" rIns="91440" bIns="45720" rtlCol="0" anchor="ctr">
+            <a:noAutofit/>
+          </a:bodyPr>
+          <a:lstStyle>
+            <a:lvl1pPr algn="l" defTabSz="914400" rtl="0" eaLnBrk="1" latinLnBrk="1" hangingPunct="1">
+              <a:lnSpc>
+                <a:spcPct val="90000"/>
+              </a:lnSpc>
+              <a:spcBef>
+                <a:spcPct val="0"/>
+              </a:spcBef>
+              <a:buNone/>
+              <a:defRPr sz="4400" kern="1200">
+                <a:solidFill>
+                  <a:schemeClr val="tx1"/>
+                </a:solidFill>
+                <a:latin typeface="+mj-lt"/>
+                <a:ea typeface="+mj-ea"/>
+                <a:cs typeface="+mj-cs"/>
+              </a:defRPr>
+            </a:lvl1pPr>
+          </a:lstStyle>
+          <a:p>
+            <a:r>
+              <a:rPr lang="en-US" altLang="ko-KR" sz="2400" dirty="0"/>
+              <a:t>2. Artificial neural network model for forecasting sub-hourly electricity usage in Commercial buildings</a:t>
+            </a:r>
+            <a:endParaRPr lang="ko-KR" altLang="en-US" sz="2400" dirty="0"/>
+          </a:p>
+        </p:txBody>
+      </p:sp>
+      <p:sp>
+        <p:nvSpPr>
+          <p:cNvPr id="22" name="직사각형 21">
+            <a:extLst>
+              <a:ext uri="{FF2B5EF4-FFF2-40B4-BE49-F238E27FC236}">
+                <a16:creationId xmlns:a16="http://schemas.microsoft.com/office/drawing/2014/main" id="{C124AAB9-7F18-6CA3-A06A-255857BBBF9F}"/>
+              </a:ext>
+            </a:extLst>
+          </p:cNvPr>
+          <p:cNvSpPr/>
+          <p:nvPr/>
+        </p:nvSpPr>
+        <p:spPr>
+          <a:xfrm>
+            <a:off x="-12000" y="-25580"/>
+            <a:ext cx="4068000" cy="88175"/>
+          </a:xfrm>
+          <a:prstGeom prst="rect">
+            <a:avLst/>
+          </a:prstGeom>
+          <a:solidFill>
+            <a:srgbClr val="D6DDF2">
+              <a:alpha val="80000"/>
+            </a:srgbClr>
+          </a:solidFill>
+          <a:ln>
+            <a:noFill/>
+          </a:ln>
+        </p:spPr>
+        <p:style>
+          <a:lnRef idx="2">
+            <a:schemeClr val="accent1">
+              <a:shade val="50000"/>
+            </a:schemeClr>
+          </a:lnRef>
+          <a:fillRef idx="1">
+            <a:schemeClr val="accent1"/>
+          </a:fillRef>
+          <a:effectRef idx="0">
+            <a:schemeClr val="accent1"/>
+          </a:effectRef>
+          <a:fontRef idx="minor">
+            <a:schemeClr val="lt1"/>
+          </a:fontRef>
+        </p:style>
+        <p:txBody>
+          <a:bodyPr rtlCol="0" anchor="ctr"/>
+          <a:lstStyle/>
+          <a:p>
+            <a:pPr algn="ctr"/>
+            <a:endParaRPr lang="ko-KR" altLang="en-US">
+              <a:solidFill>
+                <a:srgbClr val="768FD4"/>
+              </a:solidFill>
+            </a:endParaRPr>
+          </a:p>
+        </p:txBody>
+      </p:sp>
+      <p:sp>
+        <p:nvSpPr>
+          <p:cNvPr id="23" name="직사각형 22">
+            <a:extLst>
+              <a:ext uri="{FF2B5EF4-FFF2-40B4-BE49-F238E27FC236}">
+                <a16:creationId xmlns:a16="http://schemas.microsoft.com/office/drawing/2014/main" id="{A7BFE41F-83DF-129B-7C90-8FE9AFACCE26}"/>
+              </a:ext>
+            </a:extLst>
+          </p:cNvPr>
+          <p:cNvSpPr/>
+          <p:nvPr/>
+        </p:nvSpPr>
+        <p:spPr>
+          <a:xfrm>
+            <a:off x="4056000" y="-25581"/>
+            <a:ext cx="4068000" cy="88175"/>
+          </a:xfrm>
+          <a:prstGeom prst="rect">
+            <a:avLst/>
+          </a:prstGeom>
+          <a:solidFill>
+            <a:srgbClr val="D6DDF2">
+              <a:alpha val="80000"/>
+            </a:srgbClr>
+          </a:solidFill>
+          <a:ln>
+            <a:noFill/>
+          </a:ln>
+        </p:spPr>
+        <p:style>
+          <a:lnRef idx="2">
+            <a:schemeClr val="accent1">
+              <a:shade val="50000"/>
+            </a:schemeClr>
+          </a:lnRef>
+          <a:fillRef idx="1">
+            <a:schemeClr val="accent1"/>
+          </a:fillRef>
+          <a:effectRef idx="0">
+            <a:schemeClr val="accent1"/>
+          </a:effectRef>
+          <a:fontRef idx="minor">
+            <a:schemeClr val="lt1"/>
+          </a:fontRef>
+        </p:style>
+        <p:txBody>
+          <a:bodyPr rtlCol="0" anchor="ctr"/>
+          <a:lstStyle/>
+          <a:p>
+            <a:pPr algn="ctr"/>
+            <a:endParaRPr lang="ko-KR" altLang="en-US"/>
+          </a:p>
+        </p:txBody>
+      </p:sp>
+      <p:sp>
+        <p:nvSpPr>
+          <p:cNvPr id="24" name="직사각형 23">
+            <a:extLst>
+              <a:ext uri="{FF2B5EF4-FFF2-40B4-BE49-F238E27FC236}">
+                <a16:creationId xmlns:a16="http://schemas.microsoft.com/office/drawing/2014/main" id="{EB172932-4056-3CD6-3206-6B344BB8C25A}"/>
+              </a:ext>
+            </a:extLst>
+          </p:cNvPr>
+          <p:cNvSpPr/>
+          <p:nvPr/>
+        </p:nvSpPr>
+        <p:spPr>
+          <a:xfrm>
+            <a:off x="8124000" y="-24532"/>
+            <a:ext cx="4068000" cy="88175"/>
+          </a:xfrm>
+          <a:prstGeom prst="rect">
+            <a:avLst/>
+          </a:prstGeom>
+          <a:solidFill>
+            <a:srgbClr val="D6DDF2">
+              <a:alpha val="80000"/>
+            </a:srgbClr>
+          </a:solidFill>
+          <a:ln>
+            <a:noFill/>
+          </a:ln>
+        </p:spPr>
+        <p:style>
+          <a:lnRef idx="2">
+            <a:schemeClr val="accent1">
+              <a:shade val="50000"/>
+            </a:schemeClr>
+          </a:lnRef>
+          <a:fillRef idx="1">
+            <a:schemeClr val="accent1"/>
+          </a:fillRef>
+          <a:effectRef idx="0">
+            <a:schemeClr val="accent1"/>
+          </a:effectRef>
+          <a:fontRef idx="minor">
+            <a:schemeClr val="lt1"/>
+          </a:fontRef>
+        </p:style>
+        <p:txBody>
+          <a:bodyPr rtlCol="0" anchor="ctr"/>
+          <a:lstStyle/>
+          <a:p>
+            <a:pPr algn="ctr"/>
+            <a:endParaRPr lang="ko-KR" altLang="en-US"/>
+          </a:p>
+        </p:txBody>
+      </p:sp>
+      <p:sp>
+        <p:nvSpPr>
+          <p:cNvPr id="25" name="제목 1">
+            <a:extLst>
+              <a:ext uri="{FF2B5EF4-FFF2-40B4-BE49-F238E27FC236}">
+                <a16:creationId xmlns:a16="http://schemas.microsoft.com/office/drawing/2014/main" id="{EB8882E3-C1DB-7742-6373-83DBB4B5208B}"/>
+              </a:ext>
+            </a:extLst>
+          </p:cNvPr>
+          <p:cNvSpPr txBox="1">
+            <a:spLocks/>
+          </p:cNvSpPr>
+          <p:nvPr/>
+        </p:nvSpPr>
+        <p:spPr>
+          <a:xfrm>
+            <a:off x="3006223" y="3539371"/>
+            <a:ext cx="8790244" cy="630579"/>
+          </a:xfrm>
+          <a:prstGeom prst="rect">
+            <a:avLst/>
+          </a:prstGeom>
+        </p:spPr>
+        <p:txBody>
+          <a:bodyPr vert="horz" lIns="91440" tIns="45720" rIns="91440" bIns="45720" rtlCol="0" anchor="ctr">
+            <a:noAutofit/>
+          </a:bodyPr>
+          <a:lstStyle>
+            <a:lvl1pPr algn="l" defTabSz="914400" rtl="0" eaLnBrk="1" latinLnBrk="1" hangingPunct="1">
+              <a:lnSpc>
+                <a:spcPct val="90000"/>
+              </a:lnSpc>
+              <a:spcBef>
+                <a:spcPct val="0"/>
+              </a:spcBef>
+              <a:buNone/>
+              <a:defRPr sz="4400" kern="1200">
+                <a:solidFill>
+                  <a:schemeClr val="tx1"/>
+                </a:solidFill>
+                <a:latin typeface="+mj-lt"/>
+                <a:ea typeface="+mj-ea"/>
+                <a:cs typeface="+mj-cs"/>
+              </a:defRPr>
+            </a:lvl1pPr>
+          </a:lstStyle>
+          <a:p>
+            <a:r>
+              <a:rPr lang="en-US" altLang="ko-KR" sz="2400" dirty="0"/>
+              <a:t>3. A hybrid model approach for forecasting future residential electricity consumption</a:t>
+            </a:r>
+            <a:endParaRPr lang="ko-KR" altLang="en-US" sz="2400" dirty="0"/>
+          </a:p>
+        </p:txBody>
+      </p:sp>
+      <p:sp>
+        <p:nvSpPr>
+          <p:cNvPr id="26" name="제목 1">
+            <a:extLst>
+              <a:ext uri="{FF2B5EF4-FFF2-40B4-BE49-F238E27FC236}">
+                <a16:creationId xmlns:a16="http://schemas.microsoft.com/office/drawing/2014/main" id="{4EC4ABD9-61BA-2F0E-7CBE-7B1ECCD0F385}"/>
+              </a:ext>
+            </a:extLst>
+          </p:cNvPr>
+          <p:cNvSpPr txBox="1">
+            <a:spLocks/>
+          </p:cNvSpPr>
+          <p:nvPr/>
+        </p:nvSpPr>
+        <p:spPr>
+          <a:xfrm>
+            <a:off x="3015135" y="1649462"/>
+            <a:ext cx="8781332" cy="679300"/>
+          </a:xfrm>
+          <a:prstGeom prst="rect">
+            <a:avLst/>
+          </a:prstGeom>
+        </p:spPr>
+        <p:txBody>
+          <a:bodyPr vert="horz" lIns="91440" tIns="45720" rIns="91440" bIns="45720" rtlCol="0" anchor="ctr">
+            <a:noAutofit/>
+          </a:bodyPr>
+          <a:lstStyle>
+            <a:lvl1pPr algn="l" defTabSz="914400" rtl="0" eaLnBrk="1" latinLnBrk="1" hangingPunct="1">
+              <a:lnSpc>
+                <a:spcPct val="90000"/>
+              </a:lnSpc>
+              <a:spcBef>
+                <a:spcPct val="0"/>
+              </a:spcBef>
+              <a:buNone/>
+              <a:defRPr sz="4400" kern="1200">
+                <a:solidFill>
+                  <a:schemeClr val="tx1"/>
+                </a:solidFill>
+                <a:latin typeface="+mj-lt"/>
+                <a:ea typeface="+mj-ea"/>
+                <a:cs typeface="+mj-cs"/>
+              </a:defRPr>
+            </a:lvl1pPr>
+          </a:lstStyle>
+          <a:p>
+            <a:r>
+              <a:rPr lang="en-US" altLang="ko-KR" sz="2400" dirty="0"/>
+              <a:t>1. Prediction</a:t>
+            </a:r>
+            <a:r>
+              <a:rPr lang="ko-KR" altLang="en-US" sz="2400" dirty="0"/>
+              <a:t> </a:t>
+            </a:r>
+            <a:r>
+              <a:rPr lang="en-US" altLang="ko-KR" sz="2400" dirty="0"/>
+              <a:t>models for forecasting building energy consumption</a:t>
+            </a:r>
+          </a:p>
+        </p:txBody>
+      </p:sp>
+      <p:sp>
+        <p:nvSpPr>
+          <p:cNvPr id="19" name="TextBox 18">
+            <a:extLst>
+              <a:ext uri="{FF2B5EF4-FFF2-40B4-BE49-F238E27FC236}">
+                <a16:creationId xmlns:a16="http://schemas.microsoft.com/office/drawing/2014/main" id="{FA23C394-21DA-37D2-6EE5-5E51D0BC7994}"/>
+              </a:ext>
+            </a:extLst>
+          </p:cNvPr>
+          <p:cNvSpPr txBox="1"/>
+          <p:nvPr/>
+        </p:nvSpPr>
+        <p:spPr>
+          <a:xfrm>
+            <a:off x="4461816" y="473890"/>
+            <a:ext cx="3256367" cy="646331"/>
+          </a:xfrm>
+          <a:prstGeom prst="rect">
+            <a:avLst/>
+          </a:prstGeom>
+          <a:noFill/>
+          <a:ln w="44450" cap="rnd">
+            <a:noFill/>
+          </a:ln>
         </p:spPr>
         <p:txBody>
           <a:bodyPr wrap="square" rtlCol="0">
@@ -7012,169 +8597,24 @@
           </a:bodyPr>
           <a:lstStyle/>
           <a:p>
-            <a:pPr marL="342900" indent="-342900">
-              <a:buFont typeface="Wingdings" panose="05000000000000000000" pitchFamily="2" charset="2"/>
-              <a:buChar char="v"/>
-            </a:pPr>
-            <a:r>
-              <a:rPr lang="en-US" altLang="ko-KR" sz="2400" b="1" dirty="0">
-                <a:latin typeface="+mj-ea"/>
-                <a:ea typeface="+mj-ea"/>
-                <a:cs typeface="조선일보명조" pitchFamily="18" charset="-127"/>
-              </a:rPr>
-              <a:t>Prediction</a:t>
-            </a:r>
-            <a:r>
-              <a:rPr lang="ko-KR" altLang="en-US" sz="2400" b="1" dirty="0">
-                <a:latin typeface="+mj-ea"/>
-                <a:ea typeface="+mj-ea"/>
-                <a:cs typeface="조선일보명조" pitchFamily="18" charset="-127"/>
-              </a:rPr>
-              <a:t> </a:t>
-            </a:r>
-            <a:r>
-              <a:rPr lang="en-US" altLang="ko-KR" sz="2400" b="1" dirty="0">
-                <a:latin typeface="+mj-ea"/>
-                <a:ea typeface="+mj-ea"/>
-                <a:cs typeface="조선일보명조" pitchFamily="18" charset="-127"/>
-              </a:rPr>
-              <a:t>models</a:t>
-            </a:r>
-            <a:endParaRPr lang="ko-KR" altLang="en-US" sz="1600" b="1" dirty="0">
-              <a:latin typeface="+mj-ea"/>
-              <a:ea typeface="+mj-ea"/>
-              <a:cs typeface="조선일보명조" pitchFamily="18" charset="-127"/>
-            </a:endParaRPr>
-          </a:p>
-        </p:txBody>
-      </p:sp>
-      <p:sp>
-        <p:nvSpPr>
-          <p:cNvPr id="12" name="TextBox 11">
-            <a:extLst>
-              <a:ext uri="{FF2B5EF4-FFF2-40B4-BE49-F238E27FC236}">
-                <a16:creationId xmlns:a16="http://schemas.microsoft.com/office/drawing/2014/main" id="{068C3819-1D50-41F7-AFE9-198A0102F7D3}"/>
-              </a:ext>
-            </a:extLst>
-          </p:cNvPr>
-          <p:cNvSpPr txBox="1"/>
-          <p:nvPr/>
-        </p:nvSpPr>
-        <p:spPr>
-          <a:xfrm>
-            <a:off x="567648" y="1846328"/>
-            <a:ext cx="11056703" cy="1964518"/>
-          </a:xfrm>
-          <a:prstGeom prst="roundRect">
-            <a:avLst>
-              <a:gd name="adj" fmla="val 7064"/>
-            </a:avLst>
-          </a:prstGeom>
-          <a:solidFill>
-            <a:srgbClr val="FFF2CC">
-              <a:alpha val="60000"/>
-            </a:srgbClr>
-          </a:solidFill>
-        </p:spPr>
-        <p:txBody>
-          <a:bodyPr wrap="square" rtlCol="0">
-            <a:spAutoFit/>
-          </a:bodyPr>
-          <a:lstStyle/>
-          <a:p>
-            <a:pPr marL="285750" indent="-285750">
-              <a:lnSpc>
-                <a:spcPct val="150000"/>
-              </a:lnSpc>
-              <a:buFont typeface="Arial" panose="020B0604020202020204" pitchFamily="34" charset="0"/>
-              <a:buChar char="•"/>
-            </a:pPr>
-            <a:r>
-              <a:rPr lang="en-US" altLang="ko-KR" sz="1600" dirty="0"/>
-              <a:t>Rely on thermodynamic rules for detailed energy modelling and analysis</a:t>
-            </a:r>
-          </a:p>
-          <a:p>
-            <a:pPr marL="285750" indent="-285750">
-              <a:lnSpc>
-                <a:spcPct val="150000"/>
-              </a:lnSpc>
-              <a:buFont typeface="Arial" panose="020B0604020202020204" pitchFamily="34" charset="0"/>
-              <a:buChar char="•"/>
-            </a:pPr>
-            <a:r>
-              <a:rPr lang="en-US" altLang="ko-KR" sz="1600" dirty="0"/>
-              <a:t>Software : </a:t>
-            </a:r>
-            <a:r>
-              <a:rPr lang="en-US" altLang="ko-KR" sz="1600" dirty="0" err="1"/>
-              <a:t>EnergyPlus</a:t>
-            </a:r>
-            <a:r>
-              <a:rPr lang="en-US" altLang="ko-KR" sz="1600" dirty="0"/>
-              <a:t>, </a:t>
-            </a:r>
-            <a:r>
-              <a:rPr lang="en-US" altLang="ko-KR" sz="1600" dirty="0" err="1"/>
-              <a:t>eQuest</a:t>
-            </a:r>
-            <a:r>
-              <a:rPr lang="en-US" altLang="ko-KR" sz="1600" dirty="0"/>
-              <a:t>, and </a:t>
-            </a:r>
-            <a:r>
-              <a:rPr lang="en-US" altLang="ko-KR" sz="1600" dirty="0" err="1"/>
-              <a:t>Ecotect</a:t>
-            </a:r>
-            <a:endParaRPr lang="en-US" altLang="ko-KR" sz="1600" dirty="0"/>
-          </a:p>
-          <a:p>
-            <a:pPr marL="742950" lvl="1" indent="-285750">
-              <a:lnSpc>
-                <a:spcPct val="150000"/>
-              </a:lnSpc>
-              <a:buFont typeface="Arial" panose="020B0604020202020204" pitchFamily="34" charset="0"/>
-              <a:buChar char="•"/>
-            </a:pPr>
-            <a:r>
-              <a:rPr lang="en-US" altLang="ko-KR" sz="1600" dirty="0"/>
-              <a:t>Calculate building energy consumption based on detailed building and environmental parameters</a:t>
-            </a:r>
-          </a:p>
-          <a:p>
-            <a:pPr marL="285750" indent="-285750">
-              <a:lnSpc>
-                <a:spcPct val="150000"/>
-              </a:lnSpc>
-              <a:buFont typeface="Arial" panose="020B0604020202020204" pitchFamily="34" charset="0"/>
-              <a:buChar char="•"/>
-            </a:pPr>
-            <a:r>
-              <a:rPr lang="en-US" altLang="ko-KR" sz="1600" dirty="0"/>
-              <a:t>Detailed data may not be available to the users at the time of simulation</a:t>
-            </a:r>
-          </a:p>
-          <a:p>
-            <a:pPr marL="742950" lvl="1" indent="-285750">
-              <a:lnSpc>
-                <a:spcPct val="150000"/>
-              </a:lnSpc>
-              <a:buFont typeface="Symbol" panose="05050102010706020507" pitchFamily="18" charset="2"/>
-              <a:buChar char="Þ"/>
-            </a:pPr>
-            <a:r>
-              <a:rPr lang="en-US" altLang="ko-KR" sz="1600" dirty="0"/>
-              <a:t>Failure to provide accurate input can result in poor prediction performance</a:t>
+            <a:pPr algn="ctr"/>
+            <a:r>
+              <a:rPr lang="en-US" altLang="ko-KR" sz="3600" b="1" dirty="0">
+                <a:solidFill>
+                  <a:srgbClr val="768FD4"/>
+                </a:solidFill>
+              </a:rPr>
+              <a:t> Contents</a:t>
             </a:r>
           </a:p>
         </p:txBody>
       </p:sp>
       <p:cxnSp>
         <p:nvCxnSpPr>
-          <p:cNvPr id="14" name="직선 연결선 13">
-            <a:extLst>
-              <a:ext uri="{FF2B5EF4-FFF2-40B4-BE49-F238E27FC236}">
-                <a16:creationId xmlns:a16="http://schemas.microsoft.com/office/drawing/2014/main" id="{03F592B8-8884-480D-8298-F2B88AA4644C}"/>
+          <p:cNvPr id="29" name="직선 연결선 28">
+            <a:extLst>
+              <a:ext uri="{FF2B5EF4-FFF2-40B4-BE49-F238E27FC236}">
+                <a16:creationId xmlns:a16="http://schemas.microsoft.com/office/drawing/2014/main" id="{4BFFAC1D-55C4-F8D1-6916-F96B4525833B}"/>
               </a:ext>
             </a:extLst>
           </p:cNvPr>
@@ -7185,18 +8625,15 @@
         </p:nvCxnSpPr>
         <p:spPr>
           <a:xfrm>
-            <a:off x="539552" y="1187024"/>
-            <a:ext cx="11056703" cy="0"/>
+            <a:off x="399738" y="1121270"/>
+            <a:ext cx="11392524" cy="0"/>
           </a:xfrm>
           <a:prstGeom prst="line">
             <a:avLst/>
           </a:prstGeom>
-          <a:ln w="12700">
+          <a:ln w="19050">
             <a:solidFill>
-              <a:schemeClr val="tx1">
-                <a:lumMod val="75000"/>
-                <a:lumOff val="25000"/>
-              </a:schemeClr>
+              <a:srgbClr val="B6C3E8"/>
             </a:solidFill>
           </a:ln>
         </p:spPr>
@@ -7215,714 +8652,10 @@
           </a:fontRef>
         </p:style>
       </p:cxnSp>
-      <p:sp>
-        <p:nvSpPr>
-          <p:cNvPr id="6" name="TextBox 5">
-            <a:extLst>
-              <a:ext uri="{FF2B5EF4-FFF2-40B4-BE49-F238E27FC236}">
-                <a16:creationId xmlns:a16="http://schemas.microsoft.com/office/drawing/2014/main" id="{5A6776E4-9D30-47C4-BEF4-B57DC901EAA5}"/>
-              </a:ext>
-            </a:extLst>
-          </p:cNvPr>
-          <p:cNvSpPr txBox="1"/>
-          <p:nvPr/>
-        </p:nvSpPr>
-        <p:spPr>
-          <a:xfrm>
-            <a:off x="11596254" y="6434667"/>
-            <a:ext cx="516724" cy="369332"/>
-          </a:xfrm>
-          <a:prstGeom prst="rect">
-            <a:avLst/>
-          </a:prstGeom>
-          <a:noFill/>
-        </p:spPr>
-        <p:txBody>
-          <a:bodyPr wrap="square" rtlCol="0">
-            <a:spAutoFit/>
-          </a:bodyPr>
-          <a:lstStyle/>
-          <a:p>
-            <a:r>
-              <a:rPr lang="en-US" altLang="ko-KR" dirty="0"/>
-              <a:t>-1-</a:t>
-            </a:r>
-            <a:endParaRPr lang="ko-KR" altLang="en-US" dirty="0"/>
-          </a:p>
-        </p:txBody>
-      </p:sp>
-      <p:sp>
-        <p:nvSpPr>
-          <p:cNvPr id="8" name="TextBox 7">
-            <a:extLst>
-              <a:ext uri="{FF2B5EF4-FFF2-40B4-BE49-F238E27FC236}">
-                <a16:creationId xmlns:a16="http://schemas.microsoft.com/office/drawing/2014/main" id="{84543FA1-CA59-6B86-A189-BBA9AF290722}"/>
-              </a:ext>
-            </a:extLst>
-          </p:cNvPr>
-          <p:cNvSpPr txBox="1"/>
-          <p:nvPr/>
-        </p:nvSpPr>
-        <p:spPr>
-          <a:xfrm>
-            <a:off x="567648" y="1418178"/>
-            <a:ext cx="6096000" cy="369332"/>
-          </a:xfrm>
-          <a:prstGeom prst="rect">
-            <a:avLst/>
-          </a:prstGeom>
-          <a:noFill/>
-        </p:spPr>
-        <p:txBody>
-          <a:bodyPr wrap="square">
-            <a:spAutoFit/>
-          </a:bodyPr>
-          <a:lstStyle/>
-          <a:p>
-            <a:pPr marL="285750" indent="-285750">
-              <a:buFont typeface="Wingdings" panose="05000000000000000000" pitchFamily="2" charset="2"/>
-              <a:buChar char="u"/>
-            </a:pPr>
-            <a:r>
-              <a:rPr lang="en-US" altLang="ko-KR" b="1" dirty="0"/>
-              <a:t>Engineering models (Physical models)</a:t>
-            </a:r>
-          </a:p>
-        </p:txBody>
-      </p:sp>
-      <p:pic>
-        <p:nvPicPr>
-          <p:cNvPr id="1026" name="Picture 2" descr="Overall EnergyPlus Structure | Download Scientific Diagram">
-            <a:extLst>
-              <a:ext uri="{FF2B5EF4-FFF2-40B4-BE49-F238E27FC236}">
-                <a16:creationId xmlns:a16="http://schemas.microsoft.com/office/drawing/2014/main" id="{E17BEDCD-5C61-F52F-B7FA-21829D4A45A9}"/>
-              </a:ext>
-            </a:extLst>
-          </p:cNvPr>
-          <p:cNvPicPr>
-            <a:picLocks noChangeAspect="1" noChangeArrowheads="1"/>
-          </p:cNvPicPr>
-          <p:nvPr/>
-        </p:nvPicPr>
-        <p:blipFill>
-          <a:blip r:embed="rId3">
-            <a:extLst>
-              <a:ext uri="{28A0092B-C50C-407E-A947-70E740481C1C}">
-                <a14:useLocalDpi xmlns:a14="http://schemas.microsoft.com/office/drawing/2010/main" val="0"/>
-              </a:ext>
-            </a:extLst>
-          </a:blip>
-          <a:srcRect/>
-          <a:stretch>
-            <a:fillRect/>
-          </a:stretch>
-        </p:blipFill>
-        <p:spPr bwMode="auto">
-          <a:xfrm>
-            <a:off x="1340284" y="4101999"/>
-            <a:ext cx="2286543" cy="1929180"/>
-          </a:xfrm>
-          <a:prstGeom prst="rect">
-            <a:avLst/>
-          </a:prstGeom>
-          <a:noFill/>
-          <a:extLst>
-            <a:ext uri="{909E8E84-426E-40DD-AFC4-6F175D3DCCD1}">
-              <a14:hiddenFill xmlns:a14="http://schemas.microsoft.com/office/drawing/2010/main">
-                <a:solidFill>
-                  <a:srgbClr val="FFFFFF"/>
-                </a:solidFill>
-              </a14:hiddenFill>
-            </a:ext>
-          </a:extLst>
-        </p:spPr>
-      </p:pic>
-      <p:pic>
-        <p:nvPicPr>
-          <p:cNvPr id="1028" name="Picture 4">
-            <a:extLst>
-              <a:ext uri="{FF2B5EF4-FFF2-40B4-BE49-F238E27FC236}">
-                <a16:creationId xmlns:a16="http://schemas.microsoft.com/office/drawing/2014/main" id="{7CA797A4-FF44-763B-C0DC-B946C4DCD687}"/>
-              </a:ext>
-            </a:extLst>
-          </p:cNvPr>
-          <p:cNvPicPr>
-            <a:picLocks noChangeAspect="1" noChangeArrowheads="1"/>
-          </p:cNvPicPr>
-          <p:nvPr/>
-        </p:nvPicPr>
-        <p:blipFill>
-          <a:blip r:embed="rId4">
-            <a:extLst>
-              <a:ext uri="{28A0092B-C50C-407E-A947-70E740481C1C}">
-                <a14:useLocalDpi xmlns:a14="http://schemas.microsoft.com/office/drawing/2010/main" val="0"/>
-              </a:ext>
-            </a:extLst>
-          </a:blip>
-          <a:srcRect/>
-          <a:stretch>
-            <a:fillRect/>
-          </a:stretch>
-        </p:blipFill>
-        <p:spPr bwMode="auto">
-          <a:xfrm>
-            <a:off x="4427559" y="4163582"/>
-            <a:ext cx="3695636" cy="1745461"/>
-          </a:xfrm>
-          <a:prstGeom prst="rect">
-            <a:avLst/>
-          </a:prstGeom>
-          <a:noFill/>
-          <a:extLst>
-            <a:ext uri="{909E8E84-426E-40DD-AFC4-6F175D3DCCD1}">
-              <a14:hiddenFill xmlns:a14="http://schemas.microsoft.com/office/drawing/2010/main">
-                <a:solidFill>
-                  <a:srgbClr val="FFFFFF"/>
-                </a:solidFill>
-              </a14:hiddenFill>
-            </a:ext>
-          </a:extLst>
-        </p:spPr>
-      </p:pic>
-      <p:sp>
-        <p:nvSpPr>
-          <p:cNvPr id="15" name="TextBox 14">
-            <a:extLst>
-              <a:ext uri="{FF2B5EF4-FFF2-40B4-BE49-F238E27FC236}">
-                <a16:creationId xmlns:a16="http://schemas.microsoft.com/office/drawing/2014/main" id="{49A41625-7925-B833-86CB-B6E53398B960}"/>
-              </a:ext>
-            </a:extLst>
-          </p:cNvPr>
-          <p:cNvSpPr txBox="1"/>
-          <p:nvPr/>
-        </p:nvSpPr>
-        <p:spPr>
-          <a:xfrm>
-            <a:off x="4577026" y="5951070"/>
-            <a:ext cx="3393828" cy="553998"/>
-          </a:xfrm>
-          <a:prstGeom prst="rect">
-            <a:avLst/>
-          </a:prstGeom>
-          <a:noFill/>
-        </p:spPr>
-        <p:txBody>
-          <a:bodyPr wrap="square">
-            <a:spAutoFit/>
-          </a:bodyPr>
-          <a:lstStyle/>
-          <a:p>
-            <a:pPr algn="ctr"/>
-            <a:r>
-              <a:rPr lang="en-US" altLang="ko-KR" sz="1600" dirty="0">
-                <a:solidFill>
-                  <a:schemeClr val="bg1">
-                    <a:lumMod val="50000"/>
-                  </a:schemeClr>
-                </a:solidFill>
-              </a:rPr>
-              <a:t>&gt; </a:t>
-            </a:r>
-            <a:r>
-              <a:rPr lang="en-US" altLang="ko-KR" sz="1600" dirty="0" err="1">
-                <a:solidFill>
-                  <a:schemeClr val="bg1">
-                    <a:lumMod val="50000"/>
-                  </a:schemeClr>
-                </a:solidFill>
-              </a:rPr>
-              <a:t>eQuest</a:t>
-            </a:r>
-            <a:r>
-              <a:rPr lang="en-US" altLang="ko-KR" sz="1600" dirty="0">
-                <a:solidFill>
-                  <a:schemeClr val="bg1">
-                    <a:lumMod val="50000"/>
-                  </a:schemeClr>
-                </a:solidFill>
-              </a:rPr>
-              <a:t> </a:t>
-            </a:r>
-          </a:p>
-          <a:p>
-            <a:pPr algn="ctr"/>
-            <a:r>
-              <a:rPr lang="en-US" altLang="ko-KR" sz="1400" dirty="0">
-                <a:solidFill>
-                  <a:schemeClr val="bg1">
-                    <a:lumMod val="50000"/>
-                  </a:schemeClr>
-                </a:solidFill>
-              </a:rPr>
-              <a:t>(</a:t>
-            </a:r>
-            <a:r>
-              <a:rPr lang="ko-KR" altLang="en-US" sz="1400" dirty="0" err="1">
-                <a:solidFill>
-                  <a:schemeClr val="bg1">
-                    <a:lumMod val="50000"/>
-                  </a:schemeClr>
-                </a:solidFill>
-              </a:rPr>
-              <a:t>Building</a:t>
-            </a:r>
-            <a:r>
-              <a:rPr lang="ko-KR" altLang="en-US" sz="1400" dirty="0">
-                <a:solidFill>
-                  <a:schemeClr val="bg1">
-                    <a:lumMod val="50000"/>
-                  </a:schemeClr>
-                </a:solidFill>
-              </a:rPr>
-              <a:t> </a:t>
-            </a:r>
-            <a:r>
-              <a:rPr lang="ko-KR" altLang="en-US" sz="1400" dirty="0" err="1">
-                <a:solidFill>
-                  <a:schemeClr val="bg1">
-                    <a:lumMod val="50000"/>
-                  </a:schemeClr>
-                </a:solidFill>
-              </a:rPr>
-              <a:t>energy</a:t>
-            </a:r>
-            <a:r>
-              <a:rPr lang="ko-KR" altLang="en-US" sz="1400" dirty="0">
-                <a:solidFill>
-                  <a:schemeClr val="bg1">
-                    <a:lumMod val="50000"/>
-                  </a:schemeClr>
-                </a:solidFill>
-              </a:rPr>
-              <a:t> </a:t>
-            </a:r>
-            <a:r>
-              <a:rPr lang="ko-KR" altLang="en-US" sz="1400" dirty="0" err="1">
-                <a:solidFill>
-                  <a:schemeClr val="bg1">
-                    <a:lumMod val="50000"/>
-                  </a:schemeClr>
-                </a:solidFill>
-              </a:rPr>
-              <a:t>analysis</a:t>
-            </a:r>
-            <a:r>
-              <a:rPr lang="ko-KR" altLang="en-US" sz="1400" dirty="0">
-                <a:solidFill>
-                  <a:schemeClr val="bg1">
-                    <a:lumMod val="50000"/>
-                  </a:schemeClr>
-                </a:solidFill>
-              </a:rPr>
-              <a:t> </a:t>
-            </a:r>
-            <a:r>
-              <a:rPr lang="ko-KR" altLang="en-US" sz="1400" dirty="0" err="1">
-                <a:solidFill>
-                  <a:schemeClr val="bg1">
-                    <a:lumMod val="50000"/>
-                  </a:schemeClr>
-                </a:solidFill>
-              </a:rPr>
-              <a:t>program</a:t>
-            </a:r>
-            <a:r>
-              <a:rPr lang="en-US" altLang="ko-KR" sz="1400" dirty="0">
-                <a:solidFill>
-                  <a:schemeClr val="bg1">
-                    <a:lumMod val="50000"/>
-                  </a:schemeClr>
-                </a:solidFill>
-              </a:rPr>
-              <a:t>)</a:t>
-            </a:r>
-            <a:endParaRPr lang="ko-KR" altLang="en-US" sz="1400" dirty="0">
-              <a:solidFill>
-                <a:schemeClr val="bg1">
-                  <a:lumMod val="50000"/>
-                </a:schemeClr>
-              </a:solidFill>
-            </a:endParaRPr>
-          </a:p>
-        </p:txBody>
-      </p:sp>
-      <p:sp>
-        <p:nvSpPr>
-          <p:cNvPr id="17" name="TextBox 16">
-            <a:extLst>
-              <a:ext uri="{FF2B5EF4-FFF2-40B4-BE49-F238E27FC236}">
-                <a16:creationId xmlns:a16="http://schemas.microsoft.com/office/drawing/2014/main" id="{423283DD-C6B5-69BE-287A-F809400460F6}"/>
-              </a:ext>
-            </a:extLst>
-          </p:cNvPr>
-          <p:cNvSpPr txBox="1"/>
-          <p:nvPr/>
-        </p:nvSpPr>
-        <p:spPr>
-          <a:xfrm>
-            <a:off x="539552" y="5970625"/>
-            <a:ext cx="3786161" cy="553998"/>
-          </a:xfrm>
-          <a:prstGeom prst="rect">
-            <a:avLst/>
-          </a:prstGeom>
-          <a:noFill/>
-        </p:spPr>
-        <p:txBody>
-          <a:bodyPr wrap="square">
-            <a:spAutoFit/>
-          </a:bodyPr>
-          <a:lstStyle/>
-          <a:p>
-            <a:pPr algn="ctr"/>
-            <a:r>
-              <a:rPr lang="en-US" altLang="ko-KR" sz="1600" dirty="0">
-                <a:solidFill>
-                  <a:schemeClr val="bg1">
-                    <a:lumMod val="50000"/>
-                  </a:schemeClr>
-                </a:solidFill>
-              </a:rPr>
-              <a:t>&gt; </a:t>
-            </a:r>
-            <a:r>
-              <a:rPr lang="en-US" altLang="ko-KR" sz="1600" dirty="0" err="1">
-                <a:solidFill>
-                  <a:schemeClr val="bg1">
-                    <a:lumMod val="50000"/>
-                  </a:schemeClr>
-                </a:solidFill>
-              </a:rPr>
-              <a:t>EnergyPlus</a:t>
-            </a:r>
-            <a:r>
-              <a:rPr lang="en-US" altLang="ko-KR" sz="1600" dirty="0">
-                <a:solidFill>
-                  <a:schemeClr val="bg1">
-                    <a:lumMod val="50000"/>
-                  </a:schemeClr>
-                </a:solidFill>
-              </a:rPr>
-              <a:t> </a:t>
-            </a:r>
-          </a:p>
-          <a:p>
-            <a:pPr algn="ctr"/>
-            <a:r>
-              <a:rPr lang="en-US" altLang="ko-KR" sz="1400" dirty="0">
-                <a:solidFill>
-                  <a:schemeClr val="bg1">
-                    <a:lumMod val="50000"/>
-                  </a:schemeClr>
-                </a:solidFill>
-              </a:rPr>
-              <a:t>(whole building energy simulation program)</a:t>
-            </a:r>
-            <a:endParaRPr lang="ko-KR" altLang="en-US" sz="1400" dirty="0">
-              <a:solidFill>
-                <a:schemeClr val="bg1">
-                  <a:lumMod val="50000"/>
-                </a:schemeClr>
-              </a:solidFill>
-            </a:endParaRPr>
-          </a:p>
-        </p:txBody>
-      </p:sp>
-      <p:pic>
-        <p:nvPicPr>
-          <p:cNvPr id="1030" name="Picture 6">
-            <a:extLst>
-              <a:ext uri="{FF2B5EF4-FFF2-40B4-BE49-F238E27FC236}">
-                <a16:creationId xmlns:a16="http://schemas.microsoft.com/office/drawing/2014/main" id="{FE88C08A-210F-164C-463A-5840D248752C}"/>
-              </a:ext>
-            </a:extLst>
-          </p:cNvPr>
-          <p:cNvPicPr>
-            <a:picLocks noChangeAspect="1" noChangeArrowheads="1"/>
-          </p:cNvPicPr>
-          <p:nvPr/>
-        </p:nvPicPr>
-        <p:blipFill>
-          <a:blip r:embed="rId5">
-            <a:extLst>
-              <a:ext uri="{28A0092B-C50C-407E-A947-70E740481C1C}">
-                <a14:useLocalDpi xmlns:a14="http://schemas.microsoft.com/office/drawing/2010/main" val="0"/>
-              </a:ext>
-            </a:extLst>
-          </a:blip>
-          <a:srcRect/>
-          <a:stretch>
-            <a:fillRect/>
-          </a:stretch>
-        </p:blipFill>
-        <p:spPr bwMode="auto">
-          <a:xfrm>
-            <a:off x="8526849" y="4116870"/>
-            <a:ext cx="2809144" cy="1899437"/>
-          </a:xfrm>
-          <a:prstGeom prst="rect">
-            <a:avLst/>
-          </a:prstGeom>
-          <a:noFill/>
-          <a:extLst>
-            <a:ext uri="{909E8E84-426E-40DD-AFC4-6F175D3DCCD1}">
-              <a14:hiddenFill xmlns:a14="http://schemas.microsoft.com/office/drawing/2010/main">
-                <a:solidFill>
-                  <a:srgbClr val="FFFFFF"/>
-                </a:solidFill>
-              </a14:hiddenFill>
-            </a:ext>
-          </a:extLst>
-        </p:spPr>
-      </p:pic>
-      <p:sp>
-        <p:nvSpPr>
-          <p:cNvPr id="21" name="TextBox 20">
-            <a:extLst>
-              <a:ext uri="{FF2B5EF4-FFF2-40B4-BE49-F238E27FC236}">
-                <a16:creationId xmlns:a16="http://schemas.microsoft.com/office/drawing/2014/main" id="{DD67A1E6-2C6D-ED29-7847-0C6DFD45FDB6}"/>
-              </a:ext>
-            </a:extLst>
-          </p:cNvPr>
-          <p:cNvSpPr txBox="1"/>
-          <p:nvPr/>
-        </p:nvSpPr>
-        <p:spPr>
-          <a:xfrm>
-            <a:off x="8998636" y="6008238"/>
-            <a:ext cx="1853080" cy="338554"/>
-          </a:xfrm>
-          <a:prstGeom prst="rect">
-            <a:avLst/>
-          </a:prstGeom>
-          <a:noFill/>
-        </p:spPr>
-        <p:txBody>
-          <a:bodyPr wrap="square">
-            <a:spAutoFit/>
-          </a:bodyPr>
-          <a:lstStyle/>
-          <a:p>
-            <a:pPr algn="ctr"/>
-            <a:r>
-              <a:rPr lang="en-US" altLang="ko-KR" sz="1600" dirty="0">
-                <a:solidFill>
-                  <a:schemeClr val="bg1">
-                    <a:lumMod val="50000"/>
-                  </a:schemeClr>
-                </a:solidFill>
-              </a:rPr>
-              <a:t>&gt; </a:t>
-            </a:r>
-            <a:r>
-              <a:rPr lang="en-US" altLang="ko-KR" sz="1600" dirty="0" err="1">
-                <a:solidFill>
-                  <a:schemeClr val="bg1">
-                    <a:lumMod val="50000"/>
-                  </a:schemeClr>
-                </a:solidFill>
-              </a:rPr>
-              <a:t>EcoTect</a:t>
-            </a:r>
-            <a:endParaRPr lang="ko-KR" altLang="en-US" sz="1600" dirty="0">
-              <a:solidFill>
-                <a:schemeClr val="bg1">
-                  <a:lumMod val="50000"/>
-                </a:schemeClr>
-              </a:solidFill>
-            </a:endParaRPr>
-          </a:p>
-        </p:txBody>
-      </p:sp>
-      <p:sp>
-        <p:nvSpPr>
-          <p:cNvPr id="13" name="TextBox 12">
-            <a:extLst>
-              <a:ext uri="{FF2B5EF4-FFF2-40B4-BE49-F238E27FC236}">
-                <a16:creationId xmlns:a16="http://schemas.microsoft.com/office/drawing/2014/main" id="{FC72D5E7-4949-1CBB-14CD-8AB8843F6123}"/>
-              </a:ext>
-            </a:extLst>
-          </p:cNvPr>
-          <p:cNvSpPr txBox="1"/>
-          <p:nvPr/>
-        </p:nvSpPr>
-        <p:spPr>
-          <a:xfrm>
-            <a:off x="11320671" y="0"/>
-            <a:ext cx="871330" cy="369332"/>
-          </a:xfrm>
-          <a:prstGeom prst="rect">
-            <a:avLst/>
-          </a:prstGeom>
-          <a:noFill/>
-        </p:spPr>
-        <p:txBody>
-          <a:bodyPr wrap="square" rtlCol="0">
-            <a:spAutoFit/>
-          </a:bodyPr>
-          <a:lstStyle/>
-          <a:p>
-            <a:pPr algn="r"/>
-            <a:r>
-              <a:rPr lang="en-US" altLang="ko-KR" dirty="0">
-                <a:solidFill>
-                  <a:schemeClr val="bg2">
-                    <a:lumMod val="50000"/>
-                  </a:schemeClr>
-                </a:solidFill>
-              </a:rPr>
-              <a:t>1/30</a:t>
-            </a:r>
-            <a:endParaRPr lang="ko-KR" altLang="en-US" dirty="0">
-              <a:solidFill>
-                <a:schemeClr val="bg2">
-                  <a:lumMod val="50000"/>
-                </a:schemeClr>
-              </a:solidFill>
-            </a:endParaRPr>
-          </a:p>
-        </p:txBody>
-      </p:sp>
-      <p:sp>
-        <p:nvSpPr>
-          <p:cNvPr id="16" name="TextBox 15">
-            <a:extLst>
-              <a:ext uri="{FF2B5EF4-FFF2-40B4-BE49-F238E27FC236}">
-                <a16:creationId xmlns:a16="http://schemas.microsoft.com/office/drawing/2014/main" id="{6386CAC0-023C-727A-EDA4-60CF9CFAB77A}"/>
-              </a:ext>
-            </a:extLst>
-          </p:cNvPr>
-          <p:cNvSpPr txBox="1"/>
-          <p:nvPr/>
-        </p:nvSpPr>
-        <p:spPr>
-          <a:xfrm>
-            <a:off x="0" y="15710"/>
-            <a:ext cx="11524129" cy="584775"/>
-          </a:xfrm>
-          <a:prstGeom prst="rect">
-            <a:avLst/>
-          </a:prstGeom>
-          <a:noFill/>
-        </p:spPr>
-        <p:txBody>
-          <a:bodyPr wrap="square">
-            <a:spAutoFit/>
-          </a:bodyPr>
-          <a:lstStyle/>
-          <a:p>
-            <a:r>
-              <a:rPr lang="en-US" altLang="ko-KR" sz="1600" b="0" i="0" dirty="0" err="1">
-                <a:solidFill>
-                  <a:schemeClr val="bg2">
-                    <a:lumMod val="50000"/>
-                  </a:schemeClr>
-                </a:solidFill>
-                <a:effectLst/>
-                <a:latin typeface="Arial" panose="020B0604020202020204" pitchFamily="34" charset="0"/>
-              </a:rPr>
-              <a:t>Amasyali</a:t>
-            </a:r>
-            <a:r>
-              <a:rPr lang="en-US" altLang="ko-KR" sz="1600" b="0" i="0" dirty="0">
-                <a:solidFill>
-                  <a:schemeClr val="bg2">
-                    <a:lumMod val="50000"/>
-                  </a:schemeClr>
-                </a:solidFill>
-                <a:effectLst/>
-                <a:latin typeface="Arial" panose="020B0604020202020204" pitchFamily="34" charset="0"/>
-              </a:rPr>
-              <a:t>, Kadir, and Nora M. El-</a:t>
-            </a:r>
-            <a:r>
-              <a:rPr lang="en-US" altLang="ko-KR" sz="1600" b="0" i="0" dirty="0" err="1">
-                <a:solidFill>
-                  <a:schemeClr val="bg2">
-                    <a:lumMod val="50000"/>
-                  </a:schemeClr>
-                </a:solidFill>
-                <a:effectLst/>
-                <a:latin typeface="Arial" panose="020B0604020202020204" pitchFamily="34" charset="0"/>
-              </a:rPr>
-              <a:t>Gohary</a:t>
-            </a:r>
-            <a:r>
-              <a:rPr lang="en-US" altLang="ko-KR" sz="1600" b="0" i="0" dirty="0">
-                <a:solidFill>
-                  <a:schemeClr val="bg2">
-                    <a:lumMod val="50000"/>
-                  </a:schemeClr>
-                </a:solidFill>
-                <a:effectLst/>
-                <a:latin typeface="Arial" panose="020B0604020202020204" pitchFamily="34" charset="0"/>
-              </a:rPr>
-              <a:t>. "</a:t>
-            </a:r>
-            <a:r>
-              <a:rPr lang="en-US" altLang="ko-KR" sz="1600" b="1" i="0" dirty="0">
-                <a:solidFill>
-                  <a:schemeClr val="bg2">
-                    <a:lumMod val="50000"/>
-                  </a:schemeClr>
-                </a:solidFill>
-                <a:effectLst/>
-                <a:latin typeface="Arial" panose="020B0604020202020204" pitchFamily="34" charset="0"/>
-              </a:rPr>
-              <a:t>A review of data-driven building energy consumption prediction studies</a:t>
-            </a:r>
-            <a:r>
-              <a:rPr lang="en-US" altLang="ko-KR" sz="1600" b="0" i="0" dirty="0">
-                <a:solidFill>
-                  <a:schemeClr val="bg2">
-                    <a:lumMod val="50000"/>
-                  </a:schemeClr>
-                </a:solidFill>
-                <a:effectLst/>
-                <a:latin typeface="Arial" panose="020B0604020202020204" pitchFamily="34" charset="0"/>
-              </a:rPr>
-              <a:t>." </a:t>
-            </a:r>
-          </a:p>
-          <a:p>
-            <a:r>
-              <a:rPr lang="en-US" altLang="ko-KR" sz="1600" b="0" i="1" dirty="0">
-                <a:solidFill>
-                  <a:schemeClr val="bg2">
-                    <a:lumMod val="50000"/>
-                  </a:schemeClr>
-                </a:solidFill>
-                <a:effectLst/>
-                <a:latin typeface="Arial" panose="020B0604020202020204" pitchFamily="34" charset="0"/>
-              </a:rPr>
-              <a:t>Renewable and Sustainable Energy Reviews</a:t>
-            </a:r>
-            <a:r>
-              <a:rPr lang="en-US" altLang="ko-KR" sz="1600" b="0" i="0" dirty="0">
-                <a:solidFill>
-                  <a:schemeClr val="bg2">
-                    <a:lumMod val="50000"/>
-                  </a:schemeClr>
-                </a:solidFill>
-                <a:effectLst/>
-                <a:latin typeface="Arial" panose="020B0604020202020204" pitchFamily="34" charset="0"/>
-              </a:rPr>
-              <a:t> 81 (2018): 1192-1205.</a:t>
-            </a:r>
-            <a:endParaRPr lang="ko-KR" altLang="en-US" sz="1600" dirty="0">
-              <a:solidFill>
-                <a:schemeClr val="bg2">
-                  <a:lumMod val="50000"/>
-                </a:schemeClr>
-              </a:solidFill>
-            </a:endParaRPr>
-          </a:p>
-        </p:txBody>
-      </p:sp>
     </p:spTree>
     <p:extLst>
       <p:ext uri="{BB962C8B-B14F-4D97-AF65-F5344CB8AC3E}">
-        <p14:creationId xmlns:p14="http://schemas.microsoft.com/office/powerpoint/2010/main" val="252891327"/>
+        <p14:creationId xmlns:p14="http://schemas.microsoft.com/office/powerpoint/2010/main" val="3279130291"/>
       </p:ext>
     </p:extLst>
   </p:cSld>
@@ -7963,8 +8696,8 @@
         </p:nvSpPr>
         <p:spPr>
           <a:xfrm>
-            <a:off x="567648" y="1857363"/>
-            <a:ext cx="11056703" cy="1580899"/>
+            <a:off x="567648" y="1846328"/>
+            <a:ext cx="11056703" cy="1964518"/>
           </a:xfrm>
           <a:prstGeom prst="roundRect">
             <a:avLst>
@@ -7972,8 +8705,8 @@
             </a:avLst>
           </a:prstGeom>
           <a:solidFill>
-            <a:srgbClr val="FFF2CC">
-              <a:alpha val="60000"/>
+            <a:srgbClr val="D6DDF2">
+              <a:alpha val="50196"/>
             </a:srgbClr>
           </a:solidFill>
         </p:spPr>
@@ -7992,15 +8725,7 @@
             </a:pPr>
             <a:r>
               <a:rPr lang="en-US" altLang="ko-KR" sz="1600" dirty="0"/>
-              <a:t>Learns from </a:t>
-            </a:r>
-            <a:r>
-              <a:rPr lang="en-US" altLang="ko-KR" sz="1600" b="1" dirty="0"/>
-              <a:t>historical/available data </a:t>
-            </a:r>
-            <a:r>
-              <a:rPr lang="en-US" altLang="ko-KR" sz="1600" dirty="0"/>
-              <a:t>for prediction</a:t>
+              <a:t>Rely on thermodynamic rules for detailed energy modelling and analysis</a:t>
             </a:r>
           </a:p>
           <a:p>
@@ -8013,7 +8738,41 @@
             </a:pPr>
             <a:r>
               <a:rPr lang="en-US" altLang="ko-KR" sz="1600" dirty="0"/>
-              <a:t>Correlate the energy consumption or energy index with the influencing variables</a:t>
+              <a:t>Software : </a:t>
+            </a:r>
+            <a:r>
+              <a:rPr lang="en-US" altLang="ko-KR" sz="1600" dirty="0" err="1"/>
+              <a:t>EnergyPlus</a:t>
+            </a:r>
+            <a:r>
+              <a:rPr lang="en-US" altLang="ko-KR" sz="1600" dirty="0"/>
+              <a:t>, </a:t>
+            </a:r>
+            <a:r>
+              <a:rPr lang="en-US" altLang="ko-KR" sz="1600" dirty="0" err="1"/>
+              <a:t>eQuest</a:t>
+            </a:r>
+            <a:r>
+              <a:rPr lang="en-US" altLang="ko-KR" sz="1600" dirty="0"/>
+              <a:t>, and </a:t>
+            </a:r>
+            <a:r>
+              <a:rPr lang="en-US" altLang="ko-KR" sz="1600" dirty="0" err="1"/>
+              <a:t>Ecotect</a:t>
+            </a:r>
+            <a:endParaRPr lang="en-US" altLang="ko-KR" sz="1600" dirty="0"/>
+          </a:p>
+          <a:p>
+            <a:pPr marL="742950" lvl="1" indent="-285750">
+              <a:lnSpc>
+                <a:spcPct val="150000"/>
+              </a:lnSpc>
+              <a:buFont typeface="Arial" panose="020B0604020202020204" pitchFamily="34" charset="0"/>
+              <a:buChar char="•"/>
+            </a:pPr>
+            <a:r>
+              <a:rPr lang="en-US" altLang="ko-KR" sz="1600" dirty="0"/>
+              <a:t>Calculate building energy consumption based on detailed building and environmental parameters</a:t>
             </a:r>
           </a:p>
           <a:p>
@@ -8026,30 +8785,951 @@
             </a:pPr>
             <a:r>
               <a:rPr lang="en-US" altLang="ko-KR" sz="1600" dirty="0"/>
-              <a:t>4 steps : data collection, data preprocessing, model training, and model testing</a:t>
-            </a:r>
-          </a:p>
-          <a:p>
-            <a:pPr marL="285750" indent="-285750">
+              <a:t>Detailed data may not be available to the users at the time of simulation</a:t>
+            </a:r>
+          </a:p>
+          <a:p>
+            <a:pPr marL="742950" lvl="1" indent="-285750">
               <a:lnSpc>
                 <a:spcPct val="150000"/>
               </a:lnSpc>
-              <a:buFont typeface="Arial" panose="020B0604020202020204" pitchFamily="34" charset="0"/>
-              <a:buChar char="•"/>
+              <a:buFont typeface="Symbol" panose="05050102010706020507" pitchFamily="18" charset="2"/>
+              <a:buChar char="Þ"/>
             </a:pPr>
             <a:r>
               <a:rPr lang="en-US" altLang="ko-KR" sz="1600" dirty="0"/>
-              <a:t>Machine learning algorithms : SVM, ANN, decision trees, and other statistical algorithms</a:t>
-            </a:r>
+              <a:t>Failure to provide accurate input can result in poor prediction performance</a:t>
+            </a:r>
+          </a:p>
+        </p:txBody>
+      </p:sp>
+      <p:sp>
+        <p:nvSpPr>
+          <p:cNvPr id="8" name="TextBox 7">
+            <a:extLst>
+              <a:ext uri="{FF2B5EF4-FFF2-40B4-BE49-F238E27FC236}">
+                <a16:creationId xmlns:a16="http://schemas.microsoft.com/office/drawing/2014/main" id="{84543FA1-CA59-6B86-A189-BBA9AF290722}"/>
+              </a:ext>
+            </a:extLst>
+          </p:cNvPr>
+          <p:cNvSpPr txBox="1"/>
+          <p:nvPr/>
+        </p:nvSpPr>
+        <p:spPr>
+          <a:xfrm>
+            <a:off x="567648" y="1418178"/>
+            <a:ext cx="6096000" cy="369332"/>
+          </a:xfrm>
+          <a:prstGeom prst="rect">
+            <a:avLst/>
+          </a:prstGeom>
+          <a:noFill/>
+        </p:spPr>
+        <p:txBody>
+          <a:bodyPr wrap="square">
+            <a:spAutoFit/>
+          </a:bodyPr>
+          <a:lstStyle/>
+          <a:p>
+            <a:pPr marL="285750" indent="-285750">
+              <a:buFont typeface="Wingdings" panose="05000000000000000000" pitchFamily="2" charset="2"/>
+              <a:buChar char="u"/>
+            </a:pPr>
+            <a:r>
+              <a:rPr lang="en-US" altLang="ko-KR" b="1" dirty="0"/>
+              <a:t>Engineering models (Physical models)</a:t>
+            </a:r>
+          </a:p>
+        </p:txBody>
+      </p:sp>
+      <p:pic>
+        <p:nvPicPr>
+          <p:cNvPr id="1026" name="Picture 2" descr="Overall EnergyPlus Structure | Download Scientific Diagram">
+            <a:extLst>
+              <a:ext uri="{FF2B5EF4-FFF2-40B4-BE49-F238E27FC236}">
+                <a16:creationId xmlns:a16="http://schemas.microsoft.com/office/drawing/2014/main" id="{E17BEDCD-5C61-F52F-B7FA-21829D4A45A9}"/>
+              </a:ext>
+            </a:extLst>
+          </p:cNvPr>
+          <p:cNvPicPr>
+            <a:picLocks noChangeAspect="1" noChangeArrowheads="1"/>
+          </p:cNvPicPr>
+          <p:nvPr/>
+        </p:nvPicPr>
+        <p:blipFill>
+          <a:blip r:embed="rId3">
+            <a:extLst>
+              <a:ext uri="{28A0092B-C50C-407E-A947-70E740481C1C}">
+                <a14:useLocalDpi xmlns:a14="http://schemas.microsoft.com/office/drawing/2010/main" val="0"/>
+              </a:ext>
+            </a:extLst>
+          </a:blip>
+          <a:srcRect/>
+          <a:stretch>
+            <a:fillRect/>
+          </a:stretch>
+        </p:blipFill>
+        <p:spPr bwMode="auto">
+          <a:xfrm>
+            <a:off x="1340284" y="4101999"/>
+            <a:ext cx="2286543" cy="1929180"/>
+          </a:xfrm>
+          <a:prstGeom prst="rect">
+            <a:avLst/>
+          </a:prstGeom>
+          <a:noFill/>
+          <a:extLst>
+            <a:ext uri="{909E8E84-426E-40DD-AFC4-6F175D3DCCD1}">
+              <a14:hiddenFill xmlns:a14="http://schemas.microsoft.com/office/drawing/2010/main">
+                <a:solidFill>
+                  <a:srgbClr val="FFFFFF"/>
+                </a:solidFill>
+              </a14:hiddenFill>
+            </a:ext>
+          </a:extLst>
+        </p:spPr>
+      </p:pic>
+      <p:pic>
+        <p:nvPicPr>
+          <p:cNvPr id="1028" name="Picture 4">
+            <a:extLst>
+              <a:ext uri="{FF2B5EF4-FFF2-40B4-BE49-F238E27FC236}">
+                <a16:creationId xmlns:a16="http://schemas.microsoft.com/office/drawing/2014/main" id="{7CA797A4-FF44-763B-C0DC-B946C4DCD687}"/>
+              </a:ext>
+            </a:extLst>
+          </p:cNvPr>
+          <p:cNvPicPr>
+            <a:picLocks noChangeAspect="1" noChangeArrowheads="1"/>
+          </p:cNvPicPr>
+          <p:nvPr/>
+        </p:nvPicPr>
+        <p:blipFill>
+          <a:blip r:embed="rId4">
+            <a:extLst>
+              <a:ext uri="{28A0092B-C50C-407E-A947-70E740481C1C}">
+                <a14:useLocalDpi xmlns:a14="http://schemas.microsoft.com/office/drawing/2010/main" val="0"/>
+              </a:ext>
+            </a:extLst>
+          </a:blip>
+          <a:srcRect/>
+          <a:stretch>
+            <a:fillRect/>
+          </a:stretch>
+        </p:blipFill>
+        <p:spPr bwMode="auto">
+          <a:xfrm>
+            <a:off x="4427559" y="4163582"/>
+            <a:ext cx="3695636" cy="1745461"/>
+          </a:xfrm>
+          <a:prstGeom prst="rect">
+            <a:avLst/>
+          </a:prstGeom>
+          <a:noFill/>
+          <a:extLst>
+            <a:ext uri="{909E8E84-426E-40DD-AFC4-6F175D3DCCD1}">
+              <a14:hiddenFill xmlns:a14="http://schemas.microsoft.com/office/drawing/2010/main">
+                <a:solidFill>
+                  <a:srgbClr val="FFFFFF"/>
+                </a:solidFill>
+              </a14:hiddenFill>
+            </a:ext>
+          </a:extLst>
+        </p:spPr>
+      </p:pic>
+      <p:sp>
+        <p:nvSpPr>
+          <p:cNvPr id="15" name="TextBox 14">
+            <a:extLst>
+              <a:ext uri="{FF2B5EF4-FFF2-40B4-BE49-F238E27FC236}">
+                <a16:creationId xmlns:a16="http://schemas.microsoft.com/office/drawing/2014/main" id="{49A41625-7925-B833-86CB-B6E53398B960}"/>
+              </a:ext>
+            </a:extLst>
+          </p:cNvPr>
+          <p:cNvSpPr txBox="1"/>
+          <p:nvPr/>
+        </p:nvSpPr>
+        <p:spPr>
+          <a:xfrm>
+            <a:off x="4577026" y="5951070"/>
+            <a:ext cx="3393828" cy="553998"/>
+          </a:xfrm>
+          <a:prstGeom prst="rect">
+            <a:avLst/>
+          </a:prstGeom>
+          <a:noFill/>
+        </p:spPr>
+        <p:txBody>
+          <a:bodyPr wrap="square">
+            <a:spAutoFit/>
+          </a:bodyPr>
+          <a:lstStyle/>
+          <a:p>
+            <a:pPr algn="ctr"/>
+            <a:r>
+              <a:rPr lang="en-US" altLang="ko-KR" sz="1600" dirty="0">
+                <a:solidFill>
+                  <a:schemeClr val="bg1">
+                    <a:lumMod val="50000"/>
+                  </a:schemeClr>
+                </a:solidFill>
+              </a:rPr>
+              <a:t>&gt; </a:t>
+            </a:r>
+            <a:r>
+              <a:rPr lang="en-US" altLang="ko-KR" sz="1600" dirty="0" err="1">
+                <a:solidFill>
+                  <a:schemeClr val="bg1">
+                    <a:lumMod val="50000"/>
+                  </a:schemeClr>
+                </a:solidFill>
+              </a:rPr>
+              <a:t>eQuest</a:t>
+            </a:r>
+            <a:r>
+              <a:rPr lang="en-US" altLang="ko-KR" sz="1600" dirty="0">
+                <a:solidFill>
+                  <a:schemeClr val="bg1">
+                    <a:lumMod val="50000"/>
+                  </a:schemeClr>
+                </a:solidFill>
+              </a:rPr>
+              <a:t> </a:t>
+            </a:r>
+          </a:p>
+          <a:p>
+            <a:pPr algn="ctr"/>
+            <a:r>
+              <a:rPr lang="en-US" altLang="ko-KR" sz="1400" dirty="0">
+                <a:solidFill>
+                  <a:schemeClr val="bg1">
+                    <a:lumMod val="50000"/>
+                  </a:schemeClr>
+                </a:solidFill>
+              </a:rPr>
+              <a:t>(</a:t>
+            </a:r>
+            <a:r>
+              <a:rPr lang="ko-KR" altLang="en-US" sz="1400" dirty="0" err="1">
+                <a:solidFill>
+                  <a:schemeClr val="bg1">
+                    <a:lumMod val="50000"/>
+                  </a:schemeClr>
+                </a:solidFill>
+              </a:rPr>
+              <a:t>Building</a:t>
+            </a:r>
+            <a:r>
+              <a:rPr lang="ko-KR" altLang="en-US" sz="1400" dirty="0">
+                <a:solidFill>
+                  <a:schemeClr val="bg1">
+                    <a:lumMod val="50000"/>
+                  </a:schemeClr>
+                </a:solidFill>
+              </a:rPr>
+              <a:t> </a:t>
+            </a:r>
+            <a:r>
+              <a:rPr lang="ko-KR" altLang="en-US" sz="1400" dirty="0" err="1">
+                <a:solidFill>
+                  <a:schemeClr val="bg1">
+                    <a:lumMod val="50000"/>
+                  </a:schemeClr>
+                </a:solidFill>
+              </a:rPr>
+              <a:t>energy</a:t>
+            </a:r>
+            <a:r>
+              <a:rPr lang="ko-KR" altLang="en-US" sz="1400" dirty="0">
+                <a:solidFill>
+                  <a:schemeClr val="bg1">
+                    <a:lumMod val="50000"/>
+                  </a:schemeClr>
+                </a:solidFill>
+              </a:rPr>
+              <a:t> </a:t>
+            </a:r>
+            <a:r>
+              <a:rPr lang="ko-KR" altLang="en-US" sz="1400" dirty="0" err="1">
+                <a:solidFill>
+                  <a:schemeClr val="bg1">
+                    <a:lumMod val="50000"/>
+                  </a:schemeClr>
+                </a:solidFill>
+              </a:rPr>
+              <a:t>analysis</a:t>
+            </a:r>
+            <a:r>
+              <a:rPr lang="ko-KR" altLang="en-US" sz="1400" dirty="0">
+                <a:solidFill>
+                  <a:schemeClr val="bg1">
+                    <a:lumMod val="50000"/>
+                  </a:schemeClr>
+                </a:solidFill>
+              </a:rPr>
+              <a:t> </a:t>
+            </a:r>
+            <a:r>
+              <a:rPr lang="ko-KR" altLang="en-US" sz="1400" dirty="0" err="1">
+                <a:solidFill>
+                  <a:schemeClr val="bg1">
+                    <a:lumMod val="50000"/>
+                  </a:schemeClr>
+                </a:solidFill>
+              </a:rPr>
+              <a:t>program</a:t>
+            </a:r>
+            <a:r>
+              <a:rPr lang="en-US" altLang="ko-KR" sz="1400" dirty="0">
+                <a:solidFill>
+                  <a:schemeClr val="bg1">
+                    <a:lumMod val="50000"/>
+                  </a:schemeClr>
+                </a:solidFill>
+              </a:rPr>
+              <a:t>)</a:t>
+            </a:r>
+            <a:endParaRPr lang="ko-KR" altLang="en-US" sz="1400" dirty="0">
+              <a:solidFill>
+                <a:schemeClr val="bg1">
+                  <a:lumMod val="50000"/>
+                </a:schemeClr>
+              </a:solidFill>
+            </a:endParaRPr>
+          </a:p>
+        </p:txBody>
+      </p:sp>
+      <p:sp>
+        <p:nvSpPr>
+          <p:cNvPr id="17" name="TextBox 16">
+            <a:extLst>
+              <a:ext uri="{FF2B5EF4-FFF2-40B4-BE49-F238E27FC236}">
+                <a16:creationId xmlns:a16="http://schemas.microsoft.com/office/drawing/2014/main" id="{423283DD-C6B5-69BE-287A-F809400460F6}"/>
+              </a:ext>
+            </a:extLst>
+          </p:cNvPr>
+          <p:cNvSpPr txBox="1"/>
+          <p:nvPr/>
+        </p:nvSpPr>
+        <p:spPr>
+          <a:xfrm>
+            <a:off x="539552" y="5970625"/>
+            <a:ext cx="3786161" cy="553998"/>
+          </a:xfrm>
+          <a:prstGeom prst="rect">
+            <a:avLst/>
+          </a:prstGeom>
+          <a:noFill/>
+        </p:spPr>
+        <p:txBody>
+          <a:bodyPr wrap="square">
+            <a:spAutoFit/>
+          </a:bodyPr>
+          <a:lstStyle/>
+          <a:p>
+            <a:pPr algn="ctr"/>
+            <a:r>
+              <a:rPr lang="en-US" altLang="ko-KR" sz="1600" dirty="0">
+                <a:solidFill>
+                  <a:schemeClr val="bg1">
+                    <a:lumMod val="50000"/>
+                  </a:schemeClr>
+                </a:solidFill>
+              </a:rPr>
+              <a:t>&gt; </a:t>
+            </a:r>
+            <a:r>
+              <a:rPr lang="en-US" altLang="ko-KR" sz="1600" dirty="0" err="1">
+                <a:solidFill>
+                  <a:schemeClr val="bg1">
+                    <a:lumMod val="50000"/>
+                  </a:schemeClr>
+                </a:solidFill>
+              </a:rPr>
+              <a:t>EnergyPlus</a:t>
+            </a:r>
+            <a:r>
+              <a:rPr lang="en-US" altLang="ko-KR" sz="1600" dirty="0">
+                <a:solidFill>
+                  <a:schemeClr val="bg1">
+                    <a:lumMod val="50000"/>
+                  </a:schemeClr>
+                </a:solidFill>
+              </a:rPr>
+              <a:t> </a:t>
+            </a:r>
+          </a:p>
+          <a:p>
+            <a:pPr algn="ctr"/>
+            <a:r>
+              <a:rPr lang="en-US" altLang="ko-KR" sz="1400" dirty="0">
+                <a:solidFill>
+                  <a:schemeClr val="bg1">
+                    <a:lumMod val="50000"/>
+                  </a:schemeClr>
+                </a:solidFill>
+              </a:rPr>
+              <a:t>(whole building energy simulation program)</a:t>
+            </a:r>
+            <a:endParaRPr lang="ko-KR" altLang="en-US" sz="1400" dirty="0">
+              <a:solidFill>
+                <a:schemeClr val="bg1">
+                  <a:lumMod val="50000"/>
+                </a:schemeClr>
+              </a:solidFill>
+            </a:endParaRPr>
+          </a:p>
+        </p:txBody>
+      </p:sp>
+      <p:pic>
+        <p:nvPicPr>
+          <p:cNvPr id="1030" name="Picture 6">
+            <a:extLst>
+              <a:ext uri="{FF2B5EF4-FFF2-40B4-BE49-F238E27FC236}">
+                <a16:creationId xmlns:a16="http://schemas.microsoft.com/office/drawing/2014/main" id="{FE88C08A-210F-164C-463A-5840D248752C}"/>
+              </a:ext>
+            </a:extLst>
+          </p:cNvPr>
+          <p:cNvPicPr>
+            <a:picLocks noChangeAspect="1" noChangeArrowheads="1"/>
+          </p:cNvPicPr>
+          <p:nvPr/>
+        </p:nvPicPr>
+        <p:blipFill>
+          <a:blip r:embed="rId5">
+            <a:extLst>
+              <a:ext uri="{28A0092B-C50C-407E-A947-70E740481C1C}">
+                <a14:useLocalDpi xmlns:a14="http://schemas.microsoft.com/office/drawing/2010/main" val="0"/>
+              </a:ext>
+            </a:extLst>
+          </a:blip>
+          <a:srcRect/>
+          <a:stretch>
+            <a:fillRect/>
+          </a:stretch>
+        </p:blipFill>
+        <p:spPr bwMode="auto">
+          <a:xfrm>
+            <a:off x="8526849" y="4116870"/>
+            <a:ext cx="2809144" cy="1899437"/>
+          </a:xfrm>
+          <a:prstGeom prst="rect">
+            <a:avLst/>
+          </a:prstGeom>
+          <a:noFill/>
+          <a:extLst>
+            <a:ext uri="{909E8E84-426E-40DD-AFC4-6F175D3DCCD1}">
+              <a14:hiddenFill xmlns:a14="http://schemas.microsoft.com/office/drawing/2010/main">
+                <a:solidFill>
+                  <a:srgbClr val="FFFFFF"/>
+                </a:solidFill>
+              </a14:hiddenFill>
+            </a:ext>
+          </a:extLst>
+        </p:spPr>
+      </p:pic>
+      <p:sp>
+        <p:nvSpPr>
+          <p:cNvPr id="21" name="TextBox 20">
+            <a:extLst>
+              <a:ext uri="{FF2B5EF4-FFF2-40B4-BE49-F238E27FC236}">
+                <a16:creationId xmlns:a16="http://schemas.microsoft.com/office/drawing/2014/main" id="{DD67A1E6-2C6D-ED29-7847-0C6DFD45FDB6}"/>
+              </a:ext>
+            </a:extLst>
+          </p:cNvPr>
+          <p:cNvSpPr txBox="1"/>
+          <p:nvPr/>
+        </p:nvSpPr>
+        <p:spPr>
+          <a:xfrm>
+            <a:off x="8998636" y="6008238"/>
+            <a:ext cx="1853080" cy="338554"/>
+          </a:xfrm>
+          <a:prstGeom prst="rect">
+            <a:avLst/>
+          </a:prstGeom>
+          <a:noFill/>
+        </p:spPr>
+        <p:txBody>
+          <a:bodyPr wrap="square">
+            <a:spAutoFit/>
+          </a:bodyPr>
+          <a:lstStyle/>
+          <a:p>
+            <a:pPr algn="ctr"/>
+            <a:r>
+              <a:rPr lang="en-US" altLang="ko-KR" sz="1600" dirty="0">
+                <a:solidFill>
+                  <a:schemeClr val="bg1">
+                    <a:lumMod val="50000"/>
+                  </a:schemeClr>
+                </a:solidFill>
+              </a:rPr>
+              <a:t>&gt; </a:t>
+            </a:r>
+            <a:r>
+              <a:rPr lang="en-US" altLang="ko-KR" sz="1600" dirty="0" err="1">
+                <a:solidFill>
+                  <a:schemeClr val="bg1">
+                    <a:lumMod val="50000"/>
+                  </a:schemeClr>
+                </a:solidFill>
+              </a:rPr>
+              <a:t>EcoTect</a:t>
+            </a:r>
+            <a:endParaRPr lang="ko-KR" altLang="en-US" sz="1600" dirty="0">
+              <a:solidFill>
+                <a:schemeClr val="bg1">
+                  <a:lumMod val="50000"/>
+                </a:schemeClr>
+              </a:solidFill>
+            </a:endParaRPr>
+          </a:p>
+        </p:txBody>
+      </p:sp>
+      <p:sp>
+        <p:nvSpPr>
+          <p:cNvPr id="13" name="TextBox 12">
+            <a:extLst>
+              <a:ext uri="{FF2B5EF4-FFF2-40B4-BE49-F238E27FC236}">
+                <a16:creationId xmlns:a16="http://schemas.microsoft.com/office/drawing/2014/main" id="{FC72D5E7-4949-1CBB-14CD-8AB8843F6123}"/>
+              </a:ext>
+            </a:extLst>
+          </p:cNvPr>
+          <p:cNvSpPr txBox="1"/>
+          <p:nvPr/>
+        </p:nvSpPr>
+        <p:spPr>
+          <a:xfrm>
+            <a:off x="11320670" y="6488668"/>
+            <a:ext cx="871330" cy="369332"/>
+          </a:xfrm>
+          <a:prstGeom prst="rect">
+            <a:avLst/>
+          </a:prstGeom>
+          <a:noFill/>
+        </p:spPr>
+        <p:txBody>
+          <a:bodyPr wrap="square" rtlCol="0">
+            <a:spAutoFit/>
+          </a:bodyPr>
+          <a:lstStyle/>
+          <a:p>
+            <a:pPr algn="r"/>
+            <a:r>
+              <a:rPr lang="en-US" altLang="ko-KR" dirty="0">
+                <a:solidFill>
+                  <a:schemeClr val="bg2">
+                    <a:lumMod val="50000"/>
+                  </a:schemeClr>
+                </a:solidFill>
+              </a:rPr>
+              <a:t>1/30</a:t>
+            </a:r>
+            <a:endParaRPr lang="ko-KR" altLang="en-US" dirty="0">
+              <a:solidFill>
+                <a:schemeClr val="bg2">
+                  <a:lumMod val="50000"/>
+                </a:schemeClr>
+              </a:solidFill>
+            </a:endParaRPr>
+          </a:p>
+        </p:txBody>
+      </p:sp>
+      <p:sp>
+        <p:nvSpPr>
+          <p:cNvPr id="20" name="제목 1">
+            <a:extLst>
+              <a:ext uri="{FF2B5EF4-FFF2-40B4-BE49-F238E27FC236}">
+                <a16:creationId xmlns:a16="http://schemas.microsoft.com/office/drawing/2014/main" id="{85178302-4FD1-9E23-9240-FBE8BBA31DF3}"/>
+              </a:ext>
+            </a:extLst>
+          </p:cNvPr>
+          <p:cNvSpPr txBox="1">
+            <a:spLocks/>
+          </p:cNvSpPr>
+          <p:nvPr/>
+        </p:nvSpPr>
+        <p:spPr>
+          <a:xfrm>
+            <a:off x="3853974" y="117587"/>
+            <a:ext cx="4554046" cy="430526"/>
+          </a:xfrm>
+          <a:prstGeom prst="rect">
+            <a:avLst/>
+          </a:prstGeom>
+        </p:spPr>
+        <p:txBody>
+          <a:bodyPr vert="horz" lIns="91440" tIns="45720" rIns="91440" bIns="45720" rtlCol="0" anchor="ctr">
+            <a:noAutofit/>
+          </a:bodyPr>
+          <a:lstStyle>
+            <a:lvl1pPr algn="l" defTabSz="914400" rtl="0" eaLnBrk="1" latinLnBrk="1" hangingPunct="1">
+              <a:lnSpc>
+                <a:spcPct val="90000"/>
+              </a:lnSpc>
+              <a:spcBef>
+                <a:spcPct val="0"/>
+              </a:spcBef>
+              <a:buNone/>
+              <a:defRPr sz="4400" kern="1200">
+                <a:solidFill>
+                  <a:schemeClr val="tx1"/>
+                </a:solidFill>
+                <a:latin typeface="+mj-lt"/>
+                <a:ea typeface="+mj-ea"/>
+                <a:cs typeface="+mj-cs"/>
+              </a:defRPr>
+            </a:lvl1pPr>
+          </a:lstStyle>
+          <a:p>
+            <a:pPr algn="ctr"/>
+            <a:r>
+              <a:rPr lang="en-US" altLang="ko-KR" sz="1400">
+                <a:solidFill>
+                  <a:srgbClr val="D6DDF2"/>
+                </a:solidFill>
+              </a:rPr>
+              <a:t>2. Artificial neural network model for forecasting </a:t>
+            </a:r>
+            <a:br>
+              <a:rPr lang="en-US" altLang="ko-KR" sz="1400">
+                <a:solidFill>
+                  <a:srgbClr val="D6DDF2"/>
+                </a:solidFill>
+              </a:rPr>
+            </a:br>
+            <a:r>
+              <a:rPr lang="en-US" altLang="ko-KR" sz="1400">
+                <a:solidFill>
+                  <a:srgbClr val="D6DDF2"/>
+                </a:solidFill>
+              </a:rPr>
+              <a:t>sub-hourly electricity usage in Commercial buildings</a:t>
+            </a:r>
+            <a:endParaRPr lang="ko-KR" altLang="en-US" sz="1400" dirty="0">
+              <a:solidFill>
+                <a:srgbClr val="D6DDF2"/>
+              </a:solidFill>
+            </a:endParaRPr>
+          </a:p>
+        </p:txBody>
+      </p:sp>
+      <p:sp>
+        <p:nvSpPr>
+          <p:cNvPr id="22" name="직사각형 21">
+            <a:extLst>
+              <a:ext uri="{FF2B5EF4-FFF2-40B4-BE49-F238E27FC236}">
+                <a16:creationId xmlns:a16="http://schemas.microsoft.com/office/drawing/2014/main" id="{C124AAB9-7F18-6CA3-A06A-255857BBBF9F}"/>
+              </a:ext>
+            </a:extLst>
+          </p:cNvPr>
+          <p:cNvSpPr/>
+          <p:nvPr/>
+        </p:nvSpPr>
+        <p:spPr>
+          <a:xfrm>
+            <a:off x="-12000" y="-25580"/>
+            <a:ext cx="4068000" cy="88175"/>
+          </a:xfrm>
+          <a:prstGeom prst="rect">
+            <a:avLst/>
+          </a:prstGeom>
+          <a:solidFill>
+            <a:srgbClr val="768FD4">
+              <a:alpha val="80000"/>
+            </a:srgbClr>
+          </a:solidFill>
+          <a:ln>
+            <a:noFill/>
+          </a:ln>
+        </p:spPr>
+        <p:style>
+          <a:lnRef idx="2">
+            <a:schemeClr val="accent1">
+              <a:shade val="50000"/>
+            </a:schemeClr>
+          </a:lnRef>
+          <a:fillRef idx="1">
+            <a:schemeClr val="accent1"/>
+          </a:fillRef>
+          <a:effectRef idx="0">
+            <a:schemeClr val="accent1"/>
+          </a:effectRef>
+          <a:fontRef idx="minor">
+            <a:schemeClr val="lt1"/>
+          </a:fontRef>
+        </p:style>
+        <p:txBody>
+          <a:bodyPr rtlCol="0" anchor="ctr"/>
+          <a:lstStyle/>
+          <a:p>
+            <a:pPr algn="ctr"/>
+            <a:endParaRPr lang="ko-KR" altLang="en-US">
+              <a:solidFill>
+                <a:srgbClr val="768FD4"/>
+              </a:solidFill>
+            </a:endParaRPr>
+          </a:p>
+        </p:txBody>
+      </p:sp>
+      <p:sp>
+        <p:nvSpPr>
+          <p:cNvPr id="23" name="직사각형 22">
+            <a:extLst>
+              <a:ext uri="{FF2B5EF4-FFF2-40B4-BE49-F238E27FC236}">
+                <a16:creationId xmlns:a16="http://schemas.microsoft.com/office/drawing/2014/main" id="{A7BFE41F-83DF-129B-7C90-8FE9AFACCE26}"/>
+              </a:ext>
+            </a:extLst>
+          </p:cNvPr>
+          <p:cNvSpPr/>
+          <p:nvPr/>
+        </p:nvSpPr>
+        <p:spPr>
+          <a:xfrm>
+            <a:off x="4056000" y="-25581"/>
+            <a:ext cx="4068000" cy="88175"/>
+          </a:xfrm>
+          <a:prstGeom prst="rect">
+            <a:avLst/>
+          </a:prstGeom>
+          <a:solidFill>
+            <a:srgbClr val="D6DDF2">
+              <a:alpha val="80000"/>
+            </a:srgbClr>
+          </a:solidFill>
+          <a:ln>
+            <a:noFill/>
+          </a:ln>
+        </p:spPr>
+        <p:style>
+          <a:lnRef idx="2">
+            <a:schemeClr val="accent1">
+              <a:shade val="50000"/>
+            </a:schemeClr>
+          </a:lnRef>
+          <a:fillRef idx="1">
+            <a:schemeClr val="accent1"/>
+          </a:fillRef>
+          <a:effectRef idx="0">
+            <a:schemeClr val="accent1"/>
+          </a:effectRef>
+          <a:fontRef idx="minor">
+            <a:schemeClr val="lt1"/>
+          </a:fontRef>
+        </p:style>
+        <p:txBody>
+          <a:bodyPr rtlCol="0" anchor="ctr"/>
+          <a:lstStyle/>
+          <a:p>
+            <a:pPr algn="ctr"/>
+            <a:endParaRPr lang="ko-KR" altLang="en-US"/>
+          </a:p>
+        </p:txBody>
+      </p:sp>
+      <p:sp>
+        <p:nvSpPr>
+          <p:cNvPr id="24" name="직사각형 23">
+            <a:extLst>
+              <a:ext uri="{FF2B5EF4-FFF2-40B4-BE49-F238E27FC236}">
+                <a16:creationId xmlns:a16="http://schemas.microsoft.com/office/drawing/2014/main" id="{EB172932-4056-3CD6-3206-6B344BB8C25A}"/>
+              </a:ext>
+            </a:extLst>
+          </p:cNvPr>
+          <p:cNvSpPr/>
+          <p:nvPr/>
+        </p:nvSpPr>
+        <p:spPr>
+          <a:xfrm>
+            <a:off x="8124000" y="-24532"/>
+            <a:ext cx="4068000" cy="88175"/>
+          </a:xfrm>
+          <a:prstGeom prst="rect">
+            <a:avLst/>
+          </a:prstGeom>
+          <a:solidFill>
+            <a:srgbClr val="D6DDF2">
+              <a:alpha val="80000"/>
+            </a:srgbClr>
+          </a:solidFill>
+          <a:ln>
+            <a:noFill/>
+          </a:ln>
+        </p:spPr>
+        <p:style>
+          <a:lnRef idx="2">
+            <a:schemeClr val="accent1">
+              <a:shade val="50000"/>
+            </a:schemeClr>
+          </a:lnRef>
+          <a:fillRef idx="1">
+            <a:schemeClr val="accent1"/>
+          </a:fillRef>
+          <a:effectRef idx="0">
+            <a:schemeClr val="accent1"/>
+          </a:effectRef>
+          <a:fontRef idx="minor">
+            <a:schemeClr val="lt1"/>
+          </a:fontRef>
+        </p:style>
+        <p:txBody>
+          <a:bodyPr rtlCol="0" anchor="ctr"/>
+          <a:lstStyle/>
+          <a:p>
+            <a:pPr algn="ctr"/>
+            <a:endParaRPr lang="ko-KR" altLang="en-US"/>
+          </a:p>
+        </p:txBody>
+      </p:sp>
+      <p:sp>
+        <p:nvSpPr>
+          <p:cNvPr id="25" name="제목 1">
+            <a:extLst>
+              <a:ext uri="{FF2B5EF4-FFF2-40B4-BE49-F238E27FC236}">
+                <a16:creationId xmlns:a16="http://schemas.microsoft.com/office/drawing/2014/main" id="{EB8882E3-C1DB-7742-6373-83DBB4B5208B}"/>
+              </a:ext>
+            </a:extLst>
+          </p:cNvPr>
+          <p:cNvSpPr txBox="1">
+            <a:spLocks/>
+          </p:cNvSpPr>
+          <p:nvPr/>
+        </p:nvSpPr>
+        <p:spPr>
+          <a:xfrm>
+            <a:off x="8231795" y="117587"/>
+            <a:ext cx="3852410" cy="430526"/>
+          </a:xfrm>
+          <a:prstGeom prst="rect">
+            <a:avLst/>
+          </a:prstGeom>
+        </p:spPr>
+        <p:txBody>
+          <a:bodyPr vert="horz" lIns="91440" tIns="45720" rIns="91440" bIns="45720" rtlCol="0" anchor="ctr">
+            <a:noAutofit/>
+          </a:bodyPr>
+          <a:lstStyle>
+            <a:lvl1pPr algn="l" defTabSz="914400" rtl="0" eaLnBrk="1" latinLnBrk="1" hangingPunct="1">
+              <a:lnSpc>
+                <a:spcPct val="90000"/>
+              </a:lnSpc>
+              <a:spcBef>
+                <a:spcPct val="0"/>
+              </a:spcBef>
+              <a:buNone/>
+              <a:defRPr sz="4400" kern="1200">
+                <a:solidFill>
+                  <a:schemeClr val="tx1"/>
+                </a:solidFill>
+                <a:latin typeface="+mj-lt"/>
+                <a:ea typeface="+mj-ea"/>
+                <a:cs typeface="+mj-cs"/>
+              </a:defRPr>
+            </a:lvl1pPr>
+          </a:lstStyle>
+          <a:p>
+            <a:pPr algn="ctr"/>
+            <a:r>
+              <a:rPr lang="en-US" altLang="ko-KR" sz="1400" dirty="0">
+                <a:solidFill>
+                  <a:srgbClr val="D6DDF2"/>
+                </a:solidFill>
+              </a:rPr>
+              <a:t>3. A hybrid model approach for forecasting future residential electricity consumption</a:t>
+            </a:r>
+            <a:endParaRPr lang="ko-KR" altLang="en-US" sz="1400" dirty="0">
+              <a:solidFill>
+                <a:srgbClr val="D6DDF2"/>
+              </a:solidFill>
+            </a:endParaRPr>
+          </a:p>
+        </p:txBody>
+      </p:sp>
+      <p:sp>
+        <p:nvSpPr>
+          <p:cNvPr id="26" name="제목 1">
+            <a:extLst>
+              <a:ext uri="{FF2B5EF4-FFF2-40B4-BE49-F238E27FC236}">
+                <a16:creationId xmlns:a16="http://schemas.microsoft.com/office/drawing/2014/main" id="{4EC4ABD9-61BA-2F0E-7CBE-7B1ECCD0F385}"/>
+              </a:ext>
+            </a:extLst>
+          </p:cNvPr>
+          <p:cNvSpPr txBox="1">
+            <a:spLocks/>
+          </p:cNvSpPr>
+          <p:nvPr/>
+        </p:nvSpPr>
+        <p:spPr>
+          <a:xfrm>
+            <a:off x="474600" y="117587"/>
+            <a:ext cx="3094799" cy="430523"/>
+          </a:xfrm>
+          <a:prstGeom prst="rect">
+            <a:avLst/>
+          </a:prstGeom>
+        </p:spPr>
+        <p:txBody>
+          <a:bodyPr vert="horz" lIns="91440" tIns="45720" rIns="91440" bIns="45720" rtlCol="0" anchor="ctr">
+            <a:noAutofit/>
+          </a:bodyPr>
+          <a:lstStyle>
+            <a:lvl1pPr algn="l" defTabSz="914400" rtl="0" eaLnBrk="1" latinLnBrk="1" hangingPunct="1">
+              <a:lnSpc>
+                <a:spcPct val="90000"/>
+              </a:lnSpc>
+              <a:spcBef>
+                <a:spcPct val="0"/>
+              </a:spcBef>
+              <a:buNone/>
+              <a:defRPr sz="4400" kern="1200">
+                <a:solidFill>
+                  <a:schemeClr val="tx1"/>
+                </a:solidFill>
+                <a:latin typeface="+mj-lt"/>
+                <a:ea typeface="+mj-ea"/>
+                <a:cs typeface="+mj-cs"/>
+              </a:defRPr>
+            </a:lvl1pPr>
+          </a:lstStyle>
+          <a:p>
+            <a:pPr algn="ctr"/>
+            <a:r>
+              <a:rPr lang="en-US" altLang="ko-KR" sz="1400" dirty="0">
+                <a:solidFill>
+                  <a:srgbClr val="768FD4"/>
+                </a:solidFill>
+              </a:rPr>
+              <a:t>1. Prediction</a:t>
+            </a:r>
+            <a:r>
+              <a:rPr lang="ko-KR" altLang="en-US" sz="1400" dirty="0">
+                <a:solidFill>
+                  <a:srgbClr val="768FD4"/>
+                </a:solidFill>
+              </a:rPr>
+              <a:t> </a:t>
+            </a:r>
+            <a:r>
+              <a:rPr lang="en-US" altLang="ko-KR" sz="1400" dirty="0">
+                <a:solidFill>
+                  <a:srgbClr val="768FD4"/>
+                </a:solidFill>
+              </a:rPr>
+              <a:t>models for forecasting building energy consumption</a:t>
+            </a:r>
+            <a:endParaRPr lang="ko-KR" altLang="en-US" sz="1400" dirty="0">
+              <a:solidFill>
+                <a:srgbClr val="768FD4"/>
+              </a:solidFill>
+            </a:endParaRPr>
           </a:p>
         </p:txBody>
       </p:sp>
       <p:cxnSp>
         <p:nvCxnSpPr>
-          <p:cNvPr id="14" name="직선 연결선 13">
-            <a:extLst>
-              <a:ext uri="{FF2B5EF4-FFF2-40B4-BE49-F238E27FC236}">
-                <a16:creationId xmlns:a16="http://schemas.microsoft.com/office/drawing/2014/main" id="{03F592B8-8884-480D-8298-F2B88AA4644C}"/>
+          <p:cNvPr id="27" name="직선 연결선 26">
+            <a:extLst>
+              <a:ext uri="{FF2B5EF4-FFF2-40B4-BE49-F238E27FC236}">
+                <a16:creationId xmlns:a16="http://schemas.microsoft.com/office/drawing/2014/main" id="{0F0DD39B-A9CD-680C-CD4D-AE68679C61D8}"/>
               </a:ext>
             </a:extLst>
           </p:cNvPr>
@@ -8060,18 +9740,15 @@
         </p:nvCxnSpPr>
         <p:spPr>
           <a:xfrm>
-            <a:off x="539552" y="1187024"/>
-            <a:ext cx="11056703" cy="0"/>
+            <a:off x="399738" y="1121270"/>
+            <a:ext cx="11392524" cy="0"/>
           </a:xfrm>
           <a:prstGeom prst="line">
             <a:avLst/>
           </a:prstGeom>
-          <a:ln w="12700">
+          <a:ln w="19050">
             <a:solidFill>
-              <a:schemeClr val="tx1">
-                <a:lumMod val="75000"/>
-                <a:lumOff val="25000"/>
-              </a:schemeClr>
+              <a:srgbClr val="B6C3E8"/>
             </a:solidFill>
           </a:ln>
         </p:spPr>
@@ -8092,10 +9769,10 @@
       </p:cxnSp>
       <p:sp>
         <p:nvSpPr>
-          <p:cNvPr id="6" name="TextBox 5">
-            <a:extLst>
-              <a:ext uri="{FF2B5EF4-FFF2-40B4-BE49-F238E27FC236}">
-                <a16:creationId xmlns:a16="http://schemas.microsoft.com/office/drawing/2014/main" id="{5A6776E4-9D30-47C4-BEF4-B57DC901EAA5}"/>
+          <p:cNvPr id="28" name="TextBox 27">
+            <a:extLst>
+              <a:ext uri="{FF2B5EF4-FFF2-40B4-BE49-F238E27FC236}">
+                <a16:creationId xmlns:a16="http://schemas.microsoft.com/office/drawing/2014/main" id="{4E8F2B56-5144-3E30-9102-CB9980D66008}"/>
               </a:ext>
             </a:extLst>
           </p:cNvPr>
@@ -8104,13 +9781,16 @@
         </p:nvSpPr>
         <p:spPr>
           <a:xfrm>
-            <a:off x="11596254" y="6434667"/>
-            <a:ext cx="516724" cy="369332"/>
+            <a:off x="401234" y="626776"/>
+            <a:ext cx="3133703" cy="494494"/>
           </a:xfrm>
           <a:prstGeom prst="rect">
             <a:avLst/>
           </a:prstGeom>
           <a:noFill/>
+          <a:ln w="44450" cap="rnd">
+            <a:noFill/>
+          </a:ln>
         </p:spPr>
         <p:txBody>
           <a:bodyPr wrap="square" rtlCol="0">
@@ -8118,154 +9798,28 @@
           </a:bodyPr>
           <a:lstStyle/>
           <a:p>
-            <a:r>
-              <a:rPr lang="en-US" altLang="ko-KR" dirty="0"/>
-              <a:t>-2-</a:t>
-            </a:r>
-            <a:endParaRPr lang="ko-KR" altLang="en-US" dirty="0"/>
-          </a:p>
-        </p:txBody>
-      </p:sp>
-      <p:sp>
-        <p:nvSpPr>
-          <p:cNvPr id="10" name="TextBox 9">
-            <a:extLst>
-              <a:ext uri="{FF2B5EF4-FFF2-40B4-BE49-F238E27FC236}">
-                <a16:creationId xmlns:a16="http://schemas.microsoft.com/office/drawing/2014/main" id="{D538DFE1-18AB-9CCD-ACC2-C0F9E38665F9}"/>
-              </a:ext>
-            </a:extLst>
-          </p:cNvPr>
-          <p:cNvSpPr txBox="1"/>
-          <p:nvPr/>
-        </p:nvSpPr>
-        <p:spPr>
-          <a:xfrm>
-            <a:off x="567648" y="1418178"/>
-            <a:ext cx="6096000" cy="369332"/>
-          </a:xfrm>
-          <a:prstGeom prst="rect">
-            <a:avLst/>
-          </a:prstGeom>
-          <a:noFill/>
-        </p:spPr>
-        <p:txBody>
-          <a:bodyPr wrap="square">
-            <a:spAutoFit/>
-          </a:bodyPr>
-          <a:lstStyle/>
-          <a:p>
-            <a:pPr marL="285750" indent="-285750">
-              <a:buFont typeface="Wingdings" panose="05000000000000000000" pitchFamily="2" charset="2"/>
-              <a:buChar char="u"/>
-            </a:pPr>
-            <a:r>
-              <a:rPr lang="en-US" altLang="ko-KR" b="1" dirty="0"/>
-              <a:t>Data-driven models</a:t>
-            </a:r>
-          </a:p>
-        </p:txBody>
-      </p:sp>
-      <p:pic>
-        <p:nvPicPr>
-          <p:cNvPr id="3" name="그림 2">
-            <a:extLst>
-              <a:ext uri="{FF2B5EF4-FFF2-40B4-BE49-F238E27FC236}">
-                <a16:creationId xmlns:a16="http://schemas.microsoft.com/office/drawing/2014/main" id="{815B3D51-7FDE-88B7-013A-1540373A0220}"/>
-              </a:ext>
-            </a:extLst>
-          </p:cNvPr>
-          <p:cNvPicPr>
-            <a:picLocks noChangeAspect="1"/>
-          </p:cNvPicPr>
-          <p:nvPr/>
-        </p:nvPicPr>
-        <p:blipFill rotWithShape="1">
-          <a:blip r:embed="rId3"/>
-          <a:srcRect b="17716"/>
-          <a:stretch/>
-        </p:blipFill>
-        <p:spPr>
-          <a:xfrm>
-            <a:off x="1522725" y="3508115"/>
-            <a:ext cx="9146549" cy="3054917"/>
-          </a:xfrm>
-          <a:prstGeom prst="rect">
-            <a:avLst/>
-          </a:prstGeom>
-        </p:spPr>
-      </p:pic>
-      <p:sp>
-        <p:nvSpPr>
-          <p:cNvPr id="8" name="TextBox 7">
-            <a:extLst>
-              <a:ext uri="{FF2B5EF4-FFF2-40B4-BE49-F238E27FC236}">
-                <a16:creationId xmlns:a16="http://schemas.microsoft.com/office/drawing/2014/main" id="{3A6AAD6D-6666-B319-6621-D790132794CE}"/>
-              </a:ext>
-            </a:extLst>
-          </p:cNvPr>
-          <p:cNvSpPr txBox="1"/>
-          <p:nvPr/>
-        </p:nvSpPr>
-        <p:spPr>
-          <a:xfrm>
-            <a:off x="567647" y="683332"/>
-            <a:ext cx="11056703" cy="461665"/>
-          </a:xfrm>
-          <a:prstGeom prst="rect">
-            <a:avLst/>
-          </a:prstGeom>
-          <a:noFill/>
-          <a:scene3d>
-            <a:camera prst="obliqueTopLeft"/>
-            <a:lightRig rig="threePt" dir="t"/>
-          </a:scene3d>
-        </p:spPr>
-        <p:txBody>
-          <a:bodyPr wrap="square" rtlCol="0">
-            <a:spAutoFit/>
-          </a:bodyPr>
-          <a:lstStyle/>
-          <a:p>
             <a:pPr marL="342900" indent="-342900">
+              <a:lnSpc>
+                <a:spcPct val="150000"/>
+              </a:lnSpc>
               <a:buFont typeface="Wingdings" panose="05000000000000000000" pitchFamily="2" charset="2"/>
               <a:buChar char="v"/>
             </a:pPr>
             <a:r>
-              <a:rPr lang="en-US" altLang="ko-KR" sz="2400" b="1" dirty="0">
-                <a:latin typeface="+mj-ea"/>
-                <a:ea typeface="+mj-ea"/>
-                <a:cs typeface="조선일보명조" pitchFamily="18" charset="-127"/>
-              </a:rPr>
-              <a:t>Prediction</a:t>
-            </a:r>
-            <a:r>
-              <a:rPr lang="ko-KR" altLang="en-US" sz="2400" b="1" dirty="0">
-                <a:latin typeface="+mj-ea"/>
-                <a:ea typeface="+mj-ea"/>
-                <a:cs typeface="조선일보명조" pitchFamily="18" charset="-127"/>
-              </a:rPr>
-              <a:t> </a:t>
-            </a:r>
-            <a:r>
-              <a:rPr lang="en-US" altLang="ko-KR" sz="2400" b="1" dirty="0">
-                <a:latin typeface="+mj-ea"/>
-                <a:ea typeface="+mj-ea"/>
-                <a:cs typeface="조선일보명조" pitchFamily="18" charset="-127"/>
-              </a:rPr>
-              <a:t>models</a:t>
-            </a:r>
-            <a:endParaRPr lang="ko-KR" altLang="en-US" sz="1600" b="1" dirty="0">
-              <a:latin typeface="+mj-ea"/>
-              <a:ea typeface="+mj-ea"/>
-              <a:cs typeface="조선일보명조" pitchFamily="18" charset="-127"/>
-            </a:endParaRPr>
+              <a:rPr lang="en-US" altLang="ko-KR" sz="2000" b="1" dirty="0">
+                <a:solidFill>
+                  <a:srgbClr val="253A75"/>
+                </a:solidFill>
+              </a:rPr>
+              <a:t> Prediction models</a:t>
+            </a:r>
           </a:p>
         </p:txBody>
       </p:sp>
     </p:spTree>
     <p:extLst>
       <p:ext uri="{BB962C8B-B14F-4D97-AF65-F5344CB8AC3E}">
-        <p14:creationId xmlns:p14="http://schemas.microsoft.com/office/powerpoint/2010/main" val="1463399039"/>
+        <p14:creationId xmlns:p14="http://schemas.microsoft.com/office/powerpoint/2010/main" val="252891327"/>
       </p:ext>
     </p:extLst>
   </p:cSld>
@@ -8292,12 +9846,520 @@
           <a:chExt cx="0" cy="0"/>
         </a:xfrm>
       </p:grpSpPr>
+      <p:sp>
+        <p:nvSpPr>
+          <p:cNvPr id="12" name="TextBox 11">
+            <a:extLst>
+              <a:ext uri="{FF2B5EF4-FFF2-40B4-BE49-F238E27FC236}">
+                <a16:creationId xmlns:a16="http://schemas.microsoft.com/office/drawing/2014/main" id="{068C3819-1D50-41F7-AFE9-198A0102F7D3}"/>
+              </a:ext>
+            </a:extLst>
+          </p:cNvPr>
+          <p:cNvSpPr txBox="1"/>
+          <p:nvPr/>
+        </p:nvSpPr>
+        <p:spPr>
+          <a:xfrm>
+            <a:off x="567648" y="1857363"/>
+            <a:ext cx="11056703" cy="1580899"/>
+          </a:xfrm>
+          <a:prstGeom prst="roundRect">
+            <a:avLst>
+              <a:gd name="adj" fmla="val 12002"/>
+            </a:avLst>
+          </a:prstGeom>
+          <a:solidFill>
+            <a:srgbClr val="D6DDF2">
+              <a:alpha val="50196"/>
+            </a:srgbClr>
+          </a:solidFill>
+        </p:spPr>
+        <p:txBody>
+          <a:bodyPr wrap="square" rtlCol="0">
+            <a:spAutoFit/>
+          </a:bodyPr>
+          <a:lstStyle/>
+          <a:p>
+            <a:pPr marL="285750" indent="-285750">
+              <a:lnSpc>
+                <a:spcPct val="150000"/>
+              </a:lnSpc>
+              <a:buFont typeface="Arial" panose="020B0604020202020204" pitchFamily="34" charset="0"/>
+              <a:buChar char="•"/>
+            </a:pPr>
+            <a:r>
+              <a:rPr lang="en-US" altLang="ko-KR" sz="1600" dirty="0"/>
+              <a:t>Learns from </a:t>
+            </a:r>
+            <a:r>
+              <a:rPr lang="en-US" altLang="ko-KR" sz="1600" b="1" dirty="0"/>
+              <a:t>historical/available data </a:t>
+            </a:r>
+            <a:r>
+              <a:rPr lang="en-US" altLang="ko-KR" sz="1600" dirty="0"/>
+              <a:t>for prediction</a:t>
+            </a:r>
+          </a:p>
+          <a:p>
+            <a:pPr marL="285750" indent="-285750">
+              <a:lnSpc>
+                <a:spcPct val="150000"/>
+              </a:lnSpc>
+              <a:buFont typeface="Arial" panose="020B0604020202020204" pitchFamily="34" charset="0"/>
+              <a:buChar char="•"/>
+            </a:pPr>
+            <a:r>
+              <a:rPr lang="en-US" altLang="ko-KR" sz="1600" dirty="0"/>
+              <a:t>Correlate the energy consumption or energy index with the influencing variables</a:t>
+            </a:r>
+          </a:p>
+          <a:p>
+            <a:pPr marL="285750" indent="-285750">
+              <a:lnSpc>
+                <a:spcPct val="150000"/>
+              </a:lnSpc>
+              <a:buFont typeface="Arial" panose="020B0604020202020204" pitchFamily="34" charset="0"/>
+              <a:buChar char="•"/>
+            </a:pPr>
+            <a:r>
+              <a:rPr lang="en-US" altLang="ko-KR" sz="1600" dirty="0"/>
+              <a:t>4 steps : data collection, data preprocessing, model training, and model testing</a:t>
+            </a:r>
+          </a:p>
+          <a:p>
+            <a:pPr marL="285750" indent="-285750">
+              <a:lnSpc>
+                <a:spcPct val="150000"/>
+              </a:lnSpc>
+              <a:buFont typeface="Arial" panose="020B0604020202020204" pitchFamily="34" charset="0"/>
+              <a:buChar char="•"/>
+            </a:pPr>
+            <a:r>
+              <a:rPr lang="en-US" altLang="ko-KR" sz="1600" dirty="0"/>
+              <a:t>Machine learning algorithms : SVM, ANN, decision trees, and other statistical algorithms</a:t>
+            </a:r>
+          </a:p>
+        </p:txBody>
+      </p:sp>
+      <p:sp>
+        <p:nvSpPr>
+          <p:cNvPr id="6" name="TextBox 5">
+            <a:extLst>
+              <a:ext uri="{FF2B5EF4-FFF2-40B4-BE49-F238E27FC236}">
+                <a16:creationId xmlns:a16="http://schemas.microsoft.com/office/drawing/2014/main" id="{5A6776E4-9D30-47C4-BEF4-B57DC901EAA5}"/>
+              </a:ext>
+            </a:extLst>
+          </p:cNvPr>
+          <p:cNvSpPr txBox="1"/>
+          <p:nvPr/>
+        </p:nvSpPr>
+        <p:spPr>
+          <a:xfrm>
+            <a:off x="11596254" y="6434667"/>
+            <a:ext cx="516724" cy="369332"/>
+          </a:xfrm>
+          <a:prstGeom prst="rect">
+            <a:avLst/>
+          </a:prstGeom>
+          <a:noFill/>
+        </p:spPr>
+        <p:txBody>
+          <a:bodyPr wrap="square" rtlCol="0">
+            <a:spAutoFit/>
+          </a:bodyPr>
+          <a:lstStyle/>
+          <a:p>
+            <a:r>
+              <a:rPr lang="en-US" altLang="ko-KR" dirty="0"/>
+              <a:t>-2-</a:t>
+            </a:r>
+            <a:endParaRPr lang="ko-KR" altLang="en-US" dirty="0"/>
+          </a:p>
+        </p:txBody>
+      </p:sp>
+      <p:sp>
+        <p:nvSpPr>
+          <p:cNvPr id="10" name="TextBox 9">
+            <a:extLst>
+              <a:ext uri="{FF2B5EF4-FFF2-40B4-BE49-F238E27FC236}">
+                <a16:creationId xmlns:a16="http://schemas.microsoft.com/office/drawing/2014/main" id="{D538DFE1-18AB-9CCD-ACC2-C0F9E38665F9}"/>
+              </a:ext>
+            </a:extLst>
+          </p:cNvPr>
+          <p:cNvSpPr txBox="1"/>
+          <p:nvPr/>
+        </p:nvSpPr>
+        <p:spPr>
+          <a:xfrm>
+            <a:off x="567648" y="1418178"/>
+            <a:ext cx="6096000" cy="369332"/>
+          </a:xfrm>
+          <a:prstGeom prst="rect">
+            <a:avLst/>
+          </a:prstGeom>
+          <a:noFill/>
+        </p:spPr>
+        <p:txBody>
+          <a:bodyPr wrap="square">
+            <a:spAutoFit/>
+          </a:bodyPr>
+          <a:lstStyle/>
+          <a:p>
+            <a:pPr marL="285750" indent="-285750">
+              <a:buFont typeface="Wingdings" panose="05000000000000000000" pitchFamily="2" charset="2"/>
+              <a:buChar char="u"/>
+            </a:pPr>
+            <a:r>
+              <a:rPr lang="en-US" altLang="ko-KR" b="1" dirty="0"/>
+              <a:t>Data-driven models</a:t>
+            </a:r>
+          </a:p>
+        </p:txBody>
+      </p:sp>
+      <p:pic>
+        <p:nvPicPr>
+          <p:cNvPr id="3" name="그림 2">
+            <a:extLst>
+              <a:ext uri="{FF2B5EF4-FFF2-40B4-BE49-F238E27FC236}">
+                <a16:creationId xmlns:a16="http://schemas.microsoft.com/office/drawing/2014/main" id="{815B3D51-7FDE-88B7-013A-1540373A0220}"/>
+              </a:ext>
+            </a:extLst>
+          </p:cNvPr>
+          <p:cNvPicPr>
+            <a:picLocks noChangeAspect="1"/>
+          </p:cNvPicPr>
+          <p:nvPr/>
+        </p:nvPicPr>
+        <p:blipFill rotWithShape="1">
+          <a:blip r:embed="rId3"/>
+          <a:srcRect b="17716"/>
+          <a:stretch/>
+        </p:blipFill>
+        <p:spPr>
+          <a:xfrm>
+            <a:off x="1522725" y="3508115"/>
+            <a:ext cx="9146549" cy="3054917"/>
+          </a:xfrm>
+          <a:prstGeom prst="rect">
+            <a:avLst/>
+          </a:prstGeom>
+        </p:spPr>
+      </p:pic>
+      <p:sp>
+        <p:nvSpPr>
+          <p:cNvPr id="9" name="제목 1">
+            <a:extLst>
+              <a:ext uri="{FF2B5EF4-FFF2-40B4-BE49-F238E27FC236}">
+                <a16:creationId xmlns:a16="http://schemas.microsoft.com/office/drawing/2014/main" id="{4E2DDCC8-0E75-DF56-248F-292FA1B007AF}"/>
+              </a:ext>
+            </a:extLst>
+          </p:cNvPr>
+          <p:cNvSpPr txBox="1">
+            <a:spLocks/>
+          </p:cNvSpPr>
+          <p:nvPr/>
+        </p:nvSpPr>
+        <p:spPr>
+          <a:xfrm>
+            <a:off x="3853974" y="117587"/>
+            <a:ext cx="4554046" cy="430526"/>
+          </a:xfrm>
+          <a:prstGeom prst="rect">
+            <a:avLst/>
+          </a:prstGeom>
+        </p:spPr>
+        <p:txBody>
+          <a:bodyPr vert="horz" lIns="91440" tIns="45720" rIns="91440" bIns="45720" rtlCol="0" anchor="ctr">
+            <a:noAutofit/>
+          </a:bodyPr>
+          <a:lstStyle>
+            <a:lvl1pPr algn="l" defTabSz="914400" rtl="0" eaLnBrk="1" latinLnBrk="1" hangingPunct="1">
+              <a:lnSpc>
+                <a:spcPct val="90000"/>
+              </a:lnSpc>
+              <a:spcBef>
+                <a:spcPct val="0"/>
+              </a:spcBef>
+              <a:buNone/>
+              <a:defRPr sz="4400" kern="1200">
+                <a:solidFill>
+                  <a:schemeClr val="tx1"/>
+                </a:solidFill>
+                <a:latin typeface="+mj-lt"/>
+                <a:ea typeface="+mj-ea"/>
+                <a:cs typeface="+mj-cs"/>
+              </a:defRPr>
+            </a:lvl1pPr>
+          </a:lstStyle>
+          <a:p>
+            <a:pPr algn="ctr"/>
+            <a:r>
+              <a:rPr lang="en-US" altLang="ko-KR" sz="1400">
+                <a:solidFill>
+                  <a:srgbClr val="D6DDF2"/>
+                </a:solidFill>
+              </a:rPr>
+              <a:t>2. Artificial neural network model for forecasting </a:t>
+            </a:r>
+            <a:br>
+              <a:rPr lang="en-US" altLang="ko-KR" sz="1400">
+                <a:solidFill>
+                  <a:srgbClr val="D6DDF2"/>
+                </a:solidFill>
+              </a:rPr>
+            </a:br>
+            <a:r>
+              <a:rPr lang="en-US" altLang="ko-KR" sz="1400">
+                <a:solidFill>
+                  <a:srgbClr val="D6DDF2"/>
+                </a:solidFill>
+              </a:rPr>
+              <a:t>sub-hourly electricity usage in Commercial buildings</a:t>
+            </a:r>
+            <a:endParaRPr lang="ko-KR" altLang="en-US" sz="1400" dirty="0">
+              <a:solidFill>
+                <a:srgbClr val="D6DDF2"/>
+              </a:solidFill>
+            </a:endParaRPr>
+          </a:p>
+        </p:txBody>
+      </p:sp>
+      <p:sp>
+        <p:nvSpPr>
+          <p:cNvPr id="11" name="직사각형 10">
+            <a:extLst>
+              <a:ext uri="{FF2B5EF4-FFF2-40B4-BE49-F238E27FC236}">
+                <a16:creationId xmlns:a16="http://schemas.microsoft.com/office/drawing/2014/main" id="{406911AF-774A-D533-634A-27D5806A2DB2}"/>
+              </a:ext>
+            </a:extLst>
+          </p:cNvPr>
+          <p:cNvSpPr/>
+          <p:nvPr/>
+        </p:nvSpPr>
+        <p:spPr>
+          <a:xfrm>
+            <a:off x="-12000" y="-25580"/>
+            <a:ext cx="4068000" cy="88175"/>
+          </a:xfrm>
+          <a:prstGeom prst="rect">
+            <a:avLst/>
+          </a:prstGeom>
+          <a:solidFill>
+            <a:srgbClr val="768FD4">
+              <a:alpha val="80000"/>
+            </a:srgbClr>
+          </a:solidFill>
+          <a:ln>
+            <a:noFill/>
+          </a:ln>
+        </p:spPr>
+        <p:style>
+          <a:lnRef idx="2">
+            <a:schemeClr val="accent1">
+              <a:shade val="50000"/>
+            </a:schemeClr>
+          </a:lnRef>
+          <a:fillRef idx="1">
+            <a:schemeClr val="accent1"/>
+          </a:fillRef>
+          <a:effectRef idx="0">
+            <a:schemeClr val="accent1"/>
+          </a:effectRef>
+          <a:fontRef idx="minor">
+            <a:schemeClr val="lt1"/>
+          </a:fontRef>
+        </p:style>
+        <p:txBody>
+          <a:bodyPr rtlCol="0" anchor="ctr"/>
+          <a:lstStyle/>
+          <a:p>
+            <a:pPr algn="ctr"/>
+            <a:endParaRPr lang="ko-KR" altLang="en-US">
+              <a:solidFill>
+                <a:srgbClr val="768FD4"/>
+              </a:solidFill>
+            </a:endParaRPr>
+          </a:p>
+        </p:txBody>
+      </p:sp>
+      <p:sp>
+        <p:nvSpPr>
+          <p:cNvPr id="13" name="직사각형 12">
+            <a:extLst>
+              <a:ext uri="{FF2B5EF4-FFF2-40B4-BE49-F238E27FC236}">
+                <a16:creationId xmlns:a16="http://schemas.microsoft.com/office/drawing/2014/main" id="{63479D39-5642-3A6E-2F0B-CA5040150BF7}"/>
+              </a:ext>
+            </a:extLst>
+          </p:cNvPr>
+          <p:cNvSpPr/>
+          <p:nvPr/>
+        </p:nvSpPr>
+        <p:spPr>
+          <a:xfrm>
+            <a:off x="4056000" y="-25581"/>
+            <a:ext cx="4068000" cy="88175"/>
+          </a:xfrm>
+          <a:prstGeom prst="rect">
+            <a:avLst/>
+          </a:prstGeom>
+          <a:solidFill>
+            <a:srgbClr val="D6DDF2">
+              <a:alpha val="80000"/>
+            </a:srgbClr>
+          </a:solidFill>
+          <a:ln>
+            <a:noFill/>
+          </a:ln>
+        </p:spPr>
+        <p:style>
+          <a:lnRef idx="2">
+            <a:schemeClr val="accent1">
+              <a:shade val="50000"/>
+            </a:schemeClr>
+          </a:lnRef>
+          <a:fillRef idx="1">
+            <a:schemeClr val="accent1"/>
+          </a:fillRef>
+          <a:effectRef idx="0">
+            <a:schemeClr val="accent1"/>
+          </a:effectRef>
+          <a:fontRef idx="minor">
+            <a:schemeClr val="lt1"/>
+          </a:fontRef>
+        </p:style>
+        <p:txBody>
+          <a:bodyPr rtlCol="0" anchor="ctr"/>
+          <a:lstStyle/>
+          <a:p>
+            <a:pPr algn="ctr"/>
+            <a:endParaRPr lang="ko-KR" altLang="en-US"/>
+          </a:p>
+        </p:txBody>
+      </p:sp>
+      <p:sp>
+        <p:nvSpPr>
+          <p:cNvPr id="15" name="직사각형 14">
+            <a:extLst>
+              <a:ext uri="{FF2B5EF4-FFF2-40B4-BE49-F238E27FC236}">
+                <a16:creationId xmlns:a16="http://schemas.microsoft.com/office/drawing/2014/main" id="{4E938E8E-60CE-5A1C-D3F7-34ED9BBC0D13}"/>
+              </a:ext>
+            </a:extLst>
+          </p:cNvPr>
+          <p:cNvSpPr/>
+          <p:nvPr/>
+        </p:nvSpPr>
+        <p:spPr>
+          <a:xfrm>
+            <a:off x="8124000" y="-24532"/>
+            <a:ext cx="4068000" cy="88175"/>
+          </a:xfrm>
+          <a:prstGeom prst="rect">
+            <a:avLst/>
+          </a:prstGeom>
+          <a:solidFill>
+            <a:srgbClr val="D6DDF2">
+              <a:alpha val="80000"/>
+            </a:srgbClr>
+          </a:solidFill>
+          <a:ln>
+            <a:noFill/>
+          </a:ln>
+        </p:spPr>
+        <p:style>
+          <a:lnRef idx="2">
+            <a:schemeClr val="accent1">
+              <a:shade val="50000"/>
+            </a:schemeClr>
+          </a:lnRef>
+          <a:fillRef idx="1">
+            <a:schemeClr val="accent1"/>
+          </a:fillRef>
+          <a:effectRef idx="0">
+            <a:schemeClr val="accent1"/>
+          </a:effectRef>
+          <a:fontRef idx="minor">
+            <a:schemeClr val="lt1"/>
+          </a:fontRef>
+        </p:style>
+        <p:txBody>
+          <a:bodyPr rtlCol="0" anchor="ctr"/>
+          <a:lstStyle/>
+          <a:p>
+            <a:pPr algn="ctr"/>
+            <a:endParaRPr lang="ko-KR" altLang="en-US"/>
+          </a:p>
+        </p:txBody>
+      </p:sp>
+      <p:sp>
+        <p:nvSpPr>
+          <p:cNvPr id="16" name="제목 1">
+            <a:extLst>
+              <a:ext uri="{FF2B5EF4-FFF2-40B4-BE49-F238E27FC236}">
+                <a16:creationId xmlns:a16="http://schemas.microsoft.com/office/drawing/2014/main" id="{BDA29DC2-EF5E-C65A-79ED-655F839AFE7F}"/>
+              </a:ext>
+            </a:extLst>
+          </p:cNvPr>
+          <p:cNvSpPr txBox="1">
+            <a:spLocks/>
+          </p:cNvSpPr>
+          <p:nvPr/>
+        </p:nvSpPr>
+        <p:spPr>
+          <a:xfrm>
+            <a:off x="8231795" y="117587"/>
+            <a:ext cx="3852410" cy="430526"/>
+          </a:xfrm>
+          <a:prstGeom prst="rect">
+            <a:avLst/>
+          </a:prstGeom>
+        </p:spPr>
+        <p:txBody>
+          <a:bodyPr vert="horz" lIns="91440" tIns="45720" rIns="91440" bIns="45720" rtlCol="0" anchor="ctr">
+            <a:noAutofit/>
+          </a:bodyPr>
+          <a:lstStyle>
+            <a:lvl1pPr algn="l" defTabSz="914400" rtl="0" eaLnBrk="1" latinLnBrk="1" hangingPunct="1">
+              <a:lnSpc>
+                <a:spcPct val="90000"/>
+              </a:lnSpc>
+              <a:spcBef>
+                <a:spcPct val="0"/>
+              </a:spcBef>
+              <a:buNone/>
+              <a:defRPr sz="4400" kern="1200">
+                <a:solidFill>
+                  <a:schemeClr val="tx1"/>
+                </a:solidFill>
+                <a:latin typeface="+mj-lt"/>
+                <a:ea typeface="+mj-ea"/>
+                <a:cs typeface="+mj-cs"/>
+              </a:defRPr>
+            </a:lvl1pPr>
+          </a:lstStyle>
+          <a:p>
+            <a:pPr algn="ctr"/>
+            <a:r>
+              <a:rPr lang="en-US" altLang="ko-KR" sz="1400" dirty="0">
+                <a:solidFill>
+                  <a:srgbClr val="D6DDF2"/>
+                </a:solidFill>
+              </a:rPr>
+              <a:t>3. A hybrid model approach for forecasting future residential electricity consumption</a:t>
+            </a:r>
+            <a:endParaRPr lang="ko-KR" altLang="en-US" sz="1400" dirty="0">
+              <a:solidFill>
+                <a:srgbClr val="D6DDF2"/>
+              </a:solidFill>
+            </a:endParaRPr>
+          </a:p>
+        </p:txBody>
+      </p:sp>
       <p:cxnSp>
         <p:nvCxnSpPr>
-          <p:cNvPr id="14" name="직선 연결선 13">
-            <a:extLst>
-              <a:ext uri="{FF2B5EF4-FFF2-40B4-BE49-F238E27FC236}">
-                <a16:creationId xmlns:a16="http://schemas.microsoft.com/office/drawing/2014/main" id="{03F592B8-8884-480D-8298-F2B88AA4644C}"/>
+          <p:cNvPr id="18" name="직선 연결선 17">
+            <a:extLst>
+              <a:ext uri="{FF2B5EF4-FFF2-40B4-BE49-F238E27FC236}">
+                <a16:creationId xmlns:a16="http://schemas.microsoft.com/office/drawing/2014/main" id="{BA4AF971-F701-1EC1-EADA-BBD05B6FAC56}"/>
               </a:ext>
             </a:extLst>
           </p:cNvPr>
@@ -8308,18 +10370,15 @@
         </p:nvCxnSpPr>
         <p:spPr>
           <a:xfrm>
-            <a:off x="539552" y="1187024"/>
-            <a:ext cx="11056703" cy="0"/>
+            <a:off x="399738" y="1121270"/>
+            <a:ext cx="11392524" cy="0"/>
           </a:xfrm>
           <a:prstGeom prst="line">
             <a:avLst/>
           </a:prstGeom>
-          <a:ln w="12700">
+          <a:ln w="19050">
             <a:solidFill>
-              <a:schemeClr val="tx1">
-                <a:lumMod val="75000"/>
-                <a:lumOff val="25000"/>
-              </a:schemeClr>
+              <a:srgbClr val="B6C3E8"/>
             </a:solidFill>
           </a:ln>
         </p:spPr>
@@ -8340,6 +10399,165 @@
       </p:cxnSp>
       <p:sp>
         <p:nvSpPr>
+          <p:cNvPr id="20" name="제목 1">
+            <a:extLst>
+              <a:ext uri="{FF2B5EF4-FFF2-40B4-BE49-F238E27FC236}">
+                <a16:creationId xmlns:a16="http://schemas.microsoft.com/office/drawing/2014/main" id="{A6E06E65-B05A-3B4A-C919-2387495A5059}"/>
+              </a:ext>
+            </a:extLst>
+          </p:cNvPr>
+          <p:cNvSpPr txBox="1">
+            <a:spLocks/>
+          </p:cNvSpPr>
+          <p:nvPr/>
+        </p:nvSpPr>
+        <p:spPr>
+          <a:xfrm>
+            <a:off x="474600" y="117587"/>
+            <a:ext cx="3094799" cy="430523"/>
+          </a:xfrm>
+          <a:prstGeom prst="rect">
+            <a:avLst/>
+          </a:prstGeom>
+        </p:spPr>
+        <p:txBody>
+          <a:bodyPr vert="horz" lIns="91440" tIns="45720" rIns="91440" bIns="45720" rtlCol="0" anchor="ctr">
+            <a:noAutofit/>
+          </a:bodyPr>
+          <a:lstStyle>
+            <a:lvl1pPr algn="l" defTabSz="914400" rtl="0" eaLnBrk="1" latinLnBrk="1" hangingPunct="1">
+              <a:lnSpc>
+                <a:spcPct val="90000"/>
+              </a:lnSpc>
+              <a:spcBef>
+                <a:spcPct val="0"/>
+              </a:spcBef>
+              <a:buNone/>
+              <a:defRPr sz="4400" kern="1200">
+                <a:solidFill>
+                  <a:schemeClr val="tx1"/>
+                </a:solidFill>
+                <a:latin typeface="+mj-lt"/>
+                <a:ea typeface="+mj-ea"/>
+                <a:cs typeface="+mj-cs"/>
+              </a:defRPr>
+            </a:lvl1pPr>
+          </a:lstStyle>
+          <a:p>
+            <a:pPr algn="ctr"/>
+            <a:r>
+              <a:rPr lang="en-US" altLang="ko-KR" sz="1400" dirty="0">
+                <a:solidFill>
+                  <a:srgbClr val="768FD4"/>
+                </a:solidFill>
+              </a:rPr>
+              <a:t>1. Prediction</a:t>
+            </a:r>
+            <a:r>
+              <a:rPr lang="ko-KR" altLang="en-US" sz="1400" dirty="0">
+                <a:solidFill>
+                  <a:srgbClr val="768FD4"/>
+                </a:solidFill>
+              </a:rPr>
+              <a:t> </a:t>
+            </a:r>
+            <a:r>
+              <a:rPr lang="en-US" altLang="ko-KR" sz="1400" dirty="0">
+                <a:solidFill>
+                  <a:srgbClr val="768FD4"/>
+                </a:solidFill>
+              </a:rPr>
+              <a:t>models for forecasting building energy consumption</a:t>
+            </a:r>
+            <a:endParaRPr lang="ko-KR" altLang="en-US" sz="1400" dirty="0">
+              <a:solidFill>
+                <a:srgbClr val="768FD4"/>
+              </a:solidFill>
+            </a:endParaRPr>
+          </a:p>
+        </p:txBody>
+      </p:sp>
+      <p:sp>
+        <p:nvSpPr>
+          <p:cNvPr id="21" name="TextBox 20">
+            <a:extLst>
+              <a:ext uri="{FF2B5EF4-FFF2-40B4-BE49-F238E27FC236}">
+                <a16:creationId xmlns:a16="http://schemas.microsoft.com/office/drawing/2014/main" id="{9710D3C5-6DC7-F2DA-6AEB-145327B10426}"/>
+              </a:ext>
+            </a:extLst>
+          </p:cNvPr>
+          <p:cNvSpPr txBox="1"/>
+          <p:nvPr/>
+        </p:nvSpPr>
+        <p:spPr>
+          <a:xfrm>
+            <a:off x="401234" y="626776"/>
+            <a:ext cx="3133703" cy="494494"/>
+          </a:xfrm>
+          <a:prstGeom prst="rect">
+            <a:avLst/>
+          </a:prstGeom>
+          <a:noFill/>
+          <a:ln w="44450" cap="rnd">
+            <a:noFill/>
+          </a:ln>
+        </p:spPr>
+        <p:txBody>
+          <a:bodyPr wrap="square" rtlCol="0">
+            <a:spAutoFit/>
+          </a:bodyPr>
+          <a:lstStyle/>
+          <a:p>
+            <a:pPr marL="342900" indent="-342900">
+              <a:lnSpc>
+                <a:spcPct val="150000"/>
+              </a:lnSpc>
+              <a:buFont typeface="Wingdings" panose="05000000000000000000" pitchFamily="2" charset="2"/>
+              <a:buChar char="v"/>
+            </a:pPr>
+            <a:r>
+              <a:rPr lang="en-US" altLang="ko-KR" sz="2000" b="1" dirty="0">
+                <a:solidFill>
+                  <a:srgbClr val="253A75"/>
+                </a:solidFill>
+              </a:rPr>
+              <a:t> Prediction models</a:t>
+            </a:r>
+          </a:p>
+        </p:txBody>
+      </p:sp>
+    </p:spTree>
+    <p:extLst>
+      <p:ext uri="{BB962C8B-B14F-4D97-AF65-F5344CB8AC3E}">
+        <p14:creationId xmlns:p14="http://schemas.microsoft.com/office/powerpoint/2010/main" val="1463399039"/>
+      </p:ext>
+    </p:extLst>
+  </p:cSld>
+  <p:clrMapOvr>
+    <a:masterClrMapping/>
+  </p:clrMapOvr>
+</p:sld>
+</file>
+
+<file path=ppt/slides/slide5.xml><?xml version="1.0" encoding="utf-8"?>
+<p:sld xmlns:a="http://schemas.openxmlformats.org/drawingml/2006/main" xmlns:r="http://schemas.openxmlformats.org/officeDocument/2006/relationships" xmlns:p="http://schemas.openxmlformats.org/presentationml/2006/main">
+  <p:cSld>
+    <p:spTree>
+      <p:nvGrpSpPr>
+        <p:cNvPr id="1" name=""/>
+        <p:cNvGrpSpPr/>
+        <p:nvPr/>
+      </p:nvGrpSpPr>
+      <p:grpSpPr>
+        <a:xfrm>
+          <a:off x="0" y="0"/>
+          <a:ext cx="0" cy="0"/>
+          <a:chOff x="0" y="0"/>
+          <a:chExt cx="0" cy="0"/>
+        </a:xfrm>
+      </p:grpSpPr>
+      <p:sp>
+        <p:nvSpPr>
           <p:cNvPr id="6" name="TextBox 5">
             <a:extLst>
               <a:ext uri="{FF2B5EF4-FFF2-40B4-BE49-F238E27FC236}">
@@ -8397,7 +10615,7 @@
             </a:avLst>
           </a:prstGeom>
           <a:solidFill>
-            <a:srgbClr val="FFF2CC">
+            <a:srgbClr val="D6DDF2">
               <a:alpha val="50196"/>
             </a:srgbClr>
           </a:solidFill>
@@ -8751,10 +10969,442 @@
       </p:pic>
       <p:sp>
         <p:nvSpPr>
-          <p:cNvPr id="10" name="TextBox 9">
-            <a:extLst>
-              <a:ext uri="{FF2B5EF4-FFF2-40B4-BE49-F238E27FC236}">
-                <a16:creationId xmlns:a16="http://schemas.microsoft.com/office/drawing/2014/main" id="{A36E7FF7-A047-6F13-C0A2-760F0BB12025}"/>
+          <p:cNvPr id="9" name="제목 1">
+            <a:extLst>
+              <a:ext uri="{FF2B5EF4-FFF2-40B4-BE49-F238E27FC236}">
+                <a16:creationId xmlns:a16="http://schemas.microsoft.com/office/drawing/2014/main" id="{9EB69937-A99C-D9DB-B843-A3B386FE802B}"/>
+              </a:ext>
+            </a:extLst>
+          </p:cNvPr>
+          <p:cNvSpPr txBox="1">
+            <a:spLocks/>
+          </p:cNvSpPr>
+          <p:nvPr/>
+        </p:nvSpPr>
+        <p:spPr>
+          <a:xfrm>
+            <a:off x="3853974" y="117587"/>
+            <a:ext cx="4554046" cy="430526"/>
+          </a:xfrm>
+          <a:prstGeom prst="rect">
+            <a:avLst/>
+          </a:prstGeom>
+        </p:spPr>
+        <p:txBody>
+          <a:bodyPr vert="horz" lIns="91440" tIns="45720" rIns="91440" bIns="45720" rtlCol="0" anchor="ctr">
+            <a:noAutofit/>
+          </a:bodyPr>
+          <a:lstStyle>
+            <a:lvl1pPr algn="l" defTabSz="914400" rtl="0" eaLnBrk="1" latinLnBrk="1" hangingPunct="1">
+              <a:lnSpc>
+                <a:spcPct val="90000"/>
+              </a:lnSpc>
+              <a:spcBef>
+                <a:spcPct val="0"/>
+              </a:spcBef>
+              <a:buNone/>
+              <a:defRPr sz="4400" kern="1200">
+                <a:solidFill>
+                  <a:schemeClr val="tx1"/>
+                </a:solidFill>
+                <a:latin typeface="+mj-lt"/>
+                <a:ea typeface="+mj-ea"/>
+                <a:cs typeface="+mj-cs"/>
+              </a:defRPr>
+            </a:lvl1pPr>
+          </a:lstStyle>
+          <a:p>
+            <a:pPr algn="ctr"/>
+            <a:r>
+              <a:rPr lang="en-US" altLang="ko-KR" sz="1400">
+                <a:solidFill>
+                  <a:srgbClr val="D6DDF2"/>
+                </a:solidFill>
+              </a:rPr>
+              <a:t>2. Artificial neural network model for forecasting </a:t>
+            </a:r>
+            <a:br>
+              <a:rPr lang="en-US" altLang="ko-KR" sz="1400">
+                <a:solidFill>
+                  <a:srgbClr val="D6DDF2"/>
+                </a:solidFill>
+              </a:rPr>
+            </a:br>
+            <a:r>
+              <a:rPr lang="en-US" altLang="ko-KR" sz="1400">
+                <a:solidFill>
+                  <a:srgbClr val="D6DDF2"/>
+                </a:solidFill>
+              </a:rPr>
+              <a:t>sub-hourly electricity usage in Commercial buildings</a:t>
+            </a:r>
+            <a:endParaRPr lang="ko-KR" altLang="en-US" sz="1400" dirty="0">
+              <a:solidFill>
+                <a:srgbClr val="D6DDF2"/>
+              </a:solidFill>
+            </a:endParaRPr>
+          </a:p>
+        </p:txBody>
+      </p:sp>
+      <p:sp>
+        <p:nvSpPr>
+          <p:cNvPr id="13" name="직사각형 12">
+            <a:extLst>
+              <a:ext uri="{FF2B5EF4-FFF2-40B4-BE49-F238E27FC236}">
+                <a16:creationId xmlns:a16="http://schemas.microsoft.com/office/drawing/2014/main" id="{9870717B-1805-2E05-8766-E4C48792A38F}"/>
+              </a:ext>
+            </a:extLst>
+          </p:cNvPr>
+          <p:cNvSpPr/>
+          <p:nvPr/>
+        </p:nvSpPr>
+        <p:spPr>
+          <a:xfrm>
+            <a:off x="-12000" y="-25580"/>
+            <a:ext cx="4068000" cy="88175"/>
+          </a:xfrm>
+          <a:prstGeom prst="rect">
+            <a:avLst/>
+          </a:prstGeom>
+          <a:solidFill>
+            <a:srgbClr val="768FD4">
+              <a:alpha val="80000"/>
+            </a:srgbClr>
+          </a:solidFill>
+          <a:ln>
+            <a:noFill/>
+          </a:ln>
+        </p:spPr>
+        <p:style>
+          <a:lnRef idx="2">
+            <a:schemeClr val="accent1">
+              <a:shade val="50000"/>
+            </a:schemeClr>
+          </a:lnRef>
+          <a:fillRef idx="1">
+            <a:schemeClr val="accent1"/>
+          </a:fillRef>
+          <a:effectRef idx="0">
+            <a:schemeClr val="accent1"/>
+          </a:effectRef>
+          <a:fontRef idx="minor">
+            <a:schemeClr val="lt1"/>
+          </a:fontRef>
+        </p:style>
+        <p:txBody>
+          <a:bodyPr rtlCol="0" anchor="ctr"/>
+          <a:lstStyle/>
+          <a:p>
+            <a:pPr algn="ctr"/>
+            <a:endParaRPr lang="ko-KR" altLang="en-US">
+              <a:solidFill>
+                <a:srgbClr val="768FD4"/>
+              </a:solidFill>
+            </a:endParaRPr>
+          </a:p>
+        </p:txBody>
+      </p:sp>
+      <p:sp>
+        <p:nvSpPr>
+          <p:cNvPr id="15" name="직사각형 14">
+            <a:extLst>
+              <a:ext uri="{FF2B5EF4-FFF2-40B4-BE49-F238E27FC236}">
+                <a16:creationId xmlns:a16="http://schemas.microsoft.com/office/drawing/2014/main" id="{09BA262E-CA9C-2315-ED84-F6181294F965}"/>
+              </a:ext>
+            </a:extLst>
+          </p:cNvPr>
+          <p:cNvSpPr/>
+          <p:nvPr/>
+        </p:nvSpPr>
+        <p:spPr>
+          <a:xfrm>
+            <a:off x="4056000" y="-25581"/>
+            <a:ext cx="4068000" cy="88175"/>
+          </a:xfrm>
+          <a:prstGeom prst="rect">
+            <a:avLst/>
+          </a:prstGeom>
+          <a:solidFill>
+            <a:srgbClr val="D6DDF2">
+              <a:alpha val="80000"/>
+            </a:srgbClr>
+          </a:solidFill>
+          <a:ln>
+            <a:noFill/>
+          </a:ln>
+        </p:spPr>
+        <p:style>
+          <a:lnRef idx="2">
+            <a:schemeClr val="accent1">
+              <a:shade val="50000"/>
+            </a:schemeClr>
+          </a:lnRef>
+          <a:fillRef idx="1">
+            <a:schemeClr val="accent1"/>
+          </a:fillRef>
+          <a:effectRef idx="0">
+            <a:schemeClr val="accent1"/>
+          </a:effectRef>
+          <a:fontRef idx="minor">
+            <a:schemeClr val="lt1"/>
+          </a:fontRef>
+        </p:style>
+        <p:txBody>
+          <a:bodyPr rtlCol="0" anchor="ctr"/>
+          <a:lstStyle/>
+          <a:p>
+            <a:pPr algn="ctr"/>
+            <a:endParaRPr lang="ko-KR" altLang="en-US"/>
+          </a:p>
+        </p:txBody>
+      </p:sp>
+      <p:sp>
+        <p:nvSpPr>
+          <p:cNvPr id="16" name="직사각형 15">
+            <a:extLst>
+              <a:ext uri="{FF2B5EF4-FFF2-40B4-BE49-F238E27FC236}">
+                <a16:creationId xmlns:a16="http://schemas.microsoft.com/office/drawing/2014/main" id="{6FF22B07-0FFF-2E84-F328-E7DF7B83287B}"/>
+              </a:ext>
+            </a:extLst>
+          </p:cNvPr>
+          <p:cNvSpPr/>
+          <p:nvPr/>
+        </p:nvSpPr>
+        <p:spPr>
+          <a:xfrm>
+            <a:off x="8124000" y="-24532"/>
+            <a:ext cx="4068000" cy="88175"/>
+          </a:xfrm>
+          <a:prstGeom prst="rect">
+            <a:avLst/>
+          </a:prstGeom>
+          <a:solidFill>
+            <a:srgbClr val="D6DDF2">
+              <a:alpha val="80000"/>
+            </a:srgbClr>
+          </a:solidFill>
+          <a:ln>
+            <a:noFill/>
+          </a:ln>
+        </p:spPr>
+        <p:style>
+          <a:lnRef idx="2">
+            <a:schemeClr val="accent1">
+              <a:shade val="50000"/>
+            </a:schemeClr>
+          </a:lnRef>
+          <a:fillRef idx="1">
+            <a:schemeClr val="accent1"/>
+          </a:fillRef>
+          <a:effectRef idx="0">
+            <a:schemeClr val="accent1"/>
+          </a:effectRef>
+          <a:fontRef idx="minor">
+            <a:schemeClr val="lt1"/>
+          </a:fontRef>
+        </p:style>
+        <p:txBody>
+          <a:bodyPr rtlCol="0" anchor="ctr"/>
+          <a:lstStyle/>
+          <a:p>
+            <a:pPr algn="ctr"/>
+            <a:endParaRPr lang="ko-KR" altLang="en-US"/>
+          </a:p>
+        </p:txBody>
+      </p:sp>
+      <p:sp>
+        <p:nvSpPr>
+          <p:cNvPr id="17" name="제목 1">
+            <a:extLst>
+              <a:ext uri="{FF2B5EF4-FFF2-40B4-BE49-F238E27FC236}">
+                <a16:creationId xmlns:a16="http://schemas.microsoft.com/office/drawing/2014/main" id="{B6F63120-1DA0-F169-E015-165B7401B063}"/>
+              </a:ext>
+            </a:extLst>
+          </p:cNvPr>
+          <p:cNvSpPr txBox="1">
+            <a:spLocks/>
+          </p:cNvSpPr>
+          <p:nvPr/>
+        </p:nvSpPr>
+        <p:spPr>
+          <a:xfrm>
+            <a:off x="8231795" y="117587"/>
+            <a:ext cx="3852410" cy="430526"/>
+          </a:xfrm>
+          <a:prstGeom prst="rect">
+            <a:avLst/>
+          </a:prstGeom>
+        </p:spPr>
+        <p:txBody>
+          <a:bodyPr vert="horz" lIns="91440" tIns="45720" rIns="91440" bIns="45720" rtlCol="0" anchor="ctr">
+            <a:noAutofit/>
+          </a:bodyPr>
+          <a:lstStyle>
+            <a:lvl1pPr algn="l" defTabSz="914400" rtl="0" eaLnBrk="1" latinLnBrk="1" hangingPunct="1">
+              <a:lnSpc>
+                <a:spcPct val="90000"/>
+              </a:lnSpc>
+              <a:spcBef>
+                <a:spcPct val="0"/>
+              </a:spcBef>
+              <a:buNone/>
+              <a:defRPr sz="4400" kern="1200">
+                <a:solidFill>
+                  <a:schemeClr val="tx1"/>
+                </a:solidFill>
+                <a:latin typeface="+mj-lt"/>
+                <a:ea typeface="+mj-ea"/>
+                <a:cs typeface="+mj-cs"/>
+              </a:defRPr>
+            </a:lvl1pPr>
+          </a:lstStyle>
+          <a:p>
+            <a:pPr algn="ctr"/>
+            <a:r>
+              <a:rPr lang="en-US" altLang="ko-KR" sz="1400" dirty="0">
+                <a:solidFill>
+                  <a:srgbClr val="D6DDF2"/>
+                </a:solidFill>
+              </a:rPr>
+              <a:t>3. A hybrid model approach for forecasting future residential electricity consumption</a:t>
+            </a:r>
+            <a:endParaRPr lang="ko-KR" altLang="en-US" sz="1400" dirty="0">
+              <a:solidFill>
+                <a:srgbClr val="D6DDF2"/>
+              </a:solidFill>
+            </a:endParaRPr>
+          </a:p>
+        </p:txBody>
+      </p:sp>
+      <p:cxnSp>
+        <p:nvCxnSpPr>
+          <p:cNvPr id="19" name="직선 연결선 18">
+            <a:extLst>
+              <a:ext uri="{FF2B5EF4-FFF2-40B4-BE49-F238E27FC236}">
+                <a16:creationId xmlns:a16="http://schemas.microsoft.com/office/drawing/2014/main" id="{28F79DC6-5632-D6BF-CEB2-89188E51B9D2}"/>
+              </a:ext>
+            </a:extLst>
+          </p:cNvPr>
+          <p:cNvCxnSpPr>
+            <a:cxnSpLocks/>
+          </p:cNvCxnSpPr>
+          <p:nvPr/>
+        </p:nvCxnSpPr>
+        <p:spPr>
+          <a:xfrm>
+            <a:off x="399738" y="1121270"/>
+            <a:ext cx="11392524" cy="0"/>
+          </a:xfrm>
+          <a:prstGeom prst="line">
+            <a:avLst/>
+          </a:prstGeom>
+          <a:ln w="19050">
+            <a:solidFill>
+              <a:srgbClr val="B6C3E8"/>
+            </a:solidFill>
+          </a:ln>
+        </p:spPr>
+        <p:style>
+          <a:lnRef idx="1">
+            <a:schemeClr val="accent1"/>
+          </a:lnRef>
+          <a:fillRef idx="0">
+            <a:schemeClr val="accent1"/>
+          </a:fillRef>
+          <a:effectRef idx="0">
+            <a:schemeClr val="accent1"/>
+          </a:effectRef>
+          <a:fontRef idx="minor">
+            <a:schemeClr val="tx1"/>
+          </a:fontRef>
+        </p:style>
+      </p:cxnSp>
+      <p:sp>
+        <p:nvSpPr>
+          <p:cNvPr id="21" name="제목 1">
+            <a:extLst>
+              <a:ext uri="{FF2B5EF4-FFF2-40B4-BE49-F238E27FC236}">
+                <a16:creationId xmlns:a16="http://schemas.microsoft.com/office/drawing/2014/main" id="{3D413687-F9F2-3C37-CD46-3920423AD9DE}"/>
+              </a:ext>
+            </a:extLst>
+          </p:cNvPr>
+          <p:cNvSpPr txBox="1">
+            <a:spLocks/>
+          </p:cNvSpPr>
+          <p:nvPr/>
+        </p:nvSpPr>
+        <p:spPr>
+          <a:xfrm>
+            <a:off x="474600" y="117587"/>
+            <a:ext cx="3094799" cy="430523"/>
+          </a:xfrm>
+          <a:prstGeom prst="rect">
+            <a:avLst/>
+          </a:prstGeom>
+        </p:spPr>
+        <p:txBody>
+          <a:bodyPr vert="horz" lIns="91440" tIns="45720" rIns="91440" bIns="45720" rtlCol="0" anchor="ctr">
+            <a:noAutofit/>
+          </a:bodyPr>
+          <a:lstStyle>
+            <a:lvl1pPr algn="l" defTabSz="914400" rtl="0" eaLnBrk="1" latinLnBrk="1" hangingPunct="1">
+              <a:lnSpc>
+                <a:spcPct val="90000"/>
+              </a:lnSpc>
+              <a:spcBef>
+                <a:spcPct val="0"/>
+              </a:spcBef>
+              <a:buNone/>
+              <a:defRPr sz="4400" kern="1200">
+                <a:solidFill>
+                  <a:schemeClr val="tx1"/>
+                </a:solidFill>
+                <a:latin typeface="+mj-lt"/>
+                <a:ea typeface="+mj-ea"/>
+                <a:cs typeface="+mj-cs"/>
+              </a:defRPr>
+            </a:lvl1pPr>
+          </a:lstStyle>
+          <a:p>
+            <a:pPr algn="ctr"/>
+            <a:r>
+              <a:rPr lang="en-US" altLang="ko-KR" sz="1400" dirty="0">
+                <a:solidFill>
+                  <a:srgbClr val="768FD4"/>
+                </a:solidFill>
+              </a:rPr>
+              <a:t>1. Prediction</a:t>
+            </a:r>
+            <a:r>
+              <a:rPr lang="ko-KR" altLang="en-US" sz="1400" dirty="0">
+                <a:solidFill>
+                  <a:srgbClr val="768FD4"/>
+                </a:solidFill>
+              </a:rPr>
+              <a:t> </a:t>
+            </a:r>
+            <a:r>
+              <a:rPr lang="en-US" altLang="ko-KR" sz="1400" dirty="0">
+                <a:solidFill>
+                  <a:srgbClr val="768FD4"/>
+                </a:solidFill>
+              </a:rPr>
+              <a:t>models for forecasting building energy consumption</a:t>
+            </a:r>
+            <a:endParaRPr lang="ko-KR" altLang="en-US" sz="1400" dirty="0">
+              <a:solidFill>
+                <a:srgbClr val="768FD4"/>
+              </a:solidFill>
+            </a:endParaRPr>
+          </a:p>
+        </p:txBody>
+      </p:sp>
+      <p:sp>
+        <p:nvSpPr>
+          <p:cNvPr id="22" name="TextBox 21">
+            <a:extLst>
+              <a:ext uri="{FF2B5EF4-FFF2-40B4-BE49-F238E27FC236}">
+                <a16:creationId xmlns:a16="http://schemas.microsoft.com/office/drawing/2014/main" id="{5C5EB2E4-5A7A-1762-309B-49CB943852C9}"/>
               </a:ext>
             </a:extLst>
           </p:cNvPr>
@@ -8763,17 +11413,16 @@
         </p:nvSpPr>
         <p:spPr>
           <a:xfrm>
-            <a:off x="567647" y="683332"/>
-            <a:ext cx="11056703" cy="461665"/>
+            <a:off x="401234" y="626776"/>
+            <a:ext cx="3133703" cy="494494"/>
           </a:xfrm>
           <a:prstGeom prst="rect">
             <a:avLst/>
           </a:prstGeom>
           <a:noFill/>
-          <a:scene3d>
-            <a:camera prst="obliqueTopLeft"/>
-            <a:lightRig rig="threePt" dir="t"/>
-          </a:scene3d>
+          <a:ln w="44450" cap="rnd">
+            <a:noFill/>
+          </a:ln>
         </p:spPr>
         <p:txBody>
           <a:bodyPr wrap="square" rtlCol="0">
@@ -8782,38 +11431,20 @@
           <a:lstStyle/>
           <a:p>
             <a:pPr marL="342900" indent="-342900">
+              <a:lnSpc>
+                <a:spcPct val="150000"/>
+              </a:lnSpc>
               <a:buFont typeface="Wingdings" panose="05000000000000000000" pitchFamily="2" charset="2"/>
               <a:buChar char="v"/>
             </a:pPr>
             <a:r>
-              <a:rPr lang="en-US" altLang="ko-KR" sz="2400" b="1" dirty="0">
-                <a:latin typeface="+mj-ea"/>
-                <a:ea typeface="+mj-ea"/>
-                <a:cs typeface="조선일보명조" pitchFamily="18" charset="-127"/>
-              </a:rPr>
-              <a:t>Prediction</a:t>
-            </a:r>
-            <a:r>
-              <a:rPr lang="ko-KR" altLang="en-US" sz="2400" b="1" dirty="0">
-                <a:latin typeface="+mj-ea"/>
-                <a:ea typeface="+mj-ea"/>
-                <a:cs typeface="조선일보명조" pitchFamily="18" charset="-127"/>
-              </a:rPr>
-              <a:t> </a:t>
-            </a:r>
-            <a:r>
-              <a:rPr lang="en-US" altLang="ko-KR" sz="2400" b="1" dirty="0">
-                <a:latin typeface="+mj-ea"/>
-                <a:ea typeface="+mj-ea"/>
-                <a:cs typeface="조선일보명조" pitchFamily="18" charset="-127"/>
-              </a:rPr>
-              <a:t>models</a:t>
-            </a:r>
-            <a:endParaRPr lang="ko-KR" altLang="en-US" sz="1600" b="1" dirty="0">
-              <a:latin typeface="+mj-ea"/>
-              <a:ea typeface="+mj-ea"/>
-              <a:cs typeface="조선일보명조" pitchFamily="18" charset="-127"/>
-            </a:endParaRPr>
+              <a:rPr lang="en-US" altLang="ko-KR" sz="2000" b="1" dirty="0">
+                <a:solidFill>
+                  <a:srgbClr val="253A75"/>
+                </a:solidFill>
+              </a:rPr>
+              <a:t> Prediction models</a:t>
+            </a:r>
           </a:p>
         </p:txBody>
       </p:sp>
@@ -8821,271 +11452,6 @@
     <p:extLst>
       <p:ext uri="{BB962C8B-B14F-4D97-AF65-F5344CB8AC3E}">
         <p14:creationId xmlns:p14="http://schemas.microsoft.com/office/powerpoint/2010/main" val="197451739"/>
-      </p:ext>
-    </p:extLst>
-  </p:cSld>
-  <p:clrMapOvr>
-    <a:masterClrMapping/>
-  </p:clrMapOvr>
-</p:sld>
-</file>
-
-<file path=ppt/slides/slide5.xml><?xml version="1.0" encoding="utf-8"?>
-<p:sld xmlns:a="http://schemas.openxmlformats.org/drawingml/2006/main" xmlns:r="http://schemas.openxmlformats.org/officeDocument/2006/relationships" xmlns:p="http://schemas.openxmlformats.org/presentationml/2006/main">
-  <p:cSld>
-    <p:spTree>
-      <p:nvGrpSpPr>
-        <p:cNvPr id="1" name=""/>
-        <p:cNvGrpSpPr/>
-        <p:nvPr/>
-      </p:nvGrpSpPr>
-      <p:grpSpPr>
-        <a:xfrm>
-          <a:off x="0" y="0"/>
-          <a:ext cx="0" cy="0"/>
-          <a:chOff x="0" y="0"/>
-          <a:chExt cx="0" cy="0"/>
-        </a:xfrm>
-      </p:grpSpPr>
-      <p:sp>
-        <p:nvSpPr>
-          <p:cNvPr id="6" name="제목 1">
-            <a:extLst>
-              <a:ext uri="{FF2B5EF4-FFF2-40B4-BE49-F238E27FC236}">
-                <a16:creationId xmlns:a16="http://schemas.microsoft.com/office/drawing/2014/main" id="{96694782-0979-24D0-4D63-4DACB413C8D6}"/>
-              </a:ext>
-            </a:extLst>
-          </p:cNvPr>
-          <p:cNvSpPr>
-            <a:spLocks noGrp="1"/>
-          </p:cNvSpPr>
-          <p:nvPr>
-            <p:ph type="ctrTitle"/>
-          </p:nvPr>
-        </p:nvSpPr>
-        <p:spPr>
-          <a:xfrm>
-            <a:off x="2114548" y="2142698"/>
-            <a:ext cx="7962901" cy="2046550"/>
-          </a:xfrm>
-          <a:ln w="38100">
-            <a:solidFill>
-              <a:srgbClr val="B6C3E8">
-                <a:alpha val="60000"/>
-              </a:srgbClr>
-            </a:solidFill>
-          </a:ln>
-        </p:spPr>
-        <p:txBody>
-          <a:bodyPr anchor="ctr">
-            <a:normAutofit/>
-          </a:bodyPr>
-          <a:lstStyle/>
-          <a:p>
-            <a:pPr>
-              <a:lnSpc>
-                <a:spcPct val="100000"/>
-              </a:lnSpc>
-            </a:pPr>
-            <a:r>
-              <a:rPr lang="en-US" altLang="ko-KR" sz="2800" b="1" dirty="0">
-                <a:solidFill>
-                  <a:srgbClr val="768FD4"/>
-                </a:solidFill>
-                <a:latin typeface="Microsoft GothicNeo" panose="020B0500000101010101" pitchFamily="50" charset="-127"/>
-                <a:ea typeface="Microsoft GothicNeo" panose="020B0500000101010101" pitchFamily="50" charset="-127"/>
-                <a:cs typeface="Microsoft GothicNeo" panose="020B0500000101010101" pitchFamily="50" charset="-127"/>
-              </a:rPr>
-              <a:t>Artificial neural network </a:t>
-            </a:r>
-            <a:r>
-              <a:rPr lang="en-US" altLang="ko-KR" sz="2800" b="1" dirty="0">
-                <a:latin typeface="Microsoft GothicNeo" panose="020B0500000101010101" pitchFamily="50" charset="-127"/>
-                <a:ea typeface="Microsoft GothicNeo" panose="020B0500000101010101" pitchFamily="50" charset="-127"/>
-                <a:cs typeface="Microsoft GothicNeo" panose="020B0500000101010101" pitchFamily="50" charset="-127"/>
-              </a:rPr>
-              <a:t>model for</a:t>
-            </a:r>
-            <a:br>
-              <a:rPr lang="en-US" altLang="ko-KR" sz="2800" b="1" dirty="0">
-                <a:latin typeface="Microsoft GothicNeo" panose="020B0500000101010101" pitchFamily="50" charset="-127"/>
-                <a:ea typeface="Microsoft GothicNeo" panose="020B0500000101010101" pitchFamily="50" charset="-127"/>
-                <a:cs typeface="Microsoft GothicNeo" panose="020B0500000101010101" pitchFamily="50" charset="-127"/>
-              </a:rPr>
-            </a:br>
-            <a:r>
-              <a:rPr lang="en-US" altLang="ko-KR" sz="2800" b="1" dirty="0">
-                <a:latin typeface="Microsoft GothicNeo" panose="020B0500000101010101" pitchFamily="50" charset="-127"/>
-                <a:ea typeface="Microsoft GothicNeo" panose="020B0500000101010101" pitchFamily="50" charset="-127"/>
-                <a:cs typeface="Microsoft GothicNeo" panose="020B0500000101010101" pitchFamily="50" charset="-127"/>
-              </a:rPr>
-              <a:t>forecasting </a:t>
-            </a:r>
-            <a:r>
-              <a:rPr lang="en-US" altLang="ko-KR" sz="2800" b="1" dirty="0">
-                <a:solidFill>
-                  <a:srgbClr val="768FD4"/>
-                </a:solidFill>
-                <a:latin typeface="Microsoft GothicNeo" panose="020B0500000101010101" pitchFamily="50" charset="-127"/>
-                <a:ea typeface="Microsoft GothicNeo" panose="020B0500000101010101" pitchFamily="50" charset="-127"/>
-                <a:cs typeface="Microsoft GothicNeo" panose="020B0500000101010101" pitchFamily="50" charset="-127"/>
-              </a:rPr>
-              <a:t>sub-hourly</a:t>
-            </a:r>
-            <a:r>
-              <a:rPr lang="en-US" altLang="ko-KR" sz="2800" b="1" dirty="0">
-                <a:latin typeface="Microsoft GothicNeo" panose="020B0500000101010101" pitchFamily="50" charset="-127"/>
-                <a:ea typeface="Microsoft GothicNeo" panose="020B0500000101010101" pitchFamily="50" charset="-127"/>
-                <a:cs typeface="Microsoft GothicNeo" panose="020B0500000101010101" pitchFamily="50" charset="-127"/>
-              </a:rPr>
-              <a:t> electricity usage </a:t>
-            </a:r>
-            <a:br>
-              <a:rPr lang="en-US" altLang="ko-KR" sz="2800" b="1" dirty="0">
-                <a:latin typeface="Microsoft GothicNeo" panose="020B0500000101010101" pitchFamily="50" charset="-127"/>
-                <a:ea typeface="Microsoft GothicNeo" panose="020B0500000101010101" pitchFamily="50" charset="-127"/>
-                <a:cs typeface="Microsoft GothicNeo" panose="020B0500000101010101" pitchFamily="50" charset="-127"/>
-              </a:rPr>
-            </a:br>
-            <a:r>
-              <a:rPr lang="en-US" altLang="ko-KR" sz="2800" b="1" dirty="0">
-                <a:latin typeface="Microsoft GothicNeo" panose="020B0500000101010101" pitchFamily="50" charset="-127"/>
-                <a:ea typeface="Microsoft GothicNeo" panose="020B0500000101010101" pitchFamily="50" charset="-127"/>
-                <a:cs typeface="Microsoft GothicNeo" panose="020B0500000101010101" pitchFamily="50" charset="-127"/>
-              </a:rPr>
-              <a:t>in Commercial buildings.</a:t>
-            </a:r>
-          </a:p>
-        </p:txBody>
-      </p:sp>
-      <p:sp>
-        <p:nvSpPr>
-          <p:cNvPr id="4" name="TextBox 3">
-            <a:extLst>
-              <a:ext uri="{FF2B5EF4-FFF2-40B4-BE49-F238E27FC236}">
-                <a16:creationId xmlns:a16="http://schemas.microsoft.com/office/drawing/2014/main" id="{5E2F97AE-2941-00DB-053C-2FC53EA618EF}"/>
-              </a:ext>
-            </a:extLst>
-          </p:cNvPr>
-          <p:cNvSpPr txBox="1"/>
-          <p:nvPr/>
-        </p:nvSpPr>
-        <p:spPr>
-          <a:xfrm>
-            <a:off x="3832562" y="4302701"/>
-            <a:ext cx="4526874" cy="646331"/>
-          </a:xfrm>
-          <a:prstGeom prst="rect">
-            <a:avLst/>
-          </a:prstGeom>
-          <a:noFill/>
-        </p:spPr>
-        <p:txBody>
-          <a:bodyPr wrap="square">
-            <a:spAutoFit/>
-          </a:bodyPr>
-          <a:lstStyle/>
-          <a:p>
-            <a:pPr algn="ctr"/>
-            <a:r>
-              <a:rPr lang="en-US" altLang="ko-KR" b="0" i="0" dirty="0">
-                <a:solidFill>
-                  <a:schemeClr val="bg1">
-                    <a:lumMod val="50000"/>
-                  </a:schemeClr>
-                </a:solidFill>
-                <a:effectLst/>
-                <a:latin typeface="+mj-lt"/>
-              </a:rPr>
-              <a:t>Chae YT, </a:t>
-            </a:r>
-            <a:r>
-              <a:rPr lang="en-US" altLang="ko-KR" b="0" i="0" dirty="0" err="1">
-                <a:solidFill>
-                  <a:schemeClr val="bg1">
-                    <a:lumMod val="50000"/>
-                  </a:schemeClr>
-                </a:solidFill>
-                <a:effectLst/>
-                <a:latin typeface="+mj-lt"/>
-              </a:rPr>
-              <a:t>Horesh</a:t>
-            </a:r>
-            <a:r>
-              <a:rPr lang="en-US" altLang="ko-KR" b="0" i="0" dirty="0">
-                <a:solidFill>
-                  <a:schemeClr val="bg1">
-                    <a:lumMod val="50000"/>
-                  </a:schemeClr>
-                </a:solidFill>
-                <a:effectLst/>
-                <a:latin typeface="+mj-lt"/>
-              </a:rPr>
-              <a:t> R, Hwang Y, Lee YM. </a:t>
-            </a:r>
-          </a:p>
-          <a:p>
-            <a:pPr algn="ctr"/>
-            <a:r>
-              <a:rPr lang="ko-KR" altLang="en-US" dirty="0">
-                <a:solidFill>
-                  <a:schemeClr val="bg1">
-                    <a:lumMod val="50000"/>
-                  </a:schemeClr>
-                </a:solidFill>
-                <a:latin typeface="+mj-lt"/>
-              </a:rPr>
-              <a:t>Energy </a:t>
-            </a:r>
-            <a:r>
-              <a:rPr lang="ko-KR" altLang="en-US" dirty="0" err="1">
-                <a:solidFill>
-                  <a:schemeClr val="bg1">
-                    <a:lumMod val="50000"/>
-                  </a:schemeClr>
-                </a:solidFill>
-                <a:latin typeface="+mj-lt"/>
-              </a:rPr>
-              <a:t>Build</a:t>
-            </a:r>
-            <a:r>
-              <a:rPr lang="ko-KR" altLang="en-US" dirty="0">
-                <a:solidFill>
-                  <a:schemeClr val="bg1">
-                    <a:lumMod val="50000"/>
-                  </a:schemeClr>
-                </a:solidFill>
-                <a:latin typeface="+mj-lt"/>
-              </a:rPr>
-              <a:t> 2016;111:184–94</a:t>
-            </a:r>
-            <a:r>
-              <a:rPr lang="en-US" altLang="ko-KR" b="0" i="0" dirty="0">
-                <a:solidFill>
-                  <a:schemeClr val="bg1">
-                    <a:lumMod val="50000"/>
-                  </a:schemeClr>
-                </a:solidFill>
-                <a:effectLst/>
-                <a:latin typeface="+mj-lt"/>
-              </a:rPr>
-              <a:t>.</a:t>
-            </a:r>
-            <a:endParaRPr lang="ko-KR" altLang="en-US" dirty="0">
-              <a:solidFill>
-                <a:schemeClr val="bg1">
-                  <a:lumMod val="50000"/>
-                </a:schemeClr>
-              </a:solidFill>
-              <a:latin typeface="+mj-lt"/>
-            </a:endParaRPr>
-          </a:p>
-        </p:txBody>
-      </p:sp>
-    </p:spTree>
-    <p:extLst>
-      <p:ext uri="{BB962C8B-B14F-4D97-AF65-F5344CB8AC3E}">
-        <p14:creationId xmlns:p14="http://schemas.microsoft.com/office/powerpoint/2010/main" val="130366447"/>
       </p:ext>
     </p:extLst>
   </p:cSld>
@@ -9112,58 +11478,12 @@
           <a:chExt cx="0" cy="0"/>
         </a:xfrm>
       </p:grpSpPr>
-      <p:cxnSp>
-        <p:nvCxnSpPr>
-          <p:cNvPr id="3" name="직선 연결선 2">
-            <a:extLst>
-              <a:ext uri="{FF2B5EF4-FFF2-40B4-BE49-F238E27FC236}">
-                <a16:creationId xmlns:a16="http://schemas.microsoft.com/office/drawing/2014/main" id="{DF13A569-CA4A-F583-26A7-EBE49AA065B2}"/>
-              </a:ext>
-            </a:extLst>
-          </p:cNvPr>
-          <p:cNvCxnSpPr>
-            <a:cxnSpLocks/>
-          </p:cNvCxnSpPr>
-          <p:nvPr/>
-        </p:nvCxnSpPr>
-        <p:spPr>
-          <a:xfrm>
-            <a:off x="539552" y="1187024"/>
-            <a:ext cx="11056703" cy="0"/>
-          </a:xfrm>
-          <a:prstGeom prst="line">
-            <a:avLst/>
-          </a:prstGeom>
-          <a:ln w="12700">
-            <a:solidFill>
-              <a:schemeClr val="tx1">
-                <a:lumMod val="75000"/>
-                <a:lumOff val="25000"/>
-              </a:schemeClr>
-            </a:solidFill>
-          </a:ln>
-        </p:spPr>
-        <p:style>
-          <a:lnRef idx="1">
-            <a:schemeClr val="accent1"/>
-          </a:lnRef>
-          <a:fillRef idx="0">
-            <a:schemeClr val="accent1"/>
-          </a:fillRef>
-          <a:effectRef idx="0">
-            <a:schemeClr val="accent1"/>
-          </a:effectRef>
-          <a:fontRef idx="minor">
-            <a:schemeClr val="tx1"/>
-          </a:fontRef>
-        </p:style>
-      </p:cxnSp>
-      <p:sp>
-        <p:nvSpPr>
-          <p:cNvPr id="9" name="제목 1">
-            <a:extLst>
-              <a:ext uri="{FF2B5EF4-FFF2-40B4-BE49-F238E27FC236}">
-                <a16:creationId xmlns:a16="http://schemas.microsoft.com/office/drawing/2014/main" id="{05596BCF-D308-A29D-49E5-1678F5F8F27E}"/>
+      <p:sp>
+        <p:nvSpPr>
+          <p:cNvPr id="6" name="제목 1">
+            <a:extLst>
+              <a:ext uri="{FF2B5EF4-FFF2-40B4-BE49-F238E27FC236}">
+                <a16:creationId xmlns:a16="http://schemas.microsoft.com/office/drawing/2014/main" id="{96694782-0979-24D0-4D63-4DACB413C8D6}"/>
               </a:ext>
             </a:extLst>
           </p:cNvPr>
@@ -9171,105 +11491,273 @@
             <a:spLocks noGrp="1"/>
           </p:cNvSpPr>
           <p:nvPr>
-            <p:ph type="title"/>
+            <p:ph type="ctrTitle"/>
           </p:nvPr>
         </p:nvSpPr>
         <p:spPr>
           <a:xfrm>
-            <a:off x="-14748" y="0"/>
-            <a:ext cx="11056703" cy="378207"/>
+            <a:off x="2114548" y="2142698"/>
+            <a:ext cx="7962901" cy="2046550"/>
           </a:xfrm>
+          <a:ln w="38100">
+            <a:solidFill>
+              <a:srgbClr val="B6C3E8">
+                <a:alpha val="60000"/>
+              </a:srgbClr>
+            </a:solidFill>
+          </a:ln>
         </p:spPr>
         <p:txBody>
-          <a:bodyPr>
-            <a:noAutofit/>
+          <a:bodyPr anchor="ctr">
+            <a:normAutofit/>
           </a:bodyPr>
           <a:lstStyle/>
           <a:p>
-            <a:pPr marL="285750" indent="-285750">
-              <a:buFont typeface="Wingdings" panose="05000000000000000000" pitchFamily="2" charset="2"/>
-              <a:buChar char="v"/>
+            <a:pPr>
+              <a:lnSpc>
+                <a:spcPct val="100000"/>
+              </a:lnSpc>
             </a:pPr>
             <a:r>
-              <a:rPr lang="en-US" altLang="ko-KR" sz="1600" dirty="0">
+              <a:rPr lang="en-US" altLang="ko-KR" sz="2800" b="1" dirty="0">
+                <a:solidFill>
+                  <a:srgbClr val="768FD4"/>
+                </a:solidFill>
+                <a:latin typeface="Microsoft GothicNeo" panose="020B0500000101010101" pitchFamily="50" charset="-127"/>
+                <a:ea typeface="Microsoft GothicNeo" panose="020B0500000101010101" pitchFamily="50" charset="-127"/>
+                <a:cs typeface="Microsoft GothicNeo" panose="020B0500000101010101" pitchFamily="50" charset="-127"/>
+              </a:rPr>
+              <a:t>2. Artificial neural network </a:t>
+            </a:r>
+            <a:r>
+              <a:rPr lang="en-US" altLang="ko-KR" sz="2800" b="1" dirty="0">
+                <a:latin typeface="Microsoft GothicNeo" panose="020B0500000101010101" pitchFamily="50" charset="-127"/>
+                <a:ea typeface="Microsoft GothicNeo" panose="020B0500000101010101" pitchFamily="50" charset="-127"/>
+                <a:cs typeface="Microsoft GothicNeo" panose="020B0500000101010101" pitchFamily="50" charset="-127"/>
+              </a:rPr>
+              <a:t>model for</a:t>
+            </a:r>
+            <a:br>
+              <a:rPr lang="en-US" altLang="ko-KR" sz="2800" b="1" dirty="0">
+                <a:latin typeface="Microsoft GothicNeo" panose="020B0500000101010101" pitchFamily="50" charset="-127"/>
+                <a:ea typeface="Microsoft GothicNeo" panose="020B0500000101010101" pitchFamily="50" charset="-127"/>
+                <a:cs typeface="Microsoft GothicNeo" panose="020B0500000101010101" pitchFamily="50" charset="-127"/>
+              </a:rPr>
+            </a:br>
+            <a:r>
+              <a:rPr lang="en-US" altLang="ko-KR" sz="2800" b="1" dirty="0">
+                <a:latin typeface="Microsoft GothicNeo" panose="020B0500000101010101" pitchFamily="50" charset="-127"/>
+                <a:ea typeface="Microsoft GothicNeo" panose="020B0500000101010101" pitchFamily="50" charset="-127"/>
+                <a:cs typeface="Microsoft GothicNeo" panose="020B0500000101010101" pitchFamily="50" charset="-127"/>
+              </a:rPr>
+              <a:t>forecasting </a:t>
+            </a:r>
+            <a:r>
+              <a:rPr lang="en-US" altLang="ko-KR" sz="2800" b="1" dirty="0">
+                <a:solidFill>
+                  <a:srgbClr val="768FD4"/>
+                </a:solidFill>
+                <a:latin typeface="Microsoft GothicNeo" panose="020B0500000101010101" pitchFamily="50" charset="-127"/>
+                <a:ea typeface="Microsoft GothicNeo" panose="020B0500000101010101" pitchFamily="50" charset="-127"/>
+                <a:cs typeface="Microsoft GothicNeo" panose="020B0500000101010101" pitchFamily="50" charset="-127"/>
+              </a:rPr>
+              <a:t>sub-hourly</a:t>
+            </a:r>
+            <a:r>
+              <a:rPr lang="en-US" altLang="ko-KR" sz="2800" b="1" dirty="0">
+                <a:latin typeface="Microsoft GothicNeo" panose="020B0500000101010101" pitchFamily="50" charset="-127"/>
+                <a:ea typeface="Microsoft GothicNeo" panose="020B0500000101010101" pitchFamily="50" charset="-127"/>
+                <a:cs typeface="Microsoft GothicNeo" panose="020B0500000101010101" pitchFamily="50" charset="-127"/>
+              </a:rPr>
+              <a:t> electricity usage </a:t>
+            </a:r>
+            <a:br>
+              <a:rPr lang="en-US" altLang="ko-KR" sz="2800" b="1" dirty="0">
+                <a:latin typeface="Microsoft GothicNeo" panose="020B0500000101010101" pitchFamily="50" charset="-127"/>
+                <a:ea typeface="Microsoft GothicNeo" panose="020B0500000101010101" pitchFamily="50" charset="-127"/>
+                <a:cs typeface="Microsoft GothicNeo" panose="020B0500000101010101" pitchFamily="50" charset="-127"/>
+              </a:rPr>
+            </a:br>
+            <a:r>
+              <a:rPr lang="en-US" altLang="ko-KR" sz="2800" b="1" dirty="0">
+                <a:latin typeface="Microsoft GothicNeo" panose="020B0500000101010101" pitchFamily="50" charset="-127"/>
+                <a:ea typeface="Microsoft GothicNeo" panose="020B0500000101010101" pitchFamily="50" charset="-127"/>
+                <a:cs typeface="Microsoft GothicNeo" panose="020B0500000101010101" pitchFamily="50" charset="-127"/>
+              </a:rPr>
+              <a:t>in Commercial buildings.</a:t>
+            </a:r>
+          </a:p>
+        </p:txBody>
+      </p:sp>
+      <p:sp>
+        <p:nvSpPr>
+          <p:cNvPr id="4" name="TextBox 3">
+            <a:extLst>
+              <a:ext uri="{FF2B5EF4-FFF2-40B4-BE49-F238E27FC236}">
+                <a16:creationId xmlns:a16="http://schemas.microsoft.com/office/drawing/2014/main" id="{5E2F97AE-2941-00DB-053C-2FC53EA618EF}"/>
+              </a:ext>
+            </a:extLst>
+          </p:cNvPr>
+          <p:cNvSpPr txBox="1"/>
+          <p:nvPr/>
+        </p:nvSpPr>
+        <p:spPr>
+          <a:xfrm>
+            <a:off x="3832562" y="4302701"/>
+            <a:ext cx="4526874" cy="646331"/>
+          </a:xfrm>
+          <a:prstGeom prst="rect">
+            <a:avLst/>
+          </a:prstGeom>
+          <a:noFill/>
+        </p:spPr>
+        <p:txBody>
+          <a:bodyPr wrap="square">
+            <a:spAutoFit/>
+          </a:bodyPr>
+          <a:lstStyle/>
+          <a:p>
+            <a:pPr algn="ctr"/>
+            <a:r>
+              <a:rPr lang="en-US" altLang="ko-KR" b="0" i="0" dirty="0">
                 <a:solidFill>
                   <a:schemeClr val="bg1">
                     <a:lumMod val="50000"/>
                   </a:schemeClr>
                 </a:solidFill>
-              </a:rPr>
-              <a:t>Artificial neural network model for forecasting sub-hourly electricity usage in Commercial buildings</a:t>
-            </a:r>
-            <a:endParaRPr lang="ko-KR" altLang="en-US" sz="1600" dirty="0">
+                <a:effectLst/>
+                <a:latin typeface="+mj-lt"/>
+              </a:rPr>
+              <a:t>Chae YT, </a:t>
+            </a:r>
+            <a:r>
+              <a:rPr lang="en-US" altLang="ko-KR" b="0" i="0" dirty="0" err="1">
+                <a:solidFill>
+                  <a:schemeClr val="bg1">
+                    <a:lumMod val="50000"/>
+                  </a:schemeClr>
+                </a:solidFill>
+                <a:effectLst/>
+                <a:latin typeface="+mj-lt"/>
+              </a:rPr>
+              <a:t>Horesh</a:t>
+            </a:r>
+            <a:r>
+              <a:rPr lang="en-US" altLang="ko-KR" b="0" i="0" dirty="0">
+                <a:solidFill>
+                  <a:schemeClr val="bg1">
+                    <a:lumMod val="50000"/>
+                  </a:schemeClr>
+                </a:solidFill>
+                <a:effectLst/>
+                <a:latin typeface="+mj-lt"/>
+              </a:rPr>
+              <a:t> R, Hwang Y, Lee YM. </a:t>
+            </a:r>
+          </a:p>
+          <a:p>
+            <a:pPr algn="ctr"/>
+            <a:r>
+              <a:rPr lang="ko-KR" altLang="en-US" dirty="0">
+                <a:solidFill>
+                  <a:schemeClr val="bg1">
+                    <a:lumMod val="50000"/>
+                  </a:schemeClr>
+                </a:solidFill>
+                <a:latin typeface="+mj-lt"/>
+              </a:rPr>
+              <a:t>Energy </a:t>
+            </a:r>
+            <a:r>
+              <a:rPr lang="ko-KR" altLang="en-US" dirty="0" err="1">
+                <a:solidFill>
+                  <a:schemeClr val="bg1">
+                    <a:lumMod val="50000"/>
+                  </a:schemeClr>
+                </a:solidFill>
+                <a:latin typeface="+mj-lt"/>
+              </a:rPr>
+              <a:t>Build</a:t>
+            </a:r>
+            <a:r>
+              <a:rPr lang="ko-KR" altLang="en-US" dirty="0">
+                <a:solidFill>
+                  <a:schemeClr val="bg1">
+                    <a:lumMod val="50000"/>
+                  </a:schemeClr>
+                </a:solidFill>
+                <a:latin typeface="+mj-lt"/>
+              </a:rPr>
+              <a:t> 2016;111:184–94</a:t>
+            </a:r>
+            <a:r>
+              <a:rPr lang="en-US" altLang="ko-KR" b="0" i="0" dirty="0">
+                <a:solidFill>
+                  <a:schemeClr val="bg1">
+                    <a:lumMod val="50000"/>
+                  </a:schemeClr>
+                </a:solidFill>
+                <a:effectLst/>
+                <a:latin typeface="+mj-lt"/>
+              </a:rPr>
+              <a:t>.</a:t>
+            </a:r>
+            <a:endParaRPr lang="ko-KR" altLang="en-US" dirty="0">
               <a:solidFill>
                 <a:schemeClr val="bg1">
                   <a:lumMod val="50000"/>
                 </a:schemeClr>
               </a:solidFill>
+              <a:latin typeface="+mj-lt"/>
             </a:endParaRPr>
           </a:p>
         </p:txBody>
       </p:sp>
-      <p:sp>
-        <p:nvSpPr>
-          <p:cNvPr id="11" name="TextBox 10">
-            <a:extLst>
-              <a:ext uri="{FF2B5EF4-FFF2-40B4-BE49-F238E27FC236}">
-                <a16:creationId xmlns:a16="http://schemas.microsoft.com/office/drawing/2014/main" id="{9B6A7BE8-DA0E-E598-1132-9B432BA49502}"/>
-              </a:ext>
-            </a:extLst>
-          </p:cNvPr>
-          <p:cNvSpPr txBox="1"/>
+    </p:spTree>
+    <p:extLst>
+      <p:ext uri="{BB962C8B-B14F-4D97-AF65-F5344CB8AC3E}">
+        <p14:creationId xmlns:p14="http://schemas.microsoft.com/office/powerpoint/2010/main" val="130366447"/>
+      </p:ext>
+    </p:extLst>
+  </p:cSld>
+  <p:clrMapOvr>
+    <a:masterClrMapping/>
+  </p:clrMapOvr>
+</p:sld>
+</file>
+
+<file path=ppt/slides/slide7.xml><?xml version="1.0" encoding="utf-8"?>
+<p:sld xmlns:a="http://schemas.openxmlformats.org/drawingml/2006/main" xmlns:r="http://schemas.openxmlformats.org/officeDocument/2006/relationships" xmlns:p="http://schemas.openxmlformats.org/presentationml/2006/main">
+  <p:cSld>
+    <p:spTree>
+      <p:nvGrpSpPr>
+        <p:cNvPr id="1" name=""/>
+        <p:cNvGrpSpPr/>
+        <p:nvPr/>
+      </p:nvGrpSpPr>
+      <p:grpSpPr>
+        <a:xfrm>
+          <a:off x="0" y="0"/>
+          <a:ext cx="0" cy="0"/>
+          <a:chOff x="0" y="0"/>
+          <a:chExt cx="0" cy="0"/>
+        </a:xfrm>
+      </p:grpSpPr>
+      <p:sp>
+        <p:nvSpPr>
+          <p:cNvPr id="5" name="사각형: 둥근 모서리 4">
+            <a:extLst>
+              <a:ext uri="{FF2B5EF4-FFF2-40B4-BE49-F238E27FC236}">
+                <a16:creationId xmlns:a16="http://schemas.microsoft.com/office/drawing/2014/main" id="{979509AF-A27F-733C-57C1-9246C7112254}"/>
+              </a:ext>
+            </a:extLst>
+          </p:cNvPr>
+          <p:cNvSpPr/>
           <p:nvPr/>
         </p:nvSpPr>
         <p:spPr>
           <a:xfrm>
-            <a:off x="567646" y="612058"/>
-            <a:ext cx="5351911" cy="574966"/>
-          </a:xfrm>
-          <a:prstGeom prst="rect">
-            <a:avLst/>
-          </a:prstGeom>
-          <a:noFill/>
-          <a:ln w="44450" cap="rnd">
-            <a:noFill/>
-          </a:ln>
-        </p:spPr>
-        <p:txBody>
-          <a:bodyPr wrap="square" rtlCol="0">
-            <a:spAutoFit/>
-          </a:bodyPr>
-          <a:lstStyle/>
-          <a:p>
-            <a:pPr marL="342900" indent="-342900">
-              <a:lnSpc>
-                <a:spcPct val="150000"/>
-              </a:lnSpc>
-              <a:buFont typeface="Wingdings" panose="05000000000000000000" pitchFamily="2" charset="2"/>
-              <a:buChar char="v"/>
-            </a:pPr>
-            <a:r>
-              <a:rPr lang="en-US" altLang="ko-KR" sz="2400" b="1" dirty="0"/>
-              <a:t> Introduction</a:t>
-            </a:r>
-          </a:p>
-        </p:txBody>
-      </p:sp>
-      <p:sp>
-        <p:nvSpPr>
-          <p:cNvPr id="5" name="사각형: 둥근 모서리 4">
-            <a:extLst>
-              <a:ext uri="{FF2B5EF4-FFF2-40B4-BE49-F238E27FC236}">
-                <a16:creationId xmlns:a16="http://schemas.microsoft.com/office/drawing/2014/main" id="{979509AF-A27F-733C-57C1-9246C7112254}"/>
-              </a:ext>
-            </a:extLst>
-          </p:cNvPr>
-          <p:cNvSpPr/>
-          <p:nvPr/>
-        </p:nvSpPr>
-        <p:spPr>
-          <a:xfrm>
-            <a:off x="539552" y="1995841"/>
+            <a:off x="406521" y="2061702"/>
             <a:ext cx="5676697" cy="1285288"/>
           </a:xfrm>
           <a:prstGeom prst="roundRect">
@@ -9312,7 +11800,7 @@
               <a:buChar char="§"/>
             </a:pPr>
             <a:r>
-              <a:rPr lang="en-US" altLang="ko-KR" b="1" dirty="0">
+              <a:rPr lang="en-US" altLang="ko-KR" b="1">
                 <a:solidFill>
                   <a:schemeClr val="tx1"/>
                 </a:solidFill>
@@ -9320,14 +11808,14 @@
               <a:t>Forecasting electricity load </a:t>
             </a:r>
             <a:br>
-              <a:rPr lang="en-US" altLang="ko-KR" b="1" dirty="0">
+              <a:rPr lang="en-US" altLang="ko-KR" b="1">
                 <a:solidFill>
                   <a:schemeClr val="tx1"/>
                 </a:solidFill>
               </a:rPr>
             </a:br>
             <a:r>
-              <a:rPr lang="en-US" altLang="ko-KR" b="1" dirty="0">
+              <a:rPr lang="en-US" altLang="ko-KR" b="1">
                 <a:solidFill>
                   <a:srgbClr val="768FD4"/>
                 </a:solidFill>
@@ -9344,13 +11832,18 @@
               <a:buChar char="§"/>
             </a:pPr>
             <a:r>
-              <a:rPr lang="en-US" altLang="ko-KR" dirty="0">
+              <a:rPr lang="en-US" altLang="ko-KR">
                 <a:solidFill>
                   <a:schemeClr val="tx1"/>
                 </a:solidFill>
               </a:rPr>
               <a:t>To be able to better manage energy usage</a:t>
             </a:r>
+            <a:endParaRPr lang="en-US" altLang="ko-KR" dirty="0">
+              <a:solidFill>
+                <a:schemeClr val="tx1"/>
+              </a:solidFill>
+            </a:endParaRPr>
           </a:p>
         </p:txBody>
       </p:sp>
@@ -9368,8 +11861,8 @@
         </p:nvSpPr>
         <p:spPr>
           <a:xfrm>
-            <a:off x="539553" y="3554691"/>
-            <a:ext cx="5676697" cy="2116285"/>
+            <a:off x="406522" y="3620445"/>
+            <a:ext cx="5676696" cy="2116285"/>
           </a:xfrm>
           <a:prstGeom prst="roundRect">
             <a:avLst>
@@ -9509,7 +12002,7 @@
           </p:cNvPicPr>
           <p:nvPr/>
         </p:nvPicPr>
-        <p:blipFill>
+        <p:blipFill rotWithShape="1">
           <a:blip r:embed="rId3">
             <a:extLst>
               <a:ext uri="{28A0092B-C50C-407E-A947-70E740481C1C}">
@@ -9517,15 +12010,13 @@
               </a:ext>
             </a:extLst>
           </a:blip>
-          <a:srcRect/>
-          <a:stretch>
-            <a:fillRect/>
-          </a:stretch>
+          <a:srcRect l="13048" r="10798"/>
+          <a:stretch/>
         </p:blipFill>
         <p:spPr bwMode="auto">
           <a:xfrm>
-            <a:off x="6543133" y="1971957"/>
-            <a:ext cx="5053122" cy="3619128"/>
+            <a:off x="6090000" y="1121271"/>
+            <a:ext cx="6099718" cy="5736729"/>
           </a:xfrm>
           <a:prstGeom prst="rect">
             <a:avLst/>
@@ -9542,42 +12033,397 @@
           </a:extLst>
         </p:spPr>
       </p:pic>
-    </p:spTree>
-    <p:extLst>
-      <p:ext uri="{BB962C8B-B14F-4D97-AF65-F5344CB8AC3E}">
-        <p14:creationId xmlns:p14="http://schemas.microsoft.com/office/powerpoint/2010/main" val="3100450580"/>
-      </p:ext>
-    </p:extLst>
-  </p:cSld>
-  <p:clrMapOvr>
-    <a:masterClrMapping/>
-  </p:clrMapOvr>
-</p:sld>
-</file>
-
-<file path=ppt/slides/slide7.xml><?xml version="1.0" encoding="utf-8"?>
-<p:sld xmlns:a="http://schemas.openxmlformats.org/drawingml/2006/main" xmlns:r="http://schemas.openxmlformats.org/officeDocument/2006/relationships" xmlns:p="http://schemas.openxmlformats.org/presentationml/2006/main">
-  <p:cSld>
-    <p:spTree>
-      <p:nvGrpSpPr>
-        <p:cNvPr id="1" name=""/>
-        <p:cNvGrpSpPr/>
-        <p:nvPr/>
-      </p:nvGrpSpPr>
-      <p:grpSpPr>
-        <a:xfrm>
-          <a:off x="0" y="0"/>
-          <a:ext cx="0" cy="0"/>
-          <a:chOff x="0" y="0"/>
-          <a:chExt cx="0" cy="0"/>
-        </a:xfrm>
-      </p:grpSpPr>
+      <p:sp>
+        <p:nvSpPr>
+          <p:cNvPr id="13" name="제목 1">
+            <a:extLst>
+              <a:ext uri="{FF2B5EF4-FFF2-40B4-BE49-F238E27FC236}">
+                <a16:creationId xmlns:a16="http://schemas.microsoft.com/office/drawing/2014/main" id="{2BD6C7AE-65C9-4874-7FF6-23F77F21CF63}"/>
+              </a:ext>
+            </a:extLst>
+          </p:cNvPr>
+          <p:cNvSpPr txBox="1">
+            <a:spLocks/>
+          </p:cNvSpPr>
+          <p:nvPr/>
+        </p:nvSpPr>
+        <p:spPr>
+          <a:xfrm>
+            <a:off x="3853974" y="117587"/>
+            <a:ext cx="4554046" cy="430526"/>
+          </a:xfrm>
+          <a:prstGeom prst="rect">
+            <a:avLst/>
+          </a:prstGeom>
+        </p:spPr>
+        <p:txBody>
+          <a:bodyPr vert="horz" lIns="91440" tIns="45720" rIns="91440" bIns="45720" rtlCol="0" anchor="ctr">
+            <a:noAutofit/>
+          </a:bodyPr>
+          <a:lstStyle>
+            <a:lvl1pPr algn="l" defTabSz="914400" rtl="0" eaLnBrk="1" latinLnBrk="1" hangingPunct="1">
+              <a:lnSpc>
+                <a:spcPct val="90000"/>
+              </a:lnSpc>
+              <a:spcBef>
+                <a:spcPct val="0"/>
+              </a:spcBef>
+              <a:buNone/>
+              <a:defRPr sz="4400" kern="1200">
+                <a:solidFill>
+                  <a:schemeClr val="tx1"/>
+                </a:solidFill>
+                <a:latin typeface="+mj-lt"/>
+                <a:ea typeface="+mj-ea"/>
+                <a:cs typeface="+mj-cs"/>
+              </a:defRPr>
+            </a:lvl1pPr>
+          </a:lstStyle>
+          <a:p>
+            <a:pPr algn="ctr"/>
+            <a:r>
+              <a:rPr lang="en-US" altLang="ko-KR" sz="1400" dirty="0">
+                <a:solidFill>
+                  <a:srgbClr val="768FD4"/>
+                </a:solidFill>
+              </a:rPr>
+              <a:t>2. Artificial neural network model for forecasting </a:t>
+            </a:r>
+            <a:br>
+              <a:rPr lang="en-US" altLang="ko-KR" sz="1400" dirty="0">
+                <a:solidFill>
+                  <a:srgbClr val="768FD4"/>
+                </a:solidFill>
+              </a:rPr>
+            </a:br>
+            <a:r>
+              <a:rPr lang="en-US" altLang="ko-KR" sz="1400" dirty="0">
+                <a:solidFill>
+                  <a:srgbClr val="768FD4"/>
+                </a:solidFill>
+              </a:rPr>
+              <a:t>sub-hourly electricity usage in Commercial buildings</a:t>
+            </a:r>
+            <a:endParaRPr lang="ko-KR" altLang="en-US" sz="1400" dirty="0">
+              <a:solidFill>
+                <a:srgbClr val="768FD4"/>
+              </a:solidFill>
+            </a:endParaRPr>
+          </a:p>
+        </p:txBody>
+      </p:sp>
+      <p:sp>
+        <p:nvSpPr>
+          <p:cNvPr id="15" name="직사각형 14">
+            <a:extLst>
+              <a:ext uri="{FF2B5EF4-FFF2-40B4-BE49-F238E27FC236}">
+                <a16:creationId xmlns:a16="http://schemas.microsoft.com/office/drawing/2014/main" id="{632F3BB1-F3D9-808D-9F57-FC51868C3BD0}"/>
+              </a:ext>
+            </a:extLst>
+          </p:cNvPr>
+          <p:cNvSpPr/>
+          <p:nvPr/>
+        </p:nvSpPr>
+        <p:spPr>
+          <a:xfrm>
+            <a:off x="-12000" y="-25580"/>
+            <a:ext cx="4068000" cy="88175"/>
+          </a:xfrm>
+          <a:prstGeom prst="rect">
+            <a:avLst/>
+          </a:prstGeom>
+          <a:solidFill>
+            <a:srgbClr val="D6DDF2">
+              <a:alpha val="80000"/>
+            </a:srgbClr>
+          </a:solidFill>
+          <a:ln>
+            <a:noFill/>
+          </a:ln>
+        </p:spPr>
+        <p:style>
+          <a:lnRef idx="2">
+            <a:schemeClr val="accent1">
+              <a:shade val="50000"/>
+            </a:schemeClr>
+          </a:lnRef>
+          <a:fillRef idx="1">
+            <a:schemeClr val="accent1"/>
+          </a:fillRef>
+          <a:effectRef idx="0">
+            <a:schemeClr val="accent1"/>
+          </a:effectRef>
+          <a:fontRef idx="minor">
+            <a:schemeClr val="lt1"/>
+          </a:fontRef>
+        </p:style>
+        <p:txBody>
+          <a:bodyPr rtlCol="0" anchor="ctr"/>
+          <a:lstStyle/>
+          <a:p>
+            <a:pPr algn="ctr"/>
+            <a:endParaRPr lang="ko-KR" altLang="en-US"/>
+          </a:p>
+        </p:txBody>
+      </p:sp>
+      <p:sp>
+        <p:nvSpPr>
+          <p:cNvPr id="16" name="직사각형 15">
+            <a:extLst>
+              <a:ext uri="{FF2B5EF4-FFF2-40B4-BE49-F238E27FC236}">
+                <a16:creationId xmlns:a16="http://schemas.microsoft.com/office/drawing/2014/main" id="{3B24E844-DA7A-1750-15D3-DD1B4073693D}"/>
+              </a:ext>
+            </a:extLst>
+          </p:cNvPr>
+          <p:cNvSpPr/>
+          <p:nvPr/>
+        </p:nvSpPr>
+        <p:spPr>
+          <a:xfrm>
+            <a:off x="4056000" y="-25581"/>
+            <a:ext cx="4068000" cy="88175"/>
+          </a:xfrm>
+          <a:prstGeom prst="rect">
+            <a:avLst/>
+          </a:prstGeom>
+          <a:solidFill>
+            <a:srgbClr val="768FD4">
+              <a:alpha val="80000"/>
+            </a:srgbClr>
+          </a:solidFill>
+          <a:ln>
+            <a:noFill/>
+          </a:ln>
+        </p:spPr>
+        <p:style>
+          <a:lnRef idx="2">
+            <a:schemeClr val="accent1">
+              <a:shade val="50000"/>
+            </a:schemeClr>
+          </a:lnRef>
+          <a:fillRef idx="1">
+            <a:schemeClr val="accent1"/>
+          </a:fillRef>
+          <a:effectRef idx="0">
+            <a:schemeClr val="accent1"/>
+          </a:effectRef>
+          <a:fontRef idx="minor">
+            <a:schemeClr val="lt1"/>
+          </a:fontRef>
+        </p:style>
+        <p:txBody>
+          <a:bodyPr rtlCol="0" anchor="ctr"/>
+          <a:lstStyle/>
+          <a:p>
+            <a:pPr algn="ctr"/>
+            <a:endParaRPr lang="ko-KR" altLang="en-US"/>
+          </a:p>
+        </p:txBody>
+      </p:sp>
+      <p:sp>
+        <p:nvSpPr>
+          <p:cNvPr id="17" name="직사각형 16">
+            <a:extLst>
+              <a:ext uri="{FF2B5EF4-FFF2-40B4-BE49-F238E27FC236}">
+                <a16:creationId xmlns:a16="http://schemas.microsoft.com/office/drawing/2014/main" id="{E1ACAB9E-B6DF-247E-F10B-55670FB05882}"/>
+              </a:ext>
+            </a:extLst>
+          </p:cNvPr>
+          <p:cNvSpPr/>
+          <p:nvPr/>
+        </p:nvSpPr>
+        <p:spPr>
+          <a:xfrm>
+            <a:off x="8124000" y="-24532"/>
+            <a:ext cx="4068000" cy="88175"/>
+          </a:xfrm>
+          <a:prstGeom prst="rect">
+            <a:avLst/>
+          </a:prstGeom>
+          <a:solidFill>
+            <a:srgbClr val="D6DDF2">
+              <a:alpha val="80000"/>
+            </a:srgbClr>
+          </a:solidFill>
+          <a:ln>
+            <a:noFill/>
+          </a:ln>
+        </p:spPr>
+        <p:style>
+          <a:lnRef idx="2">
+            <a:schemeClr val="accent1">
+              <a:shade val="50000"/>
+            </a:schemeClr>
+          </a:lnRef>
+          <a:fillRef idx="1">
+            <a:schemeClr val="accent1"/>
+          </a:fillRef>
+          <a:effectRef idx="0">
+            <a:schemeClr val="accent1"/>
+          </a:effectRef>
+          <a:fontRef idx="minor">
+            <a:schemeClr val="lt1"/>
+          </a:fontRef>
+        </p:style>
+        <p:txBody>
+          <a:bodyPr rtlCol="0" anchor="ctr"/>
+          <a:lstStyle/>
+          <a:p>
+            <a:pPr algn="ctr"/>
+            <a:endParaRPr lang="ko-KR" altLang="en-US"/>
+          </a:p>
+        </p:txBody>
+      </p:sp>
+      <p:sp>
+        <p:nvSpPr>
+          <p:cNvPr id="18" name="제목 1">
+            <a:extLst>
+              <a:ext uri="{FF2B5EF4-FFF2-40B4-BE49-F238E27FC236}">
+                <a16:creationId xmlns:a16="http://schemas.microsoft.com/office/drawing/2014/main" id="{45233D5A-0AD0-FC5F-B59D-178683C847E9}"/>
+              </a:ext>
+            </a:extLst>
+          </p:cNvPr>
+          <p:cNvSpPr txBox="1">
+            <a:spLocks/>
+          </p:cNvSpPr>
+          <p:nvPr/>
+        </p:nvSpPr>
+        <p:spPr>
+          <a:xfrm>
+            <a:off x="8231795" y="117587"/>
+            <a:ext cx="3852410" cy="430526"/>
+          </a:xfrm>
+          <a:prstGeom prst="rect">
+            <a:avLst/>
+          </a:prstGeom>
+        </p:spPr>
+        <p:txBody>
+          <a:bodyPr vert="horz" lIns="91440" tIns="45720" rIns="91440" bIns="45720" rtlCol="0" anchor="ctr">
+            <a:noAutofit/>
+          </a:bodyPr>
+          <a:lstStyle>
+            <a:lvl1pPr algn="l" defTabSz="914400" rtl="0" eaLnBrk="1" latinLnBrk="1" hangingPunct="1">
+              <a:lnSpc>
+                <a:spcPct val="90000"/>
+              </a:lnSpc>
+              <a:spcBef>
+                <a:spcPct val="0"/>
+              </a:spcBef>
+              <a:buNone/>
+              <a:defRPr sz="4400" kern="1200">
+                <a:solidFill>
+                  <a:schemeClr val="tx1"/>
+                </a:solidFill>
+                <a:latin typeface="+mj-lt"/>
+                <a:ea typeface="+mj-ea"/>
+                <a:cs typeface="+mj-cs"/>
+              </a:defRPr>
+            </a:lvl1pPr>
+          </a:lstStyle>
+          <a:p>
+            <a:pPr algn="ctr"/>
+            <a:r>
+              <a:rPr lang="en-US" altLang="ko-KR" sz="1400" dirty="0">
+                <a:solidFill>
+                  <a:srgbClr val="D6DDF2"/>
+                </a:solidFill>
+              </a:rPr>
+              <a:t>3. A hybrid model approach for forecasting future residential electricity consumption</a:t>
+            </a:r>
+            <a:endParaRPr lang="ko-KR" altLang="en-US" sz="1400" dirty="0">
+              <a:solidFill>
+                <a:srgbClr val="D6DDF2"/>
+              </a:solidFill>
+            </a:endParaRPr>
+          </a:p>
+        </p:txBody>
+      </p:sp>
+      <p:sp>
+        <p:nvSpPr>
+          <p:cNvPr id="19" name="제목 1">
+            <a:extLst>
+              <a:ext uri="{FF2B5EF4-FFF2-40B4-BE49-F238E27FC236}">
+                <a16:creationId xmlns:a16="http://schemas.microsoft.com/office/drawing/2014/main" id="{923F6C0A-3498-285C-A683-B9F4C47E39A6}"/>
+              </a:ext>
+            </a:extLst>
+          </p:cNvPr>
+          <p:cNvSpPr txBox="1">
+            <a:spLocks/>
+          </p:cNvSpPr>
+          <p:nvPr/>
+        </p:nvSpPr>
+        <p:spPr>
+          <a:xfrm>
+            <a:off x="949198" y="117587"/>
+            <a:ext cx="2145601" cy="295237"/>
+          </a:xfrm>
+          <a:prstGeom prst="rect">
+            <a:avLst/>
+          </a:prstGeom>
+        </p:spPr>
+        <p:txBody>
+          <a:bodyPr vert="horz" lIns="91440" tIns="45720" rIns="91440" bIns="45720" rtlCol="0" anchor="ctr">
+            <a:noAutofit/>
+          </a:bodyPr>
+          <a:lstStyle>
+            <a:lvl1pPr algn="l" defTabSz="914400" rtl="0" eaLnBrk="1" latinLnBrk="1" hangingPunct="1">
+              <a:lnSpc>
+                <a:spcPct val="90000"/>
+              </a:lnSpc>
+              <a:spcBef>
+                <a:spcPct val="0"/>
+              </a:spcBef>
+              <a:buNone/>
+              <a:defRPr sz="4400" kern="1200">
+                <a:solidFill>
+                  <a:schemeClr val="tx1"/>
+                </a:solidFill>
+                <a:latin typeface="+mj-lt"/>
+                <a:ea typeface="+mj-ea"/>
+                <a:cs typeface="+mj-cs"/>
+              </a:defRPr>
+            </a:lvl1pPr>
+          </a:lstStyle>
+          <a:p>
+            <a:pPr algn="ctr"/>
+            <a:r>
+              <a:rPr lang="en-US" altLang="ko-KR" sz="1400" dirty="0">
+                <a:solidFill>
+                  <a:srgbClr val="D6DDF2"/>
+                </a:solidFill>
+              </a:rPr>
+              <a:t>1. Prediction</a:t>
+            </a:r>
+            <a:r>
+              <a:rPr lang="ko-KR" altLang="en-US" sz="1400" dirty="0">
+                <a:solidFill>
+                  <a:srgbClr val="D6DDF2"/>
+                </a:solidFill>
+              </a:rPr>
+              <a:t> </a:t>
+            </a:r>
+            <a:r>
+              <a:rPr lang="en-US" altLang="ko-KR" sz="1400" dirty="0">
+                <a:solidFill>
+                  <a:srgbClr val="D6DDF2"/>
+                </a:solidFill>
+              </a:rPr>
+              <a:t>models</a:t>
+            </a:r>
+            <a:endParaRPr lang="ko-KR" altLang="en-US" sz="1400" dirty="0">
+              <a:solidFill>
+                <a:srgbClr val="D6DDF2"/>
+              </a:solidFill>
+            </a:endParaRPr>
+          </a:p>
+        </p:txBody>
+      </p:sp>
       <p:cxnSp>
         <p:nvCxnSpPr>
-          <p:cNvPr id="3" name="직선 연결선 2">
-            <a:extLst>
-              <a:ext uri="{FF2B5EF4-FFF2-40B4-BE49-F238E27FC236}">
-                <a16:creationId xmlns:a16="http://schemas.microsoft.com/office/drawing/2014/main" id="{DF13A569-CA4A-F583-26A7-EBE49AA065B2}"/>
+          <p:cNvPr id="20" name="직선 연결선 19">
+            <a:extLst>
+              <a:ext uri="{FF2B5EF4-FFF2-40B4-BE49-F238E27FC236}">
+                <a16:creationId xmlns:a16="http://schemas.microsoft.com/office/drawing/2014/main" id="{1EF7A485-13E8-F66E-4894-130A3FD43358}"/>
               </a:ext>
             </a:extLst>
           </p:cNvPr>
@@ -9588,18 +12434,15 @@
         </p:nvCxnSpPr>
         <p:spPr>
           <a:xfrm>
-            <a:off x="539552" y="1187024"/>
-            <a:ext cx="11056703" cy="0"/>
+            <a:off x="399738" y="1121270"/>
+            <a:ext cx="11392524" cy="0"/>
           </a:xfrm>
           <a:prstGeom prst="line">
             <a:avLst/>
           </a:prstGeom>
-          <a:ln w="12700">
+          <a:ln w="19050">
             <a:solidFill>
-              <a:schemeClr val="tx1">
-                <a:lumMod val="75000"/>
-                <a:lumOff val="25000"/>
-              </a:schemeClr>
+              <a:srgbClr val="B6C3E8"/>
             </a:solidFill>
           </a:ln>
         </p:spPr>
@@ -9620,72 +12463,20 @@
       </p:cxnSp>
       <p:sp>
         <p:nvSpPr>
-          <p:cNvPr id="9" name="제목 1">
-            <a:extLst>
-              <a:ext uri="{FF2B5EF4-FFF2-40B4-BE49-F238E27FC236}">
-                <a16:creationId xmlns:a16="http://schemas.microsoft.com/office/drawing/2014/main" id="{05596BCF-D308-A29D-49E5-1678F5F8F27E}"/>
-              </a:ext>
-            </a:extLst>
-          </p:cNvPr>
-          <p:cNvSpPr>
-            <a:spLocks noGrp="1"/>
-          </p:cNvSpPr>
-          <p:nvPr>
-            <p:ph type="title"/>
-          </p:nvPr>
+          <p:cNvPr id="21" name="TextBox 20">
+            <a:extLst>
+              <a:ext uri="{FF2B5EF4-FFF2-40B4-BE49-F238E27FC236}">
+                <a16:creationId xmlns:a16="http://schemas.microsoft.com/office/drawing/2014/main" id="{05614EF9-D4D4-625F-6540-0A8514C95A5A}"/>
+              </a:ext>
+            </a:extLst>
+          </p:cNvPr>
+          <p:cNvSpPr txBox="1"/>
+          <p:nvPr/>
         </p:nvSpPr>
         <p:spPr>
           <a:xfrm>
-            <a:off x="-14748" y="0"/>
-            <a:ext cx="11056703" cy="378207"/>
-          </a:xfrm>
-        </p:spPr>
-        <p:txBody>
-          <a:bodyPr>
-            <a:noAutofit/>
-          </a:bodyPr>
-          <a:lstStyle/>
-          <a:p>
-            <a:pPr marL="285750" indent="-285750">
-              <a:buFont typeface="Wingdings" panose="05000000000000000000" pitchFamily="2" charset="2"/>
-              <a:buChar char="v"/>
-            </a:pPr>
-            <a:r>
-              <a:rPr lang="en-US" altLang="ko-KR" sz="1600" dirty="0">
-                <a:solidFill>
-                  <a:schemeClr val="bg1">
-                    <a:lumMod val="50000"/>
-                  </a:schemeClr>
-                </a:solidFill>
-              </a:rPr>
-              <a:t>Artificial neural network model for forecasting sub-hourly electricity usage in Commercial buildings</a:t>
-            </a:r>
-            <a:endParaRPr lang="ko-KR" altLang="en-US" sz="1600" dirty="0">
-              <a:solidFill>
-                <a:schemeClr val="bg1">
-                  <a:lumMod val="50000"/>
-                </a:schemeClr>
-              </a:solidFill>
-            </a:endParaRPr>
-          </a:p>
-        </p:txBody>
-      </p:sp>
-      <p:sp>
-        <p:nvSpPr>
-          <p:cNvPr id="11" name="TextBox 10">
-            <a:extLst>
-              <a:ext uri="{FF2B5EF4-FFF2-40B4-BE49-F238E27FC236}">
-                <a16:creationId xmlns:a16="http://schemas.microsoft.com/office/drawing/2014/main" id="{9B6A7BE8-DA0E-E598-1132-9B432BA49502}"/>
-              </a:ext>
-            </a:extLst>
-          </p:cNvPr>
-          <p:cNvSpPr txBox="1"/>
-          <p:nvPr/>
-        </p:nvSpPr>
-        <p:spPr>
-          <a:xfrm>
-            <a:off x="567646" y="612058"/>
-            <a:ext cx="5351911" cy="574966"/>
+            <a:off x="401234" y="626776"/>
+            <a:ext cx="2668343" cy="494494"/>
           </a:xfrm>
           <a:prstGeom prst="rect">
             <a:avLst/>
@@ -9709,12 +12500,46 @@
               <a:buChar char="v"/>
             </a:pPr>
             <a:r>
-              <a:rPr lang="en-US" altLang="ko-KR" sz="2400" b="1" dirty="0"/>
+              <a:rPr lang="en-US" altLang="ko-KR" sz="2000" b="1" dirty="0">
+                <a:solidFill>
+                  <a:srgbClr val="253A75"/>
+                </a:solidFill>
+              </a:rPr>
               <a:t> Introduction</a:t>
             </a:r>
           </a:p>
         </p:txBody>
       </p:sp>
+    </p:spTree>
+    <p:extLst>
+      <p:ext uri="{BB962C8B-B14F-4D97-AF65-F5344CB8AC3E}">
+        <p14:creationId xmlns:p14="http://schemas.microsoft.com/office/powerpoint/2010/main" val="3100450580"/>
+      </p:ext>
+    </p:extLst>
+  </p:cSld>
+  <p:clrMapOvr>
+    <a:masterClrMapping/>
+  </p:clrMapOvr>
+</p:sld>
+</file>
+
+<file path=ppt/slides/slide8.xml><?xml version="1.0" encoding="utf-8"?>
+<p:sld xmlns:a="http://schemas.openxmlformats.org/drawingml/2006/main" xmlns:r="http://schemas.openxmlformats.org/officeDocument/2006/relationships" xmlns:p="http://schemas.openxmlformats.org/presentationml/2006/main">
+  <p:cSld>
+    <p:spTree>
+      <p:nvGrpSpPr>
+        <p:cNvPr id="1" name=""/>
+        <p:cNvGrpSpPr/>
+        <p:nvPr/>
+      </p:nvGrpSpPr>
+      <p:grpSpPr>
+        <a:xfrm>
+          <a:off x="0" y="0"/>
+          <a:ext cx="0" cy="0"/>
+          <a:chOff x="0" y="0"/>
+          <a:chExt cx="0" cy="0"/>
+        </a:xfrm>
+      </p:grpSpPr>
       <p:sp>
         <p:nvSpPr>
           <p:cNvPr id="8" name="사각형: 둥근 모서리 7">
@@ -9729,7 +12554,7 @@
         </p:nvSpPr>
         <p:spPr>
           <a:xfrm>
-            <a:off x="3637906" y="2386609"/>
+            <a:off x="3840810" y="2344606"/>
             <a:ext cx="7986449" cy="1700787"/>
           </a:xfrm>
           <a:prstGeom prst="roundRect">
@@ -9838,8 +12663,8 @@
         </p:nvSpPr>
         <p:spPr>
           <a:xfrm>
-            <a:off x="539551" y="1811175"/>
-            <a:ext cx="11056703" cy="369332"/>
+            <a:off x="1139955" y="1771448"/>
+            <a:ext cx="9912090" cy="369332"/>
           </a:xfrm>
           <a:prstGeom prst="rect">
             <a:avLst/>
@@ -9852,9 +12677,9 @@
           </a:bodyPr>
           <a:lstStyle/>
           <a:p>
-            <a:pPr marL="285750" indent="-285750">
+            <a:pPr marL="285750" indent="-285750" algn="ctr">
               <a:buFont typeface="Wingdings" panose="05000000000000000000" pitchFamily="2" charset="2"/>
-              <a:buChar char="v"/>
+              <a:buChar char="§"/>
             </a:pPr>
             <a:r>
               <a:rPr lang="en-US" altLang="ko-KR" b="1" dirty="0">
@@ -9874,10 +12699,10 @@
       </p:sp>
       <p:pic>
         <p:nvPicPr>
-          <p:cNvPr id="2050" name="Picture 2" descr="15 minutes - Free time and date icons">
-            <a:extLst>
-              <a:ext uri="{FF2B5EF4-FFF2-40B4-BE49-F238E27FC236}">
-                <a16:creationId xmlns:a16="http://schemas.microsoft.com/office/drawing/2014/main" id="{6E712FA3-BDE5-38FD-13FC-082F1C34453F}"/>
+          <p:cNvPr id="2052" name="Picture 4">
+            <a:extLst>
+              <a:ext uri="{FF2B5EF4-FFF2-40B4-BE49-F238E27FC236}">
+                <a16:creationId xmlns:a16="http://schemas.microsoft.com/office/drawing/2014/main" id="{42A03C47-08F4-1C11-23DF-D0B210C99E5D}"/>
               </a:ext>
             </a:extLst>
           </p:cNvPr>
@@ -9901,54 +12726,7 @@
         </p:blipFill>
         <p:spPr bwMode="auto">
           <a:xfrm>
-            <a:off x="696521" y="5223489"/>
-            <a:ext cx="718337" cy="718337"/>
-          </a:xfrm>
-          <a:prstGeom prst="rect">
-            <a:avLst/>
-          </a:prstGeom>
-          <a:noFill/>
-          <a:extLst>
-            <a:ext uri="{909E8E84-426E-40DD-AFC4-6F175D3DCCD1}">
-              <a14:hiddenFill xmlns:a14="http://schemas.microsoft.com/office/drawing/2010/main">
-                <a:solidFill>
-                  <a:srgbClr val="FFFFFF"/>
-                </a:solidFill>
-              </a14:hiddenFill>
-            </a:ext>
-          </a:extLst>
-        </p:spPr>
-      </p:pic>
-      <p:pic>
-        <p:nvPicPr>
-          <p:cNvPr id="2052" name="Picture 4">
-            <a:extLst>
-              <a:ext uri="{FF2B5EF4-FFF2-40B4-BE49-F238E27FC236}">
-                <a16:creationId xmlns:a16="http://schemas.microsoft.com/office/drawing/2014/main" id="{42A03C47-08F4-1C11-23DF-D0B210C99E5D}"/>
-              </a:ext>
-            </a:extLst>
-          </p:cNvPr>
-          <p:cNvPicPr>
-            <a:picLocks noChangeAspect="1" noChangeArrowheads="1"/>
-          </p:cNvPicPr>
-          <p:nvPr/>
-        </p:nvPicPr>
-        <p:blipFill>
-          <a:blip r:embed="rId4">
-            <a:extLst>
-              <a:ext uri="{28A0092B-C50C-407E-A947-70E740481C1C}">
-                <a14:useLocalDpi xmlns:a14="http://schemas.microsoft.com/office/drawing/2010/main" val="0"/>
-              </a:ext>
-            </a:extLst>
-          </a:blip>
-          <a:srcRect/>
-          <a:stretch>
-            <a:fillRect/>
-          </a:stretch>
-        </p:blipFill>
-        <p:spPr bwMode="auto">
-          <a:xfrm>
-            <a:off x="562105" y="2386609"/>
+            <a:off x="484099" y="2344606"/>
             <a:ext cx="3075801" cy="3075801"/>
           </a:xfrm>
           <a:prstGeom prst="rect">
@@ -9981,7 +12759,7 @@
           <p:nvPr/>
         </p:nvPicPr>
         <p:blipFill>
-          <a:blip r:embed="rId5">
+          <a:blip r:embed="rId4">
             <a:extLst>
               <a:ext uri="{28A0092B-C50C-407E-A947-70E740481C1C}">
                 <a14:useLocalDpi xmlns:a14="http://schemas.microsoft.com/office/drawing/2010/main" val="0"/>
@@ -9995,8 +12773,8 @@
         </p:blipFill>
         <p:spPr bwMode="auto">
           <a:xfrm>
-            <a:off x="696521" y="6078187"/>
-            <a:ext cx="718337" cy="718337"/>
+            <a:off x="484099" y="5061238"/>
+            <a:ext cx="982293" cy="982293"/>
           </a:xfrm>
           <a:prstGeom prst="rect">
             <a:avLst/>
@@ -10027,7 +12805,7 @@
         </p:nvSpPr>
         <p:spPr>
           <a:xfrm>
-            <a:off x="3637906" y="4416830"/>
+            <a:off x="3772322" y="4331666"/>
             <a:ext cx="7986449" cy="1285288"/>
           </a:xfrm>
           <a:prstGeom prst="roundRect">
@@ -10105,42 +12883,12 @@
           </a:p>
         </p:txBody>
       </p:sp>
-    </p:spTree>
-    <p:extLst>
-      <p:ext uri="{BB962C8B-B14F-4D97-AF65-F5344CB8AC3E}">
-        <p14:creationId xmlns:p14="http://schemas.microsoft.com/office/powerpoint/2010/main" val="1007606599"/>
-      </p:ext>
-    </p:extLst>
-  </p:cSld>
-  <p:clrMapOvr>
-    <a:masterClrMapping/>
-  </p:clrMapOvr>
-</p:sld>
-</file>
-
-<file path=ppt/slides/slide8.xml><?xml version="1.0" encoding="utf-8"?>
-<p:sld xmlns:a="http://schemas.openxmlformats.org/drawingml/2006/main" xmlns:r="http://schemas.openxmlformats.org/officeDocument/2006/relationships" xmlns:p="http://schemas.openxmlformats.org/presentationml/2006/main">
-  <p:cSld>
-    <p:spTree>
-      <p:nvGrpSpPr>
-        <p:cNvPr id="1" name=""/>
-        <p:cNvGrpSpPr/>
-        <p:nvPr/>
-      </p:nvGrpSpPr>
-      <p:grpSpPr>
-        <a:xfrm>
-          <a:off x="0" y="0"/>
-          <a:ext cx="0" cy="0"/>
-          <a:chOff x="0" y="0"/>
-          <a:chExt cx="0" cy="0"/>
-        </a:xfrm>
-      </p:grpSpPr>
       <p:cxnSp>
         <p:nvCxnSpPr>
-          <p:cNvPr id="3" name="직선 연결선 2">
-            <a:extLst>
-              <a:ext uri="{FF2B5EF4-FFF2-40B4-BE49-F238E27FC236}">
-                <a16:creationId xmlns:a16="http://schemas.microsoft.com/office/drawing/2014/main" id="{DF13A569-CA4A-F583-26A7-EBE49AA065B2}"/>
+          <p:cNvPr id="14" name="직선 연결선 13">
+            <a:extLst>
+              <a:ext uri="{FF2B5EF4-FFF2-40B4-BE49-F238E27FC236}">
+                <a16:creationId xmlns:a16="http://schemas.microsoft.com/office/drawing/2014/main" id="{A5A8D906-2DC2-2B7A-6F05-6F07EECA7B70}"/>
               </a:ext>
             </a:extLst>
           </p:cNvPr>
@@ -10151,18 +12899,15 @@
         </p:nvCxnSpPr>
         <p:spPr>
           <a:xfrm>
-            <a:off x="539552" y="1187024"/>
-            <a:ext cx="11056703" cy="0"/>
+            <a:off x="399738" y="1121270"/>
+            <a:ext cx="11392524" cy="0"/>
           </a:xfrm>
           <a:prstGeom prst="line">
             <a:avLst/>
           </a:prstGeom>
-          <a:ln w="12700">
+          <a:ln w="19050">
             <a:solidFill>
-              <a:schemeClr val="tx1">
-                <a:lumMod val="75000"/>
-                <a:lumOff val="25000"/>
-              </a:schemeClr>
+              <a:srgbClr val="B6C3E8"/>
             </a:solidFill>
           </a:ln>
         </p:spPr>
@@ -10183,10 +12928,10 @@
       </p:cxnSp>
       <p:sp>
         <p:nvSpPr>
-          <p:cNvPr id="9" name="제목 1">
-            <a:extLst>
-              <a:ext uri="{FF2B5EF4-FFF2-40B4-BE49-F238E27FC236}">
-                <a16:creationId xmlns:a16="http://schemas.microsoft.com/office/drawing/2014/main" id="{05596BCF-D308-A29D-49E5-1678F5F8F27E}"/>
+          <p:cNvPr id="15" name="제목 1">
+            <a:extLst>
+              <a:ext uri="{FF2B5EF4-FFF2-40B4-BE49-F238E27FC236}">
+                <a16:creationId xmlns:a16="http://schemas.microsoft.com/office/drawing/2014/main" id="{30A0C64A-7716-040C-82FB-7DEF2CEDFFA4}"/>
               </a:ext>
             </a:extLst>
           </p:cNvPr>
@@ -10199,8 +12944,8 @@
         </p:nvSpPr>
         <p:spPr>
           <a:xfrm>
-            <a:off x="-14748" y="0"/>
-            <a:ext cx="11056703" cy="378207"/>
+            <a:off x="3853974" y="117587"/>
+            <a:ext cx="4554046" cy="430526"/>
           </a:xfrm>
         </p:spPr>
         <p:txBody>
@@ -10209,25 +12954,33 @@
           </a:bodyPr>
           <a:lstStyle/>
           <a:p>
-            <a:pPr marL="285750" indent="-285750">
-              <a:buFont typeface="Wingdings" panose="05000000000000000000" pitchFamily="2" charset="2"/>
-              <a:buChar char="v"/>
-            </a:pPr>
-            <a:r>
-              <a:rPr lang="en-US" altLang="ko-KR" sz="1600" dirty="0">
-                <a:solidFill>
-                  <a:schemeClr val="bg1">
-                    <a:lumMod val="50000"/>
-                  </a:schemeClr>
-                </a:solidFill>
-              </a:rPr>
-              <a:t>Artificial neural network model for forecasting sub-hourly electricity usage in Commercial buildings</a:t>
-            </a:r>
-            <a:endParaRPr lang="ko-KR" altLang="en-US" sz="1600" dirty="0">
+            <a:pPr algn="ctr"/>
+            <a:r>
+              <a:rPr lang="en-US" altLang="ko-KR" sz="1400" dirty="0">
+                <a:solidFill>
+                  <a:srgbClr val="768FD4"/>
+                </a:solidFill>
+              </a:rPr>
+              <a:t>2. Artificial neural network model for forecasting </a:t>
+            </a:r>
+            <a:br>
+              <a:rPr lang="en-US" altLang="ko-KR" sz="1400" dirty="0">
+                <a:solidFill>
+                  <a:srgbClr val="768FD4"/>
+                </a:solidFill>
+              </a:rPr>
+            </a:br>
+            <a:r>
+              <a:rPr lang="en-US" altLang="ko-KR" sz="1400" dirty="0">
+                <a:solidFill>
+                  <a:srgbClr val="768FD4"/>
+                </a:solidFill>
+              </a:rPr>
+              <a:t>sub-hourly electricity usage in Commercial buildings</a:t>
+            </a:r>
+            <a:endParaRPr lang="ko-KR" altLang="en-US" sz="1400" dirty="0">
               <a:solidFill>
-                <a:schemeClr val="bg1">
-                  <a:lumMod val="50000"/>
-                </a:schemeClr>
+                <a:srgbClr val="768FD4"/>
               </a:solidFill>
             </a:endParaRPr>
           </a:p>
@@ -10235,10 +12988,10 @@
       </p:sp>
       <p:sp>
         <p:nvSpPr>
-          <p:cNvPr id="11" name="TextBox 10">
-            <a:extLst>
-              <a:ext uri="{FF2B5EF4-FFF2-40B4-BE49-F238E27FC236}">
-                <a16:creationId xmlns:a16="http://schemas.microsoft.com/office/drawing/2014/main" id="{9B6A7BE8-DA0E-E598-1132-9B432BA49502}"/>
+          <p:cNvPr id="16" name="TextBox 15">
+            <a:extLst>
+              <a:ext uri="{FF2B5EF4-FFF2-40B4-BE49-F238E27FC236}">
+                <a16:creationId xmlns:a16="http://schemas.microsoft.com/office/drawing/2014/main" id="{E59FB98E-17EB-EDDD-8E56-9B0890F28171}"/>
               </a:ext>
             </a:extLst>
           </p:cNvPr>
@@ -10247,8 +13000,8 @@
         </p:nvSpPr>
         <p:spPr>
           <a:xfrm>
-            <a:off x="567646" y="612058"/>
-            <a:ext cx="5351911" cy="574966"/>
+            <a:off x="401234" y="626776"/>
+            <a:ext cx="2668343" cy="494494"/>
           </a:xfrm>
           <a:prstGeom prst="rect">
             <a:avLst/>
@@ -10272,14 +13025,399 @@
               <a:buChar char="v"/>
             </a:pPr>
             <a:r>
-              <a:rPr lang="en-US" altLang="ko-KR" sz="2400" b="1" dirty="0"/>
+              <a:rPr lang="en-US" altLang="ko-KR" sz="2000" b="1" dirty="0">
+                <a:solidFill>
+                  <a:srgbClr val="253A75"/>
+                </a:solidFill>
+              </a:rPr>
+              <a:t> Introduction</a:t>
+            </a:r>
+          </a:p>
+        </p:txBody>
+      </p:sp>
+      <p:sp>
+        <p:nvSpPr>
+          <p:cNvPr id="5" name="직사각형 4">
+            <a:extLst>
+              <a:ext uri="{FF2B5EF4-FFF2-40B4-BE49-F238E27FC236}">
+                <a16:creationId xmlns:a16="http://schemas.microsoft.com/office/drawing/2014/main" id="{AC0CC513-A29D-4842-9FF9-B89CFBE6E051}"/>
+              </a:ext>
+            </a:extLst>
+          </p:cNvPr>
+          <p:cNvSpPr/>
+          <p:nvPr/>
+        </p:nvSpPr>
+        <p:spPr>
+          <a:xfrm>
+            <a:off x="-12000" y="-25580"/>
+            <a:ext cx="4068000" cy="88175"/>
+          </a:xfrm>
+          <a:prstGeom prst="rect">
+            <a:avLst/>
+          </a:prstGeom>
+          <a:solidFill>
+            <a:srgbClr val="D6DDF2">
+              <a:alpha val="80000"/>
+            </a:srgbClr>
+          </a:solidFill>
+          <a:ln>
+            <a:noFill/>
+          </a:ln>
+        </p:spPr>
+        <p:style>
+          <a:lnRef idx="2">
+            <a:schemeClr val="accent1">
+              <a:shade val="50000"/>
+            </a:schemeClr>
+          </a:lnRef>
+          <a:fillRef idx="1">
+            <a:schemeClr val="accent1"/>
+          </a:fillRef>
+          <a:effectRef idx="0">
+            <a:schemeClr val="accent1"/>
+          </a:effectRef>
+          <a:fontRef idx="minor">
+            <a:schemeClr val="lt1"/>
+          </a:fontRef>
+        </p:style>
+        <p:txBody>
+          <a:bodyPr rtlCol="0" anchor="ctr"/>
+          <a:lstStyle/>
+          <a:p>
+            <a:pPr algn="ctr"/>
+            <a:endParaRPr lang="ko-KR" altLang="en-US"/>
+          </a:p>
+        </p:txBody>
+      </p:sp>
+      <p:sp>
+        <p:nvSpPr>
+          <p:cNvPr id="17" name="직사각형 16">
+            <a:extLst>
+              <a:ext uri="{FF2B5EF4-FFF2-40B4-BE49-F238E27FC236}">
+                <a16:creationId xmlns:a16="http://schemas.microsoft.com/office/drawing/2014/main" id="{C6B2F9B1-F615-EE80-9CA5-57A4BCFACEBB}"/>
+              </a:ext>
+            </a:extLst>
+          </p:cNvPr>
+          <p:cNvSpPr/>
+          <p:nvPr/>
+        </p:nvSpPr>
+        <p:spPr>
+          <a:xfrm>
+            <a:off x="4056000" y="-25581"/>
+            <a:ext cx="4068000" cy="88175"/>
+          </a:xfrm>
+          <a:prstGeom prst="rect">
+            <a:avLst/>
+          </a:prstGeom>
+          <a:solidFill>
+            <a:srgbClr val="768FD4">
+              <a:alpha val="80000"/>
+            </a:srgbClr>
+          </a:solidFill>
+          <a:ln>
+            <a:noFill/>
+          </a:ln>
+        </p:spPr>
+        <p:style>
+          <a:lnRef idx="2">
+            <a:schemeClr val="accent1">
+              <a:shade val="50000"/>
+            </a:schemeClr>
+          </a:lnRef>
+          <a:fillRef idx="1">
+            <a:schemeClr val="accent1"/>
+          </a:fillRef>
+          <a:effectRef idx="0">
+            <a:schemeClr val="accent1"/>
+          </a:effectRef>
+          <a:fontRef idx="minor">
+            <a:schemeClr val="lt1"/>
+          </a:fontRef>
+        </p:style>
+        <p:txBody>
+          <a:bodyPr rtlCol="0" anchor="ctr"/>
+          <a:lstStyle/>
+          <a:p>
+            <a:pPr algn="ctr"/>
+            <a:endParaRPr lang="ko-KR" altLang="en-US"/>
+          </a:p>
+        </p:txBody>
+      </p:sp>
+      <p:sp>
+        <p:nvSpPr>
+          <p:cNvPr id="18" name="직사각형 17">
+            <a:extLst>
+              <a:ext uri="{FF2B5EF4-FFF2-40B4-BE49-F238E27FC236}">
+                <a16:creationId xmlns:a16="http://schemas.microsoft.com/office/drawing/2014/main" id="{D70AC2B5-E49A-DFFF-06EF-9A3970DC596F}"/>
+              </a:ext>
+            </a:extLst>
+          </p:cNvPr>
+          <p:cNvSpPr/>
+          <p:nvPr/>
+        </p:nvSpPr>
+        <p:spPr>
+          <a:xfrm>
+            <a:off x="8124000" y="-24532"/>
+            <a:ext cx="4068000" cy="88175"/>
+          </a:xfrm>
+          <a:prstGeom prst="rect">
+            <a:avLst/>
+          </a:prstGeom>
+          <a:solidFill>
+            <a:srgbClr val="D6DDF2">
+              <a:alpha val="80000"/>
+            </a:srgbClr>
+          </a:solidFill>
+          <a:ln>
+            <a:noFill/>
+          </a:ln>
+        </p:spPr>
+        <p:style>
+          <a:lnRef idx="2">
+            <a:schemeClr val="accent1">
+              <a:shade val="50000"/>
+            </a:schemeClr>
+          </a:lnRef>
+          <a:fillRef idx="1">
+            <a:schemeClr val="accent1"/>
+          </a:fillRef>
+          <a:effectRef idx="0">
+            <a:schemeClr val="accent1"/>
+          </a:effectRef>
+          <a:fontRef idx="minor">
+            <a:schemeClr val="lt1"/>
+          </a:fontRef>
+        </p:style>
+        <p:txBody>
+          <a:bodyPr rtlCol="0" anchor="ctr"/>
+          <a:lstStyle/>
+          <a:p>
+            <a:pPr algn="ctr"/>
+            <a:endParaRPr lang="ko-KR" altLang="en-US"/>
+          </a:p>
+        </p:txBody>
+      </p:sp>
+      <p:sp>
+        <p:nvSpPr>
+          <p:cNvPr id="19" name="제목 1">
+            <a:extLst>
+              <a:ext uri="{FF2B5EF4-FFF2-40B4-BE49-F238E27FC236}">
+                <a16:creationId xmlns:a16="http://schemas.microsoft.com/office/drawing/2014/main" id="{82B1F8BD-579D-5F28-8B2B-1EA39F34B641}"/>
+              </a:ext>
+            </a:extLst>
+          </p:cNvPr>
+          <p:cNvSpPr txBox="1">
+            <a:spLocks/>
+          </p:cNvSpPr>
+          <p:nvPr/>
+        </p:nvSpPr>
+        <p:spPr>
+          <a:xfrm>
+            <a:off x="8231795" y="117587"/>
+            <a:ext cx="3852410" cy="430526"/>
+          </a:xfrm>
+          <a:prstGeom prst="rect">
+            <a:avLst/>
+          </a:prstGeom>
+        </p:spPr>
+        <p:txBody>
+          <a:bodyPr vert="horz" lIns="91440" tIns="45720" rIns="91440" bIns="45720" rtlCol="0" anchor="ctr">
+            <a:noAutofit/>
+          </a:bodyPr>
+          <a:lstStyle>
+            <a:lvl1pPr algn="l" defTabSz="914400" rtl="0" eaLnBrk="1" latinLnBrk="1" hangingPunct="1">
+              <a:lnSpc>
+                <a:spcPct val="90000"/>
+              </a:lnSpc>
+              <a:spcBef>
+                <a:spcPct val="0"/>
+              </a:spcBef>
+              <a:buNone/>
+              <a:defRPr sz="4400" kern="1200">
+                <a:solidFill>
+                  <a:schemeClr val="tx1"/>
+                </a:solidFill>
+                <a:latin typeface="+mj-lt"/>
+                <a:ea typeface="+mj-ea"/>
+                <a:cs typeface="+mj-cs"/>
+              </a:defRPr>
+            </a:lvl1pPr>
+          </a:lstStyle>
+          <a:p>
+            <a:pPr algn="ctr"/>
+            <a:r>
+              <a:rPr lang="en-US" altLang="ko-KR" sz="1400" dirty="0">
+                <a:solidFill>
+                  <a:srgbClr val="D6DDF2"/>
+                </a:solidFill>
+              </a:rPr>
+              <a:t>3. A hybrid model approach for forecasting future residential electricity consumption</a:t>
+            </a:r>
+            <a:endParaRPr lang="ko-KR" altLang="en-US" sz="1400" dirty="0">
+              <a:solidFill>
+                <a:srgbClr val="D6DDF2"/>
+              </a:solidFill>
+            </a:endParaRPr>
+          </a:p>
+        </p:txBody>
+      </p:sp>
+      <p:sp>
+        <p:nvSpPr>
+          <p:cNvPr id="20" name="제목 1">
+            <a:extLst>
+              <a:ext uri="{FF2B5EF4-FFF2-40B4-BE49-F238E27FC236}">
+                <a16:creationId xmlns:a16="http://schemas.microsoft.com/office/drawing/2014/main" id="{96DDE697-49DB-0EB4-1142-98D7E4C9DB79}"/>
+              </a:ext>
+            </a:extLst>
+          </p:cNvPr>
+          <p:cNvSpPr txBox="1">
+            <a:spLocks/>
+          </p:cNvSpPr>
+          <p:nvPr/>
+        </p:nvSpPr>
+        <p:spPr>
+          <a:xfrm>
+            <a:off x="949198" y="117587"/>
+            <a:ext cx="2145601" cy="295237"/>
+          </a:xfrm>
+          <a:prstGeom prst="rect">
+            <a:avLst/>
+          </a:prstGeom>
+        </p:spPr>
+        <p:txBody>
+          <a:bodyPr vert="horz" lIns="91440" tIns="45720" rIns="91440" bIns="45720" rtlCol="0" anchor="ctr">
+            <a:noAutofit/>
+          </a:bodyPr>
+          <a:lstStyle>
+            <a:lvl1pPr algn="l" defTabSz="914400" rtl="0" eaLnBrk="1" latinLnBrk="1" hangingPunct="1">
+              <a:lnSpc>
+                <a:spcPct val="90000"/>
+              </a:lnSpc>
+              <a:spcBef>
+                <a:spcPct val="0"/>
+              </a:spcBef>
+              <a:buNone/>
+              <a:defRPr sz="4400" kern="1200">
+                <a:solidFill>
+                  <a:schemeClr val="tx1"/>
+                </a:solidFill>
+                <a:latin typeface="+mj-lt"/>
+                <a:ea typeface="+mj-ea"/>
+                <a:cs typeface="+mj-cs"/>
+              </a:defRPr>
+            </a:lvl1pPr>
+          </a:lstStyle>
+          <a:p>
+            <a:pPr algn="ctr"/>
+            <a:r>
+              <a:rPr lang="en-US" altLang="ko-KR" sz="1400" dirty="0">
+                <a:solidFill>
+                  <a:srgbClr val="D6DDF2"/>
+                </a:solidFill>
+              </a:rPr>
+              <a:t>1. Prediction</a:t>
+            </a:r>
+            <a:r>
+              <a:rPr lang="ko-KR" altLang="en-US" sz="1400" dirty="0">
+                <a:solidFill>
+                  <a:srgbClr val="D6DDF2"/>
+                </a:solidFill>
+              </a:rPr>
+              <a:t> </a:t>
+            </a:r>
+            <a:r>
+              <a:rPr lang="en-US" altLang="ko-KR" sz="1400" dirty="0">
+                <a:solidFill>
+                  <a:srgbClr val="D6DDF2"/>
+                </a:solidFill>
+              </a:rPr>
+              <a:t>models</a:t>
+            </a:r>
+            <a:endParaRPr lang="ko-KR" altLang="en-US" sz="1400" dirty="0">
+              <a:solidFill>
+                <a:srgbClr val="D6DDF2"/>
+              </a:solidFill>
+            </a:endParaRPr>
+          </a:p>
+        </p:txBody>
+      </p:sp>
+    </p:spTree>
+    <p:extLst>
+      <p:ext uri="{BB962C8B-B14F-4D97-AF65-F5344CB8AC3E}">
+        <p14:creationId xmlns:p14="http://schemas.microsoft.com/office/powerpoint/2010/main" val="1007606599"/>
+      </p:ext>
+    </p:extLst>
+  </p:cSld>
+  <p:clrMapOvr>
+    <a:masterClrMapping/>
+  </p:clrMapOvr>
+</p:sld>
+</file>
+
+<file path=ppt/slides/slide9.xml><?xml version="1.0" encoding="utf-8"?>
+<p:sld xmlns:a="http://schemas.openxmlformats.org/drawingml/2006/main" xmlns:r="http://schemas.openxmlformats.org/officeDocument/2006/relationships" xmlns:p="http://schemas.openxmlformats.org/presentationml/2006/main">
+  <p:cSld>
+    <p:spTree>
+      <p:nvGrpSpPr>
+        <p:cNvPr id="1" name=""/>
+        <p:cNvGrpSpPr/>
+        <p:nvPr/>
+      </p:nvGrpSpPr>
+      <p:grpSpPr>
+        <a:xfrm>
+          <a:off x="0" y="0"/>
+          <a:ext cx="0" cy="0"/>
+          <a:chOff x="0" y="0"/>
+          <a:chExt cx="0" cy="0"/>
+        </a:xfrm>
+      </p:grpSpPr>
+      <p:sp>
+        <p:nvSpPr>
+          <p:cNvPr id="11" name="TextBox 10">
+            <a:extLst>
+              <a:ext uri="{FF2B5EF4-FFF2-40B4-BE49-F238E27FC236}">
+                <a16:creationId xmlns:a16="http://schemas.microsoft.com/office/drawing/2014/main" id="{9B6A7BE8-DA0E-E598-1132-9B432BA49502}"/>
+              </a:ext>
+            </a:extLst>
+          </p:cNvPr>
+          <p:cNvSpPr txBox="1"/>
+          <p:nvPr/>
+        </p:nvSpPr>
+        <p:spPr>
+          <a:xfrm>
+            <a:off x="3420045" y="628788"/>
+            <a:ext cx="5351911" cy="494494"/>
+          </a:xfrm>
+          <a:prstGeom prst="rect">
+            <a:avLst/>
+          </a:prstGeom>
+          <a:noFill/>
+          <a:ln w="44450" cap="rnd">
+            <a:noFill/>
+          </a:ln>
+        </p:spPr>
+        <p:txBody>
+          <a:bodyPr wrap="square" rtlCol="0">
+            <a:spAutoFit/>
+          </a:bodyPr>
+          <a:lstStyle/>
+          <a:p>
+            <a:pPr marL="342900" indent="-342900" algn="ctr">
+              <a:lnSpc>
+                <a:spcPct val="150000"/>
+              </a:lnSpc>
+              <a:buFont typeface="Wingdings" panose="05000000000000000000" pitchFamily="2" charset="2"/>
+              <a:buChar char="v"/>
+            </a:pPr>
+            <a:r>
+              <a:rPr lang="en-US" altLang="ko-KR" sz="2000" b="1" dirty="0"/>
               <a:t> Methodological approach</a:t>
             </a:r>
           </a:p>
         </p:txBody>
       </p:sp>
-      <mc:AlternateContent xmlns:mc="http://schemas.openxmlformats.org/markup-compatibility/2006">
-        <mc:Choice xmlns:a14="http://schemas.microsoft.com/office/drawing/2010/main" Requires="a14">
+      <mc:AlternateContent xmlns:mc="http://schemas.openxmlformats.org/markup-compatibility/2006" xmlns:a14="http://schemas.microsoft.com/office/drawing/2010/main">
+        <mc:Choice Requires="a14">
           <p:sp>
             <p:nvSpPr>
               <p:cNvPr id="8" name="사각형: 둥근 모서리 7">
@@ -10437,7 +13575,7 @@
             </p:txBody>
           </p:sp>
         </mc:Choice>
-        <mc:Fallback>
+        <mc:Fallback xmlns="">
           <p:sp>
             <p:nvSpPr>
               <p:cNvPr id="8" name="사각형: 둥근 모서리 7">
@@ -10501,7 +13639,7 @@
         </p:nvSpPr>
         <p:spPr>
           <a:xfrm>
-            <a:off x="539552" y="1360556"/>
+            <a:off x="539552" y="1280083"/>
             <a:ext cx="5943136" cy="369332"/>
           </a:xfrm>
           <a:prstGeom prst="rect">
@@ -10742,42 +13880,12 @@
           </a:prstGeom>
         </p:spPr>
       </p:pic>
-    </p:spTree>
-    <p:extLst>
-      <p:ext uri="{BB962C8B-B14F-4D97-AF65-F5344CB8AC3E}">
-        <p14:creationId xmlns:p14="http://schemas.microsoft.com/office/powerpoint/2010/main" val="3388572705"/>
-      </p:ext>
-    </p:extLst>
-  </p:cSld>
-  <p:clrMapOvr>
-    <a:masterClrMapping/>
-  </p:clrMapOvr>
-</p:sld>
-</file>
-
-<file path=ppt/slides/slide9.xml><?xml version="1.0" encoding="utf-8"?>
-<p:sld xmlns:a="http://schemas.openxmlformats.org/drawingml/2006/main" xmlns:r="http://schemas.openxmlformats.org/officeDocument/2006/relationships" xmlns:p="http://schemas.openxmlformats.org/presentationml/2006/main">
-  <p:cSld>
-    <p:spTree>
-      <p:nvGrpSpPr>
-        <p:cNvPr id="1" name=""/>
-        <p:cNvGrpSpPr/>
-        <p:nvPr/>
-      </p:nvGrpSpPr>
-      <p:grpSpPr>
-        <a:xfrm>
-          <a:off x="0" y="0"/>
-          <a:ext cx="0" cy="0"/>
-          <a:chOff x="0" y="0"/>
-          <a:chExt cx="0" cy="0"/>
-        </a:xfrm>
-      </p:grpSpPr>
       <p:cxnSp>
         <p:nvCxnSpPr>
-          <p:cNvPr id="3" name="직선 연결선 2">
-            <a:extLst>
-              <a:ext uri="{FF2B5EF4-FFF2-40B4-BE49-F238E27FC236}">
-                <a16:creationId xmlns:a16="http://schemas.microsoft.com/office/drawing/2014/main" id="{DF13A569-CA4A-F583-26A7-EBE49AA065B2}"/>
+          <p:cNvPr id="16" name="직선 연결선 15">
+            <a:extLst>
+              <a:ext uri="{FF2B5EF4-FFF2-40B4-BE49-F238E27FC236}">
+                <a16:creationId xmlns:a16="http://schemas.microsoft.com/office/drawing/2014/main" id="{42C056C8-0FD2-2A4E-4EFD-8AB95EB8D86C}"/>
               </a:ext>
             </a:extLst>
           </p:cNvPr>
@@ -10788,8 +13896,8 @@
         </p:nvCxnSpPr>
         <p:spPr>
           <a:xfrm>
-            <a:off x="539552" y="1187024"/>
-            <a:ext cx="11056703" cy="0"/>
+            <a:off x="419725" y="647378"/>
+            <a:ext cx="11392524" cy="0"/>
           </a:xfrm>
           <a:prstGeom prst="line">
             <a:avLst/>
@@ -10820,10 +13928,10 @@
       </p:cxnSp>
       <p:sp>
         <p:nvSpPr>
-          <p:cNvPr id="9" name="제목 1">
-            <a:extLst>
-              <a:ext uri="{FF2B5EF4-FFF2-40B4-BE49-F238E27FC236}">
-                <a16:creationId xmlns:a16="http://schemas.microsoft.com/office/drawing/2014/main" id="{05596BCF-D308-A29D-49E5-1678F5F8F27E}"/>
+          <p:cNvPr id="17" name="제목 1">
+            <a:extLst>
+              <a:ext uri="{FF2B5EF4-FFF2-40B4-BE49-F238E27FC236}">
+                <a16:creationId xmlns:a16="http://schemas.microsoft.com/office/drawing/2014/main" id="{A89F73C7-5F2D-7F88-5CF2-EC6AC50B919B}"/>
               </a:ext>
             </a:extLst>
           </p:cNvPr>
@@ -10836,8 +13944,8 @@
         </p:nvSpPr>
         <p:spPr>
           <a:xfrm>
-            <a:off x="-14748" y="0"/>
-            <a:ext cx="11056703" cy="378207"/>
+            <a:off x="1231813" y="198262"/>
+            <a:ext cx="9728374" cy="430526"/>
           </a:xfrm>
         </p:spPr>
         <p:txBody>
@@ -10846,15 +13954,12 @@
           </a:bodyPr>
           <a:lstStyle/>
           <a:p>
-            <a:pPr marL="285750" indent="-285750">
-              <a:buFont typeface="Wingdings" panose="05000000000000000000" pitchFamily="2" charset="2"/>
-              <a:buChar char="v"/>
-            </a:pPr>
+            <a:pPr algn="ctr"/>
             <a:r>
               <a:rPr lang="en-US" altLang="ko-KR" sz="1600" dirty="0">
                 <a:solidFill>
-                  <a:schemeClr val="bg1">
-                    <a:lumMod val="50000"/>
+                  <a:schemeClr val="tx2">
+                    <a:lumMod val="75000"/>
                   </a:schemeClr>
                 </a:solidFill>
               </a:rPr>
@@ -10862,141 +13967,18 @@
             </a:r>
             <a:endParaRPr lang="ko-KR" altLang="en-US" sz="1600" dirty="0">
               <a:solidFill>
-                <a:schemeClr val="bg1">
-                  <a:lumMod val="50000"/>
+                <a:schemeClr val="tx2">
+                  <a:lumMod val="75000"/>
                 </a:schemeClr>
               </a:solidFill>
             </a:endParaRPr>
           </a:p>
         </p:txBody>
       </p:sp>
-      <p:sp>
-        <p:nvSpPr>
-          <p:cNvPr id="11" name="TextBox 10">
-            <a:extLst>
-              <a:ext uri="{FF2B5EF4-FFF2-40B4-BE49-F238E27FC236}">
-                <a16:creationId xmlns:a16="http://schemas.microsoft.com/office/drawing/2014/main" id="{9B6A7BE8-DA0E-E598-1132-9B432BA49502}"/>
-              </a:ext>
-            </a:extLst>
-          </p:cNvPr>
-          <p:cNvSpPr txBox="1"/>
-          <p:nvPr/>
-        </p:nvSpPr>
-        <p:spPr>
-          <a:xfrm>
-            <a:off x="567646" y="612058"/>
-            <a:ext cx="5351911" cy="574966"/>
-          </a:xfrm>
-          <a:prstGeom prst="rect">
-            <a:avLst/>
-          </a:prstGeom>
-          <a:noFill/>
-          <a:ln w="44450" cap="rnd">
-            <a:noFill/>
-          </a:ln>
-        </p:spPr>
-        <p:txBody>
-          <a:bodyPr wrap="square" rtlCol="0">
-            <a:spAutoFit/>
-          </a:bodyPr>
-          <a:lstStyle/>
-          <a:p>
-            <a:pPr marL="342900" indent="-342900">
-              <a:lnSpc>
-                <a:spcPct val="150000"/>
-              </a:lnSpc>
-              <a:buFont typeface="Wingdings" panose="05000000000000000000" pitchFamily="2" charset="2"/>
-              <a:buChar char="v"/>
-            </a:pPr>
-            <a:r>
-              <a:rPr lang="en-US" altLang="ko-KR" sz="2400" b="1" dirty="0"/>
-              <a:t> Methodological approach</a:t>
-            </a:r>
-          </a:p>
-        </p:txBody>
-      </p:sp>
-      <p:sp>
-        <p:nvSpPr>
-          <p:cNvPr id="13" name="TextBox 12">
-            <a:extLst>
-              <a:ext uri="{FF2B5EF4-FFF2-40B4-BE49-F238E27FC236}">
-                <a16:creationId xmlns:a16="http://schemas.microsoft.com/office/drawing/2014/main" id="{0FD405ED-5D3F-B00E-324B-64D242A4B44C}"/>
-              </a:ext>
-            </a:extLst>
-          </p:cNvPr>
-          <p:cNvSpPr txBox="1"/>
-          <p:nvPr/>
-        </p:nvSpPr>
-        <p:spPr>
-          <a:xfrm>
-            <a:off x="539552" y="1360556"/>
-            <a:ext cx="5943136" cy="369332"/>
-          </a:xfrm>
-          <a:prstGeom prst="rect">
-            <a:avLst/>
-          </a:prstGeom>
-          <a:noFill/>
-        </p:spPr>
-        <p:txBody>
-          <a:bodyPr wrap="square">
-            <a:spAutoFit/>
-          </a:bodyPr>
-          <a:lstStyle/>
-          <a:p>
-            <a:pPr marL="342900" indent="-342900">
-              <a:buFont typeface="+mj-lt"/>
-              <a:buAutoNum type="arabicPeriod" startAt="2"/>
-            </a:pPr>
-            <a:r>
-              <a:rPr lang="en-US" altLang="ko-KR" b="1" dirty="0">
-                <a:solidFill>
-                  <a:srgbClr val="768FD4"/>
-                </a:solidFill>
-              </a:rPr>
-              <a:t>Data collection and processing</a:t>
-            </a:r>
-            <a:endParaRPr lang="ko-KR" altLang="en-US" b="1" dirty="0">
-              <a:solidFill>
-                <a:srgbClr val="768FD4"/>
-              </a:solidFill>
-            </a:endParaRPr>
-          </a:p>
-        </p:txBody>
-      </p:sp>
-      <p:pic>
-        <p:nvPicPr>
-          <p:cNvPr id="6" name="그림 5">
-            <a:extLst>
-              <a:ext uri="{FF2B5EF4-FFF2-40B4-BE49-F238E27FC236}">
-                <a16:creationId xmlns:a16="http://schemas.microsoft.com/office/drawing/2014/main" id="{5D9640DA-85B5-FE58-1BB4-E71206FB1393}"/>
-              </a:ext>
-            </a:extLst>
-          </p:cNvPr>
-          <p:cNvPicPr>
-            <a:picLocks noChangeAspect="1"/>
-          </p:cNvPicPr>
-          <p:nvPr/>
-        </p:nvPicPr>
-        <p:blipFill>
-          <a:blip r:embed="rId3"/>
-          <a:stretch>
-            <a:fillRect/>
-          </a:stretch>
-        </p:blipFill>
-        <p:spPr>
-          <a:xfrm>
-            <a:off x="2003644" y="1761990"/>
-            <a:ext cx="8184712" cy="5044229"/>
-          </a:xfrm>
-          <a:prstGeom prst="rect">
-            <a:avLst/>
-          </a:prstGeom>
-        </p:spPr>
-      </p:pic>
     </p:spTree>
     <p:extLst>
       <p:ext uri="{BB962C8B-B14F-4D97-AF65-F5344CB8AC3E}">
-        <p14:creationId xmlns:p14="http://schemas.microsoft.com/office/powerpoint/2010/main" val="2119792755"/>
+        <p14:creationId xmlns:p14="http://schemas.microsoft.com/office/powerpoint/2010/main" val="3388572705"/>
       </p:ext>
     </p:extLst>
   </p:cSld>
